--- a/Media/Presentatie1.pptx
+++ b/Media/Presentatie1.pptx
@@ -1,9 +1,12 @@
 
 <file path=ppt/presentation.xml><?xml version="1.0" encoding="utf-8"?>
-<p:presentation xmlns:a="http://schemas.openxmlformats.org/drawingml/2006/main" xmlns:r="http://schemas.openxmlformats.org/officeDocument/2006/relationships" xmlns:p="http://schemas.openxmlformats.org/presentationml/2006/main" saveSubsetFonts="1">
+<p:presentation xmlns:a="http://schemas.openxmlformats.org/drawingml/2006/main" xmlns:r="http://schemas.openxmlformats.org/officeDocument/2006/relationships" xmlns:p="http://schemas.openxmlformats.org/presentationml/2006/main" showSpecialPlsOnTitleSld="0" saveSubsetFonts="1">
   <p:sldMasterIdLst>
     <p:sldMasterId id="2147483648" r:id="rId1"/>
   </p:sldMasterIdLst>
+  <p:notesMasterIdLst>
+    <p:notesMasterId r:id="rId10"/>
+  </p:notesMasterIdLst>
   <p:sldIdLst>
     <p:sldId id="256" r:id="rId2"/>
     <p:sldId id="260" r:id="rId3"/>
@@ -11,7 +14,8 @@
     <p:sldId id="262" r:id="rId5"/>
     <p:sldId id="265" r:id="rId6"/>
     <p:sldId id="267" r:id="rId7"/>
-    <p:sldId id="268" r:id="rId8"/>
+    <p:sldId id="269" r:id="rId8"/>
+    <p:sldId id="268" r:id="rId9"/>
   </p:sldIdLst>
   <p:sldSz cx="12192000" cy="6858000"/>
   <p:notesSz cx="6858000" cy="9144000"/>
@@ -110,7 +114,3284 @@
       </a:defRPr>
     </a:lvl9pPr>
   </p:defaultTextStyle>
+  <p:extLst>
+    <p:ext uri="{EFAFB233-063F-42B5-8137-9DF3F51BA10A}">
+      <p15:sldGuideLst xmlns:p15="http://schemas.microsoft.com/office/powerpoint/2012/main"/>
+    </p:ext>
+  </p:extLst>
 </p:presentation>
+</file>
+
+<file path=ppt/diagrams/colors1.xml><?xml version="1.0" encoding="utf-8"?>
+<dgm:colorsDef xmlns:dgm="http://schemas.openxmlformats.org/drawingml/2006/diagram" xmlns:a="http://schemas.openxmlformats.org/drawingml/2006/main" uniqueId="urn:microsoft.com/office/officeart/2005/8/colors/accent1_2">
+  <dgm:title val=""/>
+  <dgm:desc val=""/>
+  <dgm:catLst>
+    <dgm:cat type="accent1" pri="11200"/>
+  </dgm:catLst>
+  <dgm:styleLbl name="node0">
+    <dgm:fillClrLst meth="repeat">
+      <a:schemeClr val="accent1"/>
+    </dgm:fillClrLst>
+    <dgm:linClrLst meth="repeat">
+      <a:schemeClr val="lt1"/>
+    </dgm:linClrLst>
+    <dgm:effectClrLst/>
+    <dgm:txLinClrLst/>
+    <dgm:txFillClrLst/>
+    <dgm:txEffectClrLst/>
+  </dgm:styleLbl>
+  <dgm:styleLbl name="alignNode1">
+    <dgm:fillClrLst meth="repeat">
+      <a:schemeClr val="accent1"/>
+    </dgm:fillClrLst>
+    <dgm:linClrLst meth="repeat">
+      <a:schemeClr val="accent1"/>
+    </dgm:linClrLst>
+    <dgm:effectClrLst/>
+    <dgm:txLinClrLst/>
+    <dgm:txFillClrLst/>
+    <dgm:txEffectClrLst/>
+  </dgm:styleLbl>
+  <dgm:styleLbl name="node1">
+    <dgm:fillClrLst meth="repeat">
+      <a:schemeClr val="accent1"/>
+    </dgm:fillClrLst>
+    <dgm:linClrLst meth="repeat">
+      <a:schemeClr val="lt1"/>
+    </dgm:linClrLst>
+    <dgm:effectClrLst/>
+    <dgm:txLinClrLst/>
+    <dgm:txFillClrLst/>
+    <dgm:txEffectClrLst/>
+  </dgm:styleLbl>
+  <dgm:styleLbl name="lnNode1">
+    <dgm:fillClrLst meth="repeat">
+      <a:schemeClr val="accent1"/>
+    </dgm:fillClrLst>
+    <dgm:linClrLst meth="repeat">
+      <a:schemeClr val="lt1"/>
+    </dgm:linClrLst>
+    <dgm:effectClrLst/>
+    <dgm:txLinClrLst/>
+    <dgm:txFillClrLst/>
+    <dgm:txEffectClrLst/>
+  </dgm:styleLbl>
+  <dgm:styleLbl name="vennNode1">
+    <dgm:fillClrLst meth="repeat">
+      <a:schemeClr val="accent1">
+        <a:alpha val="50000"/>
+      </a:schemeClr>
+    </dgm:fillClrLst>
+    <dgm:linClrLst meth="repeat">
+      <a:schemeClr val="lt1"/>
+    </dgm:linClrLst>
+    <dgm:effectClrLst/>
+    <dgm:txLinClrLst/>
+    <dgm:txFillClrLst/>
+    <dgm:txEffectClrLst/>
+  </dgm:styleLbl>
+  <dgm:styleLbl name="node2">
+    <dgm:fillClrLst meth="repeat">
+      <a:schemeClr val="accent1"/>
+    </dgm:fillClrLst>
+    <dgm:linClrLst meth="repeat">
+      <a:schemeClr val="lt1"/>
+    </dgm:linClrLst>
+    <dgm:effectClrLst/>
+    <dgm:txLinClrLst/>
+    <dgm:txFillClrLst/>
+    <dgm:txEffectClrLst/>
+  </dgm:styleLbl>
+  <dgm:styleLbl name="node3">
+    <dgm:fillClrLst meth="repeat">
+      <a:schemeClr val="accent1"/>
+    </dgm:fillClrLst>
+    <dgm:linClrLst meth="repeat">
+      <a:schemeClr val="lt1"/>
+    </dgm:linClrLst>
+    <dgm:effectClrLst/>
+    <dgm:txLinClrLst/>
+    <dgm:txFillClrLst/>
+    <dgm:txEffectClrLst/>
+  </dgm:styleLbl>
+  <dgm:styleLbl name="node4">
+    <dgm:fillClrLst meth="repeat">
+      <a:schemeClr val="accent1"/>
+    </dgm:fillClrLst>
+    <dgm:linClrLst meth="repeat">
+      <a:schemeClr val="lt1"/>
+    </dgm:linClrLst>
+    <dgm:effectClrLst/>
+    <dgm:txLinClrLst/>
+    <dgm:txFillClrLst/>
+    <dgm:txEffectClrLst/>
+  </dgm:styleLbl>
+  <dgm:styleLbl name="fgImgPlace1">
+    <dgm:fillClrLst meth="repeat">
+      <a:schemeClr val="accent1">
+        <a:tint val="50000"/>
+      </a:schemeClr>
+    </dgm:fillClrLst>
+    <dgm:linClrLst meth="repeat">
+      <a:schemeClr val="lt1"/>
+    </dgm:linClrLst>
+    <dgm:effectClrLst/>
+    <dgm:txLinClrLst/>
+    <dgm:txFillClrLst meth="repeat">
+      <a:schemeClr val="lt1"/>
+    </dgm:txFillClrLst>
+    <dgm:txEffectClrLst/>
+  </dgm:styleLbl>
+  <dgm:styleLbl name="alignImgPlace1">
+    <dgm:fillClrLst meth="repeat">
+      <a:schemeClr val="accent1">
+        <a:tint val="50000"/>
+      </a:schemeClr>
+    </dgm:fillClrLst>
+    <dgm:linClrLst meth="repeat">
+      <a:schemeClr val="lt1"/>
+    </dgm:linClrLst>
+    <dgm:effectClrLst/>
+    <dgm:txLinClrLst/>
+    <dgm:txFillClrLst meth="repeat">
+      <a:schemeClr val="lt1"/>
+    </dgm:txFillClrLst>
+    <dgm:txEffectClrLst/>
+  </dgm:styleLbl>
+  <dgm:styleLbl name="bgImgPlace1">
+    <dgm:fillClrLst meth="repeat">
+      <a:schemeClr val="accent1">
+        <a:tint val="50000"/>
+      </a:schemeClr>
+    </dgm:fillClrLst>
+    <dgm:linClrLst meth="repeat">
+      <a:schemeClr val="lt1"/>
+    </dgm:linClrLst>
+    <dgm:effectClrLst/>
+    <dgm:txLinClrLst/>
+    <dgm:txFillClrLst meth="repeat">
+      <a:schemeClr val="lt1"/>
+    </dgm:txFillClrLst>
+    <dgm:txEffectClrLst/>
+  </dgm:styleLbl>
+  <dgm:styleLbl name="sibTrans2D1">
+    <dgm:fillClrLst meth="repeat">
+      <a:schemeClr val="accent1">
+        <a:tint val="60000"/>
+      </a:schemeClr>
+    </dgm:fillClrLst>
+    <dgm:linClrLst meth="repeat">
+      <a:schemeClr val="accent1">
+        <a:tint val="60000"/>
+      </a:schemeClr>
+    </dgm:linClrLst>
+    <dgm:effectClrLst/>
+    <dgm:txLinClrLst/>
+    <dgm:txFillClrLst/>
+    <dgm:txEffectClrLst/>
+  </dgm:styleLbl>
+  <dgm:styleLbl name="fgSibTrans2D1">
+    <dgm:fillClrLst meth="repeat">
+      <a:schemeClr val="accent1">
+        <a:tint val="60000"/>
+      </a:schemeClr>
+    </dgm:fillClrLst>
+    <dgm:linClrLst meth="repeat">
+      <a:schemeClr val="accent1">
+        <a:tint val="60000"/>
+      </a:schemeClr>
+    </dgm:linClrLst>
+    <dgm:effectClrLst/>
+    <dgm:txLinClrLst/>
+    <dgm:txFillClrLst/>
+    <dgm:txEffectClrLst/>
+  </dgm:styleLbl>
+  <dgm:styleLbl name="bgSibTrans2D1">
+    <dgm:fillClrLst meth="repeat">
+      <a:schemeClr val="accent1">
+        <a:tint val="60000"/>
+      </a:schemeClr>
+    </dgm:fillClrLst>
+    <dgm:linClrLst meth="repeat">
+      <a:schemeClr val="accent1">
+        <a:tint val="60000"/>
+      </a:schemeClr>
+    </dgm:linClrLst>
+    <dgm:effectClrLst/>
+    <dgm:txLinClrLst/>
+    <dgm:txFillClrLst/>
+    <dgm:txEffectClrLst/>
+  </dgm:styleLbl>
+  <dgm:styleLbl name="sibTrans1D1">
+    <dgm:fillClrLst meth="repeat">
+      <a:schemeClr val="accent1"/>
+    </dgm:fillClrLst>
+    <dgm:linClrLst meth="repeat">
+      <a:schemeClr val="accent1"/>
+    </dgm:linClrLst>
+    <dgm:effectClrLst/>
+    <dgm:txLinClrLst/>
+    <dgm:txFillClrLst meth="repeat">
+      <a:schemeClr val="tx1"/>
+    </dgm:txFillClrLst>
+    <dgm:txEffectClrLst/>
+  </dgm:styleLbl>
+  <dgm:styleLbl name="callout">
+    <dgm:fillClrLst meth="repeat">
+      <a:schemeClr val="accent1"/>
+    </dgm:fillClrLst>
+    <dgm:linClrLst meth="repeat">
+      <a:schemeClr val="accent1">
+        <a:tint val="50000"/>
+      </a:schemeClr>
+    </dgm:linClrLst>
+    <dgm:effectClrLst/>
+    <dgm:txLinClrLst/>
+    <dgm:txFillClrLst meth="repeat">
+      <a:schemeClr val="tx1"/>
+    </dgm:txFillClrLst>
+    <dgm:txEffectClrLst/>
+  </dgm:styleLbl>
+  <dgm:styleLbl name="asst0">
+    <dgm:fillClrLst meth="repeat">
+      <a:schemeClr val="accent1"/>
+    </dgm:fillClrLst>
+    <dgm:linClrLst meth="repeat">
+      <a:schemeClr val="lt1"/>
+    </dgm:linClrLst>
+    <dgm:effectClrLst/>
+    <dgm:txLinClrLst/>
+    <dgm:txFillClrLst/>
+    <dgm:txEffectClrLst/>
+  </dgm:styleLbl>
+  <dgm:styleLbl name="asst1">
+    <dgm:fillClrLst meth="repeat">
+      <a:schemeClr val="accent1"/>
+    </dgm:fillClrLst>
+    <dgm:linClrLst meth="repeat">
+      <a:schemeClr val="lt1"/>
+    </dgm:linClrLst>
+    <dgm:effectClrLst/>
+    <dgm:txLinClrLst/>
+    <dgm:txFillClrLst/>
+    <dgm:txEffectClrLst/>
+  </dgm:styleLbl>
+  <dgm:styleLbl name="asst2">
+    <dgm:fillClrLst meth="repeat">
+      <a:schemeClr val="accent1"/>
+    </dgm:fillClrLst>
+    <dgm:linClrLst meth="repeat">
+      <a:schemeClr val="lt1"/>
+    </dgm:linClrLst>
+    <dgm:effectClrLst/>
+    <dgm:txLinClrLst/>
+    <dgm:txFillClrLst/>
+    <dgm:txEffectClrLst/>
+  </dgm:styleLbl>
+  <dgm:styleLbl name="asst3">
+    <dgm:fillClrLst meth="repeat">
+      <a:schemeClr val="accent1"/>
+    </dgm:fillClrLst>
+    <dgm:linClrLst meth="repeat">
+      <a:schemeClr val="lt1"/>
+    </dgm:linClrLst>
+    <dgm:effectClrLst/>
+    <dgm:txLinClrLst/>
+    <dgm:txFillClrLst/>
+    <dgm:txEffectClrLst/>
+  </dgm:styleLbl>
+  <dgm:styleLbl name="asst4">
+    <dgm:fillClrLst meth="repeat">
+      <a:schemeClr val="accent1"/>
+    </dgm:fillClrLst>
+    <dgm:linClrLst meth="repeat">
+      <a:schemeClr val="lt1"/>
+    </dgm:linClrLst>
+    <dgm:effectClrLst/>
+    <dgm:txLinClrLst/>
+    <dgm:txFillClrLst/>
+    <dgm:txEffectClrLst/>
+  </dgm:styleLbl>
+  <dgm:styleLbl name="parChTrans2D1">
+    <dgm:fillClrLst meth="repeat">
+      <a:schemeClr val="accent1">
+        <a:tint val="60000"/>
+      </a:schemeClr>
+    </dgm:fillClrLst>
+    <dgm:linClrLst meth="repeat">
+      <a:schemeClr val="accent1">
+        <a:tint val="60000"/>
+      </a:schemeClr>
+    </dgm:linClrLst>
+    <dgm:effectClrLst/>
+    <dgm:txLinClrLst/>
+    <dgm:txFillClrLst meth="repeat">
+      <a:schemeClr val="lt1"/>
+    </dgm:txFillClrLst>
+    <dgm:txEffectClrLst/>
+  </dgm:styleLbl>
+  <dgm:styleLbl name="parChTrans2D2">
+    <dgm:fillClrLst meth="repeat">
+      <a:schemeClr val="accent1"/>
+    </dgm:fillClrLst>
+    <dgm:linClrLst meth="repeat">
+      <a:schemeClr val="accent1"/>
+    </dgm:linClrLst>
+    <dgm:effectClrLst/>
+    <dgm:txLinClrLst/>
+    <dgm:txFillClrLst meth="repeat">
+      <a:schemeClr val="lt1"/>
+    </dgm:txFillClrLst>
+    <dgm:txEffectClrLst/>
+  </dgm:styleLbl>
+  <dgm:styleLbl name="parChTrans2D3">
+    <dgm:fillClrLst meth="repeat">
+      <a:schemeClr val="accent1"/>
+    </dgm:fillClrLst>
+    <dgm:linClrLst meth="repeat">
+      <a:schemeClr val="accent1"/>
+    </dgm:linClrLst>
+    <dgm:effectClrLst/>
+    <dgm:txLinClrLst/>
+    <dgm:txFillClrLst meth="repeat">
+      <a:schemeClr val="lt1"/>
+    </dgm:txFillClrLst>
+    <dgm:txEffectClrLst/>
+  </dgm:styleLbl>
+  <dgm:styleLbl name="parChTrans2D4">
+    <dgm:fillClrLst meth="repeat">
+      <a:schemeClr val="accent1"/>
+    </dgm:fillClrLst>
+    <dgm:linClrLst meth="repeat">
+      <a:schemeClr val="accent1"/>
+    </dgm:linClrLst>
+    <dgm:effectClrLst/>
+    <dgm:txLinClrLst/>
+    <dgm:txFillClrLst meth="repeat">
+      <a:schemeClr val="lt1"/>
+    </dgm:txFillClrLst>
+    <dgm:txEffectClrLst/>
+  </dgm:styleLbl>
+  <dgm:styleLbl name="parChTrans1D1">
+    <dgm:fillClrLst meth="repeat">
+      <a:schemeClr val="accent1"/>
+    </dgm:fillClrLst>
+    <dgm:linClrLst meth="repeat">
+      <a:schemeClr val="accent1">
+        <a:shade val="60000"/>
+      </a:schemeClr>
+    </dgm:linClrLst>
+    <dgm:effectClrLst/>
+    <dgm:txLinClrLst/>
+    <dgm:txFillClrLst meth="repeat">
+      <a:schemeClr val="tx1"/>
+    </dgm:txFillClrLst>
+    <dgm:txEffectClrLst/>
+  </dgm:styleLbl>
+  <dgm:styleLbl name="parChTrans1D2">
+    <dgm:fillClrLst meth="repeat">
+      <a:schemeClr val="accent1"/>
+    </dgm:fillClrLst>
+    <dgm:linClrLst meth="repeat">
+      <a:schemeClr val="accent1">
+        <a:shade val="60000"/>
+      </a:schemeClr>
+    </dgm:linClrLst>
+    <dgm:effectClrLst/>
+    <dgm:txLinClrLst/>
+    <dgm:txFillClrLst meth="repeat">
+      <a:schemeClr val="tx1"/>
+    </dgm:txFillClrLst>
+    <dgm:txEffectClrLst/>
+  </dgm:styleLbl>
+  <dgm:styleLbl name="parChTrans1D3">
+    <dgm:fillClrLst meth="repeat">
+      <a:schemeClr val="accent1"/>
+    </dgm:fillClrLst>
+    <dgm:linClrLst meth="repeat">
+      <a:schemeClr val="accent1">
+        <a:shade val="80000"/>
+      </a:schemeClr>
+    </dgm:linClrLst>
+    <dgm:effectClrLst/>
+    <dgm:txLinClrLst/>
+    <dgm:txFillClrLst meth="repeat">
+      <a:schemeClr val="tx1"/>
+    </dgm:txFillClrLst>
+    <dgm:txEffectClrLst/>
+  </dgm:styleLbl>
+  <dgm:styleLbl name="parChTrans1D4">
+    <dgm:fillClrLst meth="repeat">
+      <a:schemeClr val="accent1"/>
+    </dgm:fillClrLst>
+    <dgm:linClrLst meth="repeat">
+      <a:schemeClr val="accent1">
+        <a:shade val="80000"/>
+      </a:schemeClr>
+    </dgm:linClrLst>
+    <dgm:effectClrLst/>
+    <dgm:txLinClrLst/>
+    <dgm:txFillClrLst meth="repeat">
+      <a:schemeClr val="tx1"/>
+    </dgm:txFillClrLst>
+    <dgm:txEffectClrLst/>
+  </dgm:styleLbl>
+  <dgm:styleLbl name="fgAcc1">
+    <dgm:fillClrLst meth="repeat">
+      <a:schemeClr val="lt1">
+        <a:alpha val="90000"/>
+      </a:schemeClr>
+    </dgm:fillClrLst>
+    <dgm:linClrLst meth="repeat">
+      <a:schemeClr val="accent1"/>
+    </dgm:linClrLst>
+    <dgm:effectClrLst/>
+    <dgm:txLinClrLst/>
+    <dgm:txFillClrLst meth="repeat">
+      <a:schemeClr val="dk1"/>
+    </dgm:txFillClrLst>
+    <dgm:txEffectClrLst/>
+  </dgm:styleLbl>
+  <dgm:styleLbl name="conFgAcc1">
+    <dgm:fillClrLst meth="repeat">
+      <a:schemeClr val="lt1">
+        <a:alpha val="90000"/>
+      </a:schemeClr>
+    </dgm:fillClrLst>
+    <dgm:linClrLst meth="repeat">
+      <a:schemeClr val="accent1"/>
+    </dgm:linClrLst>
+    <dgm:effectClrLst/>
+    <dgm:txLinClrLst/>
+    <dgm:txFillClrLst meth="repeat">
+      <a:schemeClr val="dk1"/>
+    </dgm:txFillClrLst>
+    <dgm:txEffectClrLst/>
+  </dgm:styleLbl>
+  <dgm:styleLbl name="alignAcc1">
+    <dgm:fillClrLst meth="repeat">
+      <a:schemeClr val="lt1">
+        <a:alpha val="90000"/>
+      </a:schemeClr>
+    </dgm:fillClrLst>
+    <dgm:linClrLst meth="repeat">
+      <a:schemeClr val="accent1"/>
+    </dgm:linClrLst>
+    <dgm:effectClrLst/>
+    <dgm:txLinClrLst/>
+    <dgm:txFillClrLst meth="repeat">
+      <a:schemeClr val="dk1"/>
+    </dgm:txFillClrLst>
+    <dgm:txEffectClrLst/>
+  </dgm:styleLbl>
+  <dgm:styleLbl name="trAlignAcc1">
+    <dgm:fillClrLst meth="repeat">
+      <a:schemeClr val="lt1">
+        <a:alpha val="40000"/>
+      </a:schemeClr>
+    </dgm:fillClrLst>
+    <dgm:linClrLst meth="repeat">
+      <a:schemeClr val="accent1"/>
+    </dgm:linClrLst>
+    <dgm:effectClrLst/>
+    <dgm:txLinClrLst/>
+    <dgm:txFillClrLst meth="repeat">
+      <a:schemeClr val="dk1"/>
+    </dgm:txFillClrLst>
+    <dgm:txEffectClrLst/>
+  </dgm:styleLbl>
+  <dgm:styleLbl name="bgAcc1">
+    <dgm:fillClrLst meth="repeat">
+      <a:schemeClr val="lt1">
+        <a:alpha val="90000"/>
+      </a:schemeClr>
+    </dgm:fillClrLst>
+    <dgm:linClrLst meth="repeat">
+      <a:schemeClr val="accent1"/>
+    </dgm:linClrLst>
+    <dgm:effectClrLst/>
+    <dgm:txLinClrLst/>
+    <dgm:txFillClrLst meth="repeat">
+      <a:schemeClr val="dk1"/>
+    </dgm:txFillClrLst>
+    <dgm:txEffectClrLst/>
+  </dgm:styleLbl>
+  <dgm:styleLbl name="solidFgAcc1">
+    <dgm:fillClrLst meth="repeat">
+      <a:schemeClr val="lt1"/>
+    </dgm:fillClrLst>
+    <dgm:linClrLst meth="repeat">
+      <a:schemeClr val="accent1"/>
+    </dgm:linClrLst>
+    <dgm:effectClrLst/>
+    <dgm:txLinClrLst/>
+    <dgm:txFillClrLst meth="repeat">
+      <a:schemeClr val="dk1"/>
+    </dgm:txFillClrLst>
+    <dgm:txEffectClrLst/>
+  </dgm:styleLbl>
+  <dgm:styleLbl name="solidAlignAcc1">
+    <dgm:fillClrLst meth="repeat">
+      <a:schemeClr val="lt1"/>
+    </dgm:fillClrLst>
+    <dgm:linClrLst meth="repeat">
+      <a:schemeClr val="accent1"/>
+    </dgm:linClrLst>
+    <dgm:effectClrLst/>
+    <dgm:txLinClrLst/>
+    <dgm:txFillClrLst meth="repeat">
+      <a:schemeClr val="dk1"/>
+    </dgm:txFillClrLst>
+    <dgm:txEffectClrLst/>
+  </dgm:styleLbl>
+  <dgm:styleLbl name="solidBgAcc1">
+    <dgm:fillClrLst meth="repeat">
+      <a:schemeClr val="lt1"/>
+    </dgm:fillClrLst>
+    <dgm:linClrLst meth="repeat">
+      <a:schemeClr val="accent1"/>
+    </dgm:linClrLst>
+    <dgm:effectClrLst/>
+    <dgm:txLinClrLst/>
+    <dgm:txFillClrLst meth="repeat">
+      <a:schemeClr val="dk1"/>
+    </dgm:txFillClrLst>
+    <dgm:txEffectClrLst/>
+  </dgm:styleLbl>
+  <dgm:styleLbl name="fgAccFollowNode1">
+    <dgm:fillClrLst meth="repeat">
+      <a:schemeClr val="accent1">
+        <a:alpha val="90000"/>
+        <a:tint val="40000"/>
+      </a:schemeClr>
+    </dgm:fillClrLst>
+    <dgm:linClrLst meth="repeat">
+      <a:schemeClr val="accent1">
+        <a:alpha val="90000"/>
+        <a:tint val="40000"/>
+      </a:schemeClr>
+    </dgm:linClrLst>
+    <dgm:effectClrLst/>
+    <dgm:txLinClrLst/>
+    <dgm:txFillClrLst meth="repeat">
+      <a:schemeClr val="dk1"/>
+    </dgm:txFillClrLst>
+    <dgm:txEffectClrLst/>
+  </dgm:styleLbl>
+  <dgm:styleLbl name="alignAccFollowNode1">
+    <dgm:fillClrLst meth="repeat">
+      <a:schemeClr val="accent1">
+        <a:alpha val="90000"/>
+        <a:tint val="40000"/>
+      </a:schemeClr>
+    </dgm:fillClrLst>
+    <dgm:linClrLst meth="repeat">
+      <a:schemeClr val="accent1">
+        <a:alpha val="90000"/>
+        <a:tint val="40000"/>
+      </a:schemeClr>
+    </dgm:linClrLst>
+    <dgm:effectClrLst/>
+    <dgm:txLinClrLst/>
+    <dgm:txFillClrLst meth="repeat">
+      <a:schemeClr val="dk1"/>
+    </dgm:txFillClrLst>
+    <dgm:txEffectClrLst/>
+  </dgm:styleLbl>
+  <dgm:styleLbl name="bgAccFollowNode1">
+    <dgm:fillClrLst meth="repeat">
+      <a:schemeClr val="accent1">
+        <a:alpha val="90000"/>
+        <a:tint val="40000"/>
+      </a:schemeClr>
+    </dgm:fillClrLst>
+    <dgm:linClrLst meth="repeat">
+      <a:schemeClr val="accent1">
+        <a:alpha val="90000"/>
+        <a:tint val="40000"/>
+      </a:schemeClr>
+    </dgm:linClrLst>
+    <dgm:effectClrLst/>
+    <dgm:txLinClrLst/>
+    <dgm:txFillClrLst meth="repeat">
+      <a:schemeClr val="dk1"/>
+    </dgm:txFillClrLst>
+    <dgm:txEffectClrLst/>
+  </dgm:styleLbl>
+  <dgm:styleLbl name="fgAcc0">
+    <dgm:fillClrLst meth="repeat">
+      <a:schemeClr val="lt1">
+        <a:alpha val="90000"/>
+      </a:schemeClr>
+    </dgm:fillClrLst>
+    <dgm:linClrLst meth="repeat">
+      <a:schemeClr val="accent1"/>
+    </dgm:linClrLst>
+    <dgm:effectClrLst/>
+    <dgm:txLinClrLst/>
+    <dgm:txFillClrLst meth="repeat">
+      <a:schemeClr val="dk1"/>
+    </dgm:txFillClrLst>
+    <dgm:txEffectClrLst/>
+  </dgm:styleLbl>
+  <dgm:styleLbl name="fgAcc2">
+    <dgm:fillClrLst meth="repeat">
+      <a:schemeClr val="lt1">
+        <a:alpha val="90000"/>
+      </a:schemeClr>
+    </dgm:fillClrLst>
+    <dgm:linClrLst meth="repeat">
+      <a:schemeClr val="accent1"/>
+    </dgm:linClrLst>
+    <dgm:effectClrLst/>
+    <dgm:txLinClrLst/>
+    <dgm:txFillClrLst meth="repeat">
+      <a:schemeClr val="dk1"/>
+    </dgm:txFillClrLst>
+    <dgm:txEffectClrLst/>
+  </dgm:styleLbl>
+  <dgm:styleLbl name="fgAcc3">
+    <dgm:fillClrLst meth="repeat">
+      <a:schemeClr val="lt1">
+        <a:alpha val="90000"/>
+      </a:schemeClr>
+    </dgm:fillClrLst>
+    <dgm:linClrLst meth="repeat">
+      <a:schemeClr val="accent1"/>
+    </dgm:linClrLst>
+    <dgm:effectClrLst/>
+    <dgm:txLinClrLst/>
+    <dgm:txFillClrLst meth="repeat">
+      <a:schemeClr val="dk1"/>
+    </dgm:txFillClrLst>
+    <dgm:txEffectClrLst/>
+  </dgm:styleLbl>
+  <dgm:styleLbl name="fgAcc4">
+    <dgm:fillClrLst meth="repeat">
+      <a:schemeClr val="lt1">
+        <a:alpha val="90000"/>
+      </a:schemeClr>
+    </dgm:fillClrLst>
+    <dgm:linClrLst meth="repeat">
+      <a:schemeClr val="accent1"/>
+    </dgm:linClrLst>
+    <dgm:effectClrLst/>
+    <dgm:txLinClrLst/>
+    <dgm:txFillClrLst meth="repeat">
+      <a:schemeClr val="dk1"/>
+    </dgm:txFillClrLst>
+    <dgm:txEffectClrLst/>
+  </dgm:styleLbl>
+  <dgm:styleLbl name="bgShp">
+    <dgm:fillClrLst meth="repeat">
+      <a:schemeClr val="accent1">
+        <a:tint val="40000"/>
+      </a:schemeClr>
+    </dgm:fillClrLst>
+    <dgm:linClrLst meth="repeat">
+      <a:schemeClr val="accent1"/>
+    </dgm:linClrLst>
+    <dgm:effectClrLst/>
+    <dgm:txLinClrLst/>
+    <dgm:txFillClrLst meth="repeat">
+      <a:schemeClr val="dk1"/>
+    </dgm:txFillClrLst>
+    <dgm:txEffectClrLst/>
+  </dgm:styleLbl>
+  <dgm:styleLbl name="dkBgShp">
+    <dgm:fillClrLst meth="repeat">
+      <a:schemeClr val="accent1">
+        <a:shade val="80000"/>
+      </a:schemeClr>
+    </dgm:fillClrLst>
+    <dgm:linClrLst meth="repeat">
+      <a:schemeClr val="accent1"/>
+    </dgm:linClrLst>
+    <dgm:effectClrLst/>
+    <dgm:txLinClrLst/>
+    <dgm:txFillClrLst meth="repeat">
+      <a:schemeClr val="lt1"/>
+    </dgm:txFillClrLst>
+    <dgm:txEffectClrLst/>
+  </dgm:styleLbl>
+  <dgm:styleLbl name="trBgShp">
+    <dgm:fillClrLst meth="repeat">
+      <a:schemeClr val="accent1">
+        <a:tint val="50000"/>
+        <a:alpha val="40000"/>
+      </a:schemeClr>
+    </dgm:fillClrLst>
+    <dgm:linClrLst meth="repeat">
+      <a:schemeClr val="accent1"/>
+    </dgm:linClrLst>
+    <dgm:effectClrLst/>
+    <dgm:txLinClrLst/>
+    <dgm:txFillClrLst meth="repeat">
+      <a:schemeClr val="lt1"/>
+    </dgm:txFillClrLst>
+    <dgm:txEffectClrLst/>
+  </dgm:styleLbl>
+  <dgm:styleLbl name="fgShp">
+    <dgm:fillClrLst meth="repeat">
+      <a:schemeClr val="accent1">
+        <a:tint val="60000"/>
+      </a:schemeClr>
+    </dgm:fillClrLst>
+    <dgm:linClrLst meth="repeat">
+      <a:schemeClr val="lt1"/>
+    </dgm:linClrLst>
+    <dgm:effectClrLst/>
+    <dgm:txLinClrLst/>
+    <dgm:txFillClrLst meth="repeat">
+      <a:schemeClr val="dk1"/>
+    </dgm:txFillClrLst>
+    <dgm:txEffectClrLst/>
+  </dgm:styleLbl>
+  <dgm:styleLbl name="revTx">
+    <dgm:fillClrLst meth="repeat">
+      <a:schemeClr val="lt1">
+        <a:alpha val="0"/>
+      </a:schemeClr>
+    </dgm:fillClrLst>
+    <dgm:linClrLst meth="repeat">
+      <a:schemeClr val="dk1">
+        <a:alpha val="0"/>
+      </a:schemeClr>
+    </dgm:linClrLst>
+    <dgm:effectClrLst/>
+    <dgm:txLinClrLst/>
+    <dgm:txFillClrLst meth="repeat">
+      <a:schemeClr val="tx1"/>
+    </dgm:txFillClrLst>
+    <dgm:txEffectClrLst/>
+  </dgm:styleLbl>
+</dgm:colorsDef>
+</file>
+
+<file path=ppt/diagrams/data1.xml><?xml version="1.0" encoding="utf-8"?>
+<dgm:dataModel xmlns:dgm="http://schemas.openxmlformats.org/drawingml/2006/diagram" xmlns:a="http://schemas.openxmlformats.org/drawingml/2006/main">
+  <dgm:ptLst>
+    <dgm:pt modelId="{54C9905F-3B3D-455E-974E-E8C0AAB59C71}" type="doc">
+      <dgm:prSet loTypeId="urn:microsoft.com/office/officeart/2005/8/layout/list1" loCatId="list" qsTypeId="urn:microsoft.com/office/officeart/2005/8/quickstyle/simple1" qsCatId="simple" csTypeId="urn:microsoft.com/office/officeart/2005/8/colors/accent1_2" csCatId="accent1" phldr="1"/>
+      <dgm:spPr/>
+      <dgm:t>
+        <a:bodyPr/>
+        <a:lstStyle/>
+        <a:p>
+          <a:endParaRPr lang="en-US"/>
+        </a:p>
+      </dgm:t>
+    </dgm:pt>
+    <dgm:pt modelId="{C39F3EEA-CFC1-4C40-9A72-9B007BE61767}">
+      <dgm:prSet/>
+      <dgm:spPr>
+        <a:solidFill>
+          <a:schemeClr val="accent2"/>
+        </a:solidFill>
+      </dgm:spPr>
+      <dgm:t>
+        <a:bodyPr/>
+        <a:lstStyle/>
+        <a:p>
+          <a:r>
+            <a:rPr lang="en-US" dirty="0"/>
+            <a:t>Continuity test</a:t>
+          </a:r>
+        </a:p>
+      </dgm:t>
+    </dgm:pt>
+    <dgm:pt modelId="{0CA868FF-DF84-484B-B808-819667A9BF87}" type="parTrans" cxnId="{EFDCE50C-5EAD-4DF1-A3EE-E40DF7EF55CA}">
+      <dgm:prSet/>
+      <dgm:spPr/>
+      <dgm:t>
+        <a:bodyPr/>
+        <a:lstStyle/>
+        <a:p>
+          <a:endParaRPr lang="en-US"/>
+        </a:p>
+      </dgm:t>
+    </dgm:pt>
+    <dgm:pt modelId="{E9480FAE-3261-4FFC-A341-029FC14A06F4}" type="sibTrans" cxnId="{EFDCE50C-5EAD-4DF1-A3EE-E40DF7EF55CA}">
+      <dgm:prSet/>
+      <dgm:spPr/>
+      <dgm:t>
+        <a:bodyPr/>
+        <a:lstStyle/>
+        <a:p>
+          <a:endParaRPr lang="en-US"/>
+        </a:p>
+      </dgm:t>
+    </dgm:pt>
+    <dgm:pt modelId="{1923D011-25A8-4149-9F51-98E365F8244A}">
+      <dgm:prSet/>
+      <dgm:spPr>
+        <a:solidFill>
+          <a:schemeClr val="accent2"/>
+        </a:solidFill>
+        <a:ln>
+          <a:solidFill>
+            <a:schemeClr val="accent2"/>
+          </a:solidFill>
+        </a:ln>
+      </dgm:spPr>
+      <dgm:t>
+        <a:bodyPr/>
+        <a:lstStyle/>
+        <a:p>
+          <a:r>
+            <a:rPr lang="en-US"/>
+            <a:t>DC power supply </a:t>
+          </a:r>
+        </a:p>
+      </dgm:t>
+    </dgm:pt>
+    <dgm:pt modelId="{F8522811-A2E1-4EFC-8AE3-C6ED7FDCEE11}" type="parTrans" cxnId="{7A43CDB1-E378-468F-A700-1E41193898A4}">
+      <dgm:prSet/>
+      <dgm:spPr/>
+      <dgm:t>
+        <a:bodyPr/>
+        <a:lstStyle/>
+        <a:p>
+          <a:endParaRPr lang="en-US"/>
+        </a:p>
+      </dgm:t>
+    </dgm:pt>
+    <dgm:pt modelId="{A7AD119B-DE5A-43AC-AFA3-0BC507D6D048}" type="sibTrans" cxnId="{7A43CDB1-E378-468F-A700-1E41193898A4}">
+      <dgm:prSet/>
+      <dgm:spPr/>
+      <dgm:t>
+        <a:bodyPr/>
+        <a:lstStyle/>
+        <a:p>
+          <a:endParaRPr lang="en-US"/>
+        </a:p>
+      </dgm:t>
+    </dgm:pt>
+    <dgm:pt modelId="{A2512B07-0AD4-4332-8FC8-916EE897DE7A}">
+      <dgm:prSet/>
+      <dgm:spPr>
+        <a:solidFill>
+          <a:schemeClr val="bg1"/>
+        </a:solidFill>
+        <a:ln>
+          <a:solidFill>
+            <a:schemeClr val="accent2"/>
+          </a:solidFill>
+        </a:ln>
+      </dgm:spPr>
+      <dgm:t>
+        <a:bodyPr/>
+        <a:lstStyle/>
+        <a:p>
+          <a:r>
+            <a:rPr lang="en-US"/>
+            <a:t>5 V</a:t>
+          </a:r>
+        </a:p>
+      </dgm:t>
+    </dgm:pt>
+    <dgm:pt modelId="{01385DF0-8CCE-479D-9874-79A7BDDD6787}" type="parTrans" cxnId="{4BE3B448-5B39-4783-8D75-1679028DFF62}">
+      <dgm:prSet/>
+      <dgm:spPr/>
+      <dgm:t>
+        <a:bodyPr/>
+        <a:lstStyle/>
+        <a:p>
+          <a:endParaRPr lang="en-US"/>
+        </a:p>
+      </dgm:t>
+    </dgm:pt>
+    <dgm:pt modelId="{15E842A0-BB0F-43C0-A423-7E340B7CD8B2}" type="sibTrans" cxnId="{4BE3B448-5B39-4783-8D75-1679028DFF62}">
+      <dgm:prSet/>
+      <dgm:spPr/>
+      <dgm:t>
+        <a:bodyPr/>
+        <a:lstStyle/>
+        <a:p>
+          <a:endParaRPr lang="en-US"/>
+        </a:p>
+      </dgm:t>
+    </dgm:pt>
+    <dgm:pt modelId="{7FBD236E-C621-4F52-8C3B-E4B93F9B3895}">
+      <dgm:prSet/>
+      <dgm:spPr>
+        <a:solidFill>
+          <a:schemeClr val="bg1"/>
+        </a:solidFill>
+        <a:ln>
+          <a:solidFill>
+            <a:schemeClr val="accent2"/>
+          </a:solidFill>
+        </a:ln>
+      </dgm:spPr>
+      <dgm:t>
+        <a:bodyPr/>
+        <a:lstStyle/>
+        <a:p>
+          <a:r>
+            <a:rPr lang="en-US"/>
+            <a:t>VCC</a:t>
+          </a:r>
+        </a:p>
+      </dgm:t>
+    </dgm:pt>
+    <dgm:pt modelId="{99029DB4-DC03-4E56-9999-69A47BBA1ECD}" type="parTrans" cxnId="{0D18E2D8-6C1A-433B-B2CB-8C8ADAC8ED97}">
+      <dgm:prSet/>
+      <dgm:spPr/>
+      <dgm:t>
+        <a:bodyPr/>
+        <a:lstStyle/>
+        <a:p>
+          <a:endParaRPr lang="en-US"/>
+        </a:p>
+      </dgm:t>
+    </dgm:pt>
+    <dgm:pt modelId="{11E53FA4-88E9-450D-98EB-B723AD7E82DE}" type="sibTrans" cxnId="{0D18E2D8-6C1A-433B-B2CB-8C8ADAC8ED97}">
+      <dgm:prSet/>
+      <dgm:spPr/>
+      <dgm:t>
+        <a:bodyPr/>
+        <a:lstStyle/>
+        <a:p>
+          <a:endParaRPr lang="en-US"/>
+        </a:p>
+      </dgm:t>
+    </dgm:pt>
+    <dgm:pt modelId="{31632D8B-67D7-403E-9F8A-A55D6A4A125A}">
+      <dgm:prSet/>
+      <dgm:spPr>
+        <a:solidFill>
+          <a:schemeClr val="accent2"/>
+        </a:solidFill>
+        <a:ln>
+          <a:solidFill>
+            <a:schemeClr val="accent2"/>
+          </a:solidFill>
+        </a:ln>
+      </dgm:spPr>
+      <dgm:t>
+        <a:bodyPr/>
+        <a:lstStyle/>
+        <a:p>
+          <a:r>
+            <a:rPr lang="en-US"/>
+            <a:t>Realtor</a:t>
+          </a:r>
+        </a:p>
+      </dgm:t>
+    </dgm:pt>
+    <dgm:pt modelId="{BDF15861-333E-49DF-ACE9-A49964EBAF3F}" type="parTrans" cxnId="{D9A620F2-6E63-4A1B-A647-09CD501A6661}">
+      <dgm:prSet/>
+      <dgm:spPr/>
+      <dgm:t>
+        <a:bodyPr/>
+        <a:lstStyle/>
+        <a:p>
+          <a:endParaRPr lang="en-US"/>
+        </a:p>
+      </dgm:t>
+    </dgm:pt>
+    <dgm:pt modelId="{FEC788AE-D8D5-4CB1-8236-C9956B6B6B3E}" type="sibTrans" cxnId="{D9A620F2-6E63-4A1B-A647-09CD501A6661}">
+      <dgm:prSet/>
+      <dgm:spPr/>
+      <dgm:t>
+        <a:bodyPr/>
+        <a:lstStyle/>
+        <a:p>
+          <a:endParaRPr lang="en-US"/>
+        </a:p>
+      </dgm:t>
+    </dgm:pt>
+    <dgm:pt modelId="{79879CE0-BDA7-4D3D-B707-F47EE03C244E}">
+      <dgm:prSet/>
+      <dgm:spPr>
+        <a:solidFill>
+          <a:schemeClr val="bg1"/>
+        </a:solidFill>
+        <a:ln>
+          <a:solidFill>
+            <a:schemeClr val="accent2"/>
+          </a:solidFill>
+        </a:ln>
+      </dgm:spPr>
+      <dgm:t>
+        <a:bodyPr/>
+        <a:lstStyle/>
+        <a:p>
+          <a:r>
+            <a:rPr lang="en-US"/>
+            <a:t>5 V</a:t>
+          </a:r>
+        </a:p>
+      </dgm:t>
+    </dgm:pt>
+    <dgm:pt modelId="{8062E0AF-30DD-4E5D-828A-4E8927C5A5D7}" type="parTrans" cxnId="{B89DCE22-1626-42B5-AF08-CB5616956432}">
+      <dgm:prSet/>
+      <dgm:spPr/>
+      <dgm:t>
+        <a:bodyPr/>
+        <a:lstStyle/>
+        <a:p>
+          <a:endParaRPr lang="en-US"/>
+        </a:p>
+      </dgm:t>
+    </dgm:pt>
+    <dgm:pt modelId="{04DBFD41-E38F-4D26-92C5-3B20BBAFECED}" type="sibTrans" cxnId="{B89DCE22-1626-42B5-AF08-CB5616956432}">
+      <dgm:prSet/>
+      <dgm:spPr/>
+      <dgm:t>
+        <a:bodyPr/>
+        <a:lstStyle/>
+        <a:p>
+          <a:endParaRPr lang="en-US"/>
+        </a:p>
+      </dgm:t>
+    </dgm:pt>
+    <dgm:pt modelId="{DA35C214-BC64-47B4-BE29-3A528D599A22}">
+      <dgm:prSet/>
+      <dgm:spPr>
+        <a:solidFill>
+          <a:schemeClr val="bg1"/>
+        </a:solidFill>
+        <a:ln>
+          <a:solidFill>
+            <a:schemeClr val="accent2"/>
+          </a:solidFill>
+        </a:ln>
+      </dgm:spPr>
+      <dgm:t>
+        <a:bodyPr/>
+        <a:lstStyle/>
+        <a:p>
+          <a:r>
+            <a:rPr lang="en-US"/>
+            <a:t>VCC</a:t>
+          </a:r>
+        </a:p>
+      </dgm:t>
+    </dgm:pt>
+    <dgm:pt modelId="{F57CC696-803F-49AA-B70E-4E66246954CE}" type="parTrans" cxnId="{76382CF8-954E-4B6D-B5F4-CC9B40821632}">
+      <dgm:prSet/>
+      <dgm:spPr/>
+      <dgm:t>
+        <a:bodyPr/>
+        <a:lstStyle/>
+        <a:p>
+          <a:endParaRPr lang="en-US"/>
+        </a:p>
+      </dgm:t>
+    </dgm:pt>
+    <dgm:pt modelId="{79929733-4B4F-479D-A055-FD99A8126D79}" type="sibTrans" cxnId="{76382CF8-954E-4B6D-B5F4-CC9B40821632}">
+      <dgm:prSet/>
+      <dgm:spPr/>
+      <dgm:t>
+        <a:bodyPr/>
+        <a:lstStyle/>
+        <a:p>
+          <a:endParaRPr lang="en-US"/>
+        </a:p>
+      </dgm:t>
+    </dgm:pt>
+    <dgm:pt modelId="{B6290EC8-FBC0-422D-BFE6-9CF40065D20D}" type="pres">
+      <dgm:prSet presAssocID="{54C9905F-3B3D-455E-974E-E8C0AAB59C71}" presName="linear" presStyleCnt="0">
+        <dgm:presLayoutVars>
+          <dgm:dir/>
+          <dgm:animLvl val="lvl"/>
+          <dgm:resizeHandles val="exact"/>
+        </dgm:presLayoutVars>
+      </dgm:prSet>
+      <dgm:spPr/>
+    </dgm:pt>
+    <dgm:pt modelId="{23A6D7F1-25BD-4EF7-A2CC-42B8098CD85C}" type="pres">
+      <dgm:prSet presAssocID="{C39F3EEA-CFC1-4C40-9A72-9B007BE61767}" presName="parentLin" presStyleCnt="0"/>
+      <dgm:spPr/>
+    </dgm:pt>
+    <dgm:pt modelId="{4B687BA5-F1ED-42EB-A3B8-3315906BAD47}" type="pres">
+      <dgm:prSet presAssocID="{C39F3EEA-CFC1-4C40-9A72-9B007BE61767}" presName="parentLeftMargin" presStyleLbl="node1" presStyleIdx="0" presStyleCnt="3"/>
+      <dgm:spPr/>
+    </dgm:pt>
+    <dgm:pt modelId="{12C456A4-E000-4DDD-9448-E69057291D2A}" type="pres">
+      <dgm:prSet presAssocID="{C39F3EEA-CFC1-4C40-9A72-9B007BE61767}" presName="parentText" presStyleLbl="node1" presStyleIdx="0" presStyleCnt="3">
+        <dgm:presLayoutVars>
+          <dgm:chMax val="0"/>
+          <dgm:bulletEnabled val="1"/>
+        </dgm:presLayoutVars>
+      </dgm:prSet>
+      <dgm:spPr/>
+    </dgm:pt>
+    <dgm:pt modelId="{B7502052-1AB4-46DC-BBC3-BF62E025D7F9}" type="pres">
+      <dgm:prSet presAssocID="{C39F3EEA-CFC1-4C40-9A72-9B007BE61767}" presName="negativeSpace" presStyleCnt="0"/>
+      <dgm:spPr/>
+    </dgm:pt>
+    <dgm:pt modelId="{D74ACD02-3DE6-4DD0-BCDE-8526D30CA41B}" type="pres">
+      <dgm:prSet presAssocID="{C39F3EEA-CFC1-4C40-9A72-9B007BE61767}" presName="childText" presStyleLbl="conFgAcc1" presStyleIdx="0" presStyleCnt="3">
+        <dgm:presLayoutVars>
+          <dgm:bulletEnabled val="1"/>
+        </dgm:presLayoutVars>
+      </dgm:prSet>
+      <dgm:spPr>
+        <a:ln>
+          <a:solidFill>
+            <a:schemeClr val="accent2"/>
+          </a:solidFill>
+        </a:ln>
+      </dgm:spPr>
+    </dgm:pt>
+    <dgm:pt modelId="{D7E3E723-B375-4420-B1BF-D945F134F2A9}" type="pres">
+      <dgm:prSet presAssocID="{E9480FAE-3261-4FFC-A341-029FC14A06F4}" presName="spaceBetweenRectangles" presStyleCnt="0"/>
+      <dgm:spPr/>
+    </dgm:pt>
+    <dgm:pt modelId="{F90AA451-4035-4EA9-B84F-12838F957CC9}" type="pres">
+      <dgm:prSet presAssocID="{1923D011-25A8-4149-9F51-98E365F8244A}" presName="parentLin" presStyleCnt="0"/>
+      <dgm:spPr/>
+    </dgm:pt>
+    <dgm:pt modelId="{D7A0BC0D-776D-489D-9F82-1C62BE24AC7C}" type="pres">
+      <dgm:prSet presAssocID="{1923D011-25A8-4149-9F51-98E365F8244A}" presName="parentLeftMargin" presStyleLbl="node1" presStyleIdx="0" presStyleCnt="3"/>
+      <dgm:spPr/>
+    </dgm:pt>
+    <dgm:pt modelId="{73D4D6B8-CA37-4C7B-9F96-4D57F200E899}" type="pres">
+      <dgm:prSet presAssocID="{1923D011-25A8-4149-9F51-98E365F8244A}" presName="parentText" presStyleLbl="node1" presStyleIdx="1" presStyleCnt="3">
+        <dgm:presLayoutVars>
+          <dgm:chMax val="0"/>
+          <dgm:bulletEnabled val="1"/>
+        </dgm:presLayoutVars>
+      </dgm:prSet>
+      <dgm:spPr/>
+    </dgm:pt>
+    <dgm:pt modelId="{5F50D5A9-E964-45EC-AFCB-B35D0D0A73E5}" type="pres">
+      <dgm:prSet presAssocID="{1923D011-25A8-4149-9F51-98E365F8244A}" presName="negativeSpace" presStyleCnt="0"/>
+      <dgm:spPr/>
+    </dgm:pt>
+    <dgm:pt modelId="{E1E8BF75-5D78-4E48-9897-0D3ED967F3A2}" type="pres">
+      <dgm:prSet presAssocID="{1923D011-25A8-4149-9F51-98E365F8244A}" presName="childText" presStyleLbl="conFgAcc1" presStyleIdx="1" presStyleCnt="3" custLinFactNeighborX="431">
+        <dgm:presLayoutVars>
+          <dgm:bulletEnabled val="1"/>
+        </dgm:presLayoutVars>
+      </dgm:prSet>
+      <dgm:spPr/>
+    </dgm:pt>
+    <dgm:pt modelId="{48E018A6-E4EA-43F1-9A33-7D5561F8A041}" type="pres">
+      <dgm:prSet presAssocID="{A7AD119B-DE5A-43AC-AFA3-0BC507D6D048}" presName="spaceBetweenRectangles" presStyleCnt="0"/>
+      <dgm:spPr/>
+    </dgm:pt>
+    <dgm:pt modelId="{5A6AE5AA-1F76-4EAC-8DA7-77F1A8D78BA8}" type="pres">
+      <dgm:prSet presAssocID="{31632D8B-67D7-403E-9F8A-A55D6A4A125A}" presName="parentLin" presStyleCnt="0"/>
+      <dgm:spPr/>
+    </dgm:pt>
+    <dgm:pt modelId="{40257990-6CB1-46AD-911F-B5B8F4966918}" type="pres">
+      <dgm:prSet presAssocID="{31632D8B-67D7-403E-9F8A-A55D6A4A125A}" presName="parentLeftMargin" presStyleLbl="node1" presStyleIdx="1" presStyleCnt="3"/>
+      <dgm:spPr/>
+    </dgm:pt>
+    <dgm:pt modelId="{57B392B0-0DE4-45B1-8AE8-CB4F78DB93DD}" type="pres">
+      <dgm:prSet presAssocID="{31632D8B-67D7-403E-9F8A-A55D6A4A125A}" presName="parentText" presStyleLbl="node1" presStyleIdx="2" presStyleCnt="3">
+        <dgm:presLayoutVars>
+          <dgm:chMax val="0"/>
+          <dgm:bulletEnabled val="1"/>
+        </dgm:presLayoutVars>
+      </dgm:prSet>
+      <dgm:spPr/>
+    </dgm:pt>
+    <dgm:pt modelId="{0E7CD954-AFB0-484B-9769-287D7CC17D0B}" type="pres">
+      <dgm:prSet presAssocID="{31632D8B-67D7-403E-9F8A-A55D6A4A125A}" presName="negativeSpace" presStyleCnt="0"/>
+      <dgm:spPr/>
+    </dgm:pt>
+    <dgm:pt modelId="{ACA896A5-B540-42B7-AA8B-8F5C739BAEBC}" type="pres">
+      <dgm:prSet presAssocID="{31632D8B-67D7-403E-9F8A-A55D6A4A125A}" presName="childText" presStyleLbl="conFgAcc1" presStyleIdx="2" presStyleCnt="3">
+        <dgm:presLayoutVars>
+          <dgm:bulletEnabled val="1"/>
+        </dgm:presLayoutVars>
+      </dgm:prSet>
+      <dgm:spPr/>
+    </dgm:pt>
+  </dgm:ptLst>
+  <dgm:cxnLst>
+    <dgm:cxn modelId="{EFDCE50C-5EAD-4DF1-A3EE-E40DF7EF55CA}" srcId="{54C9905F-3B3D-455E-974E-E8C0AAB59C71}" destId="{C39F3EEA-CFC1-4C40-9A72-9B007BE61767}" srcOrd="0" destOrd="0" parTransId="{0CA868FF-DF84-484B-B808-819667A9BF87}" sibTransId="{E9480FAE-3261-4FFC-A341-029FC14A06F4}"/>
+    <dgm:cxn modelId="{12405A13-092C-46E6-BD23-B6A2641A9AED}" type="presOf" srcId="{1923D011-25A8-4149-9F51-98E365F8244A}" destId="{D7A0BC0D-776D-489D-9F82-1C62BE24AC7C}" srcOrd="0" destOrd="0" presId="urn:microsoft.com/office/officeart/2005/8/layout/list1"/>
+    <dgm:cxn modelId="{B89DCE22-1626-42B5-AF08-CB5616956432}" srcId="{31632D8B-67D7-403E-9F8A-A55D6A4A125A}" destId="{79879CE0-BDA7-4D3D-B707-F47EE03C244E}" srcOrd="0" destOrd="0" parTransId="{8062E0AF-30DD-4E5D-828A-4E8927C5A5D7}" sibTransId="{04DBFD41-E38F-4D26-92C5-3B20BBAFECED}"/>
+    <dgm:cxn modelId="{FA9AD72B-CB39-4446-A9DD-D3781424BBFA}" type="presOf" srcId="{79879CE0-BDA7-4D3D-B707-F47EE03C244E}" destId="{ACA896A5-B540-42B7-AA8B-8F5C739BAEBC}" srcOrd="0" destOrd="0" presId="urn:microsoft.com/office/officeart/2005/8/layout/list1"/>
+    <dgm:cxn modelId="{4BE3B448-5B39-4783-8D75-1679028DFF62}" srcId="{1923D011-25A8-4149-9F51-98E365F8244A}" destId="{A2512B07-0AD4-4332-8FC8-916EE897DE7A}" srcOrd="0" destOrd="0" parTransId="{01385DF0-8CCE-479D-9874-79A7BDDD6787}" sibTransId="{15E842A0-BB0F-43C0-A423-7E340B7CD8B2}"/>
+    <dgm:cxn modelId="{B807A64E-E5E8-41F6-9307-7B880D3F80DA}" type="presOf" srcId="{C39F3EEA-CFC1-4C40-9A72-9B007BE61767}" destId="{12C456A4-E000-4DDD-9448-E69057291D2A}" srcOrd="1" destOrd="0" presId="urn:microsoft.com/office/officeart/2005/8/layout/list1"/>
+    <dgm:cxn modelId="{8EC2BC6F-F1E7-4813-A93F-B8853D1EF866}" type="presOf" srcId="{7FBD236E-C621-4F52-8C3B-E4B93F9B3895}" destId="{E1E8BF75-5D78-4E48-9897-0D3ED967F3A2}" srcOrd="0" destOrd="1" presId="urn:microsoft.com/office/officeart/2005/8/layout/list1"/>
+    <dgm:cxn modelId="{B0E8CC53-5950-4543-AEF9-F8419F6E8509}" type="presOf" srcId="{DA35C214-BC64-47B4-BE29-3A528D599A22}" destId="{ACA896A5-B540-42B7-AA8B-8F5C739BAEBC}" srcOrd="0" destOrd="1" presId="urn:microsoft.com/office/officeart/2005/8/layout/list1"/>
+    <dgm:cxn modelId="{F57FA988-9EA9-4A45-B238-5D835E6D0177}" type="presOf" srcId="{54C9905F-3B3D-455E-974E-E8C0AAB59C71}" destId="{B6290EC8-FBC0-422D-BFE6-9CF40065D20D}" srcOrd="0" destOrd="0" presId="urn:microsoft.com/office/officeart/2005/8/layout/list1"/>
+    <dgm:cxn modelId="{0B72C7A7-50AB-4718-9B37-F206D1ED67D9}" type="presOf" srcId="{31632D8B-67D7-403E-9F8A-A55D6A4A125A}" destId="{57B392B0-0DE4-45B1-8AE8-CB4F78DB93DD}" srcOrd="1" destOrd="0" presId="urn:microsoft.com/office/officeart/2005/8/layout/list1"/>
+    <dgm:cxn modelId="{7A43CDB1-E378-468F-A700-1E41193898A4}" srcId="{54C9905F-3B3D-455E-974E-E8C0AAB59C71}" destId="{1923D011-25A8-4149-9F51-98E365F8244A}" srcOrd="1" destOrd="0" parTransId="{F8522811-A2E1-4EFC-8AE3-C6ED7FDCEE11}" sibTransId="{A7AD119B-DE5A-43AC-AFA3-0BC507D6D048}"/>
+    <dgm:cxn modelId="{760BA1B7-337F-47F8-883E-A4B5435663FC}" type="presOf" srcId="{31632D8B-67D7-403E-9F8A-A55D6A4A125A}" destId="{40257990-6CB1-46AD-911F-B5B8F4966918}" srcOrd="0" destOrd="0" presId="urn:microsoft.com/office/officeart/2005/8/layout/list1"/>
+    <dgm:cxn modelId="{C79FFCC6-1A83-4208-B724-6070898CA402}" type="presOf" srcId="{1923D011-25A8-4149-9F51-98E365F8244A}" destId="{73D4D6B8-CA37-4C7B-9F96-4D57F200E899}" srcOrd="1" destOrd="0" presId="urn:microsoft.com/office/officeart/2005/8/layout/list1"/>
+    <dgm:cxn modelId="{AE4806C8-B6B0-43B7-A2BE-540A72BFFF69}" type="presOf" srcId="{A2512B07-0AD4-4332-8FC8-916EE897DE7A}" destId="{E1E8BF75-5D78-4E48-9897-0D3ED967F3A2}" srcOrd="0" destOrd="0" presId="urn:microsoft.com/office/officeart/2005/8/layout/list1"/>
+    <dgm:cxn modelId="{0D18E2D8-6C1A-433B-B2CB-8C8ADAC8ED97}" srcId="{1923D011-25A8-4149-9F51-98E365F8244A}" destId="{7FBD236E-C621-4F52-8C3B-E4B93F9B3895}" srcOrd="1" destOrd="0" parTransId="{99029DB4-DC03-4E56-9999-69A47BBA1ECD}" sibTransId="{11E53FA4-88E9-450D-98EB-B723AD7E82DE}"/>
+    <dgm:cxn modelId="{8260EFE0-26FD-4CDA-A142-F11DDDC5DE3B}" type="presOf" srcId="{C39F3EEA-CFC1-4C40-9A72-9B007BE61767}" destId="{4B687BA5-F1ED-42EB-A3B8-3315906BAD47}" srcOrd="0" destOrd="0" presId="urn:microsoft.com/office/officeart/2005/8/layout/list1"/>
+    <dgm:cxn modelId="{D9A620F2-6E63-4A1B-A647-09CD501A6661}" srcId="{54C9905F-3B3D-455E-974E-E8C0AAB59C71}" destId="{31632D8B-67D7-403E-9F8A-A55D6A4A125A}" srcOrd="2" destOrd="0" parTransId="{BDF15861-333E-49DF-ACE9-A49964EBAF3F}" sibTransId="{FEC788AE-D8D5-4CB1-8236-C9956B6B6B3E}"/>
+    <dgm:cxn modelId="{76382CF8-954E-4B6D-B5F4-CC9B40821632}" srcId="{31632D8B-67D7-403E-9F8A-A55D6A4A125A}" destId="{DA35C214-BC64-47B4-BE29-3A528D599A22}" srcOrd="1" destOrd="0" parTransId="{F57CC696-803F-49AA-B70E-4E66246954CE}" sibTransId="{79929733-4B4F-479D-A055-FD99A8126D79}"/>
+    <dgm:cxn modelId="{2211CDEB-24A0-46A0-A95E-3E186B6AB603}" type="presParOf" srcId="{B6290EC8-FBC0-422D-BFE6-9CF40065D20D}" destId="{23A6D7F1-25BD-4EF7-A2CC-42B8098CD85C}" srcOrd="0" destOrd="0" presId="urn:microsoft.com/office/officeart/2005/8/layout/list1"/>
+    <dgm:cxn modelId="{61DDBBF9-04FA-4906-B7F7-E510FED616FD}" type="presParOf" srcId="{23A6D7F1-25BD-4EF7-A2CC-42B8098CD85C}" destId="{4B687BA5-F1ED-42EB-A3B8-3315906BAD47}" srcOrd="0" destOrd="0" presId="urn:microsoft.com/office/officeart/2005/8/layout/list1"/>
+    <dgm:cxn modelId="{737F8D96-E520-4B9A-89FF-B1670A34E146}" type="presParOf" srcId="{23A6D7F1-25BD-4EF7-A2CC-42B8098CD85C}" destId="{12C456A4-E000-4DDD-9448-E69057291D2A}" srcOrd="1" destOrd="0" presId="urn:microsoft.com/office/officeart/2005/8/layout/list1"/>
+    <dgm:cxn modelId="{FAF7B429-5641-4759-8194-51DA69E85A3F}" type="presParOf" srcId="{B6290EC8-FBC0-422D-BFE6-9CF40065D20D}" destId="{B7502052-1AB4-46DC-BBC3-BF62E025D7F9}" srcOrd="1" destOrd="0" presId="urn:microsoft.com/office/officeart/2005/8/layout/list1"/>
+    <dgm:cxn modelId="{C0A2C184-0D6A-4849-AB02-E9613C85EFC4}" type="presParOf" srcId="{B6290EC8-FBC0-422D-BFE6-9CF40065D20D}" destId="{D74ACD02-3DE6-4DD0-BCDE-8526D30CA41B}" srcOrd="2" destOrd="0" presId="urn:microsoft.com/office/officeart/2005/8/layout/list1"/>
+    <dgm:cxn modelId="{98D575B7-BC93-4E1D-BDEB-2519BFBE008C}" type="presParOf" srcId="{B6290EC8-FBC0-422D-BFE6-9CF40065D20D}" destId="{D7E3E723-B375-4420-B1BF-D945F134F2A9}" srcOrd="3" destOrd="0" presId="urn:microsoft.com/office/officeart/2005/8/layout/list1"/>
+    <dgm:cxn modelId="{EF390D46-74BE-45CD-ACA3-9DA66A0420F2}" type="presParOf" srcId="{B6290EC8-FBC0-422D-BFE6-9CF40065D20D}" destId="{F90AA451-4035-4EA9-B84F-12838F957CC9}" srcOrd="4" destOrd="0" presId="urn:microsoft.com/office/officeart/2005/8/layout/list1"/>
+    <dgm:cxn modelId="{52B6B0C5-3036-4CE8-87B0-F9D610C3AD63}" type="presParOf" srcId="{F90AA451-4035-4EA9-B84F-12838F957CC9}" destId="{D7A0BC0D-776D-489D-9F82-1C62BE24AC7C}" srcOrd="0" destOrd="0" presId="urn:microsoft.com/office/officeart/2005/8/layout/list1"/>
+    <dgm:cxn modelId="{7A549B13-580B-4F73-8AE8-90456BC66529}" type="presParOf" srcId="{F90AA451-4035-4EA9-B84F-12838F957CC9}" destId="{73D4D6B8-CA37-4C7B-9F96-4D57F200E899}" srcOrd="1" destOrd="0" presId="urn:microsoft.com/office/officeart/2005/8/layout/list1"/>
+    <dgm:cxn modelId="{ED17635F-3D7A-4A27-86C5-D765720E2C30}" type="presParOf" srcId="{B6290EC8-FBC0-422D-BFE6-9CF40065D20D}" destId="{5F50D5A9-E964-45EC-AFCB-B35D0D0A73E5}" srcOrd="5" destOrd="0" presId="urn:microsoft.com/office/officeart/2005/8/layout/list1"/>
+    <dgm:cxn modelId="{486BB29B-11C2-4883-83BA-16AC0B08A868}" type="presParOf" srcId="{B6290EC8-FBC0-422D-BFE6-9CF40065D20D}" destId="{E1E8BF75-5D78-4E48-9897-0D3ED967F3A2}" srcOrd="6" destOrd="0" presId="urn:microsoft.com/office/officeart/2005/8/layout/list1"/>
+    <dgm:cxn modelId="{42A4AA1B-7DFE-44E2-966B-4F39EB417B4A}" type="presParOf" srcId="{B6290EC8-FBC0-422D-BFE6-9CF40065D20D}" destId="{48E018A6-E4EA-43F1-9A33-7D5561F8A041}" srcOrd="7" destOrd="0" presId="urn:microsoft.com/office/officeart/2005/8/layout/list1"/>
+    <dgm:cxn modelId="{C4D5387E-FF48-4532-AB10-906196630BC4}" type="presParOf" srcId="{B6290EC8-FBC0-422D-BFE6-9CF40065D20D}" destId="{5A6AE5AA-1F76-4EAC-8DA7-77F1A8D78BA8}" srcOrd="8" destOrd="0" presId="urn:microsoft.com/office/officeart/2005/8/layout/list1"/>
+    <dgm:cxn modelId="{1F6691D7-60AE-49AB-A864-436AC64B826D}" type="presParOf" srcId="{5A6AE5AA-1F76-4EAC-8DA7-77F1A8D78BA8}" destId="{40257990-6CB1-46AD-911F-B5B8F4966918}" srcOrd="0" destOrd="0" presId="urn:microsoft.com/office/officeart/2005/8/layout/list1"/>
+    <dgm:cxn modelId="{9F7BD804-F406-44C3-98DA-62A17AFC6696}" type="presParOf" srcId="{5A6AE5AA-1F76-4EAC-8DA7-77F1A8D78BA8}" destId="{57B392B0-0DE4-45B1-8AE8-CB4F78DB93DD}" srcOrd="1" destOrd="0" presId="urn:microsoft.com/office/officeart/2005/8/layout/list1"/>
+    <dgm:cxn modelId="{B5732429-1B52-4197-84A3-CF04E04FD6BC}" type="presParOf" srcId="{B6290EC8-FBC0-422D-BFE6-9CF40065D20D}" destId="{0E7CD954-AFB0-484B-9769-287D7CC17D0B}" srcOrd="9" destOrd="0" presId="urn:microsoft.com/office/officeart/2005/8/layout/list1"/>
+    <dgm:cxn modelId="{62285CA3-D492-4988-893C-896ED8D80045}" type="presParOf" srcId="{B6290EC8-FBC0-422D-BFE6-9CF40065D20D}" destId="{ACA896A5-B540-42B7-AA8B-8F5C739BAEBC}" srcOrd="10" destOrd="0" presId="urn:microsoft.com/office/officeart/2005/8/layout/list1"/>
+  </dgm:cxnLst>
+  <dgm:bg/>
+  <dgm:whole/>
+  <dgm:extLst>
+    <a:ext uri="http://schemas.microsoft.com/office/drawing/2008/diagram">
+      <dsp:dataModelExt xmlns:dsp="http://schemas.microsoft.com/office/drawing/2008/diagram" relId="rId6" minVer="http://schemas.openxmlformats.org/drawingml/2006/diagram"/>
+    </a:ext>
+  </dgm:extLst>
+</dgm:dataModel>
+</file>
+
+<file path=ppt/diagrams/drawing1.xml><?xml version="1.0" encoding="utf-8"?>
+<dsp:drawing xmlns:dgm="http://schemas.openxmlformats.org/drawingml/2006/diagram" xmlns:dsp="http://schemas.microsoft.com/office/drawing/2008/diagram" xmlns:a="http://schemas.openxmlformats.org/drawingml/2006/main">
+  <dsp:spTree>
+    <dsp:nvGrpSpPr>
+      <dsp:cNvPr id="0" name=""/>
+      <dsp:cNvGrpSpPr/>
+    </dsp:nvGrpSpPr>
+    <dsp:grpSpPr/>
+    <dsp:sp modelId="{D74ACD02-3DE6-4DD0-BCDE-8526D30CA41B}">
+      <dsp:nvSpPr>
+        <dsp:cNvPr id="0" name=""/>
+        <dsp:cNvSpPr/>
+      </dsp:nvSpPr>
+      <dsp:spPr>
+        <a:xfrm>
+          <a:off x="0" y="336503"/>
+          <a:ext cx="5157787" cy="453600"/>
+        </a:xfrm>
+        <a:prstGeom prst="rect">
+          <a:avLst/>
+        </a:prstGeom>
+        <a:solidFill>
+          <a:schemeClr val="lt1">
+            <a:alpha val="90000"/>
+            <a:hueOff val="0"/>
+            <a:satOff val="0"/>
+            <a:lumOff val="0"/>
+            <a:alphaOff val="0"/>
+          </a:schemeClr>
+        </a:solidFill>
+        <a:ln w="12700" cap="flat" cmpd="sng" algn="ctr">
+          <a:solidFill>
+            <a:schemeClr val="accent2"/>
+          </a:solidFill>
+          <a:prstDash val="solid"/>
+          <a:miter lim="800000"/>
+        </a:ln>
+        <a:effectLst/>
+      </dsp:spPr>
+      <dsp:style>
+        <a:lnRef idx="2">
+          <a:scrgbClr r="0" g="0" b="0"/>
+        </a:lnRef>
+        <a:fillRef idx="1">
+          <a:scrgbClr r="0" g="0" b="0"/>
+        </a:fillRef>
+        <a:effectRef idx="0">
+          <a:scrgbClr r="0" g="0" b="0"/>
+        </a:effectRef>
+        <a:fontRef idx="minor"/>
+      </dsp:style>
+    </dsp:sp>
+    <dsp:sp modelId="{12C456A4-E000-4DDD-9448-E69057291D2A}">
+      <dsp:nvSpPr>
+        <dsp:cNvPr id="0" name=""/>
+        <dsp:cNvSpPr/>
+      </dsp:nvSpPr>
+      <dsp:spPr>
+        <a:xfrm>
+          <a:off x="257889" y="70823"/>
+          <a:ext cx="3610450" cy="531360"/>
+        </a:xfrm>
+        <a:prstGeom prst="roundRect">
+          <a:avLst/>
+        </a:prstGeom>
+        <a:solidFill>
+          <a:schemeClr val="accent2"/>
+        </a:solidFill>
+        <a:ln w="12700" cap="flat" cmpd="sng" algn="ctr">
+          <a:solidFill>
+            <a:schemeClr val="lt1">
+              <a:hueOff val="0"/>
+              <a:satOff val="0"/>
+              <a:lumOff val="0"/>
+              <a:alphaOff val="0"/>
+            </a:schemeClr>
+          </a:solidFill>
+          <a:prstDash val="solid"/>
+          <a:miter lim="800000"/>
+        </a:ln>
+        <a:effectLst/>
+      </dsp:spPr>
+      <dsp:style>
+        <a:lnRef idx="2">
+          <a:scrgbClr r="0" g="0" b="0"/>
+        </a:lnRef>
+        <a:fillRef idx="1">
+          <a:scrgbClr r="0" g="0" b="0"/>
+        </a:fillRef>
+        <a:effectRef idx="0">
+          <a:scrgbClr r="0" g="0" b="0"/>
+        </a:effectRef>
+        <a:fontRef idx="minor">
+          <a:schemeClr val="lt1"/>
+        </a:fontRef>
+      </dsp:style>
+      <dsp:txBody>
+        <a:bodyPr spcFirstLastPara="0" vert="horz" wrap="square" lIns="136466" tIns="0" rIns="136466" bIns="0" numCol="1" spcCol="1270" anchor="ctr" anchorCtr="0">
+          <a:noAutofit/>
+        </a:bodyPr>
+        <a:lstStyle/>
+        <a:p>
+          <a:pPr marL="0" lvl="0" indent="0" algn="l" defTabSz="800100">
+            <a:lnSpc>
+              <a:spcPct val="90000"/>
+            </a:lnSpc>
+            <a:spcBef>
+              <a:spcPct val="0"/>
+            </a:spcBef>
+            <a:spcAft>
+              <a:spcPct val="35000"/>
+            </a:spcAft>
+            <a:buNone/>
+          </a:pPr>
+          <a:r>
+            <a:rPr lang="en-US" sz="1800" kern="1200" dirty="0"/>
+            <a:t>Continuity test</a:t>
+          </a:r>
+        </a:p>
+      </dsp:txBody>
+      <dsp:txXfrm>
+        <a:off x="283828" y="96762"/>
+        <a:ext cx="3558572" cy="479482"/>
+      </dsp:txXfrm>
+    </dsp:sp>
+    <dsp:sp modelId="{E1E8BF75-5D78-4E48-9897-0D3ED967F3A2}">
+      <dsp:nvSpPr>
+        <dsp:cNvPr id="0" name=""/>
+        <dsp:cNvSpPr/>
+      </dsp:nvSpPr>
+      <dsp:spPr>
+        <a:xfrm>
+          <a:off x="0" y="1152983"/>
+          <a:ext cx="5157787" cy="1048950"/>
+        </a:xfrm>
+        <a:prstGeom prst="rect">
+          <a:avLst/>
+        </a:prstGeom>
+        <a:solidFill>
+          <a:schemeClr val="bg1"/>
+        </a:solidFill>
+        <a:ln w="12700" cap="flat" cmpd="sng" algn="ctr">
+          <a:solidFill>
+            <a:schemeClr val="accent2"/>
+          </a:solidFill>
+          <a:prstDash val="solid"/>
+          <a:miter lim="800000"/>
+        </a:ln>
+        <a:effectLst/>
+      </dsp:spPr>
+      <dsp:style>
+        <a:lnRef idx="2">
+          <a:scrgbClr r="0" g="0" b="0"/>
+        </a:lnRef>
+        <a:fillRef idx="1">
+          <a:scrgbClr r="0" g="0" b="0"/>
+        </a:fillRef>
+        <a:effectRef idx="0">
+          <a:scrgbClr r="0" g="0" b="0"/>
+        </a:effectRef>
+        <a:fontRef idx="minor"/>
+      </dsp:style>
+      <dsp:txBody>
+        <a:bodyPr spcFirstLastPara="0" vert="horz" wrap="square" lIns="400302" tIns="374904" rIns="400302" bIns="128016" numCol="1" spcCol="1270" anchor="t" anchorCtr="0">
+          <a:noAutofit/>
+        </a:bodyPr>
+        <a:lstStyle/>
+        <a:p>
+          <a:pPr marL="171450" lvl="1" indent="-171450" algn="l" defTabSz="800100">
+            <a:lnSpc>
+              <a:spcPct val="90000"/>
+            </a:lnSpc>
+            <a:spcBef>
+              <a:spcPct val="0"/>
+            </a:spcBef>
+            <a:spcAft>
+              <a:spcPct val="15000"/>
+            </a:spcAft>
+            <a:buChar char="•"/>
+          </a:pPr>
+          <a:r>
+            <a:rPr lang="en-US" sz="1800" kern="1200"/>
+            <a:t>5 V</a:t>
+          </a:r>
+        </a:p>
+        <a:p>
+          <a:pPr marL="171450" lvl="1" indent="-171450" algn="l" defTabSz="800100">
+            <a:lnSpc>
+              <a:spcPct val="90000"/>
+            </a:lnSpc>
+            <a:spcBef>
+              <a:spcPct val="0"/>
+            </a:spcBef>
+            <a:spcAft>
+              <a:spcPct val="15000"/>
+            </a:spcAft>
+            <a:buChar char="•"/>
+          </a:pPr>
+          <a:r>
+            <a:rPr lang="en-US" sz="1800" kern="1200"/>
+            <a:t>VCC</a:t>
+          </a:r>
+        </a:p>
+      </dsp:txBody>
+      <dsp:txXfrm>
+        <a:off x="0" y="1152983"/>
+        <a:ext cx="5157787" cy="1048950"/>
+      </dsp:txXfrm>
+    </dsp:sp>
+    <dsp:sp modelId="{73D4D6B8-CA37-4C7B-9F96-4D57F200E899}">
+      <dsp:nvSpPr>
+        <dsp:cNvPr id="0" name=""/>
+        <dsp:cNvSpPr/>
+      </dsp:nvSpPr>
+      <dsp:spPr>
+        <a:xfrm>
+          <a:off x="257889" y="887303"/>
+          <a:ext cx="3610450" cy="531360"/>
+        </a:xfrm>
+        <a:prstGeom prst="roundRect">
+          <a:avLst/>
+        </a:prstGeom>
+        <a:solidFill>
+          <a:schemeClr val="accent2"/>
+        </a:solidFill>
+        <a:ln w="12700" cap="flat" cmpd="sng" algn="ctr">
+          <a:solidFill>
+            <a:schemeClr val="accent2"/>
+          </a:solidFill>
+          <a:prstDash val="solid"/>
+          <a:miter lim="800000"/>
+        </a:ln>
+        <a:effectLst/>
+      </dsp:spPr>
+      <dsp:style>
+        <a:lnRef idx="2">
+          <a:scrgbClr r="0" g="0" b="0"/>
+        </a:lnRef>
+        <a:fillRef idx="1">
+          <a:scrgbClr r="0" g="0" b="0"/>
+        </a:fillRef>
+        <a:effectRef idx="0">
+          <a:scrgbClr r="0" g="0" b="0"/>
+        </a:effectRef>
+        <a:fontRef idx="minor">
+          <a:schemeClr val="lt1"/>
+        </a:fontRef>
+      </dsp:style>
+      <dsp:txBody>
+        <a:bodyPr spcFirstLastPara="0" vert="horz" wrap="square" lIns="136466" tIns="0" rIns="136466" bIns="0" numCol="1" spcCol="1270" anchor="ctr" anchorCtr="0">
+          <a:noAutofit/>
+        </a:bodyPr>
+        <a:lstStyle/>
+        <a:p>
+          <a:pPr marL="0" lvl="0" indent="0" algn="l" defTabSz="800100">
+            <a:lnSpc>
+              <a:spcPct val="90000"/>
+            </a:lnSpc>
+            <a:spcBef>
+              <a:spcPct val="0"/>
+            </a:spcBef>
+            <a:spcAft>
+              <a:spcPct val="35000"/>
+            </a:spcAft>
+            <a:buNone/>
+          </a:pPr>
+          <a:r>
+            <a:rPr lang="en-US" sz="1800" kern="1200"/>
+            <a:t>DC power supply </a:t>
+          </a:r>
+        </a:p>
+      </dsp:txBody>
+      <dsp:txXfrm>
+        <a:off x="283828" y="913242"/>
+        <a:ext cx="3558572" cy="479482"/>
+      </dsp:txXfrm>
+    </dsp:sp>
+    <dsp:sp modelId="{ACA896A5-B540-42B7-AA8B-8F5C739BAEBC}">
+      <dsp:nvSpPr>
+        <dsp:cNvPr id="0" name=""/>
+        <dsp:cNvSpPr/>
+      </dsp:nvSpPr>
+      <dsp:spPr>
+        <a:xfrm>
+          <a:off x="0" y="2564814"/>
+          <a:ext cx="5157787" cy="1048950"/>
+        </a:xfrm>
+        <a:prstGeom prst="rect">
+          <a:avLst/>
+        </a:prstGeom>
+        <a:solidFill>
+          <a:schemeClr val="bg1"/>
+        </a:solidFill>
+        <a:ln w="12700" cap="flat" cmpd="sng" algn="ctr">
+          <a:solidFill>
+            <a:schemeClr val="accent2"/>
+          </a:solidFill>
+          <a:prstDash val="solid"/>
+          <a:miter lim="800000"/>
+        </a:ln>
+        <a:effectLst/>
+      </dsp:spPr>
+      <dsp:style>
+        <a:lnRef idx="2">
+          <a:scrgbClr r="0" g="0" b="0"/>
+        </a:lnRef>
+        <a:fillRef idx="1">
+          <a:scrgbClr r="0" g="0" b="0"/>
+        </a:fillRef>
+        <a:effectRef idx="0">
+          <a:scrgbClr r="0" g="0" b="0"/>
+        </a:effectRef>
+        <a:fontRef idx="minor"/>
+      </dsp:style>
+      <dsp:txBody>
+        <a:bodyPr spcFirstLastPara="0" vert="horz" wrap="square" lIns="400302" tIns="374904" rIns="400302" bIns="128016" numCol="1" spcCol="1270" anchor="t" anchorCtr="0">
+          <a:noAutofit/>
+        </a:bodyPr>
+        <a:lstStyle/>
+        <a:p>
+          <a:pPr marL="171450" lvl="1" indent="-171450" algn="l" defTabSz="800100">
+            <a:lnSpc>
+              <a:spcPct val="90000"/>
+            </a:lnSpc>
+            <a:spcBef>
+              <a:spcPct val="0"/>
+            </a:spcBef>
+            <a:spcAft>
+              <a:spcPct val="15000"/>
+            </a:spcAft>
+            <a:buChar char="•"/>
+          </a:pPr>
+          <a:r>
+            <a:rPr lang="en-US" sz="1800" kern="1200"/>
+            <a:t>5 V</a:t>
+          </a:r>
+        </a:p>
+        <a:p>
+          <a:pPr marL="171450" lvl="1" indent="-171450" algn="l" defTabSz="800100">
+            <a:lnSpc>
+              <a:spcPct val="90000"/>
+            </a:lnSpc>
+            <a:spcBef>
+              <a:spcPct val="0"/>
+            </a:spcBef>
+            <a:spcAft>
+              <a:spcPct val="15000"/>
+            </a:spcAft>
+            <a:buChar char="•"/>
+          </a:pPr>
+          <a:r>
+            <a:rPr lang="en-US" sz="1800" kern="1200"/>
+            <a:t>VCC</a:t>
+          </a:r>
+        </a:p>
+      </dsp:txBody>
+      <dsp:txXfrm>
+        <a:off x="0" y="2564814"/>
+        <a:ext cx="5157787" cy="1048950"/>
+      </dsp:txXfrm>
+    </dsp:sp>
+    <dsp:sp modelId="{57B392B0-0DE4-45B1-8AE8-CB4F78DB93DD}">
+      <dsp:nvSpPr>
+        <dsp:cNvPr id="0" name=""/>
+        <dsp:cNvSpPr/>
+      </dsp:nvSpPr>
+      <dsp:spPr>
+        <a:xfrm>
+          <a:off x="257889" y="2299133"/>
+          <a:ext cx="3610450" cy="531360"/>
+        </a:xfrm>
+        <a:prstGeom prst="roundRect">
+          <a:avLst/>
+        </a:prstGeom>
+        <a:solidFill>
+          <a:schemeClr val="accent2"/>
+        </a:solidFill>
+        <a:ln w="12700" cap="flat" cmpd="sng" algn="ctr">
+          <a:solidFill>
+            <a:schemeClr val="accent2"/>
+          </a:solidFill>
+          <a:prstDash val="solid"/>
+          <a:miter lim="800000"/>
+        </a:ln>
+        <a:effectLst/>
+      </dsp:spPr>
+      <dsp:style>
+        <a:lnRef idx="2">
+          <a:scrgbClr r="0" g="0" b="0"/>
+        </a:lnRef>
+        <a:fillRef idx="1">
+          <a:scrgbClr r="0" g="0" b="0"/>
+        </a:fillRef>
+        <a:effectRef idx="0">
+          <a:scrgbClr r="0" g="0" b="0"/>
+        </a:effectRef>
+        <a:fontRef idx="minor">
+          <a:schemeClr val="lt1"/>
+        </a:fontRef>
+      </dsp:style>
+      <dsp:txBody>
+        <a:bodyPr spcFirstLastPara="0" vert="horz" wrap="square" lIns="136466" tIns="0" rIns="136466" bIns="0" numCol="1" spcCol="1270" anchor="ctr" anchorCtr="0">
+          <a:noAutofit/>
+        </a:bodyPr>
+        <a:lstStyle/>
+        <a:p>
+          <a:pPr marL="0" lvl="0" indent="0" algn="l" defTabSz="800100">
+            <a:lnSpc>
+              <a:spcPct val="90000"/>
+            </a:lnSpc>
+            <a:spcBef>
+              <a:spcPct val="0"/>
+            </a:spcBef>
+            <a:spcAft>
+              <a:spcPct val="35000"/>
+            </a:spcAft>
+            <a:buNone/>
+          </a:pPr>
+          <a:r>
+            <a:rPr lang="en-US" sz="1800" kern="1200"/>
+            <a:t>Realtor</a:t>
+          </a:r>
+        </a:p>
+      </dsp:txBody>
+      <dsp:txXfrm>
+        <a:off x="283828" y="2325072"/>
+        <a:ext cx="3558572" cy="479482"/>
+      </dsp:txXfrm>
+    </dsp:sp>
+  </dsp:spTree>
+</dsp:drawing>
+</file>
+
+<file path=ppt/diagrams/layout1.xml><?xml version="1.0" encoding="utf-8"?>
+<dgm:layoutDef xmlns:dgm="http://schemas.openxmlformats.org/drawingml/2006/diagram" xmlns:a="http://schemas.openxmlformats.org/drawingml/2006/main" uniqueId="urn:microsoft.com/office/officeart/2005/8/layout/list1">
+  <dgm:title val=""/>
+  <dgm:desc val=""/>
+  <dgm:catLst>
+    <dgm:cat type="list" pri="4000"/>
+  </dgm:catLst>
+  <dgm:sampData>
+    <dgm:dataModel>
+      <dgm:ptLst>
+        <dgm:pt modelId="0" type="doc"/>
+        <dgm:pt modelId="1">
+          <dgm:prSet phldr="1"/>
+        </dgm:pt>
+        <dgm:pt modelId="2">
+          <dgm:prSet phldr="1"/>
+        </dgm:pt>
+        <dgm:pt modelId="3">
+          <dgm:prSet phldr="1"/>
+        </dgm:pt>
+      </dgm:ptLst>
+      <dgm:cxnLst>
+        <dgm:cxn modelId="4" srcId="0" destId="1" srcOrd="0" destOrd="0"/>
+        <dgm:cxn modelId="5" srcId="0" destId="2" srcOrd="1" destOrd="0"/>
+        <dgm:cxn modelId="6" srcId="0" destId="3" srcOrd="2" destOrd="0"/>
+      </dgm:cxnLst>
+      <dgm:bg/>
+      <dgm:whole/>
+    </dgm:dataModel>
+  </dgm:sampData>
+  <dgm:styleData>
+    <dgm:dataModel>
+      <dgm:ptLst>
+        <dgm:pt modelId="0" type="doc"/>
+        <dgm:pt modelId="1"/>
+        <dgm:pt modelId="2"/>
+      </dgm:ptLst>
+      <dgm:cxnLst>
+        <dgm:cxn modelId="4" srcId="0" destId="1" srcOrd="0" destOrd="0"/>
+        <dgm:cxn modelId="5" srcId="0" destId="2" srcOrd="1" destOrd="0"/>
+      </dgm:cxnLst>
+      <dgm:bg/>
+      <dgm:whole/>
+    </dgm:dataModel>
+  </dgm:styleData>
+  <dgm:clrData>
+    <dgm:dataModel>
+      <dgm:ptLst>
+        <dgm:pt modelId="0" type="doc"/>
+        <dgm:pt modelId="1"/>
+        <dgm:pt modelId="2"/>
+        <dgm:pt modelId="3"/>
+        <dgm:pt modelId="4"/>
+      </dgm:ptLst>
+      <dgm:cxnLst>
+        <dgm:cxn modelId="5" srcId="0" destId="1" srcOrd="0" destOrd="0"/>
+        <dgm:cxn modelId="6" srcId="0" destId="2" srcOrd="1" destOrd="0"/>
+        <dgm:cxn modelId="7" srcId="0" destId="3" srcOrd="2" destOrd="0"/>
+        <dgm:cxn modelId="8" srcId="0" destId="4" srcOrd="3" destOrd="0"/>
+      </dgm:cxnLst>
+      <dgm:bg/>
+      <dgm:whole/>
+    </dgm:dataModel>
+  </dgm:clrData>
+  <dgm:layoutNode name="linear">
+    <dgm:varLst>
+      <dgm:dir/>
+      <dgm:animLvl val="lvl"/>
+      <dgm:resizeHandles val="exact"/>
+    </dgm:varLst>
+    <dgm:choose name="Name0">
+      <dgm:if name="Name1" func="var" arg="dir" op="equ" val="norm">
+        <dgm:alg type="lin">
+          <dgm:param type="linDir" val="fromT"/>
+          <dgm:param type="vertAlign" val="mid"/>
+          <dgm:param type="horzAlign" val="l"/>
+          <dgm:param type="nodeHorzAlign" val="l"/>
+        </dgm:alg>
+      </dgm:if>
+      <dgm:else name="Name2">
+        <dgm:alg type="lin">
+          <dgm:param type="linDir" val="fromT"/>
+          <dgm:param type="vertAlign" val="mid"/>
+          <dgm:param type="horzAlign" val="r"/>
+          <dgm:param type="nodeHorzAlign" val="r"/>
+        </dgm:alg>
+      </dgm:else>
+    </dgm:choose>
+    <dgm:shape xmlns:r="http://schemas.openxmlformats.org/officeDocument/2006/relationships" r:blip="">
+      <dgm:adjLst/>
+    </dgm:shape>
+    <dgm:presOf/>
+    <dgm:constrLst>
+      <dgm:constr type="w" for="ch" forName="parentLin" refType="w"/>
+      <dgm:constr type="h" for="ch" forName="parentLin" val="INF"/>
+      <dgm:constr type="w" for="des" forName="parentLeftMargin" refType="w" fact="0.05"/>
+      <dgm:constr type="w" for="des" forName="parentText" refType="w" fact="0.7"/>
+      <dgm:constr type="h" for="des" forName="parentText" refType="primFontSz" refFor="des" refForName="parentText" fact="0.82"/>
+      <dgm:constr type="h" for="ch" forName="negativeSpace" refType="primFontSz" refFor="des" refForName="parentText" fact="-0.41"/>
+      <dgm:constr type="h" for="ch" forName="negativeSpace" refType="h" refFor="des" refForName="parentText" op="lte" fact="-0.82"/>
+      <dgm:constr type="h" for="ch" forName="negativeSpace" refType="h" refFor="des" refForName="parentText" op="gte" fact="-0.82"/>
+      <dgm:constr type="w" for="ch" forName="childText" refType="w"/>
+      <dgm:constr type="h" for="ch" forName="childText" refType="primFontSz" refFor="des" refForName="parentText" fact="0.7"/>
+      <dgm:constr type="primFontSz" for="des" forName="parentText" val="65"/>
+      <dgm:constr type="primFontSz" for="ch" forName="childText" refType="primFontSz" refFor="des" refForName="parentText"/>
+      <dgm:constr type="tMarg" for="ch" forName="childText" refType="primFontSz" refFor="des" refForName="parentText" fact="1.64"/>
+      <dgm:constr type="tMarg" for="ch" forName="childText" refType="h" refFor="des" refForName="parentText" op="lte" fact="3.28"/>
+      <dgm:constr type="tMarg" for="ch" forName="childText" refType="h" refFor="des" refForName="parentText" op="gte" fact="3.28"/>
+      <dgm:constr type="lMarg" for="ch" forName="childText" refType="w" fact="0.22"/>
+      <dgm:constr type="rMarg" for="ch" forName="childText" refType="lMarg" refFor="ch" refForName="childText"/>
+      <dgm:constr type="lMarg" for="des" forName="parentText" refType="w" fact="0.075"/>
+      <dgm:constr type="rMarg" for="des" forName="parentText" refType="lMarg" refFor="des" refForName="parentText"/>
+      <dgm:constr type="h" for="ch" forName="spaceBetweenRectangles" refType="primFontSz" refFor="des" refForName="parentText" fact="0.15"/>
+    </dgm:constrLst>
+    <dgm:ruleLst>
+      <dgm:rule type="primFontSz" for="des" forName="parentText" val="5" fact="NaN" max="NaN"/>
+    </dgm:ruleLst>
+    <dgm:forEach name="Name3" axis="ch" ptType="node">
+      <dgm:layoutNode name="parentLin">
+        <dgm:choose name="Name4">
+          <dgm:if name="Name5" func="var" arg="dir" op="equ" val="norm">
+            <dgm:alg type="lin">
+              <dgm:param type="linDir" val="fromL"/>
+              <dgm:param type="horzAlign" val="l"/>
+              <dgm:param type="nodeHorzAlign" val="l"/>
+            </dgm:alg>
+          </dgm:if>
+          <dgm:else name="Name6">
+            <dgm:alg type="lin">
+              <dgm:param type="linDir" val="fromR"/>
+              <dgm:param type="horzAlign" val="r"/>
+              <dgm:param type="nodeHorzAlign" val="r"/>
+            </dgm:alg>
+          </dgm:else>
+        </dgm:choose>
+        <dgm:shape xmlns:r="http://schemas.openxmlformats.org/officeDocument/2006/relationships" r:blip="">
+          <dgm:adjLst/>
+        </dgm:shape>
+        <dgm:presOf/>
+        <dgm:constrLst/>
+        <dgm:ruleLst/>
+        <dgm:layoutNode name="parentLeftMargin">
+          <dgm:alg type="sp"/>
+          <dgm:shape xmlns:r="http://schemas.openxmlformats.org/officeDocument/2006/relationships" type="rect" r:blip="" hideGeom="1">
+            <dgm:adjLst/>
+          </dgm:shape>
+          <dgm:presOf axis="self"/>
+          <dgm:constrLst>
+            <dgm:constr type="h"/>
+          </dgm:constrLst>
+          <dgm:ruleLst/>
+        </dgm:layoutNode>
+        <dgm:layoutNode name="parentText" styleLbl="node1">
+          <dgm:varLst>
+            <dgm:chMax val="0"/>
+            <dgm:bulletEnabled val="1"/>
+          </dgm:varLst>
+          <dgm:choose name="Name7">
+            <dgm:if name="Name8" func="var" arg="dir" op="equ" val="norm">
+              <dgm:alg type="tx">
+                <dgm:param type="parTxLTRAlign" val="l"/>
+                <dgm:param type="parTxRTLAlign" val="l"/>
+              </dgm:alg>
+            </dgm:if>
+            <dgm:else name="Name9">
+              <dgm:alg type="tx">
+                <dgm:param type="parTxLTRAlign" val="r"/>
+                <dgm:param type="parTxRTLAlign" val="r"/>
+              </dgm:alg>
+            </dgm:else>
+          </dgm:choose>
+          <dgm:shape xmlns:r="http://schemas.openxmlformats.org/officeDocument/2006/relationships" type="roundRect" r:blip="">
+            <dgm:adjLst/>
+          </dgm:shape>
+          <dgm:presOf axis="self" ptType="node"/>
+          <dgm:constrLst>
+            <dgm:constr type="tMarg"/>
+            <dgm:constr type="bMarg"/>
+          </dgm:constrLst>
+          <dgm:ruleLst/>
+        </dgm:layoutNode>
+      </dgm:layoutNode>
+      <dgm:layoutNode name="negativeSpace">
+        <dgm:alg type="sp"/>
+        <dgm:shape xmlns:r="http://schemas.openxmlformats.org/officeDocument/2006/relationships" r:blip="">
+          <dgm:adjLst/>
+        </dgm:shape>
+        <dgm:presOf/>
+        <dgm:constrLst/>
+        <dgm:ruleLst/>
+      </dgm:layoutNode>
+      <dgm:layoutNode name="childText" styleLbl="conFgAcc1">
+        <dgm:varLst>
+          <dgm:bulletEnabled val="1"/>
+        </dgm:varLst>
+        <dgm:alg type="tx">
+          <dgm:param type="stBulletLvl" val="1"/>
+        </dgm:alg>
+        <dgm:shape xmlns:r="http://schemas.openxmlformats.org/officeDocument/2006/relationships" type="rect" r:blip="" zOrderOff="-2">
+          <dgm:adjLst/>
+        </dgm:shape>
+        <dgm:presOf axis="des" ptType="node"/>
+        <dgm:constrLst>
+          <dgm:constr type="secFontSz" refType="primFontSz"/>
+        </dgm:constrLst>
+        <dgm:ruleLst>
+          <dgm:rule type="h" val="INF" fact="NaN" max="NaN"/>
+        </dgm:ruleLst>
+      </dgm:layoutNode>
+      <dgm:forEach name="Name10" axis="followSib" ptType="sibTrans" cnt="1">
+        <dgm:layoutNode name="spaceBetweenRectangles">
+          <dgm:alg type="sp"/>
+          <dgm:shape xmlns:r="http://schemas.openxmlformats.org/officeDocument/2006/relationships" r:blip="">
+            <dgm:adjLst/>
+          </dgm:shape>
+          <dgm:presOf/>
+          <dgm:constrLst/>
+          <dgm:ruleLst/>
+        </dgm:layoutNode>
+      </dgm:forEach>
+    </dgm:forEach>
+  </dgm:layoutNode>
+</dgm:layoutDef>
+</file>
+
+<file path=ppt/diagrams/quickStyle1.xml><?xml version="1.0" encoding="utf-8"?>
+<dgm:styleDef xmlns:dgm="http://schemas.openxmlformats.org/drawingml/2006/diagram" xmlns:a="http://schemas.openxmlformats.org/drawingml/2006/main" uniqueId="urn:microsoft.com/office/officeart/2005/8/quickstyle/simple1">
+  <dgm:title val=""/>
+  <dgm:desc val=""/>
+  <dgm:catLst>
+    <dgm:cat type="simple" pri="10100"/>
+  </dgm:catLst>
+  <dgm:scene3d>
+    <a:camera prst="orthographicFront"/>
+    <a:lightRig rig="threePt" dir="t"/>
+  </dgm:scene3d>
+  <dgm:styleLbl name="node0">
+    <dgm:scene3d>
+      <a:camera prst="orthographicFront"/>
+      <a:lightRig rig="threePt" dir="t"/>
+    </dgm:scene3d>
+    <dgm:sp3d/>
+    <dgm:txPr/>
+    <dgm:style>
+      <a:lnRef idx="2">
+        <a:scrgbClr r="0" g="0" b="0"/>
+      </a:lnRef>
+      <a:fillRef idx="1">
+        <a:scrgbClr r="0" g="0" b="0"/>
+      </a:fillRef>
+      <a:effectRef idx="0">
+        <a:scrgbClr r="0" g="0" b="0"/>
+      </a:effectRef>
+      <a:fontRef idx="minor">
+        <a:schemeClr val="lt1"/>
+      </a:fontRef>
+    </dgm:style>
+  </dgm:styleLbl>
+  <dgm:styleLbl name="lnNode1">
+    <dgm:scene3d>
+      <a:camera prst="orthographicFront"/>
+      <a:lightRig rig="threePt" dir="t"/>
+    </dgm:scene3d>
+    <dgm:sp3d/>
+    <dgm:txPr/>
+    <dgm:style>
+      <a:lnRef idx="2">
+        <a:scrgbClr r="0" g="0" b="0"/>
+      </a:lnRef>
+      <a:fillRef idx="1">
+        <a:scrgbClr r="0" g="0" b="0"/>
+      </a:fillRef>
+      <a:effectRef idx="0">
+        <a:scrgbClr r="0" g="0" b="0"/>
+      </a:effectRef>
+      <a:fontRef idx="minor">
+        <a:schemeClr val="lt1"/>
+      </a:fontRef>
+    </dgm:style>
+  </dgm:styleLbl>
+  <dgm:styleLbl name="vennNode1">
+    <dgm:scene3d>
+      <a:camera prst="orthographicFront"/>
+      <a:lightRig rig="threePt" dir="t"/>
+    </dgm:scene3d>
+    <dgm:sp3d/>
+    <dgm:txPr/>
+    <dgm:style>
+      <a:lnRef idx="2">
+        <a:scrgbClr r="0" g="0" b="0"/>
+      </a:lnRef>
+      <a:fillRef idx="1">
+        <a:scrgbClr r="0" g="0" b="0"/>
+      </a:fillRef>
+      <a:effectRef idx="0">
+        <a:scrgbClr r="0" g="0" b="0"/>
+      </a:effectRef>
+      <a:fontRef idx="minor">
+        <a:schemeClr val="tx1"/>
+      </a:fontRef>
+    </dgm:style>
+  </dgm:styleLbl>
+  <dgm:styleLbl name="alignNode1">
+    <dgm:scene3d>
+      <a:camera prst="orthographicFront"/>
+      <a:lightRig rig="threePt" dir="t"/>
+    </dgm:scene3d>
+    <dgm:sp3d/>
+    <dgm:txPr/>
+    <dgm:style>
+      <a:lnRef idx="2">
+        <a:scrgbClr r="0" g="0" b="0"/>
+      </a:lnRef>
+      <a:fillRef idx="1">
+        <a:scrgbClr r="0" g="0" b="0"/>
+      </a:fillRef>
+      <a:effectRef idx="0">
+        <a:scrgbClr r="0" g="0" b="0"/>
+      </a:effectRef>
+      <a:fontRef idx="minor">
+        <a:schemeClr val="lt1"/>
+      </a:fontRef>
+    </dgm:style>
+  </dgm:styleLbl>
+  <dgm:styleLbl name="node1">
+    <dgm:scene3d>
+      <a:camera prst="orthographicFront"/>
+      <a:lightRig rig="threePt" dir="t"/>
+    </dgm:scene3d>
+    <dgm:sp3d/>
+    <dgm:txPr/>
+    <dgm:style>
+      <a:lnRef idx="2">
+        <a:scrgbClr r="0" g="0" b="0"/>
+      </a:lnRef>
+      <a:fillRef idx="1">
+        <a:scrgbClr r="0" g="0" b="0"/>
+      </a:fillRef>
+      <a:effectRef idx="0">
+        <a:scrgbClr r="0" g="0" b="0"/>
+      </a:effectRef>
+      <a:fontRef idx="minor">
+        <a:schemeClr val="lt1"/>
+      </a:fontRef>
+    </dgm:style>
+  </dgm:styleLbl>
+  <dgm:styleLbl name="node2">
+    <dgm:scene3d>
+      <a:camera prst="orthographicFront"/>
+      <a:lightRig rig="threePt" dir="t"/>
+    </dgm:scene3d>
+    <dgm:sp3d/>
+    <dgm:txPr/>
+    <dgm:style>
+      <a:lnRef idx="2">
+        <a:scrgbClr r="0" g="0" b="0"/>
+      </a:lnRef>
+      <a:fillRef idx="1">
+        <a:scrgbClr r="0" g="0" b="0"/>
+      </a:fillRef>
+      <a:effectRef idx="0">
+        <a:scrgbClr r="0" g="0" b="0"/>
+      </a:effectRef>
+      <a:fontRef idx="minor">
+        <a:schemeClr val="lt1"/>
+      </a:fontRef>
+    </dgm:style>
+  </dgm:styleLbl>
+  <dgm:styleLbl name="node3">
+    <dgm:scene3d>
+      <a:camera prst="orthographicFront"/>
+      <a:lightRig rig="threePt" dir="t"/>
+    </dgm:scene3d>
+    <dgm:sp3d/>
+    <dgm:txPr/>
+    <dgm:style>
+      <a:lnRef idx="2">
+        <a:scrgbClr r="0" g="0" b="0"/>
+      </a:lnRef>
+      <a:fillRef idx="1">
+        <a:scrgbClr r="0" g="0" b="0"/>
+      </a:fillRef>
+      <a:effectRef idx="0">
+        <a:scrgbClr r="0" g="0" b="0"/>
+      </a:effectRef>
+      <a:fontRef idx="minor">
+        <a:schemeClr val="lt1"/>
+      </a:fontRef>
+    </dgm:style>
+  </dgm:styleLbl>
+  <dgm:styleLbl name="node4">
+    <dgm:scene3d>
+      <a:camera prst="orthographicFront"/>
+      <a:lightRig rig="threePt" dir="t"/>
+    </dgm:scene3d>
+    <dgm:sp3d/>
+    <dgm:txPr/>
+    <dgm:style>
+      <a:lnRef idx="2">
+        <a:scrgbClr r="0" g="0" b="0"/>
+      </a:lnRef>
+      <a:fillRef idx="1">
+        <a:scrgbClr r="0" g="0" b="0"/>
+      </a:fillRef>
+      <a:effectRef idx="0">
+        <a:scrgbClr r="0" g="0" b="0"/>
+      </a:effectRef>
+      <a:fontRef idx="minor">
+        <a:schemeClr val="lt1"/>
+      </a:fontRef>
+    </dgm:style>
+  </dgm:styleLbl>
+  <dgm:styleLbl name="fgImgPlace1">
+    <dgm:scene3d>
+      <a:camera prst="orthographicFront"/>
+      <a:lightRig rig="threePt" dir="t"/>
+    </dgm:scene3d>
+    <dgm:sp3d/>
+    <dgm:txPr/>
+    <dgm:style>
+      <a:lnRef idx="2">
+        <a:scrgbClr r="0" g="0" b="0"/>
+      </a:lnRef>
+      <a:fillRef idx="1">
+        <a:scrgbClr r="0" g="0" b="0"/>
+      </a:fillRef>
+      <a:effectRef idx="0">
+        <a:scrgbClr r="0" g="0" b="0"/>
+      </a:effectRef>
+      <a:fontRef idx="minor"/>
+    </dgm:style>
+  </dgm:styleLbl>
+  <dgm:styleLbl name="alignImgPlace1">
+    <dgm:scene3d>
+      <a:camera prst="orthographicFront"/>
+      <a:lightRig rig="threePt" dir="t"/>
+    </dgm:scene3d>
+    <dgm:sp3d/>
+    <dgm:txPr/>
+    <dgm:style>
+      <a:lnRef idx="2">
+        <a:scrgbClr r="0" g="0" b="0"/>
+      </a:lnRef>
+      <a:fillRef idx="1">
+        <a:scrgbClr r="0" g="0" b="0"/>
+      </a:fillRef>
+      <a:effectRef idx="0">
+        <a:scrgbClr r="0" g="0" b="0"/>
+      </a:effectRef>
+      <a:fontRef idx="minor"/>
+    </dgm:style>
+  </dgm:styleLbl>
+  <dgm:styleLbl name="bgImgPlace1">
+    <dgm:scene3d>
+      <a:camera prst="orthographicFront"/>
+      <a:lightRig rig="threePt" dir="t"/>
+    </dgm:scene3d>
+    <dgm:sp3d/>
+    <dgm:txPr/>
+    <dgm:style>
+      <a:lnRef idx="2">
+        <a:scrgbClr r="0" g="0" b="0"/>
+      </a:lnRef>
+      <a:fillRef idx="1">
+        <a:scrgbClr r="0" g="0" b="0"/>
+      </a:fillRef>
+      <a:effectRef idx="0">
+        <a:scrgbClr r="0" g="0" b="0"/>
+      </a:effectRef>
+      <a:fontRef idx="minor"/>
+    </dgm:style>
+  </dgm:styleLbl>
+  <dgm:styleLbl name="sibTrans2D1">
+    <dgm:scene3d>
+      <a:camera prst="orthographicFront"/>
+      <a:lightRig rig="threePt" dir="t"/>
+    </dgm:scene3d>
+    <dgm:sp3d/>
+    <dgm:txPr/>
+    <dgm:style>
+      <a:lnRef idx="0">
+        <a:scrgbClr r="0" g="0" b="0"/>
+      </a:lnRef>
+      <a:fillRef idx="1">
+        <a:scrgbClr r="0" g="0" b="0"/>
+      </a:fillRef>
+      <a:effectRef idx="0">
+        <a:scrgbClr r="0" g="0" b="0"/>
+      </a:effectRef>
+      <a:fontRef idx="minor">
+        <a:schemeClr val="lt1"/>
+      </a:fontRef>
+    </dgm:style>
+  </dgm:styleLbl>
+  <dgm:styleLbl name="fgSibTrans2D1">
+    <dgm:scene3d>
+      <a:camera prst="orthographicFront"/>
+      <a:lightRig rig="threePt" dir="t"/>
+    </dgm:scene3d>
+    <dgm:sp3d/>
+    <dgm:txPr/>
+    <dgm:style>
+      <a:lnRef idx="0">
+        <a:scrgbClr r="0" g="0" b="0"/>
+      </a:lnRef>
+      <a:fillRef idx="1">
+        <a:scrgbClr r="0" g="0" b="0"/>
+      </a:fillRef>
+      <a:effectRef idx="0">
+        <a:scrgbClr r="0" g="0" b="0"/>
+      </a:effectRef>
+      <a:fontRef idx="minor">
+        <a:schemeClr val="lt1"/>
+      </a:fontRef>
+    </dgm:style>
+  </dgm:styleLbl>
+  <dgm:styleLbl name="bgSibTrans2D1">
+    <dgm:scene3d>
+      <a:camera prst="orthographicFront"/>
+      <a:lightRig rig="threePt" dir="t"/>
+    </dgm:scene3d>
+    <dgm:sp3d/>
+    <dgm:txPr/>
+    <dgm:style>
+      <a:lnRef idx="0">
+        <a:scrgbClr r="0" g="0" b="0"/>
+      </a:lnRef>
+      <a:fillRef idx="1">
+        <a:scrgbClr r="0" g="0" b="0"/>
+      </a:fillRef>
+      <a:effectRef idx="0">
+        <a:scrgbClr r="0" g="0" b="0"/>
+      </a:effectRef>
+      <a:fontRef idx="minor">
+        <a:schemeClr val="lt1"/>
+      </a:fontRef>
+    </dgm:style>
+  </dgm:styleLbl>
+  <dgm:styleLbl name="sibTrans1D1">
+    <dgm:scene3d>
+      <a:camera prst="orthographicFront"/>
+      <a:lightRig rig="threePt" dir="t"/>
+    </dgm:scene3d>
+    <dgm:sp3d/>
+    <dgm:txPr/>
+    <dgm:style>
+      <a:lnRef idx="1">
+        <a:scrgbClr r="0" g="0" b="0"/>
+      </a:lnRef>
+      <a:fillRef idx="0">
+        <a:scrgbClr r="0" g="0" b="0"/>
+      </a:fillRef>
+      <a:effectRef idx="0">
+        <a:scrgbClr r="0" g="0" b="0"/>
+      </a:effectRef>
+      <a:fontRef idx="minor"/>
+    </dgm:style>
+  </dgm:styleLbl>
+  <dgm:styleLbl name="callout">
+    <dgm:scene3d>
+      <a:camera prst="orthographicFront"/>
+      <a:lightRig rig="threePt" dir="t"/>
+    </dgm:scene3d>
+    <dgm:sp3d/>
+    <dgm:txPr/>
+    <dgm:style>
+      <a:lnRef idx="2">
+        <a:scrgbClr r="0" g="0" b="0"/>
+      </a:lnRef>
+      <a:fillRef idx="1">
+        <a:scrgbClr r="0" g="0" b="0"/>
+      </a:fillRef>
+      <a:effectRef idx="0">
+        <a:scrgbClr r="0" g="0" b="0"/>
+      </a:effectRef>
+      <a:fontRef idx="minor"/>
+    </dgm:style>
+  </dgm:styleLbl>
+  <dgm:styleLbl name="asst0">
+    <dgm:scene3d>
+      <a:camera prst="orthographicFront"/>
+      <a:lightRig rig="threePt" dir="t"/>
+    </dgm:scene3d>
+    <dgm:sp3d/>
+    <dgm:txPr/>
+    <dgm:style>
+      <a:lnRef idx="2">
+        <a:scrgbClr r="0" g="0" b="0"/>
+      </a:lnRef>
+      <a:fillRef idx="1">
+        <a:scrgbClr r="0" g="0" b="0"/>
+      </a:fillRef>
+      <a:effectRef idx="0">
+        <a:scrgbClr r="0" g="0" b="0"/>
+      </a:effectRef>
+      <a:fontRef idx="minor">
+        <a:schemeClr val="lt1"/>
+      </a:fontRef>
+    </dgm:style>
+  </dgm:styleLbl>
+  <dgm:styleLbl name="asst1">
+    <dgm:scene3d>
+      <a:camera prst="orthographicFront"/>
+      <a:lightRig rig="threePt" dir="t"/>
+    </dgm:scene3d>
+    <dgm:sp3d/>
+    <dgm:txPr/>
+    <dgm:style>
+      <a:lnRef idx="2">
+        <a:scrgbClr r="0" g="0" b="0"/>
+      </a:lnRef>
+      <a:fillRef idx="1">
+        <a:scrgbClr r="0" g="0" b="0"/>
+      </a:fillRef>
+      <a:effectRef idx="0">
+        <a:scrgbClr r="0" g="0" b="0"/>
+      </a:effectRef>
+      <a:fontRef idx="minor">
+        <a:schemeClr val="lt1"/>
+      </a:fontRef>
+    </dgm:style>
+  </dgm:styleLbl>
+  <dgm:styleLbl name="asst2">
+    <dgm:scene3d>
+      <a:camera prst="orthographicFront"/>
+      <a:lightRig rig="threePt" dir="t"/>
+    </dgm:scene3d>
+    <dgm:sp3d/>
+    <dgm:txPr/>
+    <dgm:style>
+      <a:lnRef idx="2">
+        <a:scrgbClr r="0" g="0" b="0"/>
+      </a:lnRef>
+      <a:fillRef idx="1">
+        <a:scrgbClr r="0" g="0" b="0"/>
+      </a:fillRef>
+      <a:effectRef idx="0">
+        <a:scrgbClr r="0" g="0" b="0"/>
+      </a:effectRef>
+      <a:fontRef idx="minor">
+        <a:schemeClr val="lt1"/>
+      </a:fontRef>
+    </dgm:style>
+  </dgm:styleLbl>
+  <dgm:styleLbl name="asst3">
+    <dgm:scene3d>
+      <a:camera prst="orthographicFront"/>
+      <a:lightRig rig="threePt" dir="t"/>
+    </dgm:scene3d>
+    <dgm:sp3d/>
+    <dgm:txPr/>
+    <dgm:style>
+      <a:lnRef idx="2">
+        <a:scrgbClr r="0" g="0" b="0"/>
+      </a:lnRef>
+      <a:fillRef idx="1">
+        <a:scrgbClr r="0" g="0" b="0"/>
+      </a:fillRef>
+      <a:effectRef idx="0">
+        <a:scrgbClr r="0" g="0" b="0"/>
+      </a:effectRef>
+      <a:fontRef idx="minor">
+        <a:schemeClr val="lt1"/>
+      </a:fontRef>
+    </dgm:style>
+  </dgm:styleLbl>
+  <dgm:styleLbl name="asst4">
+    <dgm:scene3d>
+      <a:camera prst="orthographicFront"/>
+      <a:lightRig rig="threePt" dir="t"/>
+    </dgm:scene3d>
+    <dgm:sp3d/>
+    <dgm:txPr/>
+    <dgm:style>
+      <a:lnRef idx="2">
+        <a:scrgbClr r="0" g="0" b="0"/>
+      </a:lnRef>
+      <a:fillRef idx="1">
+        <a:scrgbClr r="0" g="0" b="0"/>
+      </a:fillRef>
+      <a:effectRef idx="0">
+        <a:scrgbClr r="0" g="0" b="0"/>
+      </a:effectRef>
+      <a:fontRef idx="minor">
+        <a:schemeClr val="lt1"/>
+      </a:fontRef>
+    </dgm:style>
+  </dgm:styleLbl>
+  <dgm:styleLbl name="parChTrans2D1">
+    <dgm:scene3d>
+      <a:camera prst="orthographicFront"/>
+      <a:lightRig rig="threePt" dir="t"/>
+    </dgm:scene3d>
+    <dgm:sp3d/>
+    <dgm:txPr/>
+    <dgm:style>
+      <a:lnRef idx="2">
+        <a:scrgbClr r="0" g="0" b="0"/>
+      </a:lnRef>
+      <a:fillRef idx="1">
+        <a:scrgbClr r="0" g="0" b="0"/>
+      </a:fillRef>
+      <a:effectRef idx="0">
+        <a:scrgbClr r="0" g="0" b="0"/>
+      </a:effectRef>
+      <a:fontRef idx="minor">
+        <a:schemeClr val="lt1"/>
+      </a:fontRef>
+    </dgm:style>
+  </dgm:styleLbl>
+  <dgm:styleLbl name="parChTrans2D2">
+    <dgm:scene3d>
+      <a:camera prst="orthographicFront"/>
+      <a:lightRig rig="threePt" dir="t"/>
+    </dgm:scene3d>
+    <dgm:sp3d/>
+    <dgm:txPr/>
+    <dgm:style>
+      <a:lnRef idx="2">
+        <a:scrgbClr r="0" g="0" b="0"/>
+      </a:lnRef>
+      <a:fillRef idx="1">
+        <a:scrgbClr r="0" g="0" b="0"/>
+      </a:fillRef>
+      <a:effectRef idx="0">
+        <a:scrgbClr r="0" g="0" b="0"/>
+      </a:effectRef>
+      <a:fontRef idx="minor">
+        <a:schemeClr val="lt1"/>
+      </a:fontRef>
+    </dgm:style>
+  </dgm:styleLbl>
+  <dgm:styleLbl name="parChTrans2D3">
+    <dgm:scene3d>
+      <a:camera prst="orthographicFront"/>
+      <a:lightRig rig="threePt" dir="t"/>
+    </dgm:scene3d>
+    <dgm:sp3d/>
+    <dgm:txPr/>
+    <dgm:style>
+      <a:lnRef idx="2">
+        <a:scrgbClr r="0" g="0" b="0"/>
+      </a:lnRef>
+      <a:fillRef idx="1">
+        <a:scrgbClr r="0" g="0" b="0"/>
+      </a:fillRef>
+      <a:effectRef idx="0">
+        <a:scrgbClr r="0" g="0" b="0"/>
+      </a:effectRef>
+      <a:fontRef idx="minor">
+        <a:schemeClr val="lt1"/>
+      </a:fontRef>
+    </dgm:style>
+  </dgm:styleLbl>
+  <dgm:styleLbl name="parChTrans2D4">
+    <dgm:scene3d>
+      <a:camera prst="orthographicFront"/>
+      <a:lightRig rig="threePt" dir="t"/>
+    </dgm:scene3d>
+    <dgm:sp3d/>
+    <dgm:txPr/>
+    <dgm:style>
+      <a:lnRef idx="2">
+        <a:scrgbClr r="0" g="0" b="0"/>
+      </a:lnRef>
+      <a:fillRef idx="1">
+        <a:scrgbClr r="0" g="0" b="0"/>
+      </a:fillRef>
+      <a:effectRef idx="0">
+        <a:scrgbClr r="0" g="0" b="0"/>
+      </a:effectRef>
+      <a:fontRef idx="minor">
+        <a:schemeClr val="lt1"/>
+      </a:fontRef>
+    </dgm:style>
+  </dgm:styleLbl>
+  <dgm:styleLbl name="parChTrans1D1">
+    <dgm:scene3d>
+      <a:camera prst="orthographicFront"/>
+      <a:lightRig rig="threePt" dir="t"/>
+    </dgm:scene3d>
+    <dgm:sp3d/>
+    <dgm:txPr/>
+    <dgm:style>
+      <a:lnRef idx="2">
+        <a:scrgbClr r="0" g="0" b="0"/>
+      </a:lnRef>
+      <a:fillRef idx="0">
+        <a:scrgbClr r="0" g="0" b="0"/>
+      </a:fillRef>
+      <a:effectRef idx="0">
+        <a:scrgbClr r="0" g="0" b="0"/>
+      </a:effectRef>
+      <a:fontRef idx="minor"/>
+    </dgm:style>
+  </dgm:styleLbl>
+  <dgm:styleLbl name="parChTrans1D2">
+    <dgm:scene3d>
+      <a:camera prst="orthographicFront"/>
+      <a:lightRig rig="threePt" dir="t"/>
+    </dgm:scene3d>
+    <dgm:sp3d/>
+    <dgm:txPr/>
+    <dgm:style>
+      <a:lnRef idx="2">
+        <a:scrgbClr r="0" g="0" b="0"/>
+      </a:lnRef>
+      <a:fillRef idx="0">
+        <a:scrgbClr r="0" g="0" b="0"/>
+      </a:fillRef>
+      <a:effectRef idx="0">
+        <a:scrgbClr r="0" g="0" b="0"/>
+      </a:effectRef>
+      <a:fontRef idx="minor"/>
+    </dgm:style>
+  </dgm:styleLbl>
+  <dgm:styleLbl name="parChTrans1D3">
+    <dgm:scene3d>
+      <a:camera prst="orthographicFront"/>
+      <a:lightRig rig="threePt" dir="t"/>
+    </dgm:scene3d>
+    <dgm:sp3d/>
+    <dgm:txPr/>
+    <dgm:style>
+      <a:lnRef idx="2">
+        <a:scrgbClr r="0" g="0" b="0"/>
+      </a:lnRef>
+      <a:fillRef idx="0">
+        <a:scrgbClr r="0" g="0" b="0"/>
+      </a:fillRef>
+      <a:effectRef idx="0">
+        <a:scrgbClr r="0" g="0" b="0"/>
+      </a:effectRef>
+      <a:fontRef idx="minor"/>
+    </dgm:style>
+  </dgm:styleLbl>
+  <dgm:styleLbl name="parChTrans1D4">
+    <dgm:scene3d>
+      <a:camera prst="orthographicFront"/>
+      <a:lightRig rig="threePt" dir="t"/>
+    </dgm:scene3d>
+    <dgm:sp3d/>
+    <dgm:txPr/>
+    <dgm:style>
+      <a:lnRef idx="2">
+        <a:scrgbClr r="0" g="0" b="0"/>
+      </a:lnRef>
+      <a:fillRef idx="0">
+        <a:scrgbClr r="0" g="0" b="0"/>
+      </a:fillRef>
+      <a:effectRef idx="0">
+        <a:scrgbClr r="0" g="0" b="0"/>
+      </a:effectRef>
+      <a:fontRef idx="minor"/>
+    </dgm:style>
+  </dgm:styleLbl>
+  <dgm:styleLbl name="fgAcc1">
+    <dgm:scene3d>
+      <a:camera prst="orthographicFront"/>
+      <a:lightRig rig="threePt" dir="t"/>
+    </dgm:scene3d>
+    <dgm:sp3d/>
+    <dgm:txPr/>
+    <dgm:style>
+      <a:lnRef idx="2">
+        <a:scrgbClr r="0" g="0" b="0"/>
+      </a:lnRef>
+      <a:fillRef idx="1">
+        <a:scrgbClr r="0" g="0" b="0"/>
+      </a:fillRef>
+      <a:effectRef idx="0">
+        <a:scrgbClr r="0" g="0" b="0"/>
+      </a:effectRef>
+      <a:fontRef idx="minor"/>
+    </dgm:style>
+  </dgm:styleLbl>
+  <dgm:styleLbl name="conFgAcc1">
+    <dgm:scene3d>
+      <a:camera prst="orthographicFront"/>
+      <a:lightRig rig="threePt" dir="t"/>
+    </dgm:scene3d>
+    <dgm:sp3d/>
+    <dgm:txPr/>
+    <dgm:style>
+      <a:lnRef idx="2">
+        <a:scrgbClr r="0" g="0" b="0"/>
+      </a:lnRef>
+      <a:fillRef idx="1">
+        <a:scrgbClr r="0" g="0" b="0"/>
+      </a:fillRef>
+      <a:effectRef idx="0">
+        <a:scrgbClr r="0" g="0" b="0"/>
+      </a:effectRef>
+      <a:fontRef idx="minor"/>
+    </dgm:style>
+  </dgm:styleLbl>
+  <dgm:styleLbl name="alignAcc1">
+    <dgm:scene3d>
+      <a:camera prst="orthographicFront"/>
+      <a:lightRig rig="threePt" dir="t"/>
+    </dgm:scene3d>
+    <dgm:sp3d/>
+    <dgm:txPr/>
+    <dgm:style>
+      <a:lnRef idx="2">
+        <a:scrgbClr r="0" g="0" b="0"/>
+      </a:lnRef>
+      <a:fillRef idx="1">
+        <a:scrgbClr r="0" g="0" b="0"/>
+      </a:fillRef>
+      <a:effectRef idx="0">
+        <a:scrgbClr r="0" g="0" b="0"/>
+      </a:effectRef>
+      <a:fontRef idx="minor"/>
+    </dgm:style>
+  </dgm:styleLbl>
+  <dgm:styleLbl name="trAlignAcc1">
+    <dgm:scene3d>
+      <a:camera prst="orthographicFront"/>
+      <a:lightRig rig="threePt" dir="t"/>
+    </dgm:scene3d>
+    <dgm:sp3d/>
+    <dgm:txPr/>
+    <dgm:style>
+      <a:lnRef idx="1">
+        <a:scrgbClr r="0" g="0" b="0"/>
+      </a:lnRef>
+      <a:fillRef idx="1">
+        <a:scrgbClr r="0" g="0" b="0"/>
+      </a:fillRef>
+      <a:effectRef idx="0">
+        <a:scrgbClr r="0" g="0" b="0"/>
+      </a:effectRef>
+      <a:fontRef idx="minor"/>
+    </dgm:style>
+  </dgm:styleLbl>
+  <dgm:styleLbl name="bgAcc1">
+    <dgm:scene3d>
+      <a:camera prst="orthographicFront"/>
+      <a:lightRig rig="threePt" dir="t"/>
+    </dgm:scene3d>
+    <dgm:sp3d/>
+    <dgm:txPr/>
+    <dgm:style>
+      <a:lnRef idx="2">
+        <a:scrgbClr r="0" g="0" b="0"/>
+      </a:lnRef>
+      <a:fillRef idx="1">
+        <a:scrgbClr r="0" g="0" b="0"/>
+      </a:fillRef>
+      <a:effectRef idx="0">
+        <a:scrgbClr r="0" g="0" b="0"/>
+      </a:effectRef>
+      <a:fontRef idx="minor"/>
+    </dgm:style>
+  </dgm:styleLbl>
+  <dgm:styleLbl name="solidFgAcc1">
+    <dgm:scene3d>
+      <a:camera prst="orthographicFront"/>
+      <a:lightRig rig="threePt" dir="t"/>
+    </dgm:scene3d>
+    <dgm:sp3d/>
+    <dgm:txPr/>
+    <dgm:style>
+      <a:lnRef idx="2">
+        <a:scrgbClr r="0" g="0" b="0"/>
+      </a:lnRef>
+      <a:fillRef idx="1">
+        <a:scrgbClr r="0" g="0" b="0"/>
+      </a:fillRef>
+      <a:effectRef idx="0">
+        <a:scrgbClr r="0" g="0" b="0"/>
+      </a:effectRef>
+      <a:fontRef idx="minor"/>
+    </dgm:style>
+  </dgm:styleLbl>
+  <dgm:styleLbl name="solidAlignAcc1">
+    <dgm:scene3d>
+      <a:camera prst="orthographicFront"/>
+      <a:lightRig rig="threePt" dir="t"/>
+    </dgm:scene3d>
+    <dgm:sp3d/>
+    <dgm:txPr/>
+    <dgm:style>
+      <a:lnRef idx="2">
+        <a:scrgbClr r="0" g="0" b="0"/>
+      </a:lnRef>
+      <a:fillRef idx="1">
+        <a:scrgbClr r="0" g="0" b="0"/>
+      </a:fillRef>
+      <a:effectRef idx="0">
+        <a:scrgbClr r="0" g="0" b="0"/>
+      </a:effectRef>
+      <a:fontRef idx="minor"/>
+    </dgm:style>
+  </dgm:styleLbl>
+  <dgm:styleLbl name="solidBgAcc1">
+    <dgm:scene3d>
+      <a:camera prst="orthographicFront"/>
+      <a:lightRig rig="threePt" dir="t"/>
+    </dgm:scene3d>
+    <dgm:sp3d/>
+    <dgm:txPr/>
+    <dgm:style>
+      <a:lnRef idx="2">
+        <a:scrgbClr r="0" g="0" b="0"/>
+      </a:lnRef>
+      <a:fillRef idx="1">
+        <a:scrgbClr r="0" g="0" b="0"/>
+      </a:fillRef>
+      <a:effectRef idx="0">
+        <a:scrgbClr r="0" g="0" b="0"/>
+      </a:effectRef>
+      <a:fontRef idx="minor"/>
+    </dgm:style>
+  </dgm:styleLbl>
+  <dgm:styleLbl name="fgAccFollowNode1">
+    <dgm:scene3d>
+      <a:camera prst="orthographicFront"/>
+      <a:lightRig rig="threePt" dir="t"/>
+    </dgm:scene3d>
+    <dgm:sp3d/>
+    <dgm:txPr/>
+    <dgm:style>
+      <a:lnRef idx="2">
+        <a:scrgbClr r="0" g="0" b="0"/>
+      </a:lnRef>
+      <a:fillRef idx="1">
+        <a:scrgbClr r="0" g="0" b="0"/>
+      </a:fillRef>
+      <a:effectRef idx="0">
+        <a:scrgbClr r="0" g="0" b="0"/>
+      </a:effectRef>
+      <a:fontRef idx="minor"/>
+    </dgm:style>
+  </dgm:styleLbl>
+  <dgm:styleLbl name="alignAccFollowNode1">
+    <dgm:scene3d>
+      <a:camera prst="orthographicFront"/>
+      <a:lightRig rig="threePt" dir="t"/>
+    </dgm:scene3d>
+    <dgm:sp3d/>
+    <dgm:txPr/>
+    <dgm:style>
+      <a:lnRef idx="2">
+        <a:scrgbClr r="0" g="0" b="0"/>
+      </a:lnRef>
+      <a:fillRef idx="1">
+        <a:scrgbClr r="0" g="0" b="0"/>
+      </a:fillRef>
+      <a:effectRef idx="0">
+        <a:scrgbClr r="0" g="0" b="0"/>
+      </a:effectRef>
+      <a:fontRef idx="minor"/>
+    </dgm:style>
+  </dgm:styleLbl>
+  <dgm:styleLbl name="bgAccFollowNode1">
+    <dgm:scene3d>
+      <a:camera prst="orthographicFront"/>
+      <a:lightRig rig="threePt" dir="t"/>
+    </dgm:scene3d>
+    <dgm:sp3d/>
+    <dgm:txPr/>
+    <dgm:style>
+      <a:lnRef idx="2">
+        <a:scrgbClr r="0" g="0" b="0"/>
+      </a:lnRef>
+      <a:fillRef idx="1">
+        <a:scrgbClr r="0" g="0" b="0"/>
+      </a:fillRef>
+      <a:effectRef idx="0">
+        <a:scrgbClr r="0" g="0" b="0"/>
+      </a:effectRef>
+      <a:fontRef idx="minor"/>
+    </dgm:style>
+  </dgm:styleLbl>
+  <dgm:styleLbl name="fgAcc0">
+    <dgm:scene3d>
+      <a:camera prst="orthographicFront"/>
+      <a:lightRig rig="threePt" dir="t"/>
+    </dgm:scene3d>
+    <dgm:sp3d/>
+    <dgm:txPr/>
+    <dgm:style>
+      <a:lnRef idx="2">
+        <a:scrgbClr r="0" g="0" b="0"/>
+      </a:lnRef>
+      <a:fillRef idx="1">
+        <a:scrgbClr r="0" g="0" b="0"/>
+      </a:fillRef>
+      <a:effectRef idx="0">
+        <a:scrgbClr r="0" g="0" b="0"/>
+      </a:effectRef>
+      <a:fontRef idx="minor"/>
+    </dgm:style>
+  </dgm:styleLbl>
+  <dgm:styleLbl name="fgAcc2">
+    <dgm:scene3d>
+      <a:camera prst="orthographicFront"/>
+      <a:lightRig rig="threePt" dir="t"/>
+    </dgm:scene3d>
+    <dgm:sp3d/>
+    <dgm:txPr/>
+    <dgm:style>
+      <a:lnRef idx="2">
+        <a:scrgbClr r="0" g="0" b="0"/>
+      </a:lnRef>
+      <a:fillRef idx="1">
+        <a:scrgbClr r="0" g="0" b="0"/>
+      </a:fillRef>
+      <a:effectRef idx="0">
+        <a:scrgbClr r="0" g="0" b="0"/>
+      </a:effectRef>
+      <a:fontRef idx="minor"/>
+    </dgm:style>
+  </dgm:styleLbl>
+  <dgm:styleLbl name="fgAcc3">
+    <dgm:scene3d>
+      <a:camera prst="orthographicFront"/>
+      <a:lightRig rig="threePt" dir="t"/>
+    </dgm:scene3d>
+    <dgm:sp3d/>
+    <dgm:txPr/>
+    <dgm:style>
+      <a:lnRef idx="2">
+        <a:scrgbClr r="0" g="0" b="0"/>
+      </a:lnRef>
+      <a:fillRef idx="1">
+        <a:scrgbClr r="0" g="0" b="0"/>
+      </a:fillRef>
+      <a:effectRef idx="0">
+        <a:scrgbClr r="0" g="0" b="0"/>
+      </a:effectRef>
+      <a:fontRef idx="minor"/>
+    </dgm:style>
+  </dgm:styleLbl>
+  <dgm:styleLbl name="fgAcc4">
+    <dgm:scene3d>
+      <a:camera prst="orthographicFront"/>
+      <a:lightRig rig="threePt" dir="t"/>
+    </dgm:scene3d>
+    <dgm:sp3d/>
+    <dgm:txPr/>
+    <dgm:style>
+      <a:lnRef idx="2">
+        <a:scrgbClr r="0" g="0" b="0"/>
+      </a:lnRef>
+      <a:fillRef idx="1">
+        <a:scrgbClr r="0" g="0" b="0"/>
+      </a:fillRef>
+      <a:effectRef idx="0">
+        <a:scrgbClr r="0" g="0" b="0"/>
+      </a:effectRef>
+      <a:fontRef idx="minor"/>
+    </dgm:style>
+  </dgm:styleLbl>
+  <dgm:styleLbl name="bgShp">
+    <dgm:scene3d>
+      <a:camera prst="orthographicFront"/>
+      <a:lightRig rig="threePt" dir="t"/>
+    </dgm:scene3d>
+    <dgm:sp3d/>
+    <dgm:txPr/>
+    <dgm:style>
+      <a:lnRef idx="0">
+        <a:scrgbClr r="0" g="0" b="0"/>
+      </a:lnRef>
+      <a:fillRef idx="1">
+        <a:scrgbClr r="0" g="0" b="0"/>
+      </a:fillRef>
+      <a:effectRef idx="0">
+        <a:scrgbClr r="0" g="0" b="0"/>
+      </a:effectRef>
+      <a:fontRef idx="minor"/>
+    </dgm:style>
+  </dgm:styleLbl>
+  <dgm:styleLbl name="dkBgShp">
+    <dgm:scene3d>
+      <a:camera prst="orthographicFront"/>
+      <a:lightRig rig="threePt" dir="t"/>
+    </dgm:scene3d>
+    <dgm:sp3d/>
+    <dgm:txPr/>
+    <dgm:style>
+      <a:lnRef idx="0">
+        <a:scrgbClr r="0" g="0" b="0"/>
+      </a:lnRef>
+      <a:fillRef idx="1">
+        <a:scrgbClr r="0" g="0" b="0"/>
+      </a:fillRef>
+      <a:effectRef idx="0">
+        <a:scrgbClr r="0" g="0" b="0"/>
+      </a:effectRef>
+      <a:fontRef idx="minor"/>
+    </dgm:style>
+  </dgm:styleLbl>
+  <dgm:styleLbl name="trBgShp">
+    <dgm:scene3d>
+      <a:camera prst="orthographicFront"/>
+      <a:lightRig rig="threePt" dir="t"/>
+    </dgm:scene3d>
+    <dgm:sp3d/>
+    <dgm:txPr/>
+    <dgm:style>
+      <a:lnRef idx="0">
+        <a:scrgbClr r="0" g="0" b="0"/>
+      </a:lnRef>
+      <a:fillRef idx="1">
+        <a:scrgbClr r="0" g="0" b="0"/>
+      </a:fillRef>
+      <a:effectRef idx="0">
+        <a:scrgbClr r="0" g="0" b="0"/>
+      </a:effectRef>
+      <a:fontRef idx="minor"/>
+    </dgm:style>
+  </dgm:styleLbl>
+  <dgm:styleLbl name="fgShp">
+    <dgm:scene3d>
+      <a:camera prst="orthographicFront"/>
+      <a:lightRig rig="threePt" dir="t"/>
+    </dgm:scene3d>
+    <dgm:sp3d/>
+    <dgm:txPr/>
+    <dgm:style>
+      <a:lnRef idx="2">
+        <a:scrgbClr r="0" g="0" b="0"/>
+      </a:lnRef>
+      <a:fillRef idx="1">
+        <a:scrgbClr r="0" g="0" b="0"/>
+      </a:fillRef>
+      <a:effectRef idx="0">
+        <a:scrgbClr r="0" g="0" b="0"/>
+      </a:effectRef>
+      <a:fontRef idx="minor"/>
+    </dgm:style>
+  </dgm:styleLbl>
+  <dgm:styleLbl name="revTx">
+    <dgm:scene3d>
+      <a:camera prst="orthographicFront"/>
+      <a:lightRig rig="threePt" dir="t"/>
+    </dgm:scene3d>
+    <dgm:sp3d/>
+    <dgm:txPr/>
+    <dgm:style>
+      <a:lnRef idx="0">
+        <a:scrgbClr r="0" g="0" b="0"/>
+      </a:lnRef>
+      <a:fillRef idx="0">
+        <a:scrgbClr r="0" g="0" b="0"/>
+      </a:fillRef>
+      <a:effectRef idx="0">
+        <a:scrgbClr r="0" g="0" b="0"/>
+      </a:effectRef>
+      <a:fontRef idx="minor"/>
+    </dgm:style>
+  </dgm:styleLbl>
+</dgm:styleDef>
+</file>
+
+<file path=ppt/notesMasters/notesMaster1.xml><?xml version="1.0" encoding="utf-8"?>
+<p:notesMaster xmlns:a="http://schemas.openxmlformats.org/drawingml/2006/main" xmlns:r="http://schemas.openxmlformats.org/officeDocument/2006/relationships" xmlns:p="http://schemas.openxmlformats.org/presentationml/2006/main">
+  <p:cSld>
+    <p:bg>
+      <p:bgRef idx="1001">
+        <a:schemeClr val="bg1"/>
+      </p:bgRef>
+    </p:bg>
+    <p:spTree>
+      <p:nvGrpSpPr>
+        <p:cNvPr id="1" name=""/>
+        <p:cNvGrpSpPr/>
+        <p:nvPr/>
+      </p:nvGrpSpPr>
+      <p:grpSpPr>
+        <a:xfrm>
+          <a:off x="0" y="0"/>
+          <a:ext cx="0" cy="0"/>
+          <a:chOff x="0" y="0"/>
+          <a:chExt cx="0" cy="0"/>
+        </a:xfrm>
+      </p:grpSpPr>
+      <p:sp>
+        <p:nvSpPr>
+          <p:cNvPr id="2" name="Tijdelijke aanduiding voor koptekst 1"/>
+          <p:cNvSpPr>
+            <a:spLocks noGrp="1"/>
+          </p:cNvSpPr>
+          <p:nvPr>
+            <p:ph type="hdr" sz="quarter"/>
+          </p:nvPr>
+        </p:nvSpPr>
+        <p:spPr>
+          <a:xfrm>
+            <a:off x="0" y="0"/>
+            <a:ext cx="2971800" cy="458788"/>
+          </a:xfrm>
+          <a:prstGeom prst="rect">
+            <a:avLst/>
+          </a:prstGeom>
+        </p:spPr>
+        <p:txBody>
+          <a:bodyPr vert="horz" lIns="91440" tIns="45720" rIns="91440" bIns="45720" rtlCol="0"/>
+          <a:lstStyle>
+            <a:lvl1pPr algn="l">
+              <a:defRPr sz="1200"/>
+            </a:lvl1pPr>
+          </a:lstStyle>
+          <a:p>
+            <a:endParaRPr lang="en-US"/>
+          </a:p>
+        </p:txBody>
+      </p:sp>
+      <p:sp>
+        <p:nvSpPr>
+          <p:cNvPr id="3" name="Tijdelijke aanduiding voor datum 2"/>
+          <p:cNvSpPr>
+            <a:spLocks noGrp="1"/>
+          </p:cNvSpPr>
+          <p:nvPr>
+            <p:ph type="dt" idx="1"/>
+          </p:nvPr>
+        </p:nvSpPr>
+        <p:spPr>
+          <a:xfrm>
+            <a:off x="3884613" y="0"/>
+            <a:ext cx="2971800" cy="458788"/>
+          </a:xfrm>
+          <a:prstGeom prst="rect">
+            <a:avLst/>
+          </a:prstGeom>
+        </p:spPr>
+        <p:txBody>
+          <a:bodyPr vert="horz" lIns="91440" tIns="45720" rIns="91440" bIns="45720" rtlCol="0"/>
+          <a:lstStyle>
+            <a:lvl1pPr algn="r">
+              <a:defRPr sz="1200"/>
+            </a:lvl1pPr>
+          </a:lstStyle>
+          <a:p>
+            <a:fld id="{F7633BD0-0D36-44EC-8BEF-D6B79B337246}" type="datetimeFigureOut">
+              <a:rPr lang="en-US" smtClean="0"/>
+              <a:t>6/6/2023</a:t>
+            </a:fld>
+            <a:endParaRPr lang="en-US"/>
+          </a:p>
+        </p:txBody>
+      </p:sp>
+      <p:sp>
+        <p:nvSpPr>
+          <p:cNvPr id="4" name="Tijdelijke aanduiding voor dia-afbeelding 3"/>
+          <p:cNvSpPr>
+            <a:spLocks noGrp="1" noRot="1" noChangeAspect="1"/>
+          </p:cNvSpPr>
+          <p:nvPr>
+            <p:ph type="sldImg" idx="2"/>
+          </p:nvPr>
+        </p:nvSpPr>
+        <p:spPr>
+          <a:xfrm>
+            <a:off x="685800" y="1143000"/>
+            <a:ext cx="5486400" cy="3086100"/>
+          </a:xfrm>
+          <a:prstGeom prst="rect">
+            <a:avLst/>
+          </a:prstGeom>
+          <a:noFill/>
+          <a:ln w="12700">
+            <a:solidFill>
+              <a:prstClr val="black"/>
+            </a:solidFill>
+          </a:ln>
+        </p:spPr>
+        <p:txBody>
+          <a:bodyPr vert="horz" lIns="91440" tIns="45720" rIns="91440" bIns="45720" rtlCol="0" anchor="ctr"/>
+          <a:lstStyle/>
+          <a:p>
+            <a:endParaRPr lang="en-US"/>
+          </a:p>
+        </p:txBody>
+      </p:sp>
+      <p:sp>
+        <p:nvSpPr>
+          <p:cNvPr id="5" name="Tijdelijke aanduiding voor notities 4"/>
+          <p:cNvSpPr>
+            <a:spLocks noGrp="1"/>
+          </p:cNvSpPr>
+          <p:nvPr>
+            <p:ph type="body" sz="quarter" idx="3"/>
+          </p:nvPr>
+        </p:nvSpPr>
+        <p:spPr>
+          <a:xfrm>
+            <a:off x="685800" y="4400550"/>
+            <a:ext cx="5486400" cy="3600450"/>
+          </a:xfrm>
+          <a:prstGeom prst="rect">
+            <a:avLst/>
+          </a:prstGeom>
+        </p:spPr>
+        <p:txBody>
+          <a:bodyPr vert="horz" lIns="91440" tIns="45720" rIns="91440" bIns="45720" rtlCol="0"/>
+          <a:lstStyle/>
+          <a:p>
+            <a:pPr lvl="0"/>
+            <a:r>
+              <a:rPr lang="nl-NL"/>
+              <a:t>Klikken om de tekststijl van het model te bewerken</a:t>
+            </a:r>
+          </a:p>
+          <a:p>
+            <a:pPr lvl="1"/>
+            <a:r>
+              <a:rPr lang="nl-NL"/>
+              <a:t>Tweede niveau</a:t>
+            </a:r>
+          </a:p>
+          <a:p>
+            <a:pPr lvl="2"/>
+            <a:r>
+              <a:rPr lang="nl-NL"/>
+              <a:t>Derde niveau</a:t>
+            </a:r>
+          </a:p>
+          <a:p>
+            <a:pPr lvl="3"/>
+            <a:r>
+              <a:rPr lang="nl-NL"/>
+              <a:t>Vierde niveau</a:t>
+            </a:r>
+          </a:p>
+          <a:p>
+            <a:pPr lvl="4"/>
+            <a:r>
+              <a:rPr lang="nl-NL"/>
+              <a:t>Vijfde niveau</a:t>
+            </a:r>
+            <a:endParaRPr lang="en-US"/>
+          </a:p>
+        </p:txBody>
+      </p:sp>
+      <p:sp>
+        <p:nvSpPr>
+          <p:cNvPr id="6" name="Tijdelijke aanduiding voor voettekst 5"/>
+          <p:cNvSpPr>
+            <a:spLocks noGrp="1"/>
+          </p:cNvSpPr>
+          <p:nvPr>
+            <p:ph type="ftr" sz="quarter" idx="4"/>
+          </p:nvPr>
+        </p:nvSpPr>
+        <p:spPr>
+          <a:xfrm>
+            <a:off x="0" y="8685213"/>
+            <a:ext cx="2971800" cy="458787"/>
+          </a:xfrm>
+          <a:prstGeom prst="rect">
+            <a:avLst/>
+          </a:prstGeom>
+        </p:spPr>
+        <p:txBody>
+          <a:bodyPr vert="horz" lIns="91440" tIns="45720" rIns="91440" bIns="45720" rtlCol="0" anchor="b"/>
+          <a:lstStyle>
+            <a:lvl1pPr algn="l">
+              <a:defRPr sz="1200"/>
+            </a:lvl1pPr>
+          </a:lstStyle>
+          <a:p>
+            <a:endParaRPr lang="en-US"/>
+          </a:p>
+        </p:txBody>
+      </p:sp>
+      <p:sp>
+        <p:nvSpPr>
+          <p:cNvPr id="7" name="Tijdelijke aanduiding voor dianummer 6"/>
+          <p:cNvSpPr>
+            <a:spLocks noGrp="1"/>
+          </p:cNvSpPr>
+          <p:nvPr>
+            <p:ph type="sldNum" sz="quarter" idx="5"/>
+          </p:nvPr>
+        </p:nvSpPr>
+        <p:spPr>
+          <a:xfrm>
+            <a:off x="3884613" y="8685213"/>
+            <a:ext cx="2971800" cy="458787"/>
+          </a:xfrm>
+          <a:prstGeom prst="rect">
+            <a:avLst/>
+          </a:prstGeom>
+        </p:spPr>
+        <p:txBody>
+          <a:bodyPr vert="horz" lIns="91440" tIns="45720" rIns="91440" bIns="45720" rtlCol="0" anchor="b"/>
+          <a:lstStyle>
+            <a:lvl1pPr algn="r">
+              <a:defRPr sz="1200"/>
+            </a:lvl1pPr>
+          </a:lstStyle>
+          <a:p>
+            <a:fld id="{7C2EAF97-11E6-4B1F-9E82-B86AD4ED4081}" type="slidenum">
+              <a:rPr lang="en-US" smtClean="0"/>
+              <a:t>‹nr.›</a:t>
+            </a:fld>
+            <a:endParaRPr lang="en-US"/>
+          </a:p>
+        </p:txBody>
+      </p:sp>
+    </p:spTree>
+    <p:extLst>
+      <p:ext uri="{BB962C8B-B14F-4D97-AF65-F5344CB8AC3E}">
+        <p14:creationId xmlns:p14="http://schemas.microsoft.com/office/powerpoint/2010/main" val="93410048"/>
+      </p:ext>
+    </p:extLst>
+  </p:cSld>
+  <p:clrMap bg1="lt1" tx1="dk1" bg2="lt2" tx2="dk2" accent1="accent1" accent2="accent2" accent3="accent3" accent4="accent4" accent5="accent5" accent6="accent6" hlink="hlink" folHlink="folHlink"/>
+  <p:notesStyle>
+    <a:lvl1pPr marL="0" algn="l" defTabSz="914400" rtl="0" eaLnBrk="1" latinLnBrk="0" hangingPunct="1">
+      <a:defRPr sz="1200" kern="1200">
+        <a:solidFill>
+          <a:schemeClr val="tx1"/>
+        </a:solidFill>
+        <a:latin typeface="+mn-lt"/>
+        <a:ea typeface="+mn-ea"/>
+        <a:cs typeface="+mn-cs"/>
+      </a:defRPr>
+    </a:lvl1pPr>
+    <a:lvl2pPr marL="457200" algn="l" defTabSz="914400" rtl="0" eaLnBrk="1" latinLnBrk="0" hangingPunct="1">
+      <a:defRPr sz="1200" kern="1200">
+        <a:solidFill>
+          <a:schemeClr val="tx1"/>
+        </a:solidFill>
+        <a:latin typeface="+mn-lt"/>
+        <a:ea typeface="+mn-ea"/>
+        <a:cs typeface="+mn-cs"/>
+      </a:defRPr>
+    </a:lvl2pPr>
+    <a:lvl3pPr marL="914400" algn="l" defTabSz="914400" rtl="0" eaLnBrk="1" latinLnBrk="0" hangingPunct="1">
+      <a:defRPr sz="1200" kern="1200">
+        <a:solidFill>
+          <a:schemeClr val="tx1"/>
+        </a:solidFill>
+        <a:latin typeface="+mn-lt"/>
+        <a:ea typeface="+mn-ea"/>
+        <a:cs typeface="+mn-cs"/>
+      </a:defRPr>
+    </a:lvl3pPr>
+    <a:lvl4pPr marL="1371600" algn="l" defTabSz="914400" rtl="0" eaLnBrk="1" latinLnBrk="0" hangingPunct="1">
+      <a:defRPr sz="1200" kern="1200">
+        <a:solidFill>
+          <a:schemeClr val="tx1"/>
+        </a:solidFill>
+        <a:latin typeface="+mn-lt"/>
+        <a:ea typeface="+mn-ea"/>
+        <a:cs typeface="+mn-cs"/>
+      </a:defRPr>
+    </a:lvl4pPr>
+    <a:lvl5pPr marL="1828800" algn="l" defTabSz="914400" rtl="0" eaLnBrk="1" latinLnBrk="0" hangingPunct="1">
+      <a:defRPr sz="1200" kern="1200">
+        <a:solidFill>
+          <a:schemeClr val="tx1"/>
+        </a:solidFill>
+        <a:latin typeface="+mn-lt"/>
+        <a:ea typeface="+mn-ea"/>
+        <a:cs typeface="+mn-cs"/>
+      </a:defRPr>
+    </a:lvl5pPr>
+    <a:lvl6pPr marL="2286000" algn="l" defTabSz="914400" rtl="0" eaLnBrk="1" latinLnBrk="0" hangingPunct="1">
+      <a:defRPr sz="1200" kern="1200">
+        <a:solidFill>
+          <a:schemeClr val="tx1"/>
+        </a:solidFill>
+        <a:latin typeface="+mn-lt"/>
+        <a:ea typeface="+mn-ea"/>
+        <a:cs typeface="+mn-cs"/>
+      </a:defRPr>
+    </a:lvl6pPr>
+    <a:lvl7pPr marL="2743200" algn="l" defTabSz="914400" rtl="0" eaLnBrk="1" latinLnBrk="0" hangingPunct="1">
+      <a:defRPr sz="1200" kern="1200">
+        <a:solidFill>
+          <a:schemeClr val="tx1"/>
+        </a:solidFill>
+        <a:latin typeface="+mn-lt"/>
+        <a:ea typeface="+mn-ea"/>
+        <a:cs typeface="+mn-cs"/>
+      </a:defRPr>
+    </a:lvl7pPr>
+    <a:lvl8pPr marL="3200400" algn="l" defTabSz="914400" rtl="0" eaLnBrk="1" latinLnBrk="0" hangingPunct="1">
+      <a:defRPr sz="1200" kern="1200">
+        <a:solidFill>
+          <a:schemeClr val="tx1"/>
+        </a:solidFill>
+        <a:latin typeface="+mn-lt"/>
+        <a:ea typeface="+mn-ea"/>
+        <a:cs typeface="+mn-cs"/>
+      </a:defRPr>
+    </a:lvl8pPr>
+    <a:lvl9pPr marL="3657600" algn="l" defTabSz="914400" rtl="0" eaLnBrk="1" latinLnBrk="0" hangingPunct="1">
+      <a:defRPr sz="1200" kern="1200">
+        <a:solidFill>
+          <a:schemeClr val="tx1"/>
+        </a:solidFill>
+        <a:latin typeface="+mn-lt"/>
+        <a:ea typeface="+mn-ea"/>
+        <a:cs typeface="+mn-cs"/>
+      </a:defRPr>
+    </a:lvl9pPr>
+  </p:notesStyle>
+</p:notesMaster>
 </file>
 
 <file path=ppt/slideLayouts/slideLayout1.xml><?xml version="1.0" encoding="utf-8"?>
@@ -258,9 +3539,9 @@
           <a:bodyPr/>
           <a:lstStyle/>
           <a:p>
-            <a:fld id="{D68D527A-2F82-4876-9DB1-DA099741EACF}" type="datetimeFigureOut">
+            <a:fld id="{3872AB8F-59F1-49E5-852D-7EBB4C109CF4}" type="datetime1">
               <a:rPr lang="nl-NL" smtClean="0"/>
-              <a:t>4-6-2023</a:t>
+              <a:t>6-6-2023</a:t>
             </a:fld>
             <a:endParaRPr lang="nl-NL"/>
           </a:p>
@@ -456,9 +3737,9 @@
           <a:bodyPr/>
           <a:lstStyle/>
           <a:p>
-            <a:fld id="{D68D527A-2F82-4876-9DB1-DA099741EACF}" type="datetimeFigureOut">
+            <a:fld id="{8345B476-F740-4EEB-90A6-D839DD374D83}" type="datetime1">
               <a:rPr lang="nl-NL" smtClean="0"/>
-              <a:t>4-6-2023</a:t>
+              <a:t>6-6-2023</a:t>
             </a:fld>
             <a:endParaRPr lang="nl-NL"/>
           </a:p>
@@ -664,9 +3945,9 @@
           <a:bodyPr/>
           <a:lstStyle/>
           <a:p>
-            <a:fld id="{D68D527A-2F82-4876-9DB1-DA099741EACF}" type="datetimeFigureOut">
+            <a:fld id="{83D0CDBA-CF1E-44F5-920B-2023815094C6}" type="datetime1">
               <a:rPr lang="nl-NL" smtClean="0"/>
-              <a:t>4-6-2023</a:t>
+              <a:t>6-6-2023</a:t>
             </a:fld>
             <a:endParaRPr lang="nl-NL"/>
           </a:p>
@@ -862,9 +4143,9 @@
           <a:bodyPr/>
           <a:lstStyle/>
           <a:p>
-            <a:fld id="{D68D527A-2F82-4876-9DB1-DA099741EACF}" type="datetimeFigureOut">
+            <a:fld id="{A4B231F4-2825-4BA3-81AC-5898CD184A1D}" type="datetime1">
               <a:rPr lang="nl-NL" smtClean="0"/>
-              <a:t>4-6-2023</a:t>
+              <a:t>6-6-2023</a:t>
             </a:fld>
             <a:endParaRPr lang="nl-NL"/>
           </a:p>
@@ -1137,9 +4418,9 @@
           <a:bodyPr/>
           <a:lstStyle/>
           <a:p>
-            <a:fld id="{D68D527A-2F82-4876-9DB1-DA099741EACF}" type="datetimeFigureOut">
+            <a:fld id="{FBD20C7D-9E97-4AA1-961F-433A28514C6E}" type="datetime1">
               <a:rPr lang="nl-NL" smtClean="0"/>
-              <a:t>4-6-2023</a:t>
+              <a:t>6-6-2023</a:t>
             </a:fld>
             <a:endParaRPr lang="nl-NL"/>
           </a:p>
@@ -1402,9 +4683,9 @@
           <a:bodyPr/>
           <a:lstStyle/>
           <a:p>
-            <a:fld id="{D68D527A-2F82-4876-9DB1-DA099741EACF}" type="datetimeFigureOut">
+            <a:fld id="{C7D89B12-5A5D-4C1F-BFD7-E7E5B52C0BF2}" type="datetime1">
               <a:rPr lang="nl-NL" smtClean="0"/>
-              <a:t>4-6-2023</a:t>
+              <a:t>6-6-2023</a:t>
             </a:fld>
             <a:endParaRPr lang="nl-NL"/>
           </a:p>
@@ -1814,9 +5095,9 @@
           <a:bodyPr/>
           <a:lstStyle/>
           <a:p>
-            <a:fld id="{D68D527A-2F82-4876-9DB1-DA099741EACF}" type="datetimeFigureOut">
+            <a:fld id="{339C6F98-E46A-49C0-990C-F567DDCC9E9C}" type="datetime1">
               <a:rPr lang="nl-NL" smtClean="0"/>
-              <a:t>4-6-2023</a:t>
+              <a:t>6-6-2023</a:t>
             </a:fld>
             <a:endParaRPr lang="nl-NL"/>
           </a:p>
@@ -1955,9 +5236,9 @@
           <a:bodyPr/>
           <a:lstStyle/>
           <a:p>
-            <a:fld id="{D68D527A-2F82-4876-9DB1-DA099741EACF}" type="datetimeFigureOut">
+            <a:fld id="{F40BF5E8-1E4F-4283-8FA7-40598542E6CE}" type="datetime1">
               <a:rPr lang="nl-NL" smtClean="0"/>
-              <a:t>4-6-2023</a:t>
+              <a:t>6-6-2023</a:t>
             </a:fld>
             <a:endParaRPr lang="nl-NL"/>
           </a:p>
@@ -2068,9 +5349,9 @@
           <a:bodyPr/>
           <a:lstStyle/>
           <a:p>
-            <a:fld id="{D68D527A-2F82-4876-9DB1-DA099741EACF}" type="datetimeFigureOut">
+            <a:fld id="{80D11780-2EF0-464A-B462-8D2FDA69DE9F}" type="datetime1">
               <a:rPr lang="nl-NL" smtClean="0"/>
-              <a:t>4-6-2023</a:t>
+              <a:t>6-6-2023</a:t>
             </a:fld>
             <a:endParaRPr lang="nl-NL"/>
           </a:p>
@@ -2379,9 +5660,9 @@
           <a:bodyPr/>
           <a:lstStyle/>
           <a:p>
-            <a:fld id="{D68D527A-2F82-4876-9DB1-DA099741EACF}" type="datetimeFigureOut">
+            <a:fld id="{23B6B3D3-39D7-4188-AADB-9D00FAD8371E}" type="datetime1">
               <a:rPr lang="nl-NL" smtClean="0"/>
-              <a:t>4-6-2023</a:t>
+              <a:t>6-6-2023</a:t>
             </a:fld>
             <a:endParaRPr lang="nl-NL"/>
           </a:p>
@@ -2667,9 +5948,9 @@
           <a:bodyPr/>
           <a:lstStyle/>
           <a:p>
-            <a:fld id="{D68D527A-2F82-4876-9DB1-DA099741EACF}" type="datetimeFigureOut">
+            <a:fld id="{0561CC81-8768-46EC-9745-C34847B88C23}" type="datetime1">
               <a:rPr lang="nl-NL" smtClean="0"/>
-              <a:t>4-6-2023</a:t>
+              <a:t>6-6-2023</a:t>
             </a:fld>
             <a:endParaRPr lang="nl-NL"/>
           </a:p>
@@ -2908,9 +6189,9 @@
             </a:lvl1pPr>
           </a:lstStyle>
           <a:p>
-            <a:fld id="{D68D527A-2F82-4876-9DB1-DA099741EACF}" type="datetimeFigureOut">
+            <a:fld id="{BE53BCD4-D828-4437-8EFB-11D065012B4D}" type="datetime1">
               <a:rPr lang="nl-NL" smtClean="0"/>
-              <a:t>4-6-2023</a:t>
+              <a:t>6-6-2023</a:t>
             </a:fld>
             <a:endParaRPr lang="nl-NL"/>
           </a:p>
@@ -3027,6 +6308,7 @@
     <p:sldLayoutId id="2147483658" r:id="rId10"/>
     <p:sldLayoutId id="2147483659" r:id="rId11"/>
   </p:sldLayoutIdLst>
+  <p:hf hdr="0" ftr="0" dt="0"/>
   <p:txStyles>
     <p:titleStyle>
       <a:lvl1pPr algn="l" defTabSz="914400" rtl="0" eaLnBrk="1" latinLnBrk="0" hangingPunct="1">
@@ -3417,10 +6699,10 @@
       </p:grpSpPr>
       <p:sp useBgFill="1">
         <p:nvSpPr>
-          <p:cNvPr id="1044" name="Rectangle 1043">
+          <p:cNvPr id="1049" name="Rectangle 1048">
             <a:extLst>
               <a:ext uri="{FF2B5EF4-FFF2-40B4-BE49-F238E27FC236}">
-                <a16:creationId xmlns:a16="http://schemas.microsoft.com/office/drawing/2014/main" id="{F5897CCA-486C-491C-B4C1-5E5C95A82709}"/>
+                <a16:creationId xmlns:a16="http://schemas.microsoft.com/office/drawing/2014/main" id="{F13C74B1-5B17-4795-BED0-7140497B445A}"/>
               </a:ext>
               <a:ext uri="{C183D7F6-B498-43B3-948B-1728B52AA6E4}">
                 <adec:decorative xmlns:adec="http://schemas.microsoft.com/office/drawing/2017/decorative" val="1"/>
@@ -3440,7 +6722,7 @@
         </p:nvSpPr>
         <p:spPr>
           <a:xfrm>
-            <a:off x="-1" y="0"/>
+            <a:off x="0" y="0"/>
             <a:ext cx="12188952" cy="6858000"/>
           </a:xfrm>
           <a:prstGeom prst="rect">
@@ -3493,32 +6775,323 @@
         </p:nvSpPr>
         <p:spPr>
           <a:xfrm>
-            <a:off x="831988" y="385474"/>
-            <a:ext cx="6356606" cy="1843283"/>
+            <a:off x="640079" y="325369"/>
+            <a:ext cx="4529079" cy="1956841"/>
           </a:xfrm>
         </p:spPr>
         <p:txBody>
-          <a:bodyPr>
+          <a:bodyPr anchor="b">
             <a:normAutofit/>
           </a:bodyPr>
           <a:lstStyle/>
           <a:p>
             <a:r>
-              <a:rPr lang="en-GB" sz="4000"/>
+              <a:rPr lang="en-GB" sz="4200" dirty="0"/>
               <a:t>Expectations</a:t>
             </a:r>
             <a:r>
-              <a:rPr lang="nl-NL" sz="4000"/>
-              <a:t> of </a:t>
+              <a:rPr lang="nl-NL" sz="4200" dirty="0"/>
+              <a:t> </a:t>
             </a:r>
             <a:r>
-              <a:rPr lang="en-GB" sz="4000"/>
+              <a:rPr lang="nl-NL" sz="4200" dirty="0" err="1"/>
+              <a:t>for</a:t>
+            </a:r>
+            <a:r>
+              <a:rPr lang="nl-NL" sz="4200" dirty="0"/>
+              <a:t> </a:t>
+            </a:r>
+            <a:r>
+              <a:rPr lang="en-GB" sz="4200" dirty="0"/>
               <a:t>the</a:t>
             </a:r>
             <a:r>
-              <a:rPr lang="nl-NL" sz="4000"/>
+              <a:rPr lang="nl-NL" sz="4200" dirty="0"/>
               <a:t> soldering station</a:t>
             </a:r>
+          </a:p>
+        </p:txBody>
+      </p:sp>
+      <p:sp>
+        <p:nvSpPr>
+          <p:cNvPr id="1051" name="sketchy line">
+            <a:extLst>
+              <a:ext uri="{FF2B5EF4-FFF2-40B4-BE49-F238E27FC236}">
+                <a16:creationId xmlns:a16="http://schemas.microsoft.com/office/drawing/2014/main" id="{D4974D33-8DC5-464E-8C6D-BE58F0669C17}"/>
+              </a:ext>
+              <a:ext uri="{C183D7F6-B498-43B3-948B-1728B52AA6E4}">
+                <adec:decorative xmlns:adec="http://schemas.microsoft.com/office/drawing/2017/decorative" val="1"/>
+              </a:ext>
+            </a:extLst>
+          </p:cNvPr>
+          <p:cNvSpPr>
+            <a:spLocks noGrp="1" noRot="1" noChangeAspect="1" noMove="1" noResize="1" noEditPoints="1" noAdjustHandles="1" noChangeArrowheads="1" noChangeShapeType="1" noTextEdit="1"/>
+          </p:cNvSpPr>
+          <p:nvPr>
+            <p:extLst>
+              <p:ext uri="{386F3935-93C4-4BCD-93E2-E3B085C9AB24}">
+                <p16:designElem xmlns:p16="http://schemas.microsoft.com/office/powerpoint/2015/main" val="1"/>
+              </p:ext>
+            </p:extLst>
+          </p:nvPr>
+        </p:nvSpPr>
+        <p:spPr>
+          <a:xfrm>
+            <a:off x="640080" y="2586994"/>
+            <a:ext cx="3474720" cy="18288"/>
+          </a:xfrm>
+          <a:custGeom>
+            <a:avLst/>
+            <a:gdLst>
+              <a:gd name="connsiteX0" fmla="*/ 0 w 3474720"/>
+              <a:gd name="connsiteY0" fmla="*/ 0 h 18288"/>
+              <a:gd name="connsiteX1" fmla="*/ 694944 w 3474720"/>
+              <a:gd name="connsiteY1" fmla="*/ 0 h 18288"/>
+              <a:gd name="connsiteX2" fmla="*/ 1355141 w 3474720"/>
+              <a:gd name="connsiteY2" fmla="*/ 0 h 18288"/>
+              <a:gd name="connsiteX3" fmla="*/ 2015338 w 3474720"/>
+              <a:gd name="connsiteY3" fmla="*/ 0 h 18288"/>
+              <a:gd name="connsiteX4" fmla="*/ 2779776 w 3474720"/>
+              <a:gd name="connsiteY4" fmla="*/ 0 h 18288"/>
+              <a:gd name="connsiteX5" fmla="*/ 3474720 w 3474720"/>
+              <a:gd name="connsiteY5" fmla="*/ 0 h 18288"/>
+              <a:gd name="connsiteX6" fmla="*/ 3474720 w 3474720"/>
+              <a:gd name="connsiteY6" fmla="*/ 18288 h 18288"/>
+              <a:gd name="connsiteX7" fmla="*/ 2779776 w 3474720"/>
+              <a:gd name="connsiteY7" fmla="*/ 18288 h 18288"/>
+              <a:gd name="connsiteX8" fmla="*/ 2189074 w 3474720"/>
+              <a:gd name="connsiteY8" fmla="*/ 18288 h 18288"/>
+              <a:gd name="connsiteX9" fmla="*/ 1528877 w 3474720"/>
+              <a:gd name="connsiteY9" fmla="*/ 18288 h 18288"/>
+              <a:gd name="connsiteX10" fmla="*/ 868680 w 3474720"/>
+              <a:gd name="connsiteY10" fmla="*/ 18288 h 18288"/>
+              <a:gd name="connsiteX11" fmla="*/ 0 w 3474720"/>
+              <a:gd name="connsiteY11" fmla="*/ 18288 h 18288"/>
+              <a:gd name="connsiteX12" fmla="*/ 0 w 3474720"/>
+              <a:gd name="connsiteY12" fmla="*/ 0 h 18288"/>
+            </a:gdLst>
+            <a:ahLst/>
+            <a:cxnLst>
+              <a:cxn ang="0">
+                <a:pos x="connsiteX0" y="connsiteY0"/>
+              </a:cxn>
+              <a:cxn ang="0">
+                <a:pos x="connsiteX1" y="connsiteY1"/>
+              </a:cxn>
+              <a:cxn ang="0">
+                <a:pos x="connsiteX2" y="connsiteY2"/>
+              </a:cxn>
+              <a:cxn ang="0">
+                <a:pos x="connsiteX3" y="connsiteY3"/>
+              </a:cxn>
+              <a:cxn ang="0">
+                <a:pos x="connsiteX4" y="connsiteY4"/>
+              </a:cxn>
+              <a:cxn ang="0">
+                <a:pos x="connsiteX5" y="connsiteY5"/>
+              </a:cxn>
+              <a:cxn ang="0">
+                <a:pos x="connsiteX6" y="connsiteY6"/>
+              </a:cxn>
+              <a:cxn ang="0">
+                <a:pos x="connsiteX7" y="connsiteY7"/>
+              </a:cxn>
+              <a:cxn ang="0">
+                <a:pos x="connsiteX8" y="connsiteY8"/>
+              </a:cxn>
+              <a:cxn ang="0">
+                <a:pos x="connsiteX9" y="connsiteY9"/>
+              </a:cxn>
+              <a:cxn ang="0">
+                <a:pos x="connsiteX10" y="connsiteY10"/>
+              </a:cxn>
+              <a:cxn ang="0">
+                <a:pos x="connsiteX11" y="connsiteY11"/>
+              </a:cxn>
+              <a:cxn ang="0">
+                <a:pos x="connsiteX12" y="connsiteY12"/>
+              </a:cxn>
+            </a:cxnLst>
+            <a:rect l="l" t="t" r="r" b="b"/>
+            <a:pathLst>
+              <a:path w="3474720" h="18288" fill="none" extrusionOk="0">
+                <a:moveTo>
+                  <a:pt x="0" y="0"/>
+                </a:moveTo>
+                <a:cubicBezTo>
+                  <a:pt x="224454" y="-14544"/>
+                  <a:pt x="495407" y="26540"/>
+                  <a:pt x="694944" y="0"/>
+                </a:cubicBezTo>
+                <a:cubicBezTo>
+                  <a:pt x="894481" y="-26540"/>
+                  <a:pt x="1130063" y="24713"/>
+                  <a:pt x="1355141" y="0"/>
+                </a:cubicBezTo>
+                <a:cubicBezTo>
+                  <a:pt x="1580219" y="-24713"/>
+                  <a:pt x="1820099" y="26695"/>
+                  <a:pt x="2015338" y="0"/>
+                </a:cubicBezTo>
+                <a:cubicBezTo>
+                  <a:pt x="2210577" y="-26695"/>
+                  <a:pt x="2402045" y="165"/>
+                  <a:pt x="2779776" y="0"/>
+                </a:cubicBezTo>
+                <a:cubicBezTo>
+                  <a:pt x="3157507" y="-165"/>
+                  <a:pt x="3286859" y="-15571"/>
+                  <a:pt x="3474720" y="0"/>
+                </a:cubicBezTo>
+                <a:cubicBezTo>
+                  <a:pt x="3474286" y="7551"/>
+                  <a:pt x="3474253" y="9822"/>
+                  <a:pt x="3474720" y="18288"/>
+                </a:cubicBezTo>
+                <a:cubicBezTo>
+                  <a:pt x="3233904" y="29845"/>
+                  <a:pt x="2945134" y="-5256"/>
+                  <a:pt x="2779776" y="18288"/>
+                </a:cubicBezTo>
+                <a:cubicBezTo>
+                  <a:pt x="2614418" y="41832"/>
+                  <a:pt x="2339768" y="22709"/>
+                  <a:pt x="2189074" y="18288"/>
+                </a:cubicBezTo>
+                <a:cubicBezTo>
+                  <a:pt x="2038380" y="13867"/>
+                  <a:pt x="1817434" y="-4947"/>
+                  <a:pt x="1528877" y="18288"/>
+                </a:cubicBezTo>
+                <a:cubicBezTo>
+                  <a:pt x="1240320" y="41523"/>
+                  <a:pt x="1042447" y="37198"/>
+                  <a:pt x="868680" y="18288"/>
+                </a:cubicBezTo>
+                <a:cubicBezTo>
+                  <a:pt x="694913" y="-622"/>
+                  <a:pt x="233232" y="44909"/>
+                  <a:pt x="0" y="18288"/>
+                </a:cubicBezTo>
+                <a:cubicBezTo>
+                  <a:pt x="60" y="11696"/>
+                  <a:pt x="66" y="3758"/>
+                  <a:pt x="0" y="0"/>
+                </a:cubicBezTo>
+                <a:close/>
+              </a:path>
+              <a:path w="3474720" h="18288" stroke="0" extrusionOk="0">
+                <a:moveTo>
+                  <a:pt x="0" y="0"/>
+                </a:moveTo>
+                <a:cubicBezTo>
+                  <a:pt x="202328" y="-14716"/>
+                  <a:pt x="332722" y="-11499"/>
+                  <a:pt x="625450" y="0"/>
+                </a:cubicBezTo>
+                <a:cubicBezTo>
+                  <a:pt x="918178" y="11499"/>
+                  <a:pt x="1096688" y="5123"/>
+                  <a:pt x="1389888" y="0"/>
+                </a:cubicBezTo>
+                <a:cubicBezTo>
+                  <a:pt x="1683088" y="-5123"/>
+                  <a:pt x="1835981" y="-14038"/>
+                  <a:pt x="1980590" y="0"/>
+                </a:cubicBezTo>
+                <a:cubicBezTo>
+                  <a:pt x="2125199" y="14038"/>
+                  <a:pt x="2396099" y="-7203"/>
+                  <a:pt x="2571293" y="0"/>
+                </a:cubicBezTo>
+                <a:cubicBezTo>
+                  <a:pt x="2746487" y="7203"/>
+                  <a:pt x="3041609" y="-12036"/>
+                  <a:pt x="3474720" y="0"/>
+                </a:cubicBezTo>
+                <a:cubicBezTo>
+                  <a:pt x="3474638" y="4406"/>
+                  <a:pt x="3474631" y="9982"/>
+                  <a:pt x="3474720" y="18288"/>
+                </a:cubicBezTo>
+                <a:cubicBezTo>
+                  <a:pt x="3324873" y="21876"/>
+                  <a:pt x="3136771" y="12587"/>
+                  <a:pt x="2814523" y="18288"/>
+                </a:cubicBezTo>
+                <a:cubicBezTo>
+                  <a:pt x="2492275" y="23989"/>
+                  <a:pt x="2294402" y="47111"/>
+                  <a:pt x="2154326" y="18288"/>
+                </a:cubicBezTo>
+                <a:cubicBezTo>
+                  <a:pt x="2014250" y="-10535"/>
+                  <a:pt x="1820317" y="33903"/>
+                  <a:pt x="1494130" y="18288"/>
+                </a:cubicBezTo>
+                <a:cubicBezTo>
+                  <a:pt x="1167943" y="2673"/>
+                  <a:pt x="948432" y="14868"/>
+                  <a:pt x="729691" y="18288"/>
+                </a:cubicBezTo>
+                <a:cubicBezTo>
+                  <a:pt x="510950" y="21708"/>
+                  <a:pt x="264032" y="24354"/>
+                  <a:pt x="0" y="18288"/>
+                </a:cubicBezTo>
+                <a:cubicBezTo>
+                  <a:pt x="189" y="14288"/>
+                  <a:pt x="-703" y="3747"/>
+                  <a:pt x="0" y="0"/>
+                </a:cubicBezTo>
+                <a:close/>
+              </a:path>
+            </a:pathLst>
+          </a:custGeom>
+          <a:solidFill>
+            <a:schemeClr val="accent2"/>
+          </a:solidFill>
+          <a:ln w="44450" cap="rnd">
+            <a:solidFill>
+              <a:schemeClr val="accent2"/>
+            </a:solidFill>
+            <a:round/>
+            <a:extLst>
+              <a:ext uri="{C807C97D-BFC1-408E-A445-0C87EB9F89A2}">
+                <ask:lineSketchStyleProps xmlns:ask="http://schemas.microsoft.com/office/drawing/2018/sketchyshapes" sd="2863741219">
+                  <a:prstGeom prst="rect">
+                    <a:avLst/>
+                  </a:prstGeom>
+                  <ask:type>
+                    <ask:lineSketchFreehand/>
+                  </ask:type>
+                </ask:lineSketchStyleProps>
+              </a:ext>
+            </a:extLst>
+          </a:ln>
+        </p:spPr>
+        <p:style>
+          <a:lnRef idx="2">
+            <a:schemeClr val="accent1">
+              <a:shade val="50000"/>
+            </a:schemeClr>
+          </a:lnRef>
+          <a:fillRef idx="1">
+            <a:schemeClr val="accent1"/>
+          </a:fillRef>
+          <a:effectRef idx="0">
+            <a:schemeClr val="accent1"/>
+          </a:effectRef>
+          <a:fontRef idx="minor">
+            <a:schemeClr val="lt1"/>
+          </a:fontRef>
+        </p:style>
+        <p:txBody>
+          <a:bodyPr rtlCol="0" anchor="ctr"/>
+          <a:lstStyle/>
+          <a:p>
+            <a:pPr algn="ctr"/>
+            <a:endParaRPr lang="en-US"/>
           </a:p>
         </p:txBody>
       </p:sp>
@@ -3540,8 +7113,8 @@
         </p:nvSpPr>
         <p:spPr>
           <a:xfrm>
-            <a:off x="831987" y="2400472"/>
-            <a:ext cx="6358432" cy="3728615"/>
+            <a:off x="640080" y="2872899"/>
+            <a:ext cx="4243589" cy="3320668"/>
           </a:xfrm>
         </p:spPr>
         <p:txBody>
@@ -3551,57 +7124,65 @@
           <a:lstStyle/>
           <a:p>
             <a:r>
-              <a:rPr lang="nl-NL" sz="2000" dirty="0"/>
+              <a:rPr lang="nl-NL" sz="2200" dirty="0"/>
               <a:t>Small footprint</a:t>
             </a:r>
           </a:p>
           <a:p>
             <a:r>
-              <a:rPr lang="en-US" sz="2000" dirty="0"/>
+              <a:rPr lang="en-US" sz="2200" dirty="0"/>
               <a:t>Uses</a:t>
             </a:r>
             <a:r>
-              <a:rPr lang="nl-NL" sz="2000" dirty="0"/>
+              <a:rPr lang="nl-NL" sz="2200" dirty="0"/>
               <a:t> </a:t>
             </a:r>
             <a:r>
-              <a:rPr lang="nl-NL" sz="2000" dirty="0" err="1"/>
+              <a:rPr lang="nl-NL" sz="2200" dirty="0" err="1"/>
               <a:t>the</a:t>
             </a:r>
             <a:r>
-              <a:rPr lang="nl-NL" sz="2000" dirty="0"/>
+              <a:rPr lang="nl-NL" sz="2200" dirty="0"/>
               <a:t> JCB C245 </a:t>
             </a:r>
             <a:r>
-              <a:rPr lang="en-GB" sz="2000" dirty="0"/>
+              <a:rPr lang="en-GB" sz="2200" dirty="0"/>
               <a:t>soldering iron </a:t>
             </a:r>
             <a:r>
-              <a:rPr lang="en-GB" sz="2000" dirty="0" err="1"/>
+              <a:rPr lang="en-GB" sz="2200" dirty="0" err="1"/>
               <a:t>serie</a:t>
             </a:r>
-            <a:endParaRPr lang="en-GB" sz="2000" dirty="0"/>
+            <a:endParaRPr lang="en-GB" sz="2200" dirty="0"/>
           </a:p>
           <a:p>
             <a:r>
-              <a:rPr lang="en-GB" sz="2000" dirty="0"/>
-              <a:t>Based on Elektors soldering station schematic</a:t>
+              <a:rPr lang="en-GB" sz="2200" dirty="0"/>
+              <a:t>Based on </a:t>
             </a:r>
-          </a:p>
-          <a:p>
             <a:r>
-              <a:rPr lang="en-GB" sz="2000" dirty="0"/>
+              <a:rPr lang="en-GB" sz="2200" i="1" dirty="0"/>
+              <a:t>Elektors </a:t>
+            </a:r>
+            <a:r>
+              <a:rPr lang="en-GB" sz="2200" dirty="0"/>
+              <a:t>soldering station schematic</a:t>
+            </a:r>
+          </a:p>
+          <a:p>
+            <a:r>
+              <a:rPr lang="en-GB" sz="2200" dirty="0"/>
               <a:t>Design based of a </a:t>
             </a:r>
             <a:r>
-              <a:rPr lang="en-GB" sz="2000" dirty="0" err="1"/>
+              <a:rPr lang="en-GB" sz="2200" dirty="0" err="1"/>
               <a:t>nixie</a:t>
             </a:r>
             <a:r>
-              <a:rPr lang="en-GB" sz="2000" dirty="0"/>
+              <a:rPr lang="en-GB" sz="2200" dirty="0"/>
               <a:t> tube clock </a:t>
             </a:r>
-            <a:endParaRPr lang="nl-NL" sz="2000" dirty="0"/>
+            <a:endParaRPr lang="nl-NL" sz="2200" dirty="0"/>
           </a:p>
         </p:txBody>
       </p:sp>
@@ -3627,19 +7208,130 @@
               </a:ext>
             </a:extLst>
           </a:blip>
-          <a:srcRect l="14065" r="19060"/>
+          <a:srcRect l="736" r="5731"/>
           <a:stretch/>
         </p:blipFill>
         <p:spPr bwMode="auto">
           <a:xfrm>
-            <a:off x="7556409" y="557190"/>
-            <a:ext cx="3995928" cy="5571896"/>
+            <a:off x="5310177" y="0"/>
+            <a:ext cx="6878775" cy="6857990"/>
           </a:xfrm>
-          <a:prstGeom prst="rect">
+          <a:custGeom>
             <a:avLst/>
-          </a:prstGeom>
+            <a:gdLst/>
+            <a:ahLst/>
+            <a:cxnLst/>
+            <a:rect l="l" t="t" r="r" b="b"/>
+            <a:pathLst>
+              <a:path w="6878775" h="6858000">
+                <a:moveTo>
+                  <a:pt x="1102973" y="0"/>
+                </a:moveTo>
+                <a:lnTo>
+                  <a:pt x="1160688" y="0"/>
+                </a:lnTo>
+                <a:lnTo>
+                  <a:pt x="983189" y="331786"/>
+                </a:lnTo>
+                <a:cubicBezTo>
+                  <a:pt x="914866" y="469145"/>
+                  <a:pt x="850355" y="608712"/>
+                  <a:pt x="789261" y="750263"/>
+                </a:cubicBezTo>
+                <a:cubicBezTo>
+                  <a:pt x="774307" y="784928"/>
+                  <a:pt x="759992" y="819849"/>
+                  <a:pt x="745295" y="854514"/>
+                </a:cubicBezTo>
+                <a:cubicBezTo>
+                  <a:pt x="756682" y="845393"/>
+                  <a:pt x="765489" y="833492"/>
+                  <a:pt x="770857" y="819975"/>
+                </a:cubicBezTo>
+                <a:cubicBezTo>
+                  <a:pt x="879943" y="589569"/>
+                  <a:pt x="999605" y="365513"/>
+                  <a:pt x="1131329" y="148742"/>
+                </a:cubicBezTo>
+                <a:lnTo>
+                  <a:pt x="1227589" y="0"/>
+                </a:lnTo>
+                <a:lnTo>
+                  <a:pt x="6878775" y="0"/>
+                </a:lnTo>
+                <a:lnTo>
+                  <a:pt x="6878775" y="6858000"/>
+                </a:lnTo>
+                <a:lnTo>
+                  <a:pt x="713521" y="6858000"/>
+                </a:lnTo>
+                <a:lnTo>
+                  <a:pt x="625642" y="6670527"/>
+                </a:lnTo>
+                <a:cubicBezTo>
+                  <a:pt x="507232" y="6398531"/>
+                  <a:pt x="403083" y="6118381"/>
+                  <a:pt x="312785" y="5830359"/>
+                </a:cubicBezTo>
+                <a:cubicBezTo>
+                  <a:pt x="278149" y="5719759"/>
+                  <a:pt x="248879" y="5607635"/>
+                  <a:pt x="212198" y="5480401"/>
+                </a:cubicBezTo>
+                <a:cubicBezTo>
+                  <a:pt x="212208" y="5491601"/>
+                  <a:pt x="212803" y="5502788"/>
+                  <a:pt x="213988" y="5513923"/>
+                </a:cubicBezTo>
+                <a:cubicBezTo>
+                  <a:pt x="264089" y="5723695"/>
+                  <a:pt x="307290" y="5935370"/>
+                  <a:pt x="365826" y="6142729"/>
+                </a:cubicBezTo>
+                <a:cubicBezTo>
+                  <a:pt x="433152" y="6380817"/>
+                  <a:pt x="510068" y="6614016"/>
+                  <a:pt x="597975" y="6841549"/>
+                </a:cubicBezTo>
+                <a:lnTo>
+                  <a:pt x="604824" y="6858000"/>
+                </a:lnTo>
+                <a:lnTo>
+                  <a:pt x="552056" y="6858000"/>
+                </a:lnTo>
+                <a:lnTo>
+                  <a:pt x="539576" y="6828295"/>
+                </a:lnTo>
+                <a:cubicBezTo>
+                  <a:pt x="380597" y="6414594"/>
+                  <a:pt x="260223" y="5988893"/>
+                  <a:pt x="171555" y="5552906"/>
+                </a:cubicBezTo>
+                <a:cubicBezTo>
+                  <a:pt x="91163" y="5157998"/>
+                  <a:pt x="43746" y="4758899"/>
+                  <a:pt x="12305" y="4357388"/>
+                </a:cubicBezTo>
+                <a:cubicBezTo>
+                  <a:pt x="-14281" y="4013908"/>
+                  <a:pt x="4507" y="3672965"/>
+                  <a:pt x="46684" y="3331516"/>
+                </a:cubicBezTo>
+                <a:cubicBezTo>
+                  <a:pt x="127203" y="2664286"/>
+                  <a:pt x="277819" y="2007265"/>
+                  <a:pt x="496065" y="1371196"/>
+                </a:cubicBezTo>
+                <a:cubicBezTo>
+                  <a:pt x="636273" y="966066"/>
+                  <a:pt x="800445" y="573253"/>
+                  <a:pt x="995723" y="196614"/>
+                </a:cubicBezTo>
+                <a:close/>
+              </a:path>
+            </a:pathLst>
+          </a:custGeom>
           <a:noFill/>
-          <a:effectLst/>
           <a:extLst>
             <a:ext uri="{909E8E84-426E-40DD-AFC4-6F175D3DCCD1}">
               <a14:hiddenFill xmlns:a14="http://schemas.microsoft.com/office/drawing/2010/main">
@@ -3651,6 +7343,35 @@
           </a:extLst>
         </p:spPr>
       </p:pic>
+      <p:sp>
+        <p:nvSpPr>
+          <p:cNvPr id="4" name="Tijdelijke aanduiding voor dianummer 3">
+            <a:extLst>
+              <a:ext uri="{FF2B5EF4-FFF2-40B4-BE49-F238E27FC236}">
+                <a16:creationId xmlns:a16="http://schemas.microsoft.com/office/drawing/2014/main" id="{84CF0667-8722-591E-8FFF-CF8A404F4185}"/>
+              </a:ext>
+            </a:extLst>
+          </p:cNvPr>
+          <p:cNvSpPr>
+            <a:spLocks noGrp="1"/>
+          </p:cNvSpPr>
+          <p:nvPr>
+            <p:ph type="sldNum" sz="quarter" idx="12"/>
+          </p:nvPr>
+        </p:nvSpPr>
+        <p:spPr/>
+        <p:txBody>
+          <a:bodyPr/>
+          <a:lstStyle/>
+          <a:p>
+            <a:fld id="{AC1978FD-8829-499E-B094-F67A47D3ADC3}" type="slidenum">
+              <a:rPr lang="nl-NL" smtClean="0"/>
+              <a:t>2</a:t>
+            </a:fld>
+            <a:endParaRPr lang="nl-NL"/>
+          </a:p>
+        </p:txBody>
+      </p:sp>
     </p:spTree>
     <p:extLst>
       <p:ext uri="{BB962C8B-B14F-4D97-AF65-F5344CB8AC3E}">
@@ -3667,6 +7388,14 @@
 <file path=ppt/slides/slide3.xml><?xml version="1.0" encoding="utf-8"?>
 <p:sld xmlns:a="http://schemas.openxmlformats.org/drawingml/2006/main" xmlns:r="http://schemas.openxmlformats.org/officeDocument/2006/relationships" xmlns:p="http://schemas.openxmlformats.org/presentationml/2006/main">
   <p:cSld>
+    <p:bg>
+      <p:bgPr>
+        <a:solidFill>
+          <a:schemeClr val="bg1"/>
+        </a:solidFill>
+        <a:effectLst/>
+      </p:bgPr>
+    </p:bg>
     <p:spTree>
       <p:nvGrpSpPr>
         <p:cNvPr id="1" name=""/>
@@ -3681,6 +7410,457 @@
           <a:chExt cx="0" cy="0"/>
         </a:xfrm>
       </p:grpSpPr>
+      <p:sp useBgFill="1">
+        <p:nvSpPr>
+          <p:cNvPr id="7" name="Rectangle 6">
+            <a:extLst>
+              <a:ext uri="{FF2B5EF4-FFF2-40B4-BE49-F238E27FC236}">
+                <a16:creationId xmlns:a16="http://schemas.microsoft.com/office/drawing/2014/main" id="{FFD48BC7-DC40-47DE-87EE-9F4B6ECB9ABB}"/>
+              </a:ext>
+              <a:ext uri="{C183D7F6-B498-43B3-948B-1728B52AA6E4}">
+                <adec:decorative xmlns:adec="http://schemas.microsoft.com/office/drawing/2017/decorative" val="1"/>
+              </a:ext>
+            </a:extLst>
+          </p:cNvPr>
+          <p:cNvSpPr>
+            <a:spLocks noGrp="1" noRot="1" noChangeAspect="1" noMove="1" noResize="1" noEditPoints="1" noAdjustHandles="1" noChangeArrowheads="1" noChangeShapeType="1" noTextEdit="1"/>
+          </p:cNvSpPr>
+          <p:nvPr>
+            <p:extLst>
+              <p:ext uri="{386F3935-93C4-4BCD-93E2-E3B085C9AB24}">
+                <p16:designElem xmlns:p16="http://schemas.microsoft.com/office/powerpoint/2015/main" val="1"/>
+              </p:ext>
+            </p:extLst>
+          </p:nvPr>
+        </p:nvSpPr>
+        <p:spPr>
+          <a:xfrm>
+            <a:off x="0" y="0"/>
+            <a:ext cx="12192000" cy="6858000"/>
+          </a:xfrm>
+          <a:prstGeom prst="rect">
+            <a:avLst/>
+          </a:prstGeom>
+          <a:ln>
+            <a:noFill/>
+          </a:ln>
+        </p:spPr>
+        <p:style>
+          <a:lnRef idx="2">
+            <a:schemeClr val="accent1">
+              <a:shade val="50000"/>
+            </a:schemeClr>
+          </a:lnRef>
+          <a:fillRef idx="1">
+            <a:schemeClr val="accent1"/>
+          </a:fillRef>
+          <a:effectRef idx="0">
+            <a:schemeClr val="accent1"/>
+          </a:effectRef>
+          <a:fontRef idx="minor">
+            <a:schemeClr val="lt1"/>
+          </a:fontRef>
+        </p:style>
+        <p:txBody>
+          <a:bodyPr rtlCol="0" anchor="ctr"/>
+          <a:lstStyle/>
+          <a:p>
+            <a:pPr algn="ctr"/>
+            <a:endParaRPr lang="en-US"/>
+          </a:p>
+        </p:txBody>
+      </p:sp>
+      <p:sp useBgFill="1">
+        <p:nvSpPr>
+          <p:cNvPr id="9" name="Freeform: Shape 8">
+            <a:extLst>
+              <a:ext uri="{FF2B5EF4-FFF2-40B4-BE49-F238E27FC236}">
+                <a16:creationId xmlns:a16="http://schemas.microsoft.com/office/drawing/2014/main" id="{E502BBC7-2C76-46F3-BC24-5985BC13DB88}"/>
+              </a:ext>
+              <a:ext uri="{C183D7F6-B498-43B3-948B-1728B52AA6E4}">
+                <adec:decorative xmlns:adec="http://schemas.microsoft.com/office/drawing/2017/decorative" val="1"/>
+              </a:ext>
+            </a:extLst>
+          </p:cNvPr>
+          <p:cNvSpPr>
+            <a:spLocks noGrp="1" noRot="1" noChangeAspect="1" noMove="1" noResize="1" noEditPoints="1" noAdjustHandles="1" noChangeArrowheads="1" noChangeShapeType="1" noTextEdit="1"/>
+          </p:cNvSpPr>
+          <p:nvPr>
+            <p:extLst>
+              <p:ext uri="{386F3935-93C4-4BCD-93E2-E3B085C9AB24}">
+                <p16:designElem xmlns:p16="http://schemas.microsoft.com/office/powerpoint/2015/main" val="1"/>
+              </p:ext>
+            </p:extLst>
+          </p:nvPr>
+        </p:nvSpPr>
+        <p:spPr>
+          <a:xfrm>
+            <a:off x="1114425" y="0"/>
+            <a:ext cx="9963150" cy="6858000"/>
+          </a:xfrm>
+          <a:custGeom>
+            <a:avLst/>
+            <a:gdLst>
+              <a:gd name="connsiteX0" fmla="*/ 1595771 w 9963150"/>
+              <a:gd name="connsiteY0" fmla="*/ 0 h 6858000"/>
+              <a:gd name="connsiteX1" fmla="*/ 8367379 w 9963150"/>
+              <a:gd name="connsiteY1" fmla="*/ 0 h 6858000"/>
+              <a:gd name="connsiteX2" fmla="*/ 8504080 w 9963150"/>
+              <a:gd name="connsiteY2" fmla="*/ 130333 h 6858000"/>
+              <a:gd name="connsiteX3" fmla="*/ 9963150 w 9963150"/>
+              <a:gd name="connsiteY3" fmla="*/ 3652838 h 6858000"/>
+              <a:gd name="connsiteX4" fmla="*/ 8825600 w 9963150"/>
+              <a:gd name="connsiteY4" fmla="*/ 6821583 h 6858000"/>
+              <a:gd name="connsiteX5" fmla="*/ 8794055 w 9963150"/>
+              <a:gd name="connsiteY5" fmla="*/ 6858000 h 6858000"/>
+              <a:gd name="connsiteX6" fmla="*/ 1169096 w 9963150"/>
+              <a:gd name="connsiteY6" fmla="*/ 6858000 h 6858000"/>
+              <a:gd name="connsiteX7" fmla="*/ 1137550 w 9963150"/>
+              <a:gd name="connsiteY7" fmla="*/ 6821583 h 6858000"/>
+              <a:gd name="connsiteX8" fmla="*/ 0 w 9963150"/>
+              <a:gd name="connsiteY8" fmla="*/ 3652838 h 6858000"/>
+              <a:gd name="connsiteX9" fmla="*/ 1459070 w 9963150"/>
+              <a:gd name="connsiteY9" fmla="*/ 130333 h 6858000"/>
+            </a:gdLst>
+            <a:ahLst/>
+            <a:cxnLst>
+              <a:cxn ang="0">
+                <a:pos x="connsiteX0" y="connsiteY0"/>
+              </a:cxn>
+              <a:cxn ang="0">
+                <a:pos x="connsiteX1" y="connsiteY1"/>
+              </a:cxn>
+              <a:cxn ang="0">
+                <a:pos x="connsiteX2" y="connsiteY2"/>
+              </a:cxn>
+              <a:cxn ang="0">
+                <a:pos x="connsiteX3" y="connsiteY3"/>
+              </a:cxn>
+              <a:cxn ang="0">
+                <a:pos x="connsiteX4" y="connsiteY4"/>
+              </a:cxn>
+              <a:cxn ang="0">
+                <a:pos x="connsiteX5" y="connsiteY5"/>
+              </a:cxn>
+              <a:cxn ang="0">
+                <a:pos x="connsiteX6" y="connsiteY6"/>
+              </a:cxn>
+              <a:cxn ang="0">
+                <a:pos x="connsiteX7" y="connsiteY7"/>
+              </a:cxn>
+              <a:cxn ang="0">
+                <a:pos x="connsiteX8" y="connsiteY8"/>
+              </a:cxn>
+              <a:cxn ang="0">
+                <a:pos x="connsiteX9" y="connsiteY9"/>
+              </a:cxn>
+            </a:cxnLst>
+            <a:rect l="l" t="t" r="r" b="b"/>
+            <a:pathLst>
+              <a:path w="9963150" h="6858000">
+                <a:moveTo>
+                  <a:pt x="1595771" y="0"/>
+                </a:moveTo>
+                <a:lnTo>
+                  <a:pt x="8367379" y="0"/>
+                </a:lnTo>
+                <a:lnTo>
+                  <a:pt x="8504080" y="130333"/>
+                </a:lnTo>
+                <a:cubicBezTo>
+                  <a:pt x="9405568" y="1031820"/>
+                  <a:pt x="9963150" y="2277214"/>
+                  <a:pt x="9963150" y="3652838"/>
+                </a:cubicBezTo>
+                <a:cubicBezTo>
+                  <a:pt x="9963150" y="4856509"/>
+                  <a:pt x="9536251" y="5960473"/>
+                  <a:pt x="8825600" y="6821583"/>
+                </a:cubicBezTo>
+                <a:lnTo>
+                  <a:pt x="8794055" y="6858000"/>
+                </a:lnTo>
+                <a:lnTo>
+                  <a:pt x="1169096" y="6858000"/>
+                </a:lnTo>
+                <a:lnTo>
+                  <a:pt x="1137550" y="6821583"/>
+                </a:lnTo>
+                <a:cubicBezTo>
+                  <a:pt x="426899" y="5960473"/>
+                  <a:pt x="0" y="4856509"/>
+                  <a:pt x="0" y="3652838"/>
+                </a:cubicBezTo>
+                <a:cubicBezTo>
+                  <a:pt x="0" y="2277214"/>
+                  <a:pt x="557582" y="1031820"/>
+                  <a:pt x="1459070" y="130333"/>
+                </a:cubicBezTo>
+                <a:close/>
+              </a:path>
+            </a:pathLst>
+          </a:custGeom>
+          <a:ln w="9525">
+            <a:solidFill>
+              <a:srgbClr val="EFEFEF"/>
+            </a:solidFill>
+          </a:ln>
+          <a:effectLst>
+            <a:outerShdw blurRad="139700" sx="102000" sy="102000" algn="ctr" rotWithShape="0">
+              <a:schemeClr val="bg1">
+                <a:lumMod val="85000"/>
+                <a:alpha val="38000"/>
+              </a:schemeClr>
+            </a:outerShdw>
+          </a:effectLst>
+        </p:spPr>
+        <p:style>
+          <a:lnRef idx="2">
+            <a:schemeClr val="accent1">
+              <a:shade val="50000"/>
+            </a:schemeClr>
+          </a:lnRef>
+          <a:fillRef idx="1">
+            <a:schemeClr val="accent1"/>
+          </a:fillRef>
+          <a:effectRef idx="0">
+            <a:schemeClr val="accent1"/>
+          </a:effectRef>
+          <a:fontRef idx="minor">
+            <a:schemeClr val="lt1"/>
+          </a:fontRef>
+        </p:style>
+        <p:txBody>
+          <a:bodyPr wrap="square" rtlCol="0" anchor="ctr">
+            <a:noAutofit/>
+          </a:bodyPr>
+          <a:lstStyle/>
+          <a:p>
+            <a:pPr marL="0" marR="0" lvl="0" indent="0" algn="ctr" defTabSz="914400" rtl="0" eaLnBrk="1" fontAlgn="auto" latinLnBrk="0" hangingPunct="1">
+              <a:lnSpc>
+                <a:spcPct val="100000"/>
+              </a:lnSpc>
+              <a:spcBef>
+                <a:spcPts val="0"/>
+              </a:spcBef>
+              <a:spcAft>
+                <a:spcPts val="0"/>
+              </a:spcAft>
+              <a:buClrTx/>
+              <a:buSzTx/>
+              <a:buFontTx/>
+              <a:buNone/>
+              <a:tabLst/>
+              <a:defRPr/>
+            </a:pPr>
+            <a:endParaRPr kumimoji="0" lang="en-US" sz="1800" b="0" i="0" u="none" strike="noStrike" kern="1200" cap="none" spc="0" normalizeH="0" baseline="0" noProof="0">
+              <a:ln>
+                <a:noFill/>
+              </a:ln>
+              <a:solidFill>
+                <a:prstClr val="white"/>
+              </a:solidFill>
+              <a:effectLst/>
+              <a:uLnTx/>
+              <a:uFillTx/>
+              <a:latin typeface="Calibri" panose="020F0502020204030204"/>
+              <a:ea typeface="+mn-ea"/>
+              <a:cs typeface="+mn-cs"/>
+            </a:endParaRPr>
+          </a:p>
+        </p:txBody>
+      </p:sp>
+      <p:sp useBgFill="1">
+        <p:nvSpPr>
+          <p:cNvPr id="11" name="Freeform: Shape 10">
+            <a:extLst>
+              <a:ext uri="{FF2B5EF4-FFF2-40B4-BE49-F238E27FC236}">
+                <a16:creationId xmlns:a16="http://schemas.microsoft.com/office/drawing/2014/main" id="{C7F28D52-2A5F-4D23-81AE-7CB8B591C7AF}"/>
+              </a:ext>
+              <a:ext uri="{C183D7F6-B498-43B3-948B-1728B52AA6E4}">
+                <adec:decorative xmlns:adec="http://schemas.microsoft.com/office/drawing/2017/decorative" val="1"/>
+              </a:ext>
+            </a:extLst>
+          </p:cNvPr>
+          <p:cNvSpPr>
+            <a:spLocks noGrp="1" noRot="1" noChangeAspect="1" noMove="1" noResize="1" noEditPoints="1" noAdjustHandles="1" noChangeArrowheads="1" noChangeShapeType="1" noTextEdit="1"/>
+          </p:cNvSpPr>
+          <p:nvPr>
+            <p:extLst>
+              <p:ext uri="{386F3935-93C4-4BCD-93E2-E3B085C9AB24}">
+                <p16:designElem xmlns:p16="http://schemas.microsoft.com/office/powerpoint/2015/main" val="1"/>
+              </p:ext>
+            </p:extLst>
+          </p:nvPr>
+        </p:nvSpPr>
+        <p:spPr>
+          <a:xfrm>
+            <a:off x="1121664" y="0"/>
+            <a:ext cx="9948672" cy="6858000"/>
+          </a:xfrm>
+          <a:custGeom>
+            <a:avLst/>
+            <a:gdLst>
+              <a:gd name="connsiteX0" fmla="*/ 1595771 w 9963150"/>
+              <a:gd name="connsiteY0" fmla="*/ 0 h 6858000"/>
+              <a:gd name="connsiteX1" fmla="*/ 8367379 w 9963150"/>
+              <a:gd name="connsiteY1" fmla="*/ 0 h 6858000"/>
+              <a:gd name="connsiteX2" fmla="*/ 8504080 w 9963150"/>
+              <a:gd name="connsiteY2" fmla="*/ 130333 h 6858000"/>
+              <a:gd name="connsiteX3" fmla="*/ 9963150 w 9963150"/>
+              <a:gd name="connsiteY3" fmla="*/ 3652838 h 6858000"/>
+              <a:gd name="connsiteX4" fmla="*/ 8825600 w 9963150"/>
+              <a:gd name="connsiteY4" fmla="*/ 6821583 h 6858000"/>
+              <a:gd name="connsiteX5" fmla="*/ 8794055 w 9963150"/>
+              <a:gd name="connsiteY5" fmla="*/ 6858000 h 6858000"/>
+              <a:gd name="connsiteX6" fmla="*/ 1169096 w 9963150"/>
+              <a:gd name="connsiteY6" fmla="*/ 6858000 h 6858000"/>
+              <a:gd name="connsiteX7" fmla="*/ 1137550 w 9963150"/>
+              <a:gd name="connsiteY7" fmla="*/ 6821583 h 6858000"/>
+              <a:gd name="connsiteX8" fmla="*/ 0 w 9963150"/>
+              <a:gd name="connsiteY8" fmla="*/ 3652838 h 6858000"/>
+              <a:gd name="connsiteX9" fmla="*/ 1459070 w 9963150"/>
+              <a:gd name="connsiteY9" fmla="*/ 130333 h 6858000"/>
+            </a:gdLst>
+            <a:ahLst/>
+            <a:cxnLst>
+              <a:cxn ang="0">
+                <a:pos x="connsiteX0" y="connsiteY0"/>
+              </a:cxn>
+              <a:cxn ang="0">
+                <a:pos x="connsiteX1" y="connsiteY1"/>
+              </a:cxn>
+              <a:cxn ang="0">
+                <a:pos x="connsiteX2" y="connsiteY2"/>
+              </a:cxn>
+              <a:cxn ang="0">
+                <a:pos x="connsiteX3" y="connsiteY3"/>
+              </a:cxn>
+              <a:cxn ang="0">
+                <a:pos x="connsiteX4" y="connsiteY4"/>
+              </a:cxn>
+              <a:cxn ang="0">
+                <a:pos x="connsiteX5" y="connsiteY5"/>
+              </a:cxn>
+              <a:cxn ang="0">
+                <a:pos x="connsiteX6" y="connsiteY6"/>
+              </a:cxn>
+              <a:cxn ang="0">
+                <a:pos x="connsiteX7" y="connsiteY7"/>
+              </a:cxn>
+              <a:cxn ang="0">
+                <a:pos x="connsiteX8" y="connsiteY8"/>
+              </a:cxn>
+              <a:cxn ang="0">
+                <a:pos x="connsiteX9" y="connsiteY9"/>
+              </a:cxn>
+            </a:cxnLst>
+            <a:rect l="l" t="t" r="r" b="b"/>
+            <a:pathLst>
+              <a:path w="9963150" h="6858000">
+                <a:moveTo>
+                  <a:pt x="1595771" y="0"/>
+                </a:moveTo>
+                <a:lnTo>
+                  <a:pt x="8367379" y="0"/>
+                </a:lnTo>
+                <a:lnTo>
+                  <a:pt x="8504080" y="130333"/>
+                </a:lnTo>
+                <a:cubicBezTo>
+                  <a:pt x="9405568" y="1031820"/>
+                  <a:pt x="9963150" y="2277214"/>
+                  <a:pt x="9963150" y="3652838"/>
+                </a:cubicBezTo>
+                <a:cubicBezTo>
+                  <a:pt x="9963150" y="4856509"/>
+                  <a:pt x="9536251" y="5960473"/>
+                  <a:pt x="8825600" y="6821583"/>
+                </a:cubicBezTo>
+                <a:lnTo>
+                  <a:pt x="8794055" y="6858000"/>
+                </a:lnTo>
+                <a:lnTo>
+                  <a:pt x="1169096" y="6858000"/>
+                </a:lnTo>
+                <a:lnTo>
+                  <a:pt x="1137550" y="6821583"/>
+                </a:lnTo>
+                <a:cubicBezTo>
+                  <a:pt x="426899" y="5960473"/>
+                  <a:pt x="0" y="4856509"/>
+                  <a:pt x="0" y="3652838"/>
+                </a:cubicBezTo>
+                <a:cubicBezTo>
+                  <a:pt x="0" y="2277214"/>
+                  <a:pt x="557582" y="1031820"/>
+                  <a:pt x="1459070" y="130333"/>
+                </a:cubicBezTo>
+                <a:close/>
+              </a:path>
+            </a:pathLst>
+          </a:custGeom>
+          <a:ln w="9525">
+            <a:noFill/>
+          </a:ln>
+          <a:effectLst/>
+        </p:spPr>
+        <p:style>
+          <a:lnRef idx="2">
+            <a:schemeClr val="accent1">
+              <a:shade val="50000"/>
+            </a:schemeClr>
+          </a:lnRef>
+          <a:fillRef idx="1">
+            <a:schemeClr val="accent1"/>
+          </a:fillRef>
+          <a:effectRef idx="0">
+            <a:schemeClr val="accent1"/>
+          </a:effectRef>
+          <a:fontRef idx="minor">
+            <a:schemeClr val="lt1"/>
+          </a:fontRef>
+        </p:style>
+        <p:txBody>
+          <a:bodyPr wrap="square" rtlCol="0" anchor="ctr">
+            <a:noAutofit/>
+          </a:bodyPr>
+          <a:lstStyle/>
+          <a:p>
+            <a:pPr marL="0" marR="0" lvl="0" indent="0" algn="ctr" defTabSz="914400" rtl="0" eaLnBrk="1" fontAlgn="auto" latinLnBrk="0" hangingPunct="1">
+              <a:lnSpc>
+                <a:spcPct val="100000"/>
+              </a:lnSpc>
+              <a:spcBef>
+                <a:spcPts val="0"/>
+              </a:spcBef>
+              <a:spcAft>
+                <a:spcPts val="0"/>
+              </a:spcAft>
+              <a:buClrTx/>
+              <a:buSzTx/>
+              <a:buFontTx/>
+              <a:buNone/>
+              <a:tabLst/>
+              <a:defRPr/>
+            </a:pPr>
+            <a:endParaRPr kumimoji="0" lang="en-US" sz="1800" b="0" i="0" u="none" strike="noStrike" kern="1200" cap="none" spc="0" normalizeH="0" baseline="0" noProof="0">
+              <a:ln>
+                <a:noFill/>
+              </a:ln>
+              <a:solidFill>
+                <a:prstClr val="white"/>
+              </a:solidFill>
+              <a:effectLst/>
+              <a:uLnTx/>
+              <a:uFillTx/>
+              <a:latin typeface="Calibri" panose="020F0502020204030204"/>
+              <a:ea typeface="+mn-ea"/>
+              <a:cs typeface="+mn-cs"/>
+            </a:endParaRPr>
+          </a:p>
+        </p:txBody>
+      </p:sp>
       <p:sp>
         <p:nvSpPr>
           <p:cNvPr id="2" name="Titel 1">
@@ -3699,18 +7879,112 @@
         </p:nvSpPr>
         <p:spPr>
           <a:xfrm>
-            <a:off x="1524000" y="2971567"/>
-            <a:ext cx="9144000" cy="914866"/>
+            <a:off x="1524003" y="1999615"/>
+            <a:ext cx="9144000" cy="2764028"/>
           </a:xfrm>
         </p:spPr>
         <p:txBody>
-          <a:bodyPr/>
+          <a:bodyPr anchor="ctr">
+            <a:normAutofit/>
+          </a:bodyPr>
           <a:lstStyle/>
           <a:p>
             <a:r>
-              <a:rPr lang="en-US" dirty="0"/>
+              <a:rPr lang="en-US" sz="7200"/>
               <a:t>Design process</a:t>
             </a:r>
+          </a:p>
+        </p:txBody>
+      </p:sp>
+      <p:sp>
+        <p:nvSpPr>
+          <p:cNvPr id="13" name="Rectangle 12">
+            <a:extLst>
+              <a:ext uri="{FF2B5EF4-FFF2-40B4-BE49-F238E27FC236}">
+                <a16:creationId xmlns:a16="http://schemas.microsoft.com/office/drawing/2014/main" id="{3629484E-3792-4B3D-89AD-7C8A1ED0E0D4}"/>
+              </a:ext>
+              <a:ext uri="{C183D7F6-B498-43B3-948B-1728B52AA6E4}">
+                <adec:decorative xmlns:adec="http://schemas.microsoft.com/office/drawing/2017/decorative" val="1"/>
+              </a:ext>
+            </a:extLst>
+          </p:cNvPr>
+          <p:cNvSpPr>
+            <a:spLocks noGrp="1" noRot="1" noChangeAspect="1" noMove="1" noResize="1" noEditPoints="1" noAdjustHandles="1" noChangeArrowheads="1" noChangeShapeType="1" noTextEdit="1"/>
+          </p:cNvSpPr>
+          <p:nvPr>
+            <p:extLst>
+              <p:ext uri="{386F3935-93C4-4BCD-93E2-E3B085C9AB24}">
+                <p16:designElem xmlns:p16="http://schemas.microsoft.com/office/powerpoint/2015/main" val="1"/>
+              </p:ext>
+            </p:extLst>
+          </p:nvPr>
+        </p:nvSpPr>
+        <p:spPr>
+          <a:xfrm>
+            <a:off x="3718560" y="5524786"/>
+            <a:ext cx="4754880" cy="27432"/>
+          </a:xfrm>
+          <a:prstGeom prst="rect">
+            <a:avLst/>
+          </a:prstGeom>
+          <a:solidFill>
+            <a:schemeClr val="accent2"/>
+          </a:solidFill>
+          <a:ln>
+            <a:noFill/>
+          </a:ln>
+        </p:spPr>
+        <p:style>
+          <a:lnRef idx="2">
+            <a:schemeClr val="accent1">
+              <a:shade val="50000"/>
+            </a:schemeClr>
+          </a:lnRef>
+          <a:fillRef idx="1">
+            <a:schemeClr val="accent1"/>
+          </a:fillRef>
+          <a:effectRef idx="0">
+            <a:schemeClr val="accent1"/>
+          </a:effectRef>
+          <a:fontRef idx="minor">
+            <a:schemeClr val="lt1"/>
+          </a:fontRef>
+        </p:style>
+        <p:txBody>
+          <a:bodyPr rtlCol="0" anchor="ctr"/>
+          <a:lstStyle/>
+          <a:p>
+            <a:pPr marL="0" marR="0" lvl="0" indent="0" algn="ctr" defTabSz="914400" rtl="0" eaLnBrk="1" fontAlgn="auto" latinLnBrk="0" hangingPunct="1">
+              <a:lnSpc>
+                <a:spcPct val="100000"/>
+              </a:lnSpc>
+              <a:spcBef>
+                <a:spcPts val="0"/>
+              </a:spcBef>
+              <a:spcAft>
+                <a:spcPts val="0"/>
+              </a:spcAft>
+              <a:buClrTx/>
+              <a:buSzTx/>
+              <a:buFontTx/>
+              <a:buNone/>
+              <a:tabLst/>
+              <a:defRPr/>
+            </a:pPr>
+            <a:endParaRPr kumimoji="0" lang="en-US" sz="1800" b="0" i="0" u="none" strike="noStrike" kern="1200" cap="none" spc="0" normalizeH="0" baseline="0" noProof="0">
+              <a:ln>
+                <a:noFill/>
+              </a:ln>
+              <a:solidFill>
+                <a:prstClr val="white"/>
+              </a:solidFill>
+              <a:effectLst/>
+              <a:uLnTx/>
+              <a:uFillTx/>
+              <a:latin typeface="Calibri" panose="020F0502020204030204"/>
+              <a:ea typeface="+mn-ea"/>
+              <a:cs typeface="+mn-cs"/>
+            </a:endParaRPr>
           </a:p>
         </p:txBody>
       </p:sp>
@@ -3730,6 +8004,14 @@
 <file path=ppt/slides/slide4.xml><?xml version="1.0" encoding="utf-8"?>
 <p:sld xmlns:a="http://schemas.openxmlformats.org/drawingml/2006/main" xmlns:r="http://schemas.openxmlformats.org/officeDocument/2006/relationships" xmlns:p="http://schemas.openxmlformats.org/presentationml/2006/main">
   <p:cSld>
+    <p:bg>
+      <p:bgPr>
+        <a:solidFill>
+          <a:schemeClr val="bg1"/>
+        </a:solidFill>
+        <a:effectLst/>
+      </p:bgPr>
+    </p:bg>
     <p:spTree>
       <p:nvGrpSpPr>
         <p:cNvPr id="1" name=""/>
@@ -3744,6 +8026,187 @@
           <a:chExt cx="0" cy="0"/>
         </a:xfrm>
       </p:grpSpPr>
+      <p:sp useBgFill="1">
+        <p:nvSpPr>
+          <p:cNvPr id="17" name="Rectangle 9">
+            <a:extLst>
+              <a:ext uri="{FF2B5EF4-FFF2-40B4-BE49-F238E27FC236}">
+                <a16:creationId xmlns:a16="http://schemas.microsoft.com/office/drawing/2014/main" id="{8FC9BE17-9A7B-462D-AE50-3D8777387304}"/>
+              </a:ext>
+              <a:ext uri="{C183D7F6-B498-43B3-948B-1728B52AA6E4}">
+                <adec:decorative xmlns:adec="http://schemas.microsoft.com/office/drawing/2017/decorative" val="1"/>
+              </a:ext>
+            </a:extLst>
+          </p:cNvPr>
+          <p:cNvSpPr>
+            <a:spLocks noGrp="1" noRot="1" noChangeAspect="1" noMove="1" noResize="1" noEditPoints="1" noAdjustHandles="1" noChangeArrowheads="1" noChangeShapeType="1" noTextEdit="1"/>
+          </p:cNvSpPr>
+          <p:nvPr>
+            <p:extLst>
+              <p:ext uri="{386F3935-93C4-4BCD-93E2-E3B085C9AB24}">
+                <p16:designElem xmlns:p16="http://schemas.microsoft.com/office/powerpoint/2015/main" val="1"/>
+              </p:ext>
+            </p:extLst>
+          </p:nvPr>
+        </p:nvSpPr>
+        <p:spPr>
+          <a:xfrm>
+            <a:off x="0" y="0"/>
+            <a:ext cx="12192000" cy="6858000"/>
+          </a:xfrm>
+          <a:prstGeom prst="rect">
+            <a:avLst/>
+          </a:prstGeom>
+          <a:ln>
+            <a:noFill/>
+          </a:ln>
+        </p:spPr>
+        <p:style>
+          <a:lnRef idx="2">
+            <a:schemeClr val="accent1">
+              <a:shade val="50000"/>
+            </a:schemeClr>
+          </a:lnRef>
+          <a:fillRef idx="1">
+            <a:schemeClr val="accent1"/>
+          </a:fillRef>
+          <a:effectRef idx="0">
+            <a:schemeClr val="accent1"/>
+          </a:effectRef>
+          <a:fontRef idx="minor">
+            <a:schemeClr val="lt1"/>
+          </a:fontRef>
+        </p:style>
+        <p:txBody>
+          <a:bodyPr rtlCol="0" anchor="ctr"/>
+          <a:lstStyle/>
+          <a:p>
+            <a:pPr algn="ctr"/>
+            <a:endParaRPr lang="en-US"/>
+          </a:p>
+        </p:txBody>
+      </p:sp>
+      <p:pic>
+        <p:nvPicPr>
+          <p:cNvPr id="5" name="Afbeelding 4" descr="Afbeelding met stroomkring, elektronica, Elektronische engineering, Elektronisch onderdeel&#10;&#10;Automatisch gegenereerde beschrijving">
+            <a:extLst>
+              <a:ext uri="{FF2B5EF4-FFF2-40B4-BE49-F238E27FC236}">
+                <a16:creationId xmlns:a16="http://schemas.microsoft.com/office/drawing/2014/main" id="{10350A9D-B477-7579-D41C-4CA4C5691A1C}"/>
+              </a:ext>
+            </a:extLst>
+          </p:cNvPr>
+          <p:cNvPicPr>
+            <a:picLocks noChangeAspect="1"/>
+          </p:cNvPicPr>
+          <p:nvPr/>
+        </p:nvPicPr>
+        <p:blipFill rotWithShape="1">
+          <a:blip r:embed="rId2">
+            <a:extLst>
+              <a:ext uri="{28A0092B-C50C-407E-A947-70E740481C1C}">
+                <a14:useLocalDpi xmlns:a14="http://schemas.microsoft.com/office/drawing/2010/main" val="0"/>
+              </a:ext>
+            </a:extLst>
+          </a:blip>
+          <a:srcRect l="4798" t="4105" r="37021" b="1"/>
+          <a:stretch/>
+        </p:blipFill>
+        <p:spPr>
+          <a:xfrm>
+            <a:off x="3523488" y="10"/>
+            <a:ext cx="8668512" cy="6857990"/>
+          </a:xfrm>
+          <a:prstGeom prst="rect">
+            <a:avLst/>
+          </a:prstGeom>
+        </p:spPr>
+      </p:pic>
+      <p:sp>
+        <p:nvSpPr>
+          <p:cNvPr id="18" name="Rectangle 11">
+            <a:extLst>
+              <a:ext uri="{FF2B5EF4-FFF2-40B4-BE49-F238E27FC236}">
+                <a16:creationId xmlns:a16="http://schemas.microsoft.com/office/drawing/2014/main" id="{3EBE8569-6AEC-4B8C-8D53-2DE337CDBA65}"/>
+              </a:ext>
+              <a:ext uri="{C183D7F6-B498-43B3-948B-1728B52AA6E4}">
+                <adec:decorative xmlns:adec="http://schemas.microsoft.com/office/drawing/2017/decorative" val="1"/>
+              </a:ext>
+            </a:extLst>
+          </p:cNvPr>
+          <p:cNvSpPr>
+            <a:spLocks noGrp="1" noRot="1" noChangeAspect="1" noMove="1" noResize="1" noEditPoints="1" noAdjustHandles="1" noChangeArrowheads="1" noChangeShapeType="1" noTextEdit="1"/>
+          </p:cNvSpPr>
+          <p:nvPr>
+            <p:extLst>
+              <p:ext uri="{386F3935-93C4-4BCD-93E2-E3B085C9AB24}">
+                <p16:designElem xmlns:p16="http://schemas.microsoft.com/office/powerpoint/2015/main" val="1"/>
+              </p:ext>
+            </p:extLst>
+          </p:nvPr>
+        </p:nvSpPr>
+        <p:spPr>
+          <a:xfrm>
+            <a:off x="2" y="0"/>
+            <a:ext cx="9756601" cy="6858000"/>
+          </a:xfrm>
+          <a:prstGeom prst="rect">
+            <a:avLst/>
+          </a:prstGeom>
+          <a:gradFill>
+            <a:gsLst>
+              <a:gs pos="58000">
+                <a:schemeClr val="bg1"/>
+              </a:gs>
+              <a:gs pos="35000">
+                <a:schemeClr val="bg1">
+                  <a:alpha val="78000"/>
+                </a:schemeClr>
+              </a:gs>
+              <a:gs pos="19000">
+                <a:schemeClr val="bg1">
+                  <a:alpha val="38000"/>
+                </a:schemeClr>
+              </a:gs>
+              <a:gs pos="0">
+                <a:schemeClr val="bg1">
+                  <a:alpha val="0"/>
+                </a:schemeClr>
+              </a:gs>
+              <a:gs pos="100000">
+                <a:schemeClr val="bg1"/>
+              </a:gs>
+            </a:gsLst>
+            <a:lin ang="10800000" scaled="0"/>
+          </a:gradFill>
+          <a:ln>
+            <a:noFill/>
+          </a:ln>
+        </p:spPr>
+        <p:style>
+          <a:lnRef idx="2">
+            <a:schemeClr val="accent1">
+              <a:shade val="50000"/>
+            </a:schemeClr>
+          </a:lnRef>
+          <a:fillRef idx="1">
+            <a:schemeClr val="accent1"/>
+          </a:fillRef>
+          <a:effectRef idx="0">
+            <a:schemeClr val="accent1"/>
+          </a:effectRef>
+          <a:fontRef idx="minor">
+            <a:schemeClr val="lt1"/>
+          </a:fontRef>
+        </p:style>
+        <p:txBody>
+          <a:bodyPr rtlCol="0" anchor="ctr"/>
+          <a:lstStyle/>
+          <a:p>
+            <a:pPr algn="ctr"/>
+            <a:endParaRPr lang="en-US" dirty="0"/>
+          </a:p>
+        </p:txBody>
+      </p:sp>
       <p:sp>
         <p:nvSpPr>
           <p:cNvPr id="2" name="Titel 1">
@@ -3760,15 +8223,185 @@
             <p:ph type="title"/>
           </p:nvPr>
         </p:nvSpPr>
-        <p:spPr/>
+        <p:spPr>
+          <a:xfrm>
+            <a:off x="371094" y="1161288"/>
+            <a:ext cx="3438144" cy="1124712"/>
+          </a:xfrm>
+        </p:spPr>
         <p:txBody>
-          <a:bodyPr/>
+          <a:bodyPr anchor="b">
+            <a:normAutofit/>
+          </a:bodyPr>
           <a:lstStyle/>
           <a:p>
             <a:r>
-              <a:rPr lang="en-US" dirty="0"/>
+              <a:rPr lang="en-US" sz="2800"/>
               <a:t>Printed circuit board design</a:t>
             </a:r>
+          </a:p>
+        </p:txBody>
+      </p:sp>
+      <p:sp>
+        <p:nvSpPr>
+          <p:cNvPr id="19" name="Rectangle 13">
+            <a:extLst>
+              <a:ext uri="{FF2B5EF4-FFF2-40B4-BE49-F238E27FC236}">
+                <a16:creationId xmlns:a16="http://schemas.microsoft.com/office/drawing/2014/main" id="{55D4142C-5077-457F-A6AD-3FECFDB39685}"/>
+              </a:ext>
+              <a:ext uri="{C183D7F6-B498-43B3-948B-1728B52AA6E4}">
+                <adec:decorative xmlns:adec="http://schemas.microsoft.com/office/drawing/2017/decorative" val="1"/>
+              </a:ext>
+            </a:extLst>
+          </p:cNvPr>
+          <p:cNvSpPr>
+            <a:spLocks noGrp="1" noRot="1" noChangeAspect="1" noMove="1" noResize="1" noEditPoints="1" noAdjustHandles="1" noChangeArrowheads="1" noChangeShapeType="1" noTextEdit="1"/>
+          </p:cNvSpPr>
+          <p:nvPr>
+            <p:extLst>
+              <p:ext uri="{386F3935-93C4-4BCD-93E2-E3B085C9AB24}">
+                <p16:designElem xmlns:p16="http://schemas.microsoft.com/office/powerpoint/2015/main" val="1"/>
+              </p:ext>
+            </p:extLst>
+          </p:nvPr>
+        </p:nvSpPr>
+        <p:spPr>
+          <a:xfrm rot="5400000">
+            <a:off x="662559" y="605790"/>
+            <a:ext cx="73152" cy="548640"/>
+          </a:xfrm>
+          <a:prstGeom prst="rect">
+            <a:avLst/>
+          </a:prstGeom>
+          <a:solidFill>
+            <a:schemeClr val="accent2"/>
+          </a:solidFill>
+          <a:ln>
+            <a:noFill/>
+          </a:ln>
+        </p:spPr>
+        <p:style>
+          <a:lnRef idx="2">
+            <a:schemeClr val="accent1">
+              <a:shade val="50000"/>
+            </a:schemeClr>
+          </a:lnRef>
+          <a:fillRef idx="1">
+            <a:schemeClr val="accent1"/>
+          </a:fillRef>
+          <a:effectRef idx="0">
+            <a:schemeClr val="accent1"/>
+          </a:effectRef>
+          <a:fontRef idx="minor">
+            <a:schemeClr val="lt1"/>
+          </a:fontRef>
+        </p:style>
+        <p:txBody>
+          <a:bodyPr rtlCol="0" anchor="ctr"/>
+          <a:lstStyle/>
+          <a:p>
+            <a:pPr algn="ctr"/>
+            <a:endParaRPr lang="en-US">
+              <a:solidFill>
+                <a:prstClr val="white"/>
+              </a:solidFill>
+              <a:latin typeface="Calibri" panose="020F0502020204030204"/>
+            </a:endParaRPr>
+          </a:p>
+        </p:txBody>
+      </p:sp>
+      <p:sp>
+        <p:nvSpPr>
+          <p:cNvPr id="16" name="Rectangle 15">
+            <a:extLst>
+              <a:ext uri="{FF2B5EF4-FFF2-40B4-BE49-F238E27FC236}">
+                <a16:creationId xmlns:a16="http://schemas.microsoft.com/office/drawing/2014/main" id="{7A5F0580-5EE9-419F-96EE-B6529EF6E7D0}"/>
+              </a:ext>
+              <a:ext uri="{C183D7F6-B498-43B3-948B-1728B52AA6E4}">
+                <adec:decorative xmlns:adec="http://schemas.microsoft.com/office/drawing/2017/decorative" val="1"/>
+              </a:ext>
+            </a:extLst>
+          </p:cNvPr>
+          <p:cNvSpPr>
+            <a:spLocks noGrp="1" noRot="1" noChangeAspect="1" noMove="1" noResize="1" noEditPoints="1" noAdjustHandles="1" noChangeArrowheads="1" noChangeShapeType="1" noTextEdit="1"/>
+          </p:cNvSpPr>
+          <p:nvPr>
+            <p:extLst>
+              <p:ext uri="{386F3935-93C4-4BCD-93E2-E3B085C9AB24}">
+                <p16:designElem xmlns:p16="http://schemas.microsoft.com/office/powerpoint/2015/main" val="1"/>
+              </p:ext>
+            </p:extLst>
+          </p:nvPr>
+        </p:nvSpPr>
+        <p:spPr>
+          <a:xfrm>
+            <a:off x="428244" y="2443480"/>
+            <a:ext cx="3300984" cy="9144"/>
+          </a:xfrm>
+          <a:prstGeom prst="rect">
+            <a:avLst/>
+          </a:prstGeom>
+          <a:solidFill>
+            <a:srgbClr val="D5D5D5"/>
+          </a:solidFill>
+          <a:ln w="3175">
+            <a:solidFill>
+              <a:srgbClr val="D5D5D5"/>
+            </a:solidFill>
+          </a:ln>
+          <a:effectLst/>
+        </p:spPr>
+        <p:style>
+          <a:lnRef idx="2">
+            <a:schemeClr val="accent1">
+              <a:shade val="50000"/>
+            </a:schemeClr>
+          </a:lnRef>
+          <a:fillRef idx="1">
+            <a:schemeClr val="accent1"/>
+          </a:fillRef>
+          <a:effectRef idx="0">
+            <a:schemeClr val="accent1"/>
+          </a:effectRef>
+          <a:fontRef idx="minor">
+            <a:schemeClr val="lt1"/>
+          </a:fontRef>
+        </p:style>
+        <p:txBody>
+          <a:bodyPr rtlCol="0" anchor="ctr"/>
+          <a:lstStyle/>
+          <a:p>
+            <a:pPr marL="0" marR="0" lvl="0" indent="0" algn="ctr" defTabSz="914400" rtl="0" eaLnBrk="1" fontAlgn="auto" latinLnBrk="0" hangingPunct="1">
+              <a:lnSpc>
+                <a:spcPct val="100000"/>
+              </a:lnSpc>
+              <a:spcBef>
+                <a:spcPts val="0"/>
+              </a:spcBef>
+              <a:spcAft>
+                <a:spcPts val="0"/>
+              </a:spcAft>
+              <a:buClrTx/>
+              <a:buSzTx/>
+              <a:buFontTx/>
+              <a:buNone/>
+              <a:tabLst/>
+              <a:defRPr/>
+            </a:pPr>
+            <a:endParaRPr kumimoji="0" lang="en-US" sz="1800" b="0" i="0" u="none" strike="noStrike" kern="1200" cap="none" spc="0" normalizeH="0" baseline="0" noProof="0">
+              <a:ln>
+                <a:noFill/>
+              </a:ln>
+              <a:solidFill>
+                <a:prstClr val="white"/>
+              </a:solidFill>
+              <a:effectLst/>
+              <a:uLnTx/>
+              <a:uFillTx/>
+              <a:latin typeface="Calibri" panose="020F0502020204030204"/>
+              <a:ea typeface="+mn-ea"/>
+              <a:cs typeface="+mn-cs"/>
+            </a:endParaRPr>
           </a:p>
         </p:txBody>
       </p:sp>
@@ -3788,30 +8421,66 @@
             <p:ph idx="1"/>
           </p:nvPr>
         </p:nvSpPr>
+        <p:spPr>
+          <a:xfrm>
+            <a:off x="371094" y="2718054"/>
+            <a:ext cx="3438906" cy="3207258"/>
+          </a:xfrm>
+        </p:spPr>
+        <p:txBody>
+          <a:bodyPr anchor="t">
+            <a:normAutofit/>
+          </a:bodyPr>
+          <a:lstStyle/>
+          <a:p>
+            <a:r>
+              <a:rPr lang="en-US" sz="1700"/>
+              <a:t>SMD components </a:t>
+            </a:r>
+          </a:p>
+          <a:p>
+            <a:r>
+              <a:rPr lang="en-US" sz="1700"/>
+              <a:t>5 schematics</a:t>
+            </a:r>
+          </a:p>
+          <a:p>
+            <a:r>
+              <a:rPr lang="en-US" sz="1700"/>
+              <a:t>Routed in rooms</a:t>
+            </a:r>
+          </a:p>
+          <a:p>
+            <a:endParaRPr lang="en-US" sz="1700"/>
+          </a:p>
+        </p:txBody>
+      </p:sp>
+      <p:sp>
+        <p:nvSpPr>
+          <p:cNvPr id="6" name="Tijdelijke aanduiding voor dianummer 5">
+            <a:extLst>
+              <a:ext uri="{FF2B5EF4-FFF2-40B4-BE49-F238E27FC236}">
+                <a16:creationId xmlns:a16="http://schemas.microsoft.com/office/drawing/2014/main" id="{039954E1-904A-6F36-005D-68F99FD2AC69}"/>
+              </a:ext>
+            </a:extLst>
+          </p:cNvPr>
+          <p:cNvSpPr>
+            <a:spLocks noGrp="1"/>
+          </p:cNvSpPr>
+          <p:nvPr>
+            <p:ph type="sldNum" sz="quarter" idx="12"/>
+          </p:nvPr>
+        </p:nvSpPr>
         <p:spPr/>
         <p:txBody>
           <a:bodyPr/>
           <a:lstStyle/>
           <a:p>
-            <a:r>
-              <a:rPr lang="en-US" dirty="0"/>
-              <a:t>SMD components </a:t>
-            </a:r>
-          </a:p>
-          <a:p>
-            <a:r>
-              <a:rPr lang="en-US" dirty="0"/>
-              <a:t>5 schematics</a:t>
-            </a:r>
-          </a:p>
-          <a:p>
-            <a:r>
-              <a:rPr lang="en-US" dirty="0"/>
-              <a:t>Routed in rooms</a:t>
-            </a:r>
-          </a:p>
-          <a:p>
-            <a:endParaRPr lang="en-US" dirty="0"/>
+            <a:fld id="{AC1978FD-8829-499E-B094-F67A47D3ADC3}" type="slidenum">
+              <a:rPr lang="nl-NL" smtClean="0"/>
+              <a:t>4</a:t>
+            </a:fld>
+            <a:endParaRPr lang="nl-NL"/>
           </a:p>
         </p:txBody>
       </p:sp>
@@ -3855,10 +8524,10 @@
       </p:grpSpPr>
       <p:sp useBgFill="1">
         <p:nvSpPr>
-          <p:cNvPr id="12" name="Rectangle 11">
+          <p:cNvPr id="24" name="Rectangle 23">
             <a:extLst>
               <a:ext uri="{FF2B5EF4-FFF2-40B4-BE49-F238E27FC236}">
-                <a16:creationId xmlns:a16="http://schemas.microsoft.com/office/drawing/2014/main" id="{09C509D2-0C1A-47B8-89C1-D3AB17D45256}"/>
+                <a16:creationId xmlns:a16="http://schemas.microsoft.com/office/drawing/2014/main" id="{5BA49487-3FDB-4FB7-9D50-2B4F9454DA91}"/>
               </a:ext>
               <a:ext uri="{C183D7F6-B498-43B3-948B-1728B52AA6E4}">
                 <adec:decorative xmlns:adec="http://schemas.microsoft.com/office/drawing/2017/decorative" val="1"/>
@@ -3878,8 +8547,8 @@
         </p:nvSpPr>
         <p:spPr>
           <a:xfrm>
-            <a:off x="-1" y="0"/>
-            <a:ext cx="12188952" cy="6858000"/>
+            <a:off x="0" y="0"/>
+            <a:ext cx="12192000" cy="6858000"/>
           </a:xfrm>
           <a:prstGeom prst="rect">
             <a:avLst/>
@@ -3913,6 +8582,105 @@
           </a:p>
         </p:txBody>
       </p:sp>
+      <p:sp useBgFill="1">
+        <p:nvSpPr>
+          <p:cNvPr id="26" name="Rectangle 25">
+            <a:extLst>
+              <a:ext uri="{FF2B5EF4-FFF2-40B4-BE49-F238E27FC236}">
+                <a16:creationId xmlns:a16="http://schemas.microsoft.com/office/drawing/2014/main" id="{1C938212-FA12-4FF1-87C8-ACDE99D06F69}"/>
+              </a:ext>
+              <a:ext uri="{C183D7F6-B498-43B3-948B-1728B52AA6E4}">
+                <adec:decorative xmlns:adec="http://schemas.microsoft.com/office/drawing/2017/decorative" val="1"/>
+              </a:ext>
+            </a:extLst>
+          </p:cNvPr>
+          <p:cNvSpPr>
+            <a:spLocks noGrp="1" noRot="1" noChangeAspect="1" noMove="1" noResize="1" noEditPoints="1" noAdjustHandles="1" noChangeArrowheads="1" noChangeShapeType="1" noTextEdit="1"/>
+          </p:cNvSpPr>
+          <p:nvPr>
+            <p:extLst>
+              <p:ext uri="{386F3935-93C4-4BCD-93E2-E3B085C9AB24}">
+                <p16:designElem xmlns:p16="http://schemas.microsoft.com/office/powerpoint/2015/main" val="1"/>
+              </p:ext>
+            </p:extLst>
+          </p:nvPr>
+        </p:nvSpPr>
+        <p:spPr>
+          <a:xfrm>
+            <a:off x="554416" y="4218905"/>
+            <a:ext cx="11167447" cy="2089317"/>
+          </a:xfrm>
+          <a:prstGeom prst="rect">
+            <a:avLst/>
+          </a:prstGeom>
+          <a:ln w="12700">
+            <a:solidFill>
+              <a:srgbClr val="DEDEDE"/>
+            </a:solidFill>
+          </a:ln>
+          <a:effectLst>
+            <a:outerShdw blurRad="50800" dist="38100" dir="2700000" algn="tl" rotWithShape="0">
+              <a:schemeClr val="bg2">
+                <a:lumMod val="85000"/>
+                <a:alpha val="50000"/>
+              </a:schemeClr>
+            </a:outerShdw>
+          </a:effectLst>
+        </p:spPr>
+        <p:style>
+          <a:lnRef idx="2">
+            <a:schemeClr val="accent1">
+              <a:shade val="50000"/>
+            </a:schemeClr>
+          </a:lnRef>
+          <a:fillRef idx="1">
+            <a:schemeClr val="accent1"/>
+          </a:fillRef>
+          <a:effectRef idx="0">
+            <a:schemeClr val="accent1"/>
+          </a:effectRef>
+          <a:fontRef idx="minor">
+            <a:schemeClr val="lt1"/>
+          </a:fontRef>
+        </p:style>
+        <p:txBody>
+          <a:bodyPr rtlCol="0" anchor="ctr"/>
+          <a:lstStyle/>
+          <a:p>
+            <a:pPr marL="0" marR="0" lvl="0" indent="0" algn="ctr" defTabSz="914400" rtl="0" eaLnBrk="1" fontAlgn="auto" latinLnBrk="0" hangingPunct="1">
+              <a:lnSpc>
+                <a:spcPct val="100000"/>
+              </a:lnSpc>
+              <a:spcBef>
+                <a:spcPts val="0"/>
+              </a:spcBef>
+              <a:spcAft>
+                <a:spcPts val="0"/>
+              </a:spcAft>
+              <a:buClrTx/>
+              <a:buSzTx/>
+              <a:buFontTx/>
+              <a:buNone/>
+              <a:tabLst/>
+              <a:defRPr/>
+            </a:pPr>
+            <a:endParaRPr kumimoji="0" lang="en-US" sz="1800" b="0" i="0" u="none" strike="noStrike" kern="1200" cap="none" spc="0" normalizeH="0" baseline="0" noProof="0">
+              <a:ln>
+                <a:noFill/>
+              </a:ln>
+              <a:solidFill>
+                <a:prstClr val="white"/>
+              </a:solidFill>
+              <a:effectLst/>
+              <a:uLnTx/>
+              <a:uFillTx/>
+              <a:latin typeface="Calibri" panose="020F0502020204030204"/>
+              <a:ea typeface="+mn-ea"/>
+              <a:cs typeface="+mn-cs"/>
+            </a:endParaRPr>
+          </a:p>
+        </p:txBody>
+      </p:sp>
       <p:sp>
         <p:nvSpPr>
           <p:cNvPr id="2" name="Titel 1">
@@ -3931,8 +8699,8 @@
         </p:nvSpPr>
         <p:spPr>
           <a:xfrm>
-            <a:off x="420623" y="833569"/>
-            <a:ext cx="4753535" cy="1672499"/>
+            <a:off x="838200" y="4440602"/>
+            <a:ext cx="3300663" cy="1645920"/>
           </a:xfrm>
         </p:spPr>
         <p:txBody>
@@ -3942,54 +8710,12 @@
           <a:lstStyle/>
           <a:p>
             <a:r>
-              <a:rPr lang="en-US" sz="4000" kern="1200" dirty="0">
-                <a:solidFill>
-                  <a:schemeClr val="tx1"/>
-                </a:solidFill>
-                <a:latin typeface="+mj-lt"/>
-                <a:ea typeface="+mj-ea"/>
-                <a:cs typeface="+mj-cs"/>
-              </a:rPr>
+              <a:rPr lang="en-US" sz="2800"/>
               <a:t>Case design</a:t>
             </a:r>
           </a:p>
         </p:txBody>
       </p:sp>
-      <p:pic>
-        <p:nvPicPr>
-          <p:cNvPr id="6" name="Tijdelijke aanduiding voor inhoud 4" descr="Afbeelding met elektronica, cirkel, houten, overdekt&#10;&#10;Automatisch gegenereerde beschrijving">
-            <a:extLst>
-              <a:ext uri="{FF2B5EF4-FFF2-40B4-BE49-F238E27FC236}">
-                <a16:creationId xmlns:a16="http://schemas.microsoft.com/office/drawing/2014/main" id="{AEA24D4E-9FBE-155C-527D-26F013D67335}"/>
-              </a:ext>
-            </a:extLst>
-          </p:cNvPr>
-          <p:cNvPicPr>
-            <a:picLocks noChangeAspect="1"/>
-          </p:cNvPicPr>
-          <p:nvPr/>
-        </p:nvPicPr>
-        <p:blipFill rotWithShape="1">
-          <a:blip r:embed="rId2">
-            <a:extLst>
-              <a:ext uri="{28A0092B-C50C-407E-A947-70E740481C1C}">
-                <a14:useLocalDpi xmlns:a14="http://schemas.microsoft.com/office/drawing/2010/main" val="0"/>
-              </a:ext>
-            </a:extLst>
-          </a:blip>
-          <a:srcRect l="7562" r="2426" b="-1"/>
-          <a:stretch/>
-        </p:blipFill>
-        <p:spPr>
-          <a:xfrm>
-            <a:off x="5999793" y="0"/>
-            <a:ext cx="3006061" cy="3339639"/>
-          </a:xfrm>
-          <a:prstGeom prst="rect">
-            <a:avLst/>
-          </a:prstGeom>
-        </p:spPr>
-      </p:pic>
       <p:pic>
         <p:nvPicPr>
           <p:cNvPr id="5" name="Tijdelijke aanduiding voor inhoud 4" descr="Afbeelding met elektronica, Elektronische engineering, cirkel, Stroomkringonderdeel&#10;&#10;Automatisch gegenereerde beschrijving">
@@ -4007,20 +8733,20 @@
           </p:nvPr>
         </p:nvPicPr>
         <p:blipFill rotWithShape="1">
-          <a:blip r:embed="rId3">
+          <a:blip r:embed="rId2">
             <a:extLst>
               <a:ext uri="{28A0092B-C50C-407E-A947-70E740481C1C}">
                 <a14:useLocalDpi xmlns:a14="http://schemas.microsoft.com/office/drawing/2010/main" val="0"/>
               </a:ext>
             </a:extLst>
           </a:blip>
-          <a:srcRect l="10437" r="-1" b="-1"/>
+          <a:srcRect l="10077" r="-5" b="-5"/>
           <a:stretch/>
         </p:blipFill>
         <p:spPr>
           <a:xfrm>
-            <a:off x="9200912" y="10"/>
-            <a:ext cx="2991088" cy="3339639"/>
+            <a:off x="710060" y="365760"/>
+            <a:ext cx="3273157" cy="3639935"/>
           </a:xfrm>
           <a:prstGeom prst="rect">
             <a:avLst/>
@@ -4042,26 +8768,246 @@
           <p:nvPr/>
         </p:nvPicPr>
         <p:blipFill rotWithShape="1">
-          <a:blip r:embed="rId4">
+          <a:blip r:embed="rId3">
             <a:extLst>
               <a:ext uri="{28A0092B-C50C-407E-A947-70E740481C1C}">
                 <a14:useLocalDpi xmlns:a14="http://schemas.microsoft.com/office/drawing/2010/main" val="0"/>
               </a:ext>
             </a:extLst>
           </a:blip>
-          <a:srcRect t="41429" r="1" b="4611"/>
+          <a:srcRect l="4074" r="3109" b="-4"/>
           <a:stretch/>
         </p:blipFill>
         <p:spPr>
           <a:xfrm>
-            <a:off x="5999793" y="3518351"/>
-            <a:ext cx="6189158" cy="3339649"/>
+            <a:off x="8293061" y="365760"/>
+            <a:ext cx="3377765" cy="3639312"/>
           </a:xfrm>
           <a:prstGeom prst="rect">
             <a:avLst/>
           </a:prstGeom>
         </p:spPr>
       </p:pic>
+      <p:pic>
+        <p:nvPicPr>
+          <p:cNvPr id="6" name="Tijdelijke aanduiding voor inhoud 4" descr="Afbeelding met elektronica, cirkel, houten, overdekt&#10;&#10;Automatisch gegenereerde beschrijving">
+            <a:extLst>
+              <a:ext uri="{FF2B5EF4-FFF2-40B4-BE49-F238E27FC236}">
+                <a16:creationId xmlns:a16="http://schemas.microsoft.com/office/drawing/2014/main" id="{AEA24D4E-9FBE-155C-527D-26F013D67335}"/>
+              </a:ext>
+            </a:extLst>
+          </p:cNvPr>
+          <p:cNvPicPr>
+            <a:picLocks noChangeAspect="1"/>
+          </p:cNvPicPr>
+          <p:nvPr/>
+        </p:nvPicPr>
+        <p:blipFill rotWithShape="1">
+          <a:blip r:embed="rId4">
+            <a:extLst>
+              <a:ext uri="{28A0092B-C50C-407E-A947-70E740481C1C}">
+                <a14:useLocalDpi xmlns:a14="http://schemas.microsoft.com/office/drawing/2010/main" val="0"/>
+              </a:ext>
+            </a:extLst>
+          </a:blip>
+          <a:srcRect l="6412" r="1273" b="-4"/>
+          <a:stretch/>
+        </p:blipFill>
+        <p:spPr>
+          <a:xfrm>
+            <a:off x="4458391" y="366383"/>
+            <a:ext cx="3359496" cy="3639312"/>
+          </a:xfrm>
+          <a:prstGeom prst="rect">
+            <a:avLst/>
+          </a:prstGeom>
+        </p:spPr>
+      </p:pic>
+      <p:sp>
+        <p:nvSpPr>
+          <p:cNvPr id="28" name="Rectangle 27">
+            <a:extLst>
+              <a:ext uri="{FF2B5EF4-FFF2-40B4-BE49-F238E27FC236}">
+                <a16:creationId xmlns:a16="http://schemas.microsoft.com/office/drawing/2014/main" id="{369F152D-E540-4B48-BA11-2ADF043C6111}"/>
+              </a:ext>
+              <a:ext uri="{C183D7F6-B498-43B3-948B-1728B52AA6E4}">
+                <adec:decorative xmlns:adec="http://schemas.microsoft.com/office/drawing/2017/decorative" val="1"/>
+              </a:ext>
+            </a:extLst>
+          </p:cNvPr>
+          <p:cNvSpPr>
+            <a:spLocks noGrp="1" noRot="1" noChangeAspect="1" noMove="1" noResize="1" noEditPoints="1" noAdjustHandles="1" noChangeArrowheads="1" noChangeShapeType="1" noTextEdit="1"/>
+          </p:cNvSpPr>
+          <p:nvPr>
+            <p:extLst>
+              <p:ext uri="{386F3935-93C4-4BCD-93E2-E3B085C9AB24}">
+                <p16:designElem xmlns:p16="http://schemas.microsoft.com/office/powerpoint/2015/main" val="1"/>
+              </p:ext>
+            </p:extLst>
+          </p:nvPr>
+        </p:nvSpPr>
+        <p:spPr>
+          <a:xfrm>
+            <a:off x="490408" y="4911519"/>
+            <a:ext cx="128016" cy="704088"/>
+          </a:xfrm>
+          <a:prstGeom prst="rect">
+            <a:avLst/>
+          </a:prstGeom>
+          <a:solidFill>
+            <a:schemeClr val="accent2"/>
+          </a:solidFill>
+          <a:ln>
+            <a:noFill/>
+          </a:ln>
+        </p:spPr>
+        <p:style>
+          <a:lnRef idx="2">
+            <a:schemeClr val="accent1">
+              <a:shade val="50000"/>
+            </a:schemeClr>
+          </a:lnRef>
+          <a:fillRef idx="1">
+            <a:schemeClr val="accent1"/>
+          </a:fillRef>
+          <a:effectRef idx="0">
+            <a:schemeClr val="accent1"/>
+          </a:effectRef>
+          <a:fontRef idx="minor">
+            <a:schemeClr val="lt1"/>
+          </a:fontRef>
+        </p:style>
+        <p:txBody>
+          <a:bodyPr rtlCol="0" anchor="ctr"/>
+          <a:lstStyle/>
+          <a:p>
+            <a:pPr marL="0" marR="0" lvl="0" indent="0" algn="ctr" defTabSz="914400" rtl="0" eaLnBrk="1" fontAlgn="auto" latinLnBrk="0" hangingPunct="1">
+              <a:lnSpc>
+                <a:spcPct val="100000"/>
+              </a:lnSpc>
+              <a:spcBef>
+                <a:spcPts val="0"/>
+              </a:spcBef>
+              <a:spcAft>
+                <a:spcPts val="0"/>
+              </a:spcAft>
+              <a:buClrTx/>
+              <a:buSzTx/>
+              <a:buFontTx/>
+              <a:buNone/>
+              <a:tabLst/>
+              <a:defRPr/>
+            </a:pPr>
+            <a:endParaRPr kumimoji="0" lang="en-US" sz="1800" b="0" i="0" u="none" strike="noStrike" kern="1200" cap="none" spc="0" normalizeH="0" baseline="0" noProof="0" dirty="0">
+              <a:ln>
+                <a:noFill/>
+              </a:ln>
+              <a:solidFill>
+                <a:prstClr val="white"/>
+              </a:solidFill>
+              <a:effectLst/>
+              <a:uLnTx/>
+              <a:uFillTx/>
+              <a:latin typeface="Calibri" panose="020F0502020204030204"/>
+              <a:ea typeface="+mn-ea"/>
+              <a:cs typeface="+mn-cs"/>
+            </a:endParaRPr>
+          </a:p>
+        </p:txBody>
+      </p:sp>
+      <p:sp>
+        <p:nvSpPr>
+          <p:cNvPr id="30" name="Rectangle 29">
+            <a:extLst>
+              <a:ext uri="{FF2B5EF4-FFF2-40B4-BE49-F238E27FC236}">
+                <a16:creationId xmlns:a16="http://schemas.microsoft.com/office/drawing/2014/main" id="{0C059F7E-04C4-4C46-9B3E-E5CE267E347D}"/>
+              </a:ext>
+              <a:ext uri="{C183D7F6-B498-43B3-948B-1728B52AA6E4}">
+                <adec:decorative xmlns:adec="http://schemas.microsoft.com/office/drawing/2017/decorative" val="1"/>
+              </a:ext>
+            </a:extLst>
+          </p:cNvPr>
+          <p:cNvSpPr>
+            <a:spLocks noGrp="1" noRot="1" noChangeAspect="1" noMove="1" noResize="1" noEditPoints="1" noAdjustHandles="1" noChangeArrowheads="1" noChangeShapeType="1" noTextEdit="1"/>
+          </p:cNvSpPr>
+          <p:nvPr>
+            <p:extLst>
+              <p:ext uri="{386F3935-93C4-4BCD-93E2-E3B085C9AB24}">
+                <p16:designElem xmlns:p16="http://schemas.microsoft.com/office/powerpoint/2015/main" val="1"/>
+              </p:ext>
+            </p:extLst>
+          </p:nvPr>
+        </p:nvSpPr>
+        <p:spPr>
+          <a:xfrm rot="5400000">
+            <a:off x="3612098" y="5254418"/>
+            <a:ext cx="1463040" cy="18288"/>
+          </a:xfrm>
+          <a:prstGeom prst="rect">
+            <a:avLst/>
+          </a:prstGeom>
+          <a:solidFill>
+            <a:srgbClr val="D5D5D5"/>
+          </a:solidFill>
+          <a:ln w="3175">
+            <a:noFill/>
+          </a:ln>
+          <a:effectLst/>
+        </p:spPr>
+        <p:style>
+          <a:lnRef idx="2">
+            <a:schemeClr val="accent1">
+              <a:shade val="50000"/>
+            </a:schemeClr>
+          </a:lnRef>
+          <a:fillRef idx="1">
+            <a:schemeClr val="accent1"/>
+          </a:fillRef>
+          <a:effectRef idx="0">
+            <a:schemeClr val="accent1"/>
+          </a:effectRef>
+          <a:fontRef idx="minor">
+            <a:schemeClr val="lt1"/>
+          </a:fontRef>
+        </p:style>
+        <p:txBody>
+          <a:bodyPr rtlCol="0" anchor="ctr"/>
+          <a:lstStyle/>
+          <a:p>
+            <a:pPr marL="0" marR="0" lvl="0" indent="0" algn="ctr" defTabSz="914400" rtl="0" eaLnBrk="1" fontAlgn="auto" latinLnBrk="0" hangingPunct="1">
+              <a:lnSpc>
+                <a:spcPct val="100000"/>
+              </a:lnSpc>
+              <a:spcBef>
+                <a:spcPts val="0"/>
+              </a:spcBef>
+              <a:spcAft>
+                <a:spcPts val="0"/>
+              </a:spcAft>
+              <a:buClrTx/>
+              <a:buSzTx/>
+              <a:buFontTx/>
+              <a:buNone/>
+              <a:tabLst/>
+              <a:defRPr/>
+            </a:pPr>
+            <a:endParaRPr kumimoji="0" lang="en-US" sz="1800" b="0" i="0" u="none" strike="noStrike" kern="1200" cap="none" spc="0" normalizeH="0" baseline="0" noProof="0">
+              <a:ln>
+                <a:noFill/>
+              </a:ln>
+              <a:solidFill>
+                <a:prstClr val="white"/>
+              </a:solidFill>
+              <a:effectLst/>
+              <a:uLnTx/>
+              <a:uFillTx/>
+              <a:latin typeface="Calibri" panose="020F0502020204030204"/>
+              <a:ea typeface="+mn-ea"/>
+              <a:cs typeface="+mn-cs"/>
+            </a:endParaRPr>
+          </a:p>
+        </p:txBody>
+      </p:sp>
       <p:sp>
         <p:nvSpPr>
           <p:cNvPr id="4" name="Tijdelijke aanduiding voor tekst 3">
@@ -4080,12 +9026,12 @@
         </p:nvSpPr>
         <p:spPr>
           <a:xfrm>
-            <a:off x="420624" y="2562935"/>
-            <a:ext cx="4753534" cy="3694734"/>
+            <a:off x="4578824" y="4440602"/>
+            <a:ext cx="6860184" cy="1645920"/>
           </a:xfrm>
         </p:spPr>
         <p:txBody>
-          <a:bodyPr vert="horz" lIns="91440" tIns="45720" rIns="91440" bIns="45720" rtlCol="0">
+          <a:bodyPr vert="horz" lIns="91440" tIns="45720" rIns="91440" bIns="45720" rtlCol="0" anchor="ctr">
             <a:normAutofit/>
           </a:bodyPr>
           <a:lstStyle/>
@@ -4095,7 +9041,7 @@
               <a:buChar char="•"/>
             </a:pPr>
             <a:r>
-              <a:rPr lang="en-US" sz="2000" dirty="0"/>
+              <a:rPr lang="en-US" sz="1800" dirty="0"/>
               <a:t>Led filament nixie tube</a:t>
             </a:r>
           </a:p>
@@ -4105,8 +9051,8 @@
               <a:buChar char="•"/>
             </a:pPr>
             <a:r>
-              <a:rPr lang="en-US" sz="2000" dirty="0"/>
-              <a:t>Parametrically design</a:t>
+              <a:rPr lang="en-US" sz="1800" dirty="0"/>
+              <a:t>Parametrically designed</a:t>
             </a:r>
           </a:p>
           <a:p>
@@ -4114,7 +9060,36 @@
               <a:buFont typeface="Arial" panose="020B0604020202020204" pitchFamily="34" charset="0"/>
               <a:buChar char="•"/>
             </a:pPr>
-            <a:endParaRPr lang="en-US" sz="2000" dirty="0"/>
+            <a:endParaRPr lang="en-US" sz="1800" dirty="0"/>
+          </a:p>
+        </p:txBody>
+      </p:sp>
+      <p:sp>
+        <p:nvSpPr>
+          <p:cNvPr id="3" name="Tijdelijke aanduiding voor dianummer 2">
+            <a:extLst>
+              <a:ext uri="{FF2B5EF4-FFF2-40B4-BE49-F238E27FC236}">
+                <a16:creationId xmlns:a16="http://schemas.microsoft.com/office/drawing/2014/main" id="{9B1DBF73-9FD6-F5E9-C1D1-6C64D158D44C}"/>
+              </a:ext>
+            </a:extLst>
+          </p:cNvPr>
+          <p:cNvSpPr>
+            <a:spLocks noGrp="1"/>
+          </p:cNvSpPr>
+          <p:nvPr>
+            <p:ph type="sldNum" sz="quarter" idx="12"/>
+          </p:nvPr>
+        </p:nvSpPr>
+        <p:spPr/>
+        <p:txBody>
+          <a:bodyPr/>
+          <a:lstStyle/>
+          <a:p>
+            <a:fld id="{AC1978FD-8829-499E-B094-F67A47D3ADC3}" type="slidenum">
+              <a:rPr lang="nl-NL" smtClean="0"/>
+              <a:t>5</a:t>
+            </a:fld>
+            <a:endParaRPr lang="nl-NL"/>
           </a:p>
         </p:txBody>
       </p:sp>
@@ -4204,110 +9179,43 @@
           </a:p>
         </p:txBody>
       </p:sp>
+      <p:graphicFrame>
+        <p:nvGraphicFramePr>
+          <p:cNvPr id="15" name="Tijdelijke aanduiding voor inhoud 3">
+            <a:extLst>
+              <a:ext uri="{FF2B5EF4-FFF2-40B4-BE49-F238E27FC236}">
+                <a16:creationId xmlns:a16="http://schemas.microsoft.com/office/drawing/2014/main" id="{2538CF54-E2DE-FDD5-B426-7F6D1CD327A3}"/>
+              </a:ext>
+            </a:extLst>
+          </p:cNvPr>
+          <p:cNvGraphicFramePr>
+            <a:graphicFrameLocks noGrp="1"/>
+          </p:cNvGraphicFramePr>
+          <p:nvPr>
+            <p:ph sz="half" idx="2"/>
+            <p:extLst>
+              <p:ext uri="{D42A27DB-BD31-4B8C-83A1-F6EECF244321}">
+                <p14:modId xmlns:p14="http://schemas.microsoft.com/office/powerpoint/2010/main" val="3096149703"/>
+              </p:ext>
+            </p:extLst>
+          </p:nvPr>
+        </p:nvGraphicFramePr>
+        <p:xfrm>
+          <a:off x="839788" y="2505075"/>
+          <a:ext cx="5157787" cy="3684588"/>
+        </p:xfrm>
+        <a:graphic>
+          <a:graphicData uri="http://schemas.openxmlformats.org/drawingml/2006/diagram">
+            <dgm:relIds xmlns:dgm="http://schemas.openxmlformats.org/drawingml/2006/diagram" xmlns:r="http://schemas.openxmlformats.org/officeDocument/2006/relationships" r:dm="rId2" r:lo="rId3" r:qs="rId4" r:cs="rId5"/>
+          </a:graphicData>
+        </a:graphic>
+      </p:graphicFrame>
       <p:sp>
         <p:nvSpPr>
-          <p:cNvPr id="4" name="Tijdelijke aanduiding voor inhoud 3">
+          <p:cNvPr id="13" name="Tijdelijke aanduiding voor inhoud 12">
             <a:extLst>
               <a:ext uri="{FF2B5EF4-FFF2-40B4-BE49-F238E27FC236}">
-                <a16:creationId xmlns:a16="http://schemas.microsoft.com/office/drawing/2014/main" id="{606A1AF9-24F7-1AED-0670-CFBD02622432}"/>
-              </a:ext>
-            </a:extLst>
-          </p:cNvPr>
-          <p:cNvSpPr>
-            <a:spLocks noGrp="1"/>
-          </p:cNvSpPr>
-          <p:nvPr>
-            <p:ph sz="half" idx="2"/>
-          </p:nvPr>
-        </p:nvSpPr>
-        <p:spPr/>
-        <p:txBody>
-          <a:bodyPr>
-            <a:normAutofit/>
-          </a:bodyPr>
-          <a:lstStyle/>
-          <a:p>
-            <a:r>
-              <a:rPr lang="en-US" dirty="0"/>
-              <a:t>Continuity test</a:t>
-            </a:r>
-          </a:p>
-          <a:p>
-            <a:r>
-              <a:rPr lang="en-US" dirty="0"/>
-              <a:t>DC power supply </a:t>
-            </a:r>
-          </a:p>
-          <a:p>
-            <a:pPr lvl="1"/>
-            <a:r>
-              <a:rPr lang="en-US" dirty="0"/>
-              <a:t>5 volt </a:t>
-            </a:r>
-          </a:p>
-          <a:p>
-            <a:pPr lvl="1"/>
-            <a:r>
-              <a:rPr lang="en-US" dirty="0"/>
-              <a:t>VCC</a:t>
-            </a:r>
-          </a:p>
-          <a:p>
-            <a:r>
-              <a:rPr lang="en-US" dirty="0"/>
-              <a:t>Realtor</a:t>
-            </a:r>
-          </a:p>
-          <a:p>
-            <a:pPr lvl="1"/>
-            <a:r>
-              <a:rPr lang="en-US" dirty="0"/>
-              <a:t>5 volt </a:t>
-            </a:r>
-          </a:p>
-          <a:p>
-            <a:pPr lvl="1"/>
-            <a:r>
-              <a:rPr lang="en-US" dirty="0"/>
-              <a:t>VCC</a:t>
-            </a:r>
-          </a:p>
-        </p:txBody>
-      </p:sp>
-      <p:sp>
-        <p:nvSpPr>
-          <p:cNvPr id="5" name="Tijdelijke aanduiding voor tekst 4">
-            <a:extLst>
-              <a:ext uri="{FF2B5EF4-FFF2-40B4-BE49-F238E27FC236}">
-                <a16:creationId xmlns:a16="http://schemas.microsoft.com/office/drawing/2014/main" id="{599034FA-8681-5C60-8DA0-CE96F4D00DCF}"/>
-              </a:ext>
-            </a:extLst>
-          </p:cNvPr>
-          <p:cNvSpPr>
-            <a:spLocks noGrp="1"/>
-          </p:cNvSpPr>
-          <p:nvPr>
-            <p:ph type="body" sz="quarter" idx="3"/>
-          </p:nvPr>
-        </p:nvSpPr>
-        <p:spPr/>
-        <p:txBody>
-          <a:bodyPr/>
-          <a:lstStyle/>
-          <a:p>
-            <a:r>
-              <a:rPr lang="en-US" dirty="0"/>
-              <a:t>Failed</a:t>
-            </a:r>
-          </a:p>
-        </p:txBody>
-      </p:sp>
-      <p:sp>
-        <p:nvSpPr>
-          <p:cNvPr id="6" name="Tijdelijke aanduiding voor inhoud 5">
-            <a:extLst>
-              <a:ext uri="{FF2B5EF4-FFF2-40B4-BE49-F238E27FC236}">
-                <a16:creationId xmlns:a16="http://schemas.microsoft.com/office/drawing/2014/main" id="{C9219CE8-CEFE-2739-C146-B8E8EF2D1D0F}"/>
+                <a16:creationId xmlns:a16="http://schemas.microsoft.com/office/drawing/2014/main" id="{88F393FA-643D-6E21-256B-DAB93EE4BDBC}"/>
               </a:ext>
             </a:extLst>
           </p:cNvPr>
@@ -4320,48 +9228,92 @@
         </p:nvSpPr>
         <p:spPr/>
         <p:txBody>
-          <a:bodyPr>
-            <a:normAutofit/>
-          </a:bodyPr>
+          <a:bodyPr/>
           <a:lstStyle/>
           <a:p>
-            <a:r>
-              <a:rPr lang="en-US" dirty="0"/>
-              <a:t>Mains voltage test -&gt; transistor error</a:t>
-            </a:r>
+            <a:pPr marL="0" indent="0">
+              <a:buNone/>
+            </a:pPr>
+            <a:endParaRPr lang="en-US" dirty="0"/>
           </a:p>
         </p:txBody>
       </p:sp>
       <p:pic>
         <p:nvPicPr>
-          <p:cNvPr id="7" name="Afbeelding 6">
+          <p:cNvPr id="1026" name="Picture 2">
             <a:extLst>
               <a:ext uri="{FF2B5EF4-FFF2-40B4-BE49-F238E27FC236}">
-                <a16:creationId xmlns:a16="http://schemas.microsoft.com/office/drawing/2014/main" id="{CF04013B-3EA1-2BA5-DAE0-96E4B84B1A12}"/>
+                <a16:creationId xmlns:a16="http://schemas.microsoft.com/office/drawing/2014/main" id="{4BA015D7-DE10-9E68-39CC-03CA265936AB}"/>
               </a:ext>
             </a:extLst>
           </p:cNvPr>
           <p:cNvPicPr>
-            <a:picLocks noChangeAspect="1"/>
+            <a:picLocks noChangeAspect="1" noChangeArrowheads="1"/>
           </p:cNvPicPr>
           <p:nvPr/>
         </p:nvPicPr>
         <p:blipFill>
-          <a:blip r:embed="rId2"/>
+          <a:blip r:embed="rId7">
+            <a:extLst>
+              <a:ext uri="{28A0092B-C50C-407E-A947-70E740481C1C}">
+                <a14:useLocalDpi xmlns:a14="http://schemas.microsoft.com/office/drawing/2010/main" val="0"/>
+              </a:ext>
+            </a:extLst>
+          </a:blip>
+          <a:srcRect/>
           <a:stretch>
             <a:fillRect/>
           </a:stretch>
         </p:blipFill>
-        <p:spPr>
-          <a:xfrm>
-            <a:off x="6531368" y="3397264"/>
-            <a:ext cx="4464851" cy="2792399"/>
+        <p:spPr bwMode="auto">
+          <a:xfrm rot="16200000">
+            <a:off x="6817904" y="1859372"/>
+            <a:ext cx="3888605" cy="5180010"/>
           </a:xfrm>
           <a:prstGeom prst="rect">
             <a:avLst/>
           </a:prstGeom>
+          <a:noFill/>
+          <a:extLst>
+            <a:ext uri="{909E8E84-426E-40DD-AFC4-6F175D3DCCD1}">
+              <a14:hiddenFill xmlns:a14="http://schemas.microsoft.com/office/drawing/2010/main">
+                <a:solidFill>
+                  <a:srgbClr val="FFFFFF"/>
+                </a:solidFill>
+              </a14:hiddenFill>
+            </a:ext>
+          </a:extLst>
         </p:spPr>
       </p:pic>
+      <p:sp>
+        <p:nvSpPr>
+          <p:cNvPr id="14" name="Tijdelijke aanduiding voor dianummer 13">
+            <a:extLst>
+              <a:ext uri="{FF2B5EF4-FFF2-40B4-BE49-F238E27FC236}">
+                <a16:creationId xmlns:a16="http://schemas.microsoft.com/office/drawing/2014/main" id="{7171F1A9-117F-433A-F0A3-FAE2F5FB03D9}"/>
+              </a:ext>
+            </a:extLst>
+          </p:cNvPr>
+          <p:cNvSpPr>
+            <a:spLocks noGrp="1"/>
+          </p:cNvSpPr>
+          <p:nvPr>
+            <p:ph type="sldNum" sz="quarter" idx="12"/>
+          </p:nvPr>
+        </p:nvSpPr>
+        <p:spPr/>
+        <p:txBody>
+          <a:bodyPr/>
+          <a:lstStyle/>
+          <a:p>
+            <a:fld id="{AC1978FD-8829-499E-B094-F67A47D3ADC3}" type="slidenum">
+              <a:rPr lang="nl-NL" smtClean="0"/>
+              <a:t>6</a:t>
+            </a:fld>
+            <a:endParaRPr lang="nl-NL"/>
+          </a:p>
+        </p:txBody>
+      </p:sp>
     </p:spTree>
     <p:extLst>
       <p:ext uri="{BB962C8B-B14F-4D97-AF65-F5344CB8AC3E}">
@@ -4378,6 +9330,14 @@
 <file path=ppt/slides/slide7.xml><?xml version="1.0" encoding="utf-8"?>
 <p:sld xmlns:a="http://schemas.openxmlformats.org/drawingml/2006/main" xmlns:r="http://schemas.openxmlformats.org/officeDocument/2006/relationships" xmlns:p="http://schemas.openxmlformats.org/presentationml/2006/main">
   <p:cSld>
+    <p:bg>
+      <p:bgPr>
+        <a:solidFill>
+          <a:schemeClr val="bg1"/>
+        </a:solidFill>
+        <a:effectLst/>
+      </p:bgPr>
+    </p:bg>
     <p:spTree>
       <p:nvGrpSpPr>
         <p:cNvPr id="1" name=""/>
@@ -4392,6 +9352,1329 @@
           <a:chExt cx="0" cy="0"/>
         </a:xfrm>
       </p:grpSpPr>
+      <p:sp useBgFill="1">
+        <p:nvSpPr>
+          <p:cNvPr id="15" name="Rectangle 14">
+            <a:extLst>
+              <a:ext uri="{FF2B5EF4-FFF2-40B4-BE49-F238E27FC236}">
+                <a16:creationId xmlns:a16="http://schemas.microsoft.com/office/drawing/2014/main" id="{84ECDE7A-6944-466D-8FFE-149A29BA6BAE}"/>
+              </a:ext>
+              <a:ext uri="{C183D7F6-B498-43B3-948B-1728B52AA6E4}">
+                <adec:decorative xmlns:adec="http://schemas.microsoft.com/office/drawing/2017/decorative" val="1"/>
+              </a:ext>
+            </a:extLst>
+          </p:cNvPr>
+          <p:cNvSpPr>
+            <a:spLocks noGrp="1" noRot="1" noChangeAspect="1" noMove="1" noResize="1" noEditPoints="1" noAdjustHandles="1" noChangeArrowheads="1" noChangeShapeType="1" noTextEdit="1"/>
+          </p:cNvSpPr>
+          <p:nvPr>
+            <p:extLst>
+              <p:ext uri="{386F3935-93C4-4BCD-93E2-E3B085C9AB24}">
+                <p16:designElem xmlns:p16="http://schemas.microsoft.com/office/powerpoint/2015/main" val="1"/>
+              </p:ext>
+            </p:extLst>
+          </p:nvPr>
+        </p:nvSpPr>
+        <p:spPr>
+          <a:xfrm>
+            <a:off x="0" y="0"/>
+            <a:ext cx="12192000" cy="6858000"/>
+          </a:xfrm>
+          <a:prstGeom prst="rect">
+            <a:avLst/>
+          </a:prstGeom>
+          <a:ln>
+            <a:noFill/>
+          </a:ln>
+        </p:spPr>
+        <p:style>
+          <a:lnRef idx="2">
+            <a:schemeClr val="accent1">
+              <a:shade val="50000"/>
+            </a:schemeClr>
+          </a:lnRef>
+          <a:fillRef idx="1">
+            <a:schemeClr val="accent1"/>
+          </a:fillRef>
+          <a:effectRef idx="0">
+            <a:schemeClr val="accent1"/>
+          </a:effectRef>
+          <a:fontRef idx="minor">
+            <a:schemeClr val="lt1"/>
+          </a:fontRef>
+        </p:style>
+        <p:txBody>
+          <a:bodyPr rtlCol="0" anchor="ctr"/>
+          <a:lstStyle/>
+          <a:p>
+            <a:pPr algn="ctr"/>
+            <a:endParaRPr lang="en-US"/>
+          </a:p>
+        </p:txBody>
+      </p:sp>
+      <p:sp useBgFill="1">
+        <p:nvSpPr>
+          <p:cNvPr id="17" name="Rectangle 16">
+            <a:extLst>
+              <a:ext uri="{FF2B5EF4-FFF2-40B4-BE49-F238E27FC236}">
+                <a16:creationId xmlns:a16="http://schemas.microsoft.com/office/drawing/2014/main" id="{B3420082-9415-44EC-802E-C77D71D59C57}"/>
+              </a:ext>
+              <a:ext uri="{C183D7F6-B498-43B3-948B-1728B52AA6E4}">
+                <adec:decorative xmlns:adec="http://schemas.microsoft.com/office/drawing/2017/decorative" val="1"/>
+              </a:ext>
+            </a:extLst>
+          </p:cNvPr>
+          <p:cNvSpPr>
+            <a:spLocks noGrp="1" noRot="1" noChangeAspect="1" noMove="1" noResize="1" noEditPoints="1" noAdjustHandles="1" noChangeArrowheads="1" noChangeShapeType="1" noTextEdit="1"/>
+          </p:cNvSpPr>
+          <p:nvPr>
+            <p:extLst>
+              <p:ext uri="{386F3935-93C4-4BCD-93E2-E3B085C9AB24}">
+                <p16:designElem xmlns:p16="http://schemas.microsoft.com/office/powerpoint/2015/main" val="1"/>
+              </p:ext>
+            </p:extLst>
+          </p:nvPr>
+        </p:nvSpPr>
+        <p:spPr>
+          <a:xfrm>
+            <a:off x="558209" y="0"/>
+            <a:ext cx="11167447" cy="2018806"/>
+          </a:xfrm>
+          <a:prstGeom prst="rect">
+            <a:avLst/>
+          </a:prstGeom>
+          <a:ln w="12700">
+            <a:solidFill>
+              <a:srgbClr val="E1E1E1"/>
+            </a:solidFill>
+          </a:ln>
+          <a:effectLst>
+            <a:outerShdw blurRad="50800" dist="38100" dir="2700000" algn="tl" rotWithShape="0">
+              <a:schemeClr val="bg1">
+                <a:lumMod val="85000"/>
+                <a:alpha val="50000"/>
+              </a:schemeClr>
+            </a:outerShdw>
+          </a:effectLst>
+        </p:spPr>
+        <p:style>
+          <a:lnRef idx="2">
+            <a:schemeClr val="accent1">
+              <a:shade val="50000"/>
+            </a:schemeClr>
+          </a:lnRef>
+          <a:fillRef idx="1">
+            <a:schemeClr val="accent1"/>
+          </a:fillRef>
+          <a:effectRef idx="0">
+            <a:schemeClr val="accent1"/>
+          </a:effectRef>
+          <a:fontRef idx="minor">
+            <a:schemeClr val="lt1"/>
+          </a:fontRef>
+        </p:style>
+        <p:txBody>
+          <a:bodyPr rtlCol="0" anchor="ctr"/>
+          <a:lstStyle/>
+          <a:p>
+            <a:pPr marL="0" marR="0" lvl="0" indent="0" algn="ctr" defTabSz="914400" rtl="0" eaLnBrk="1" fontAlgn="auto" latinLnBrk="0" hangingPunct="1">
+              <a:lnSpc>
+                <a:spcPct val="100000"/>
+              </a:lnSpc>
+              <a:spcBef>
+                <a:spcPts val="0"/>
+              </a:spcBef>
+              <a:spcAft>
+                <a:spcPts val="0"/>
+              </a:spcAft>
+              <a:buClrTx/>
+              <a:buSzTx/>
+              <a:buFontTx/>
+              <a:buNone/>
+              <a:tabLst/>
+              <a:defRPr/>
+            </a:pPr>
+            <a:endParaRPr kumimoji="0" lang="en-US" sz="1800" b="0" i="0" u="none" strike="noStrike" kern="1200" cap="none" spc="0" normalizeH="0" baseline="0" noProof="0">
+              <a:ln>
+                <a:noFill/>
+              </a:ln>
+              <a:solidFill>
+                <a:prstClr val="white"/>
+              </a:solidFill>
+              <a:effectLst/>
+              <a:uLnTx/>
+              <a:uFillTx/>
+              <a:latin typeface="Calibri" panose="020F0502020204030204"/>
+              <a:ea typeface="+mn-ea"/>
+              <a:cs typeface="+mn-cs"/>
+            </a:endParaRPr>
+          </a:p>
+        </p:txBody>
+      </p:sp>
+      <p:sp useBgFill="1">
+        <p:nvSpPr>
+          <p:cNvPr id="19" name="Rectangle 18">
+            <a:extLst>
+              <a:ext uri="{FF2B5EF4-FFF2-40B4-BE49-F238E27FC236}">
+                <a16:creationId xmlns:a16="http://schemas.microsoft.com/office/drawing/2014/main" id="{55A52C45-1FCB-4636-A80F-2849B8226C01}"/>
+              </a:ext>
+              <a:ext uri="{C183D7F6-B498-43B3-948B-1728B52AA6E4}">
+                <adec:decorative xmlns:adec="http://schemas.microsoft.com/office/drawing/2017/decorative" val="1"/>
+              </a:ext>
+            </a:extLst>
+          </p:cNvPr>
+          <p:cNvSpPr>
+            <a:spLocks noGrp="1" noRot="1" noChangeAspect="1" noMove="1" noResize="1" noEditPoints="1" noAdjustHandles="1" noChangeArrowheads="1" noChangeShapeType="1" noTextEdit="1"/>
+          </p:cNvSpPr>
+          <p:nvPr>
+            <p:extLst>
+              <p:ext uri="{386F3935-93C4-4BCD-93E2-E3B085C9AB24}">
+                <p16:designElem xmlns:p16="http://schemas.microsoft.com/office/powerpoint/2015/main" val="1"/>
+              </p:ext>
+            </p:extLst>
+          </p:nvPr>
+        </p:nvSpPr>
+        <p:spPr>
+          <a:xfrm>
+            <a:off x="566928" y="0"/>
+            <a:ext cx="11155680" cy="2011680"/>
+          </a:xfrm>
+          <a:prstGeom prst="rect">
+            <a:avLst/>
+          </a:prstGeom>
+          <a:ln w="12700">
+            <a:noFill/>
+          </a:ln>
+          <a:effectLst/>
+        </p:spPr>
+        <p:style>
+          <a:lnRef idx="2">
+            <a:schemeClr val="accent1">
+              <a:shade val="50000"/>
+            </a:schemeClr>
+          </a:lnRef>
+          <a:fillRef idx="1">
+            <a:schemeClr val="accent1"/>
+          </a:fillRef>
+          <a:effectRef idx="0">
+            <a:schemeClr val="accent1"/>
+          </a:effectRef>
+          <a:fontRef idx="minor">
+            <a:schemeClr val="lt1"/>
+          </a:fontRef>
+        </p:style>
+        <p:txBody>
+          <a:bodyPr rtlCol="0" anchor="ctr"/>
+          <a:lstStyle/>
+          <a:p>
+            <a:pPr marL="0" marR="0" lvl="0" indent="0" algn="ctr" defTabSz="914400" rtl="0" eaLnBrk="1" fontAlgn="auto" latinLnBrk="0" hangingPunct="1">
+              <a:lnSpc>
+                <a:spcPct val="100000"/>
+              </a:lnSpc>
+              <a:spcBef>
+                <a:spcPts val="0"/>
+              </a:spcBef>
+              <a:spcAft>
+                <a:spcPts val="0"/>
+              </a:spcAft>
+              <a:buClrTx/>
+              <a:buSzTx/>
+              <a:buFontTx/>
+              <a:buNone/>
+              <a:tabLst/>
+              <a:defRPr/>
+            </a:pPr>
+            <a:endParaRPr kumimoji="0" lang="en-US" sz="1800" b="0" i="0" u="none" strike="noStrike" kern="1200" cap="none" spc="0" normalizeH="0" baseline="0" noProof="0">
+              <a:ln>
+                <a:noFill/>
+              </a:ln>
+              <a:solidFill>
+                <a:prstClr val="white"/>
+              </a:solidFill>
+              <a:effectLst/>
+              <a:uLnTx/>
+              <a:uFillTx/>
+              <a:latin typeface="Calibri" panose="020F0502020204030204"/>
+              <a:ea typeface="+mn-ea"/>
+              <a:cs typeface="+mn-cs"/>
+            </a:endParaRPr>
+          </a:p>
+        </p:txBody>
+      </p:sp>
+      <p:sp>
+        <p:nvSpPr>
+          <p:cNvPr id="7" name="Titel 6">
+            <a:extLst>
+              <a:ext uri="{FF2B5EF4-FFF2-40B4-BE49-F238E27FC236}">
+                <a16:creationId xmlns:a16="http://schemas.microsoft.com/office/drawing/2014/main" id="{242618E7-A185-1D2A-A332-35810003FA40}"/>
+              </a:ext>
+            </a:extLst>
+          </p:cNvPr>
+          <p:cNvSpPr>
+            <a:spLocks noGrp="1"/>
+          </p:cNvSpPr>
+          <p:nvPr>
+            <p:ph type="title"/>
+          </p:nvPr>
+        </p:nvSpPr>
+        <p:spPr>
+          <a:xfrm>
+            <a:off x="1115568" y="548640"/>
+            <a:ext cx="10168128" cy="1179576"/>
+          </a:xfrm>
+        </p:spPr>
+        <p:txBody>
+          <a:bodyPr vert="horz" lIns="91440" tIns="45720" rIns="91440" bIns="45720" rtlCol="0" anchor="ctr">
+            <a:normAutofit/>
+          </a:bodyPr>
+          <a:lstStyle/>
+          <a:p>
+            <a:r>
+              <a:rPr lang="en-US" sz="4000" dirty="0"/>
+              <a:t>Electronic testing </a:t>
+            </a:r>
+          </a:p>
+        </p:txBody>
+      </p:sp>
+      <p:sp>
+        <p:nvSpPr>
+          <p:cNvPr id="21" name="Rectangle 20">
+            <a:extLst>
+              <a:ext uri="{FF2B5EF4-FFF2-40B4-BE49-F238E27FC236}">
+                <a16:creationId xmlns:a16="http://schemas.microsoft.com/office/drawing/2014/main" id="{768EB4DD-3704-43AD-92B3-C4E0C6EA92CB}"/>
+              </a:ext>
+              <a:ext uri="{C183D7F6-B498-43B3-948B-1728B52AA6E4}">
+                <adec:decorative xmlns:adec="http://schemas.microsoft.com/office/drawing/2017/decorative" val="1"/>
+              </a:ext>
+            </a:extLst>
+          </p:cNvPr>
+          <p:cNvSpPr>
+            <a:spLocks noGrp="1" noRot="1" noChangeAspect="1" noMove="1" noResize="1" noEditPoints="1" noAdjustHandles="1" noChangeArrowheads="1" noChangeShapeType="1" noTextEdit="1"/>
+          </p:cNvSpPr>
+          <p:nvPr>
+            <p:extLst>
+              <p:ext uri="{386F3935-93C4-4BCD-93E2-E3B085C9AB24}">
+                <p16:designElem xmlns:p16="http://schemas.microsoft.com/office/powerpoint/2015/main" val="1"/>
+              </p:ext>
+            </p:extLst>
+          </p:nvPr>
+        </p:nvSpPr>
+        <p:spPr>
+          <a:xfrm>
+            <a:off x="498834" y="770799"/>
+            <a:ext cx="128016" cy="704088"/>
+          </a:xfrm>
+          <a:prstGeom prst="rect">
+            <a:avLst/>
+          </a:prstGeom>
+          <a:solidFill>
+            <a:schemeClr val="accent2"/>
+          </a:solidFill>
+          <a:ln>
+            <a:noFill/>
+          </a:ln>
+        </p:spPr>
+        <p:style>
+          <a:lnRef idx="2">
+            <a:schemeClr val="accent1">
+              <a:shade val="50000"/>
+            </a:schemeClr>
+          </a:lnRef>
+          <a:fillRef idx="1">
+            <a:schemeClr val="accent1"/>
+          </a:fillRef>
+          <a:effectRef idx="0">
+            <a:schemeClr val="accent1"/>
+          </a:effectRef>
+          <a:fontRef idx="minor">
+            <a:schemeClr val="lt1"/>
+          </a:fontRef>
+        </p:style>
+        <p:txBody>
+          <a:bodyPr rtlCol="0" anchor="ctr"/>
+          <a:lstStyle/>
+          <a:p>
+            <a:pPr marL="0" marR="0" lvl="0" indent="0" algn="ctr" defTabSz="914400" rtl="0" eaLnBrk="1" fontAlgn="auto" latinLnBrk="0" hangingPunct="1">
+              <a:lnSpc>
+                <a:spcPct val="100000"/>
+              </a:lnSpc>
+              <a:spcBef>
+                <a:spcPts val="0"/>
+              </a:spcBef>
+              <a:spcAft>
+                <a:spcPts val="0"/>
+              </a:spcAft>
+              <a:buClrTx/>
+              <a:buSzTx/>
+              <a:buFontTx/>
+              <a:buNone/>
+              <a:tabLst/>
+              <a:defRPr/>
+            </a:pPr>
+            <a:endParaRPr kumimoji="0" lang="en-US" sz="1800" b="0" i="0" u="none" strike="noStrike" kern="1200" cap="none" spc="0" normalizeH="0" baseline="0" noProof="0">
+              <a:ln>
+                <a:noFill/>
+              </a:ln>
+              <a:solidFill>
+                <a:prstClr val="white"/>
+              </a:solidFill>
+              <a:effectLst/>
+              <a:uLnTx/>
+              <a:uFillTx/>
+              <a:latin typeface="Calibri" panose="020F0502020204030204"/>
+              <a:ea typeface="+mn-ea"/>
+              <a:cs typeface="+mn-cs"/>
+            </a:endParaRPr>
+          </a:p>
+        </p:txBody>
+      </p:sp>
+      <p:pic>
+        <p:nvPicPr>
+          <p:cNvPr id="10" name="Tijdelijke aanduiding voor inhoud 9">
+            <a:extLst>
+              <a:ext uri="{FF2B5EF4-FFF2-40B4-BE49-F238E27FC236}">
+                <a16:creationId xmlns:a16="http://schemas.microsoft.com/office/drawing/2014/main" id="{9B97FDB4-2BB6-1D29-F4DE-22C89376060E}"/>
+              </a:ext>
+            </a:extLst>
+          </p:cNvPr>
+          <p:cNvPicPr>
+            <a:picLocks noGrp="1" noChangeAspect="1"/>
+          </p:cNvPicPr>
+          <p:nvPr>
+            <p:ph idx="1"/>
+          </p:nvPr>
+        </p:nvPicPr>
+        <p:blipFill rotWithShape="1">
+          <a:blip r:embed="rId2"/>
+          <a:srcRect r="1" b="1717"/>
+          <a:stretch/>
+        </p:blipFill>
+        <p:spPr>
+          <a:xfrm>
+            <a:off x="565286" y="3024705"/>
+            <a:ext cx="5560624" cy="3418040"/>
+          </a:xfrm>
+          <a:prstGeom prst="rect">
+            <a:avLst/>
+          </a:prstGeom>
+        </p:spPr>
+      </p:pic>
+      <p:sp>
+        <p:nvSpPr>
+          <p:cNvPr id="16" name="Rechthoek 15">
+            <a:extLst>
+              <a:ext uri="{FF2B5EF4-FFF2-40B4-BE49-F238E27FC236}">
+                <a16:creationId xmlns:a16="http://schemas.microsoft.com/office/drawing/2014/main" id="{B7F86CB5-E3C8-A81F-E3AD-A4F48106DFD0}"/>
+              </a:ext>
+            </a:extLst>
+          </p:cNvPr>
+          <p:cNvSpPr/>
+          <p:nvPr/>
+        </p:nvSpPr>
+        <p:spPr>
+          <a:xfrm>
+            <a:off x="7034213" y="3290385"/>
+            <a:ext cx="5157787" cy="453600"/>
+          </a:xfrm>
+          <a:prstGeom prst="rect">
+            <a:avLst/>
+          </a:prstGeom>
+          <a:ln>
+            <a:solidFill>
+              <a:schemeClr val="accent2"/>
+            </a:solidFill>
+          </a:ln>
+        </p:spPr>
+        <p:style>
+          <a:lnRef idx="2">
+            <a:scrgbClr r="0" g="0" b="0"/>
+          </a:lnRef>
+          <a:fillRef idx="1">
+            <a:schemeClr val="lt1">
+              <a:alpha val="90000"/>
+              <a:hueOff val="0"/>
+              <a:satOff val="0"/>
+              <a:lumOff val="0"/>
+              <a:alphaOff val="0"/>
+            </a:schemeClr>
+          </a:fillRef>
+          <a:effectRef idx="0">
+            <a:schemeClr val="lt1">
+              <a:alpha val="90000"/>
+              <a:hueOff val="0"/>
+              <a:satOff val="0"/>
+              <a:lumOff val="0"/>
+              <a:alphaOff val="0"/>
+            </a:schemeClr>
+          </a:effectRef>
+          <a:fontRef idx="minor">
+            <a:schemeClr val="dk1">
+              <a:hueOff val="0"/>
+              <a:satOff val="0"/>
+              <a:lumOff val="0"/>
+              <a:alphaOff val="0"/>
+            </a:schemeClr>
+          </a:fontRef>
+        </p:style>
+        <p:txBody>
+          <a:bodyPr/>
+          <a:lstStyle/>
+          <a:p>
+            <a:endParaRPr lang="en-US" dirty="0"/>
+          </a:p>
+        </p:txBody>
+      </p:sp>
+      <p:grpSp>
+        <p:nvGrpSpPr>
+          <p:cNvPr id="18" name="Groep 17">
+            <a:extLst>
+              <a:ext uri="{FF2B5EF4-FFF2-40B4-BE49-F238E27FC236}">
+                <a16:creationId xmlns:a16="http://schemas.microsoft.com/office/drawing/2014/main" id="{CECCCF38-43CD-1459-59FC-3110D5A44FB9}"/>
+              </a:ext>
+            </a:extLst>
+          </p:cNvPr>
+          <p:cNvGrpSpPr/>
+          <p:nvPr/>
+        </p:nvGrpSpPr>
+        <p:grpSpPr>
+          <a:xfrm>
+            <a:off x="7292102" y="3024705"/>
+            <a:ext cx="3610450" cy="531360"/>
+            <a:chOff x="257889" y="70823"/>
+            <a:chExt cx="3610450" cy="531360"/>
+          </a:xfrm>
+        </p:grpSpPr>
+        <p:sp>
+          <p:nvSpPr>
+            <p:cNvPr id="20" name="Rechthoek: afgeronde hoeken 19">
+              <a:extLst>
+                <a:ext uri="{FF2B5EF4-FFF2-40B4-BE49-F238E27FC236}">
+                  <a16:creationId xmlns:a16="http://schemas.microsoft.com/office/drawing/2014/main" id="{2A55CE09-C3FD-376E-DEC7-85FDBADF4708}"/>
+                </a:ext>
+              </a:extLst>
+            </p:cNvPr>
+            <p:cNvSpPr/>
+            <p:nvPr/>
+          </p:nvSpPr>
+          <p:spPr>
+            <a:xfrm>
+              <a:off x="257889" y="70823"/>
+              <a:ext cx="3610450" cy="531360"/>
+            </a:xfrm>
+            <a:prstGeom prst="roundRect">
+              <a:avLst/>
+            </a:prstGeom>
+            <a:solidFill>
+              <a:schemeClr val="accent2"/>
+            </a:solidFill>
+          </p:spPr>
+          <p:style>
+            <a:lnRef idx="2">
+              <a:schemeClr val="lt1">
+                <a:hueOff val="0"/>
+                <a:satOff val="0"/>
+                <a:lumOff val="0"/>
+                <a:alphaOff val="0"/>
+              </a:schemeClr>
+            </a:lnRef>
+            <a:fillRef idx="1">
+              <a:scrgbClr r="0" g="0" b="0"/>
+            </a:fillRef>
+            <a:effectRef idx="0">
+              <a:schemeClr val="accent1">
+                <a:hueOff val="0"/>
+                <a:satOff val="0"/>
+                <a:lumOff val="0"/>
+                <a:alphaOff val="0"/>
+              </a:schemeClr>
+            </a:effectRef>
+            <a:fontRef idx="minor">
+              <a:schemeClr val="lt1"/>
+            </a:fontRef>
+          </p:style>
+        </p:sp>
+        <p:sp>
+          <p:nvSpPr>
+            <p:cNvPr id="22" name="Rechthoek: afgeronde hoeken 5">
+              <a:extLst>
+                <a:ext uri="{FF2B5EF4-FFF2-40B4-BE49-F238E27FC236}">
+                  <a16:creationId xmlns:a16="http://schemas.microsoft.com/office/drawing/2014/main" id="{FDDDD157-9847-0DF5-C297-DF125816ABD3}"/>
+                </a:ext>
+              </a:extLst>
+            </p:cNvPr>
+            <p:cNvSpPr txBox="1"/>
+            <p:nvPr/>
+          </p:nvSpPr>
+          <p:spPr>
+            <a:xfrm>
+              <a:off x="283828" y="96762"/>
+              <a:ext cx="3558572" cy="479482"/>
+            </a:xfrm>
+            <a:prstGeom prst="rect">
+              <a:avLst/>
+            </a:prstGeom>
+          </p:spPr>
+          <p:style>
+            <a:lnRef idx="0">
+              <a:scrgbClr r="0" g="0" b="0"/>
+            </a:lnRef>
+            <a:fillRef idx="0">
+              <a:scrgbClr r="0" g="0" b="0"/>
+            </a:fillRef>
+            <a:effectRef idx="0">
+              <a:scrgbClr r="0" g="0" b="0"/>
+            </a:effectRef>
+            <a:fontRef idx="minor">
+              <a:schemeClr val="lt1"/>
+            </a:fontRef>
+          </p:style>
+          <p:txBody>
+            <a:bodyPr spcFirstLastPara="0" vert="horz" wrap="square" lIns="136466" tIns="0" rIns="136466" bIns="0" numCol="1" spcCol="1270" anchor="ctr" anchorCtr="0">
+              <a:noAutofit/>
+            </a:bodyPr>
+            <a:lstStyle/>
+            <a:p>
+              <a:pPr marL="0" lvl="0" indent="0" algn="l" defTabSz="800100">
+                <a:lnSpc>
+                  <a:spcPct val="90000"/>
+                </a:lnSpc>
+                <a:spcBef>
+                  <a:spcPct val="0"/>
+                </a:spcBef>
+                <a:spcAft>
+                  <a:spcPct val="35000"/>
+                </a:spcAft>
+                <a:buNone/>
+              </a:pPr>
+              <a:r>
+                <a:rPr lang="en-US" dirty="0"/>
+                <a:t>Mains Voltage test</a:t>
+              </a:r>
+              <a:endParaRPr lang="en-US" sz="1800" kern="1200" dirty="0"/>
+            </a:p>
+          </p:txBody>
+        </p:sp>
+      </p:grpSp>
+      <p:sp>
+        <p:nvSpPr>
+          <p:cNvPr id="29" name="Tijdelijke aanduiding voor tekst 2">
+            <a:extLst>
+              <a:ext uri="{FF2B5EF4-FFF2-40B4-BE49-F238E27FC236}">
+                <a16:creationId xmlns:a16="http://schemas.microsoft.com/office/drawing/2014/main" id="{3BE380B9-7F04-5796-F6A7-EFAFF2DF9522}"/>
+              </a:ext>
+            </a:extLst>
+          </p:cNvPr>
+          <p:cNvSpPr txBox="1">
+            <a:spLocks/>
+          </p:cNvSpPr>
+          <p:nvPr/>
+        </p:nvSpPr>
+        <p:spPr>
+          <a:xfrm>
+            <a:off x="6976186" y="2478024"/>
+            <a:ext cx="5157787" cy="823912"/>
+          </a:xfrm>
+          <a:prstGeom prst="rect">
+            <a:avLst/>
+          </a:prstGeom>
+        </p:spPr>
+        <p:txBody>
+          <a:bodyPr vert="horz" lIns="91440" tIns="45720" rIns="91440" bIns="45720" rtlCol="0">
+            <a:normAutofit/>
+          </a:bodyPr>
+          <a:lstStyle>
+            <a:lvl1pPr marL="228600" indent="-228600" algn="l" defTabSz="914400" rtl="0" eaLnBrk="1" latinLnBrk="0" hangingPunct="1">
+              <a:lnSpc>
+                <a:spcPct val="90000"/>
+              </a:lnSpc>
+              <a:spcBef>
+                <a:spcPts val="1000"/>
+              </a:spcBef>
+              <a:buFont typeface="Arial" panose="020B0604020202020204" pitchFamily="34" charset="0"/>
+              <a:buChar char="•"/>
+              <a:defRPr sz="3200" kern="1200">
+                <a:solidFill>
+                  <a:schemeClr val="tx1"/>
+                </a:solidFill>
+                <a:latin typeface="+mn-lt"/>
+                <a:ea typeface="+mn-ea"/>
+                <a:cs typeface="+mn-cs"/>
+              </a:defRPr>
+            </a:lvl1pPr>
+            <a:lvl2pPr marL="685800" indent="-228600" algn="l" defTabSz="914400" rtl="0" eaLnBrk="1" latinLnBrk="0" hangingPunct="1">
+              <a:lnSpc>
+                <a:spcPct val="90000"/>
+              </a:lnSpc>
+              <a:spcBef>
+                <a:spcPts val="500"/>
+              </a:spcBef>
+              <a:buFont typeface="Arial" panose="020B0604020202020204" pitchFamily="34" charset="0"/>
+              <a:buChar char="•"/>
+              <a:defRPr sz="2800" kern="1200">
+                <a:solidFill>
+                  <a:schemeClr val="tx1"/>
+                </a:solidFill>
+                <a:latin typeface="+mn-lt"/>
+                <a:ea typeface="+mn-ea"/>
+                <a:cs typeface="+mn-cs"/>
+              </a:defRPr>
+            </a:lvl2pPr>
+            <a:lvl3pPr marL="1143000" indent="-228600" algn="l" defTabSz="914400" rtl="0" eaLnBrk="1" latinLnBrk="0" hangingPunct="1">
+              <a:lnSpc>
+                <a:spcPct val="90000"/>
+              </a:lnSpc>
+              <a:spcBef>
+                <a:spcPts val="500"/>
+              </a:spcBef>
+              <a:buFont typeface="Arial" panose="020B0604020202020204" pitchFamily="34" charset="0"/>
+              <a:buChar char="•"/>
+              <a:defRPr sz="2400" kern="1200">
+                <a:solidFill>
+                  <a:schemeClr val="tx1"/>
+                </a:solidFill>
+                <a:latin typeface="+mn-lt"/>
+                <a:ea typeface="+mn-ea"/>
+                <a:cs typeface="+mn-cs"/>
+              </a:defRPr>
+            </a:lvl3pPr>
+            <a:lvl4pPr marL="1600200" indent="-228600" algn="l" defTabSz="914400" rtl="0" eaLnBrk="1" latinLnBrk="0" hangingPunct="1">
+              <a:lnSpc>
+                <a:spcPct val="90000"/>
+              </a:lnSpc>
+              <a:spcBef>
+                <a:spcPts val="500"/>
+              </a:spcBef>
+              <a:buFont typeface="Arial" panose="020B0604020202020204" pitchFamily="34" charset="0"/>
+              <a:buChar char="•"/>
+              <a:defRPr sz="2000" kern="1200">
+                <a:solidFill>
+                  <a:schemeClr val="tx1"/>
+                </a:solidFill>
+                <a:latin typeface="+mn-lt"/>
+                <a:ea typeface="+mn-ea"/>
+                <a:cs typeface="+mn-cs"/>
+              </a:defRPr>
+            </a:lvl4pPr>
+            <a:lvl5pPr marL="2057400" indent="-228600" algn="l" defTabSz="914400" rtl="0" eaLnBrk="1" latinLnBrk="0" hangingPunct="1">
+              <a:lnSpc>
+                <a:spcPct val="90000"/>
+              </a:lnSpc>
+              <a:spcBef>
+                <a:spcPts val="500"/>
+              </a:spcBef>
+              <a:buFont typeface="Arial" panose="020B0604020202020204" pitchFamily="34" charset="0"/>
+              <a:buChar char="•"/>
+              <a:defRPr sz="2000" kern="1200">
+                <a:solidFill>
+                  <a:schemeClr val="tx1"/>
+                </a:solidFill>
+                <a:latin typeface="+mn-lt"/>
+                <a:ea typeface="+mn-ea"/>
+                <a:cs typeface="+mn-cs"/>
+              </a:defRPr>
+            </a:lvl5pPr>
+            <a:lvl6pPr marL="2514600" indent="-228600" algn="l" defTabSz="914400" rtl="0" eaLnBrk="1" latinLnBrk="0" hangingPunct="1">
+              <a:lnSpc>
+                <a:spcPct val="90000"/>
+              </a:lnSpc>
+              <a:spcBef>
+                <a:spcPts val="500"/>
+              </a:spcBef>
+              <a:buFont typeface="Arial" panose="020B0604020202020204" pitchFamily="34" charset="0"/>
+              <a:buChar char="•"/>
+              <a:defRPr sz="2000" kern="1200">
+                <a:solidFill>
+                  <a:schemeClr val="tx1"/>
+                </a:solidFill>
+                <a:latin typeface="+mn-lt"/>
+                <a:ea typeface="+mn-ea"/>
+                <a:cs typeface="+mn-cs"/>
+              </a:defRPr>
+            </a:lvl6pPr>
+            <a:lvl7pPr marL="2971800" indent="-228600" algn="l" defTabSz="914400" rtl="0" eaLnBrk="1" latinLnBrk="0" hangingPunct="1">
+              <a:lnSpc>
+                <a:spcPct val="90000"/>
+              </a:lnSpc>
+              <a:spcBef>
+                <a:spcPts val="500"/>
+              </a:spcBef>
+              <a:buFont typeface="Arial" panose="020B0604020202020204" pitchFamily="34" charset="0"/>
+              <a:buChar char="•"/>
+              <a:defRPr sz="2000" kern="1200">
+                <a:solidFill>
+                  <a:schemeClr val="tx1"/>
+                </a:solidFill>
+                <a:latin typeface="+mn-lt"/>
+                <a:ea typeface="+mn-ea"/>
+                <a:cs typeface="+mn-cs"/>
+              </a:defRPr>
+            </a:lvl7pPr>
+            <a:lvl8pPr marL="3429000" indent="-228600" algn="l" defTabSz="914400" rtl="0" eaLnBrk="1" latinLnBrk="0" hangingPunct="1">
+              <a:lnSpc>
+                <a:spcPct val="90000"/>
+              </a:lnSpc>
+              <a:spcBef>
+                <a:spcPts val="500"/>
+              </a:spcBef>
+              <a:buFont typeface="Arial" panose="020B0604020202020204" pitchFamily="34" charset="0"/>
+              <a:buChar char="•"/>
+              <a:defRPr sz="2000" kern="1200">
+                <a:solidFill>
+                  <a:schemeClr val="tx1"/>
+                </a:solidFill>
+                <a:latin typeface="+mn-lt"/>
+                <a:ea typeface="+mn-ea"/>
+                <a:cs typeface="+mn-cs"/>
+              </a:defRPr>
+            </a:lvl8pPr>
+            <a:lvl9pPr marL="3886200" indent="-228600" algn="l" defTabSz="914400" rtl="0" eaLnBrk="1" latinLnBrk="0" hangingPunct="1">
+              <a:lnSpc>
+                <a:spcPct val="90000"/>
+              </a:lnSpc>
+              <a:spcBef>
+                <a:spcPts val="500"/>
+              </a:spcBef>
+              <a:buFont typeface="Arial" panose="020B0604020202020204" pitchFamily="34" charset="0"/>
+              <a:buChar char="•"/>
+              <a:defRPr sz="2000" kern="1200">
+                <a:solidFill>
+                  <a:schemeClr val="tx1"/>
+                </a:solidFill>
+                <a:latin typeface="+mn-lt"/>
+                <a:ea typeface="+mn-ea"/>
+                <a:cs typeface="+mn-cs"/>
+              </a:defRPr>
+            </a:lvl9pPr>
+          </a:lstStyle>
+          <a:p>
+            <a:pPr marL="0" indent="0">
+              <a:buNone/>
+            </a:pPr>
+            <a:r>
+              <a:rPr lang="en-US" dirty="0"/>
+              <a:t>Failed</a:t>
+            </a:r>
+          </a:p>
+        </p:txBody>
+      </p:sp>
+      <p:sp>
+        <p:nvSpPr>
+          <p:cNvPr id="30" name="Tijdelijke aanduiding voor dianummer 29">
+            <a:extLst>
+              <a:ext uri="{FF2B5EF4-FFF2-40B4-BE49-F238E27FC236}">
+                <a16:creationId xmlns:a16="http://schemas.microsoft.com/office/drawing/2014/main" id="{701A3F82-1EFE-1F32-B84A-EDB1F7D5AE5F}"/>
+              </a:ext>
+            </a:extLst>
+          </p:cNvPr>
+          <p:cNvSpPr>
+            <a:spLocks noGrp="1"/>
+          </p:cNvSpPr>
+          <p:nvPr>
+            <p:ph type="sldNum" sz="quarter" idx="12"/>
+          </p:nvPr>
+        </p:nvSpPr>
+        <p:spPr/>
+        <p:txBody>
+          <a:bodyPr/>
+          <a:lstStyle/>
+          <a:p>
+            <a:fld id="{AC1978FD-8829-499E-B094-F67A47D3ADC3}" type="slidenum">
+              <a:rPr lang="nl-NL" smtClean="0"/>
+              <a:t>7</a:t>
+            </a:fld>
+            <a:endParaRPr lang="nl-NL"/>
+          </a:p>
+        </p:txBody>
+      </p:sp>
+    </p:spTree>
+    <p:extLst>
+      <p:ext uri="{BB962C8B-B14F-4D97-AF65-F5344CB8AC3E}">
+        <p14:creationId xmlns:p14="http://schemas.microsoft.com/office/powerpoint/2010/main" val="3222441847"/>
+      </p:ext>
+    </p:extLst>
+  </p:cSld>
+  <p:clrMapOvr>
+    <a:masterClrMapping/>
+  </p:clrMapOvr>
+</p:sld>
+</file>
+
+<file path=ppt/slides/slide8.xml><?xml version="1.0" encoding="utf-8"?>
+<p:sld xmlns:a="http://schemas.openxmlformats.org/drawingml/2006/main" xmlns:r="http://schemas.openxmlformats.org/officeDocument/2006/relationships" xmlns:p="http://schemas.openxmlformats.org/presentationml/2006/main">
+  <p:cSld>
+    <p:bg>
+      <p:bgPr>
+        <a:solidFill>
+          <a:schemeClr val="bg1"/>
+        </a:solidFill>
+        <a:effectLst/>
+      </p:bgPr>
+    </p:bg>
+    <p:spTree>
+      <p:nvGrpSpPr>
+        <p:cNvPr id="1" name=""/>
+        <p:cNvGrpSpPr/>
+        <p:nvPr/>
+      </p:nvGrpSpPr>
+      <p:grpSpPr>
+        <a:xfrm>
+          <a:off x="0" y="0"/>
+          <a:ext cx="0" cy="0"/>
+          <a:chOff x="0" y="0"/>
+          <a:chExt cx="0" cy="0"/>
+        </a:xfrm>
+      </p:grpSpPr>
+      <p:sp useBgFill="1">
+        <p:nvSpPr>
+          <p:cNvPr id="24" name="Rectangle 23">
+            <a:extLst>
+              <a:ext uri="{FF2B5EF4-FFF2-40B4-BE49-F238E27FC236}">
+                <a16:creationId xmlns:a16="http://schemas.microsoft.com/office/drawing/2014/main" id="{FFD48BC7-DC40-47DE-87EE-9F4B6ECB9ABB}"/>
+              </a:ext>
+              <a:ext uri="{C183D7F6-B498-43B3-948B-1728B52AA6E4}">
+                <adec:decorative xmlns:adec="http://schemas.microsoft.com/office/drawing/2017/decorative" val="1"/>
+              </a:ext>
+            </a:extLst>
+          </p:cNvPr>
+          <p:cNvSpPr>
+            <a:spLocks noGrp="1" noRot="1" noChangeAspect="1" noMove="1" noResize="1" noEditPoints="1" noAdjustHandles="1" noChangeArrowheads="1" noChangeShapeType="1" noTextEdit="1"/>
+          </p:cNvSpPr>
+          <p:nvPr>
+            <p:extLst>
+              <p:ext uri="{386F3935-93C4-4BCD-93E2-E3B085C9AB24}">
+                <p16:designElem xmlns:p16="http://schemas.microsoft.com/office/powerpoint/2015/main" val="1"/>
+              </p:ext>
+            </p:extLst>
+          </p:nvPr>
+        </p:nvSpPr>
+        <p:spPr>
+          <a:xfrm>
+            <a:off x="0" y="0"/>
+            <a:ext cx="12192000" cy="6858000"/>
+          </a:xfrm>
+          <a:prstGeom prst="rect">
+            <a:avLst/>
+          </a:prstGeom>
+          <a:ln>
+            <a:noFill/>
+          </a:ln>
+        </p:spPr>
+        <p:style>
+          <a:lnRef idx="2">
+            <a:schemeClr val="accent1">
+              <a:shade val="50000"/>
+            </a:schemeClr>
+          </a:lnRef>
+          <a:fillRef idx="1">
+            <a:schemeClr val="accent1"/>
+          </a:fillRef>
+          <a:effectRef idx="0">
+            <a:schemeClr val="accent1"/>
+          </a:effectRef>
+          <a:fontRef idx="minor">
+            <a:schemeClr val="lt1"/>
+          </a:fontRef>
+        </p:style>
+        <p:txBody>
+          <a:bodyPr rtlCol="0" anchor="ctr"/>
+          <a:lstStyle/>
+          <a:p>
+            <a:pPr algn="ctr"/>
+            <a:endParaRPr lang="en-US"/>
+          </a:p>
+        </p:txBody>
+      </p:sp>
+      <p:sp useBgFill="1">
+        <p:nvSpPr>
+          <p:cNvPr id="26" name="Freeform: Shape 25">
+            <a:extLst>
+              <a:ext uri="{FF2B5EF4-FFF2-40B4-BE49-F238E27FC236}">
+                <a16:creationId xmlns:a16="http://schemas.microsoft.com/office/drawing/2014/main" id="{E502BBC7-2C76-46F3-BC24-5985BC13DB88}"/>
+              </a:ext>
+              <a:ext uri="{C183D7F6-B498-43B3-948B-1728B52AA6E4}">
+                <adec:decorative xmlns:adec="http://schemas.microsoft.com/office/drawing/2017/decorative" val="1"/>
+              </a:ext>
+            </a:extLst>
+          </p:cNvPr>
+          <p:cNvSpPr>
+            <a:spLocks noGrp="1" noRot="1" noChangeAspect="1" noMove="1" noResize="1" noEditPoints="1" noAdjustHandles="1" noChangeArrowheads="1" noChangeShapeType="1" noTextEdit="1"/>
+          </p:cNvSpPr>
+          <p:nvPr>
+            <p:extLst>
+              <p:ext uri="{386F3935-93C4-4BCD-93E2-E3B085C9AB24}">
+                <p16:designElem xmlns:p16="http://schemas.microsoft.com/office/powerpoint/2015/main" val="1"/>
+              </p:ext>
+            </p:extLst>
+          </p:nvPr>
+        </p:nvSpPr>
+        <p:spPr>
+          <a:xfrm>
+            <a:off x="1114425" y="0"/>
+            <a:ext cx="9963150" cy="6858000"/>
+          </a:xfrm>
+          <a:custGeom>
+            <a:avLst/>
+            <a:gdLst>
+              <a:gd name="connsiteX0" fmla="*/ 1595771 w 9963150"/>
+              <a:gd name="connsiteY0" fmla="*/ 0 h 6858000"/>
+              <a:gd name="connsiteX1" fmla="*/ 8367379 w 9963150"/>
+              <a:gd name="connsiteY1" fmla="*/ 0 h 6858000"/>
+              <a:gd name="connsiteX2" fmla="*/ 8504080 w 9963150"/>
+              <a:gd name="connsiteY2" fmla="*/ 130333 h 6858000"/>
+              <a:gd name="connsiteX3" fmla="*/ 9963150 w 9963150"/>
+              <a:gd name="connsiteY3" fmla="*/ 3652838 h 6858000"/>
+              <a:gd name="connsiteX4" fmla="*/ 8825600 w 9963150"/>
+              <a:gd name="connsiteY4" fmla="*/ 6821583 h 6858000"/>
+              <a:gd name="connsiteX5" fmla="*/ 8794055 w 9963150"/>
+              <a:gd name="connsiteY5" fmla="*/ 6858000 h 6858000"/>
+              <a:gd name="connsiteX6" fmla="*/ 1169096 w 9963150"/>
+              <a:gd name="connsiteY6" fmla="*/ 6858000 h 6858000"/>
+              <a:gd name="connsiteX7" fmla="*/ 1137550 w 9963150"/>
+              <a:gd name="connsiteY7" fmla="*/ 6821583 h 6858000"/>
+              <a:gd name="connsiteX8" fmla="*/ 0 w 9963150"/>
+              <a:gd name="connsiteY8" fmla="*/ 3652838 h 6858000"/>
+              <a:gd name="connsiteX9" fmla="*/ 1459070 w 9963150"/>
+              <a:gd name="connsiteY9" fmla="*/ 130333 h 6858000"/>
+            </a:gdLst>
+            <a:ahLst/>
+            <a:cxnLst>
+              <a:cxn ang="0">
+                <a:pos x="connsiteX0" y="connsiteY0"/>
+              </a:cxn>
+              <a:cxn ang="0">
+                <a:pos x="connsiteX1" y="connsiteY1"/>
+              </a:cxn>
+              <a:cxn ang="0">
+                <a:pos x="connsiteX2" y="connsiteY2"/>
+              </a:cxn>
+              <a:cxn ang="0">
+                <a:pos x="connsiteX3" y="connsiteY3"/>
+              </a:cxn>
+              <a:cxn ang="0">
+                <a:pos x="connsiteX4" y="connsiteY4"/>
+              </a:cxn>
+              <a:cxn ang="0">
+                <a:pos x="connsiteX5" y="connsiteY5"/>
+              </a:cxn>
+              <a:cxn ang="0">
+                <a:pos x="connsiteX6" y="connsiteY6"/>
+              </a:cxn>
+              <a:cxn ang="0">
+                <a:pos x="connsiteX7" y="connsiteY7"/>
+              </a:cxn>
+              <a:cxn ang="0">
+                <a:pos x="connsiteX8" y="connsiteY8"/>
+              </a:cxn>
+              <a:cxn ang="0">
+                <a:pos x="connsiteX9" y="connsiteY9"/>
+              </a:cxn>
+            </a:cxnLst>
+            <a:rect l="l" t="t" r="r" b="b"/>
+            <a:pathLst>
+              <a:path w="9963150" h="6858000">
+                <a:moveTo>
+                  <a:pt x="1595771" y="0"/>
+                </a:moveTo>
+                <a:lnTo>
+                  <a:pt x="8367379" y="0"/>
+                </a:lnTo>
+                <a:lnTo>
+                  <a:pt x="8504080" y="130333"/>
+                </a:lnTo>
+                <a:cubicBezTo>
+                  <a:pt x="9405568" y="1031820"/>
+                  <a:pt x="9963150" y="2277214"/>
+                  <a:pt x="9963150" y="3652838"/>
+                </a:cubicBezTo>
+                <a:cubicBezTo>
+                  <a:pt x="9963150" y="4856509"/>
+                  <a:pt x="9536251" y="5960473"/>
+                  <a:pt x="8825600" y="6821583"/>
+                </a:cubicBezTo>
+                <a:lnTo>
+                  <a:pt x="8794055" y="6858000"/>
+                </a:lnTo>
+                <a:lnTo>
+                  <a:pt x="1169096" y="6858000"/>
+                </a:lnTo>
+                <a:lnTo>
+                  <a:pt x="1137550" y="6821583"/>
+                </a:lnTo>
+                <a:cubicBezTo>
+                  <a:pt x="426899" y="5960473"/>
+                  <a:pt x="0" y="4856509"/>
+                  <a:pt x="0" y="3652838"/>
+                </a:cubicBezTo>
+                <a:cubicBezTo>
+                  <a:pt x="0" y="2277214"/>
+                  <a:pt x="557582" y="1031820"/>
+                  <a:pt x="1459070" y="130333"/>
+                </a:cubicBezTo>
+                <a:close/>
+              </a:path>
+            </a:pathLst>
+          </a:custGeom>
+          <a:ln w="9525">
+            <a:solidFill>
+              <a:srgbClr val="EFEFEF"/>
+            </a:solidFill>
+          </a:ln>
+          <a:effectLst>
+            <a:outerShdw blurRad="139700" sx="102000" sy="102000" algn="ctr" rotWithShape="0">
+              <a:schemeClr val="bg1">
+                <a:lumMod val="85000"/>
+                <a:alpha val="38000"/>
+              </a:schemeClr>
+            </a:outerShdw>
+          </a:effectLst>
+        </p:spPr>
+        <p:style>
+          <a:lnRef idx="2">
+            <a:schemeClr val="accent1">
+              <a:shade val="50000"/>
+            </a:schemeClr>
+          </a:lnRef>
+          <a:fillRef idx="1">
+            <a:schemeClr val="accent1"/>
+          </a:fillRef>
+          <a:effectRef idx="0">
+            <a:schemeClr val="accent1"/>
+          </a:effectRef>
+          <a:fontRef idx="minor">
+            <a:schemeClr val="lt1"/>
+          </a:fontRef>
+        </p:style>
+        <p:txBody>
+          <a:bodyPr wrap="square" rtlCol="0" anchor="ctr">
+            <a:noAutofit/>
+          </a:bodyPr>
+          <a:lstStyle/>
+          <a:p>
+            <a:pPr marL="0" marR="0" lvl="0" indent="0" algn="ctr" defTabSz="914400" rtl="0" eaLnBrk="1" fontAlgn="auto" latinLnBrk="0" hangingPunct="1">
+              <a:lnSpc>
+                <a:spcPct val="100000"/>
+              </a:lnSpc>
+              <a:spcBef>
+                <a:spcPts val="0"/>
+              </a:spcBef>
+              <a:spcAft>
+                <a:spcPts val="0"/>
+              </a:spcAft>
+              <a:buClrTx/>
+              <a:buSzTx/>
+              <a:buFontTx/>
+              <a:buNone/>
+              <a:tabLst/>
+              <a:defRPr/>
+            </a:pPr>
+            <a:endParaRPr kumimoji="0" lang="en-US" sz="1800" b="0" i="0" u="none" strike="noStrike" kern="1200" cap="none" spc="0" normalizeH="0" baseline="0" noProof="0">
+              <a:ln>
+                <a:noFill/>
+              </a:ln>
+              <a:solidFill>
+                <a:prstClr val="white"/>
+              </a:solidFill>
+              <a:effectLst/>
+              <a:uLnTx/>
+              <a:uFillTx/>
+              <a:latin typeface="Calibri" panose="020F0502020204030204"/>
+              <a:ea typeface="+mn-ea"/>
+              <a:cs typeface="+mn-cs"/>
+            </a:endParaRPr>
+          </a:p>
+        </p:txBody>
+      </p:sp>
+      <p:sp useBgFill="1">
+        <p:nvSpPr>
+          <p:cNvPr id="28" name="Freeform: Shape 27">
+            <a:extLst>
+              <a:ext uri="{FF2B5EF4-FFF2-40B4-BE49-F238E27FC236}">
+                <a16:creationId xmlns:a16="http://schemas.microsoft.com/office/drawing/2014/main" id="{C7F28D52-2A5F-4D23-81AE-7CB8B591C7AF}"/>
+              </a:ext>
+              <a:ext uri="{C183D7F6-B498-43B3-948B-1728B52AA6E4}">
+                <adec:decorative xmlns:adec="http://schemas.microsoft.com/office/drawing/2017/decorative" val="1"/>
+              </a:ext>
+            </a:extLst>
+          </p:cNvPr>
+          <p:cNvSpPr>
+            <a:spLocks noGrp="1" noRot="1" noChangeAspect="1" noMove="1" noResize="1" noEditPoints="1" noAdjustHandles="1" noChangeArrowheads="1" noChangeShapeType="1" noTextEdit="1"/>
+          </p:cNvSpPr>
+          <p:nvPr>
+            <p:extLst>
+              <p:ext uri="{386F3935-93C4-4BCD-93E2-E3B085C9AB24}">
+                <p16:designElem xmlns:p16="http://schemas.microsoft.com/office/powerpoint/2015/main" val="1"/>
+              </p:ext>
+            </p:extLst>
+          </p:nvPr>
+        </p:nvSpPr>
+        <p:spPr>
+          <a:xfrm>
+            <a:off x="1121664" y="0"/>
+            <a:ext cx="9948672" cy="6858000"/>
+          </a:xfrm>
+          <a:custGeom>
+            <a:avLst/>
+            <a:gdLst>
+              <a:gd name="connsiteX0" fmla="*/ 1595771 w 9963150"/>
+              <a:gd name="connsiteY0" fmla="*/ 0 h 6858000"/>
+              <a:gd name="connsiteX1" fmla="*/ 8367379 w 9963150"/>
+              <a:gd name="connsiteY1" fmla="*/ 0 h 6858000"/>
+              <a:gd name="connsiteX2" fmla="*/ 8504080 w 9963150"/>
+              <a:gd name="connsiteY2" fmla="*/ 130333 h 6858000"/>
+              <a:gd name="connsiteX3" fmla="*/ 9963150 w 9963150"/>
+              <a:gd name="connsiteY3" fmla="*/ 3652838 h 6858000"/>
+              <a:gd name="connsiteX4" fmla="*/ 8825600 w 9963150"/>
+              <a:gd name="connsiteY4" fmla="*/ 6821583 h 6858000"/>
+              <a:gd name="connsiteX5" fmla="*/ 8794055 w 9963150"/>
+              <a:gd name="connsiteY5" fmla="*/ 6858000 h 6858000"/>
+              <a:gd name="connsiteX6" fmla="*/ 1169096 w 9963150"/>
+              <a:gd name="connsiteY6" fmla="*/ 6858000 h 6858000"/>
+              <a:gd name="connsiteX7" fmla="*/ 1137550 w 9963150"/>
+              <a:gd name="connsiteY7" fmla="*/ 6821583 h 6858000"/>
+              <a:gd name="connsiteX8" fmla="*/ 0 w 9963150"/>
+              <a:gd name="connsiteY8" fmla="*/ 3652838 h 6858000"/>
+              <a:gd name="connsiteX9" fmla="*/ 1459070 w 9963150"/>
+              <a:gd name="connsiteY9" fmla="*/ 130333 h 6858000"/>
+            </a:gdLst>
+            <a:ahLst/>
+            <a:cxnLst>
+              <a:cxn ang="0">
+                <a:pos x="connsiteX0" y="connsiteY0"/>
+              </a:cxn>
+              <a:cxn ang="0">
+                <a:pos x="connsiteX1" y="connsiteY1"/>
+              </a:cxn>
+              <a:cxn ang="0">
+                <a:pos x="connsiteX2" y="connsiteY2"/>
+              </a:cxn>
+              <a:cxn ang="0">
+                <a:pos x="connsiteX3" y="connsiteY3"/>
+              </a:cxn>
+              <a:cxn ang="0">
+                <a:pos x="connsiteX4" y="connsiteY4"/>
+              </a:cxn>
+              <a:cxn ang="0">
+                <a:pos x="connsiteX5" y="connsiteY5"/>
+              </a:cxn>
+              <a:cxn ang="0">
+                <a:pos x="connsiteX6" y="connsiteY6"/>
+              </a:cxn>
+              <a:cxn ang="0">
+                <a:pos x="connsiteX7" y="connsiteY7"/>
+              </a:cxn>
+              <a:cxn ang="0">
+                <a:pos x="connsiteX8" y="connsiteY8"/>
+              </a:cxn>
+              <a:cxn ang="0">
+                <a:pos x="connsiteX9" y="connsiteY9"/>
+              </a:cxn>
+            </a:cxnLst>
+            <a:rect l="l" t="t" r="r" b="b"/>
+            <a:pathLst>
+              <a:path w="9963150" h="6858000">
+                <a:moveTo>
+                  <a:pt x="1595771" y="0"/>
+                </a:moveTo>
+                <a:lnTo>
+                  <a:pt x="8367379" y="0"/>
+                </a:lnTo>
+                <a:lnTo>
+                  <a:pt x="8504080" y="130333"/>
+                </a:lnTo>
+                <a:cubicBezTo>
+                  <a:pt x="9405568" y="1031820"/>
+                  <a:pt x="9963150" y="2277214"/>
+                  <a:pt x="9963150" y="3652838"/>
+                </a:cubicBezTo>
+                <a:cubicBezTo>
+                  <a:pt x="9963150" y="4856509"/>
+                  <a:pt x="9536251" y="5960473"/>
+                  <a:pt x="8825600" y="6821583"/>
+                </a:cubicBezTo>
+                <a:lnTo>
+                  <a:pt x="8794055" y="6858000"/>
+                </a:lnTo>
+                <a:lnTo>
+                  <a:pt x="1169096" y="6858000"/>
+                </a:lnTo>
+                <a:lnTo>
+                  <a:pt x="1137550" y="6821583"/>
+                </a:lnTo>
+                <a:cubicBezTo>
+                  <a:pt x="426899" y="5960473"/>
+                  <a:pt x="0" y="4856509"/>
+                  <a:pt x="0" y="3652838"/>
+                </a:cubicBezTo>
+                <a:cubicBezTo>
+                  <a:pt x="0" y="2277214"/>
+                  <a:pt x="557582" y="1031820"/>
+                  <a:pt x="1459070" y="130333"/>
+                </a:cubicBezTo>
+                <a:close/>
+              </a:path>
+            </a:pathLst>
+          </a:custGeom>
+          <a:ln w="9525">
+            <a:noFill/>
+          </a:ln>
+          <a:effectLst/>
+        </p:spPr>
+        <p:style>
+          <a:lnRef idx="2">
+            <a:schemeClr val="accent1">
+              <a:shade val="50000"/>
+            </a:schemeClr>
+          </a:lnRef>
+          <a:fillRef idx="1">
+            <a:schemeClr val="accent1"/>
+          </a:fillRef>
+          <a:effectRef idx="0">
+            <a:schemeClr val="accent1"/>
+          </a:effectRef>
+          <a:fontRef idx="minor">
+            <a:schemeClr val="lt1"/>
+          </a:fontRef>
+        </p:style>
+        <p:txBody>
+          <a:bodyPr wrap="square" rtlCol="0" anchor="ctr">
+            <a:noAutofit/>
+          </a:bodyPr>
+          <a:lstStyle/>
+          <a:p>
+            <a:pPr marL="0" marR="0" lvl="0" indent="0" algn="ctr" defTabSz="914400" rtl="0" eaLnBrk="1" fontAlgn="auto" latinLnBrk="0" hangingPunct="1">
+              <a:lnSpc>
+                <a:spcPct val="100000"/>
+              </a:lnSpc>
+              <a:spcBef>
+                <a:spcPts val="0"/>
+              </a:spcBef>
+              <a:spcAft>
+                <a:spcPts val="0"/>
+              </a:spcAft>
+              <a:buClrTx/>
+              <a:buSzTx/>
+              <a:buFontTx/>
+              <a:buNone/>
+              <a:tabLst/>
+              <a:defRPr/>
+            </a:pPr>
+            <a:endParaRPr kumimoji="0" lang="en-US" sz="1800" b="0" i="0" u="none" strike="noStrike" kern="1200" cap="none" spc="0" normalizeH="0" baseline="0" noProof="0">
+              <a:ln>
+                <a:noFill/>
+              </a:ln>
+              <a:solidFill>
+                <a:prstClr val="white"/>
+              </a:solidFill>
+              <a:effectLst/>
+              <a:uLnTx/>
+              <a:uFillTx/>
+              <a:latin typeface="Calibri" panose="020F0502020204030204"/>
+              <a:ea typeface="+mn-ea"/>
+              <a:cs typeface="+mn-cs"/>
+            </a:endParaRPr>
+          </a:p>
+        </p:txBody>
+      </p:sp>
       <p:sp>
         <p:nvSpPr>
           <p:cNvPr id="2" name="Titel 1">
@@ -4410,18 +10693,112 @@
         </p:nvSpPr>
         <p:spPr>
           <a:xfrm>
-            <a:off x="1524000" y="2971567"/>
-            <a:ext cx="9144000" cy="914866"/>
+            <a:off x="1524003" y="1999615"/>
+            <a:ext cx="9144000" cy="2764028"/>
           </a:xfrm>
         </p:spPr>
         <p:txBody>
-          <a:bodyPr/>
+          <a:bodyPr anchor="ctr">
+            <a:normAutofit/>
+          </a:bodyPr>
           <a:lstStyle/>
           <a:p>
             <a:r>
-              <a:rPr lang="en-US" dirty="0"/>
+              <a:rPr lang="en-US" sz="7200" dirty="0"/>
               <a:t>Result</a:t>
             </a:r>
+          </a:p>
+        </p:txBody>
+      </p:sp>
+      <p:sp>
+        <p:nvSpPr>
+          <p:cNvPr id="30" name="Rectangle 29">
+            <a:extLst>
+              <a:ext uri="{FF2B5EF4-FFF2-40B4-BE49-F238E27FC236}">
+                <a16:creationId xmlns:a16="http://schemas.microsoft.com/office/drawing/2014/main" id="{3629484E-3792-4B3D-89AD-7C8A1ED0E0D4}"/>
+              </a:ext>
+              <a:ext uri="{C183D7F6-B498-43B3-948B-1728B52AA6E4}">
+                <adec:decorative xmlns:adec="http://schemas.microsoft.com/office/drawing/2017/decorative" val="1"/>
+              </a:ext>
+            </a:extLst>
+          </p:cNvPr>
+          <p:cNvSpPr>
+            <a:spLocks noGrp="1" noRot="1" noChangeAspect="1" noMove="1" noResize="1" noEditPoints="1" noAdjustHandles="1" noChangeArrowheads="1" noChangeShapeType="1" noTextEdit="1"/>
+          </p:cNvSpPr>
+          <p:nvPr>
+            <p:extLst>
+              <p:ext uri="{386F3935-93C4-4BCD-93E2-E3B085C9AB24}">
+                <p16:designElem xmlns:p16="http://schemas.microsoft.com/office/powerpoint/2015/main" val="1"/>
+              </p:ext>
+            </p:extLst>
+          </p:nvPr>
+        </p:nvSpPr>
+        <p:spPr>
+          <a:xfrm>
+            <a:off x="3718560" y="5524786"/>
+            <a:ext cx="4754880" cy="27432"/>
+          </a:xfrm>
+          <a:prstGeom prst="rect">
+            <a:avLst/>
+          </a:prstGeom>
+          <a:solidFill>
+            <a:schemeClr val="accent2"/>
+          </a:solidFill>
+          <a:ln>
+            <a:noFill/>
+          </a:ln>
+        </p:spPr>
+        <p:style>
+          <a:lnRef idx="2">
+            <a:schemeClr val="accent1">
+              <a:shade val="50000"/>
+            </a:schemeClr>
+          </a:lnRef>
+          <a:fillRef idx="1">
+            <a:schemeClr val="accent1"/>
+          </a:fillRef>
+          <a:effectRef idx="0">
+            <a:schemeClr val="accent1"/>
+          </a:effectRef>
+          <a:fontRef idx="minor">
+            <a:schemeClr val="lt1"/>
+          </a:fontRef>
+        </p:style>
+        <p:txBody>
+          <a:bodyPr rtlCol="0" anchor="ctr"/>
+          <a:lstStyle/>
+          <a:p>
+            <a:pPr marL="0" marR="0" lvl="0" indent="0" algn="ctr" defTabSz="914400" rtl="0" eaLnBrk="1" fontAlgn="auto" latinLnBrk="0" hangingPunct="1">
+              <a:lnSpc>
+                <a:spcPct val="100000"/>
+              </a:lnSpc>
+              <a:spcBef>
+                <a:spcPts val="0"/>
+              </a:spcBef>
+              <a:spcAft>
+                <a:spcPts val="0"/>
+              </a:spcAft>
+              <a:buClrTx/>
+              <a:buSzTx/>
+              <a:buFontTx/>
+              <a:buNone/>
+              <a:tabLst/>
+              <a:defRPr/>
+            </a:pPr>
+            <a:endParaRPr kumimoji="0" lang="en-US" sz="1800" b="0" i="0" u="none" strike="noStrike" kern="1200" cap="none" spc="0" normalizeH="0" baseline="0" noProof="0">
+              <a:ln>
+                <a:noFill/>
+              </a:ln>
+              <a:solidFill>
+                <a:prstClr val="white"/>
+              </a:solidFill>
+              <a:effectLst/>
+              <a:uLnTx/>
+              <a:uFillTx/>
+              <a:latin typeface="Calibri" panose="020F0502020204030204"/>
+              <a:ea typeface="+mn-ea"/>
+              <a:cs typeface="+mn-cs"/>
+            </a:endParaRPr>
           </a:p>
         </p:txBody>
       </p:sp>
@@ -4731,4 +11108,299 @@
     </a:ext>
   </a:extLst>
 </a:theme>
+</file>
+
+<file path=ppt/theme/theme2.xml><?xml version="1.0" encoding="utf-8"?>
+<a:theme xmlns:a="http://schemas.openxmlformats.org/drawingml/2006/main" name="Kantoorthema">
+  <a:themeElements>
+    <a:clrScheme name="Office">
+      <a:dk1>
+        <a:sysClr val="windowText" lastClr="000000"/>
+      </a:dk1>
+      <a:lt1>
+        <a:sysClr val="window" lastClr="FFFFFF"/>
+      </a:lt1>
+      <a:dk2>
+        <a:srgbClr val="44546A"/>
+      </a:dk2>
+      <a:lt2>
+        <a:srgbClr val="E7E6E6"/>
+      </a:lt2>
+      <a:accent1>
+        <a:srgbClr val="4472C4"/>
+      </a:accent1>
+      <a:accent2>
+        <a:srgbClr val="ED7D31"/>
+      </a:accent2>
+      <a:accent3>
+        <a:srgbClr val="A5A5A5"/>
+      </a:accent3>
+      <a:accent4>
+        <a:srgbClr val="FFC000"/>
+      </a:accent4>
+      <a:accent5>
+        <a:srgbClr val="5B9BD5"/>
+      </a:accent5>
+      <a:accent6>
+        <a:srgbClr val="70AD47"/>
+      </a:accent6>
+      <a:hlink>
+        <a:srgbClr val="0563C1"/>
+      </a:hlink>
+      <a:folHlink>
+        <a:srgbClr val="954F72"/>
+      </a:folHlink>
+    </a:clrScheme>
+    <a:fontScheme name="Office">
+      <a:majorFont>
+        <a:latin typeface="Calibri Light" panose="020F0302020204030204"/>
+        <a:ea typeface=""/>
+        <a:cs typeface=""/>
+        <a:font script="Jpan" typeface="游ゴシック Light"/>
+        <a:font script="Hang" typeface="맑은 고딕"/>
+        <a:font script="Hans" typeface="等线 Light"/>
+        <a:font script="Hant" typeface="新細明體"/>
+        <a:font script="Arab" typeface="Times New Roman"/>
+        <a:font script="Hebr" typeface="Times New Roman"/>
+        <a:font script="Thai" typeface="Angsana New"/>
+        <a:font script="Ethi" typeface="Nyala"/>
+        <a:font script="Beng" typeface="Vrinda"/>
+        <a:font script="Gujr" typeface="Shruti"/>
+        <a:font script="Khmr" typeface="MoolBoran"/>
+        <a:font script="Knda" typeface="Tunga"/>
+        <a:font script="Guru" typeface="Raavi"/>
+        <a:font script="Cans" typeface="Euphemia"/>
+        <a:font script="Cher" typeface="Plantagenet Cherokee"/>
+        <a:font script="Yiii" typeface="Microsoft Yi Baiti"/>
+        <a:font script="Tibt" typeface="Microsoft Himalaya"/>
+        <a:font script="Thaa" typeface="MV Boli"/>
+        <a:font script="Deva" typeface="Mangal"/>
+        <a:font script="Telu" typeface="Gautami"/>
+        <a:font script="Taml" typeface="Latha"/>
+        <a:font script="Syrc" typeface="Estrangelo Edessa"/>
+        <a:font script="Orya" typeface="Kalinga"/>
+        <a:font script="Mlym" typeface="Kartika"/>
+        <a:font script="Laoo" typeface="DokChampa"/>
+        <a:font script="Sinh" typeface="Iskoola Pota"/>
+        <a:font script="Mong" typeface="Mongolian Baiti"/>
+        <a:font script="Viet" typeface="Times New Roman"/>
+        <a:font script="Uigh" typeface="Microsoft Uighur"/>
+        <a:font script="Geor" typeface="Sylfaen"/>
+        <a:font script="Armn" typeface="Arial"/>
+        <a:font script="Bugi" typeface="Leelawadee UI"/>
+        <a:font script="Bopo" typeface="Microsoft JhengHei"/>
+        <a:font script="Java" typeface="Javanese Text"/>
+        <a:font script="Lisu" typeface="Segoe UI"/>
+        <a:font script="Mymr" typeface="Myanmar Text"/>
+        <a:font script="Nkoo" typeface="Ebrima"/>
+        <a:font script="Olck" typeface="Nirmala UI"/>
+        <a:font script="Osma" typeface="Ebrima"/>
+        <a:font script="Phag" typeface="Phagspa"/>
+        <a:font script="Syrn" typeface="Estrangelo Edessa"/>
+        <a:font script="Syrj" typeface="Estrangelo Edessa"/>
+        <a:font script="Syre" typeface="Estrangelo Edessa"/>
+        <a:font script="Sora" typeface="Nirmala UI"/>
+        <a:font script="Tale" typeface="Microsoft Tai Le"/>
+        <a:font script="Talu" typeface="Microsoft New Tai Lue"/>
+        <a:font script="Tfng" typeface="Ebrima"/>
+      </a:majorFont>
+      <a:minorFont>
+        <a:latin typeface="Calibri" panose="020F0502020204030204"/>
+        <a:ea typeface=""/>
+        <a:cs typeface=""/>
+        <a:font script="Jpan" typeface="游ゴシック"/>
+        <a:font script="Hang" typeface="맑은 고딕"/>
+        <a:font script="Hans" typeface="等线"/>
+        <a:font script="Hant" typeface="新細明體"/>
+        <a:font script="Arab" typeface="Arial"/>
+        <a:font script="Hebr" typeface="Arial"/>
+        <a:font script="Thai" typeface="Cordia New"/>
+        <a:font script="Ethi" typeface="Nyala"/>
+        <a:font script="Beng" typeface="Vrinda"/>
+        <a:font script="Gujr" typeface="Shruti"/>
+        <a:font script="Khmr" typeface="DaunPenh"/>
+        <a:font script="Knda" typeface="Tunga"/>
+        <a:font script="Guru" typeface="Raavi"/>
+        <a:font script="Cans" typeface="Euphemia"/>
+        <a:font script="Cher" typeface="Plantagenet Cherokee"/>
+        <a:font script="Yiii" typeface="Microsoft Yi Baiti"/>
+        <a:font script="Tibt" typeface="Microsoft Himalaya"/>
+        <a:font script="Thaa" typeface="MV Boli"/>
+        <a:font script="Deva" typeface="Mangal"/>
+        <a:font script="Telu" typeface="Gautami"/>
+        <a:font script="Taml" typeface="Latha"/>
+        <a:font script="Syrc" typeface="Estrangelo Edessa"/>
+        <a:font script="Orya" typeface="Kalinga"/>
+        <a:font script="Mlym" typeface="Kartika"/>
+        <a:font script="Laoo" typeface="DokChampa"/>
+        <a:font script="Sinh" typeface="Iskoola Pota"/>
+        <a:font script="Mong" typeface="Mongolian Baiti"/>
+        <a:font script="Viet" typeface="Arial"/>
+        <a:font script="Uigh" typeface="Microsoft Uighur"/>
+        <a:font script="Geor" typeface="Sylfaen"/>
+        <a:font script="Armn" typeface="Arial"/>
+        <a:font script="Bugi" typeface="Leelawadee UI"/>
+        <a:font script="Bopo" typeface="Microsoft JhengHei"/>
+        <a:font script="Java" typeface="Javanese Text"/>
+        <a:font script="Lisu" typeface="Segoe UI"/>
+        <a:font script="Mymr" typeface="Myanmar Text"/>
+        <a:font script="Nkoo" typeface="Ebrima"/>
+        <a:font script="Olck" typeface="Nirmala UI"/>
+        <a:font script="Osma" typeface="Ebrima"/>
+        <a:font script="Phag" typeface="Phagspa"/>
+        <a:font script="Syrn" typeface="Estrangelo Edessa"/>
+        <a:font script="Syrj" typeface="Estrangelo Edessa"/>
+        <a:font script="Syre" typeface="Estrangelo Edessa"/>
+        <a:font script="Sora" typeface="Nirmala UI"/>
+        <a:font script="Tale" typeface="Microsoft Tai Le"/>
+        <a:font script="Talu" typeface="Microsoft New Tai Lue"/>
+        <a:font script="Tfng" typeface="Ebrima"/>
+      </a:minorFont>
+    </a:fontScheme>
+    <a:fmtScheme name="Office">
+      <a:fillStyleLst>
+        <a:solidFill>
+          <a:schemeClr val="phClr"/>
+        </a:solidFill>
+        <a:gradFill rotWithShape="1">
+          <a:gsLst>
+            <a:gs pos="0">
+              <a:schemeClr val="phClr">
+                <a:lumMod val="110000"/>
+                <a:satMod val="105000"/>
+                <a:tint val="67000"/>
+              </a:schemeClr>
+            </a:gs>
+            <a:gs pos="50000">
+              <a:schemeClr val="phClr">
+                <a:lumMod val="105000"/>
+                <a:satMod val="103000"/>
+                <a:tint val="73000"/>
+              </a:schemeClr>
+            </a:gs>
+            <a:gs pos="100000">
+              <a:schemeClr val="phClr">
+                <a:lumMod val="105000"/>
+                <a:satMod val="109000"/>
+                <a:tint val="81000"/>
+              </a:schemeClr>
+            </a:gs>
+          </a:gsLst>
+          <a:lin ang="5400000" scaled="0"/>
+        </a:gradFill>
+        <a:gradFill rotWithShape="1">
+          <a:gsLst>
+            <a:gs pos="0">
+              <a:schemeClr val="phClr">
+                <a:satMod val="103000"/>
+                <a:lumMod val="102000"/>
+                <a:tint val="94000"/>
+              </a:schemeClr>
+            </a:gs>
+            <a:gs pos="50000">
+              <a:schemeClr val="phClr">
+                <a:satMod val="110000"/>
+                <a:lumMod val="100000"/>
+                <a:shade val="100000"/>
+              </a:schemeClr>
+            </a:gs>
+            <a:gs pos="100000">
+              <a:schemeClr val="phClr">
+                <a:lumMod val="99000"/>
+                <a:satMod val="120000"/>
+                <a:shade val="78000"/>
+              </a:schemeClr>
+            </a:gs>
+          </a:gsLst>
+          <a:lin ang="5400000" scaled="0"/>
+        </a:gradFill>
+      </a:fillStyleLst>
+      <a:lnStyleLst>
+        <a:ln w="6350" cap="flat" cmpd="sng" algn="ctr">
+          <a:solidFill>
+            <a:schemeClr val="phClr"/>
+          </a:solidFill>
+          <a:prstDash val="solid"/>
+          <a:miter lim="800000"/>
+        </a:ln>
+        <a:ln w="12700" cap="flat" cmpd="sng" algn="ctr">
+          <a:solidFill>
+            <a:schemeClr val="phClr"/>
+          </a:solidFill>
+          <a:prstDash val="solid"/>
+          <a:miter lim="800000"/>
+        </a:ln>
+        <a:ln w="19050" cap="flat" cmpd="sng" algn="ctr">
+          <a:solidFill>
+            <a:schemeClr val="phClr"/>
+          </a:solidFill>
+          <a:prstDash val="solid"/>
+          <a:miter lim="800000"/>
+        </a:ln>
+      </a:lnStyleLst>
+      <a:effectStyleLst>
+        <a:effectStyle>
+          <a:effectLst/>
+        </a:effectStyle>
+        <a:effectStyle>
+          <a:effectLst/>
+        </a:effectStyle>
+        <a:effectStyle>
+          <a:effectLst>
+            <a:outerShdw blurRad="57150" dist="19050" dir="5400000" algn="ctr" rotWithShape="0">
+              <a:srgbClr val="000000">
+                <a:alpha val="63000"/>
+              </a:srgbClr>
+            </a:outerShdw>
+          </a:effectLst>
+        </a:effectStyle>
+      </a:effectStyleLst>
+      <a:bgFillStyleLst>
+        <a:solidFill>
+          <a:schemeClr val="phClr"/>
+        </a:solidFill>
+        <a:solidFill>
+          <a:schemeClr val="phClr">
+            <a:tint val="95000"/>
+            <a:satMod val="170000"/>
+          </a:schemeClr>
+        </a:solidFill>
+        <a:gradFill rotWithShape="1">
+          <a:gsLst>
+            <a:gs pos="0">
+              <a:schemeClr val="phClr">
+                <a:tint val="93000"/>
+                <a:satMod val="150000"/>
+                <a:shade val="98000"/>
+                <a:lumMod val="102000"/>
+              </a:schemeClr>
+            </a:gs>
+            <a:gs pos="50000">
+              <a:schemeClr val="phClr">
+                <a:tint val="98000"/>
+                <a:satMod val="130000"/>
+                <a:shade val="90000"/>
+                <a:lumMod val="103000"/>
+              </a:schemeClr>
+            </a:gs>
+            <a:gs pos="100000">
+              <a:schemeClr val="phClr">
+                <a:shade val="63000"/>
+                <a:satMod val="120000"/>
+              </a:schemeClr>
+            </a:gs>
+          </a:gsLst>
+          <a:lin ang="5400000" scaled="0"/>
+        </a:gradFill>
+      </a:bgFillStyleLst>
+    </a:fmtScheme>
+  </a:themeElements>
+  <a:objectDefaults/>
+  <a:extraClrSchemeLst/>
+  <a:extLst>
+    <a:ext uri="{05A4C25C-085E-4340-85A3-A5531E510DB2}">
+      <thm15:themeFamily xmlns:thm15="http://schemas.microsoft.com/office/thememl/2012/main" name="Office Theme" id="{62F939B6-93AF-4DB8-9C6B-D6C7DFDC589F}" vid="{4A3C46E8-61CC-4603-A589-7422A47A8E4A}"/>
+    </a:ext>
+  </a:extLst>
+</a:theme>
 </file>
--- a/Media/Presentatie1.pptx
+++ b/Media/Presentatie1.pptx
@@ -1346,7 +1346,7 @@
   <dgm:whole/>
   <dgm:extLst>
     <a:ext uri="http://schemas.microsoft.com/office/drawing/2008/diagram">
-      <dsp:dataModelExt xmlns:dsp="http://schemas.microsoft.com/office/drawing/2008/diagram" relId="rId6" minVer="http://schemas.openxmlformats.org/drawingml/2006/diagram"/>
+      <dsp:dataModelExt xmlns:dsp="http://schemas.microsoft.com/office/drawing/2008/diagram" relId="rId7" minVer="http://schemas.openxmlformats.org/drawingml/2006/diagram"/>
     </a:ext>
   </dgm:extLst>
 </dgm:dataModel>
@@ -3126,7 +3126,7 @@
           <a:p>
             <a:fld id="{F7633BD0-0D36-44EC-8BEF-D6B79B337246}" type="datetimeFigureOut">
               <a:rPr lang="en-US" smtClean="0"/>
-              <a:t>6/6/2023</a:t>
+              <a:t>6/7/2023</a:t>
             </a:fld>
             <a:endParaRPr lang="en-US"/>
           </a:p>
@@ -3394,6 +3394,746 @@
 </p:notesMaster>
 </file>
 
+<file path=ppt/notesSlides/notesSlide1.xml><?xml version="1.0" encoding="utf-8"?>
+<p:notes xmlns:a="http://schemas.openxmlformats.org/drawingml/2006/main" xmlns:r="http://schemas.openxmlformats.org/officeDocument/2006/relationships" xmlns:p="http://schemas.openxmlformats.org/presentationml/2006/main">
+  <p:cSld>
+    <p:spTree>
+      <p:nvGrpSpPr>
+        <p:cNvPr id="1" name=""/>
+        <p:cNvGrpSpPr/>
+        <p:nvPr/>
+      </p:nvGrpSpPr>
+      <p:grpSpPr>
+        <a:xfrm>
+          <a:off x="0" y="0"/>
+          <a:ext cx="0" cy="0"/>
+          <a:chOff x="0" y="0"/>
+          <a:chExt cx="0" cy="0"/>
+        </a:xfrm>
+      </p:grpSpPr>
+      <p:sp>
+        <p:nvSpPr>
+          <p:cNvPr id="2" name="Tijdelijke aanduiding voor dia-afbeelding 1"/>
+          <p:cNvSpPr>
+            <a:spLocks noGrp="1" noRot="1" noChangeAspect="1"/>
+          </p:cNvSpPr>
+          <p:nvPr>
+            <p:ph type="sldImg"/>
+          </p:nvPr>
+        </p:nvSpPr>
+        <p:spPr/>
+      </p:sp>
+      <p:sp>
+        <p:nvSpPr>
+          <p:cNvPr id="3" name="Tijdelijke aanduiding voor notities 2"/>
+          <p:cNvSpPr>
+            <a:spLocks noGrp="1"/>
+          </p:cNvSpPr>
+          <p:nvPr>
+            <p:ph type="body" idx="1"/>
+          </p:nvPr>
+        </p:nvSpPr>
+        <p:spPr/>
+        <p:txBody>
+          <a:bodyPr/>
+          <a:lstStyle/>
+          <a:p>
+            <a:r>
+              <a:rPr lang="en-US" dirty="0"/>
+              <a:t>Hi, as you already know, I have been designing a soldering station this semester. Today, I am going to explain the process I went through when realizing this project.</a:t>
+            </a:r>
+          </a:p>
+        </p:txBody>
+      </p:sp>
+      <p:sp>
+        <p:nvSpPr>
+          <p:cNvPr id="4" name="Tijdelijke aanduiding voor dianummer 3"/>
+          <p:cNvSpPr>
+            <a:spLocks noGrp="1"/>
+          </p:cNvSpPr>
+          <p:nvPr>
+            <p:ph type="sldNum" sz="quarter" idx="5"/>
+          </p:nvPr>
+        </p:nvSpPr>
+        <p:spPr/>
+        <p:txBody>
+          <a:bodyPr/>
+          <a:lstStyle/>
+          <a:p>
+            <a:fld id="{7C2EAF97-11E6-4B1F-9E82-B86AD4ED4081}" type="slidenum">
+              <a:rPr lang="en-US" smtClean="0"/>
+              <a:t>1</a:t>
+            </a:fld>
+            <a:endParaRPr lang="en-US"/>
+          </a:p>
+        </p:txBody>
+      </p:sp>
+    </p:spTree>
+    <p:extLst>
+      <p:ext uri="{BB962C8B-B14F-4D97-AF65-F5344CB8AC3E}">
+        <p14:creationId xmlns:p14="http://schemas.microsoft.com/office/powerpoint/2010/main" val="3356245159"/>
+      </p:ext>
+    </p:extLst>
+  </p:cSld>
+  <p:clrMapOvr>
+    <a:masterClrMapping/>
+  </p:clrMapOvr>
+</p:notes>
+</file>
+
+<file path=ppt/notesSlides/notesSlide2.xml><?xml version="1.0" encoding="utf-8"?>
+<p:notes xmlns:a="http://schemas.openxmlformats.org/drawingml/2006/main" xmlns:r="http://schemas.openxmlformats.org/officeDocument/2006/relationships" xmlns:p="http://schemas.openxmlformats.org/presentationml/2006/main">
+  <p:cSld>
+    <p:spTree>
+      <p:nvGrpSpPr>
+        <p:cNvPr id="1" name=""/>
+        <p:cNvGrpSpPr/>
+        <p:nvPr/>
+      </p:nvGrpSpPr>
+      <p:grpSpPr>
+        <a:xfrm>
+          <a:off x="0" y="0"/>
+          <a:ext cx="0" cy="0"/>
+          <a:chOff x="0" y="0"/>
+          <a:chExt cx="0" cy="0"/>
+        </a:xfrm>
+      </p:grpSpPr>
+      <p:sp>
+        <p:nvSpPr>
+          <p:cNvPr id="2" name="Tijdelijke aanduiding voor dia-afbeelding 1"/>
+          <p:cNvSpPr>
+            <a:spLocks noGrp="1" noRot="1" noChangeAspect="1"/>
+          </p:cNvSpPr>
+          <p:nvPr>
+            <p:ph type="sldImg"/>
+          </p:nvPr>
+        </p:nvSpPr>
+        <p:spPr/>
+      </p:sp>
+      <p:sp>
+        <p:nvSpPr>
+          <p:cNvPr id="3" name="Tijdelijke aanduiding voor notities 2"/>
+          <p:cNvSpPr>
+            <a:spLocks noGrp="1"/>
+          </p:cNvSpPr>
+          <p:nvPr>
+            <p:ph type="body" idx="1"/>
+          </p:nvPr>
+        </p:nvSpPr>
+        <p:spPr/>
+        <p:txBody>
+          <a:bodyPr/>
+          <a:lstStyle/>
+          <a:p>
+            <a:endParaRPr lang="en-US" dirty="0"/>
+          </a:p>
+        </p:txBody>
+      </p:sp>
+      <p:sp>
+        <p:nvSpPr>
+          <p:cNvPr id="4" name="Tijdelijke aanduiding voor dianummer 3"/>
+          <p:cNvSpPr>
+            <a:spLocks noGrp="1"/>
+          </p:cNvSpPr>
+          <p:nvPr>
+            <p:ph type="sldNum" sz="quarter" idx="5"/>
+          </p:nvPr>
+        </p:nvSpPr>
+        <p:spPr/>
+        <p:txBody>
+          <a:bodyPr/>
+          <a:lstStyle/>
+          <a:p>
+            <a:fld id="{7C2EAF97-11E6-4B1F-9E82-B86AD4ED4081}" type="slidenum">
+              <a:rPr lang="en-US" smtClean="0"/>
+              <a:t>3</a:t>
+            </a:fld>
+            <a:endParaRPr lang="en-US"/>
+          </a:p>
+        </p:txBody>
+      </p:sp>
+    </p:spTree>
+    <p:extLst>
+      <p:ext uri="{BB962C8B-B14F-4D97-AF65-F5344CB8AC3E}">
+        <p14:creationId xmlns:p14="http://schemas.microsoft.com/office/powerpoint/2010/main" val="1568000818"/>
+      </p:ext>
+    </p:extLst>
+  </p:cSld>
+  <p:clrMapOvr>
+    <a:masterClrMapping/>
+  </p:clrMapOvr>
+</p:notes>
+</file>
+
+<file path=ppt/notesSlides/notesSlide3.xml><?xml version="1.0" encoding="utf-8"?>
+<p:notes xmlns:a="http://schemas.openxmlformats.org/drawingml/2006/main" xmlns:r="http://schemas.openxmlformats.org/officeDocument/2006/relationships" xmlns:p="http://schemas.openxmlformats.org/presentationml/2006/main">
+  <p:cSld>
+    <p:spTree>
+      <p:nvGrpSpPr>
+        <p:cNvPr id="1" name=""/>
+        <p:cNvGrpSpPr/>
+        <p:nvPr/>
+      </p:nvGrpSpPr>
+      <p:grpSpPr>
+        <a:xfrm>
+          <a:off x="0" y="0"/>
+          <a:ext cx="0" cy="0"/>
+          <a:chOff x="0" y="0"/>
+          <a:chExt cx="0" cy="0"/>
+        </a:xfrm>
+      </p:grpSpPr>
+      <p:sp>
+        <p:nvSpPr>
+          <p:cNvPr id="2" name="Tijdelijke aanduiding voor dia-afbeelding 1"/>
+          <p:cNvSpPr>
+            <a:spLocks noGrp="1" noRot="1" noChangeAspect="1"/>
+          </p:cNvSpPr>
+          <p:nvPr>
+            <p:ph type="sldImg"/>
+          </p:nvPr>
+        </p:nvSpPr>
+        <p:spPr/>
+      </p:sp>
+      <p:sp>
+        <p:nvSpPr>
+          <p:cNvPr id="3" name="Tijdelijke aanduiding voor notities 2"/>
+          <p:cNvSpPr>
+            <a:spLocks noGrp="1"/>
+          </p:cNvSpPr>
+          <p:nvPr>
+            <p:ph type="body" idx="1"/>
+          </p:nvPr>
+        </p:nvSpPr>
+        <p:spPr/>
+        <p:txBody>
+          <a:bodyPr/>
+          <a:lstStyle/>
+          <a:p>
+            <a:r>
+              <a:rPr lang="en-US" dirty="0"/>
+              <a:t>Elektors schematic unclear </a:t>
+            </a:r>
+            <a:r>
+              <a:rPr lang="en-US" dirty="0">
+                <a:sym typeface="Wingdings" panose="05000000000000000000" pitchFamily="2" charset="2"/>
+              </a:rPr>
+              <a:t> </a:t>
+            </a:r>
+            <a:r>
+              <a:rPr lang="en-US" dirty="0" err="1">
+                <a:sym typeface="Wingdings" panose="05000000000000000000" pitchFamily="2" charset="2"/>
+              </a:rPr>
+              <a:t>Splitted</a:t>
+            </a:r>
+            <a:r>
+              <a:rPr lang="en-US" dirty="0">
+                <a:sym typeface="Wingdings" panose="05000000000000000000" pitchFamily="2" charset="2"/>
+              </a:rPr>
+              <a:t> in to 5 schematics </a:t>
+            </a:r>
+          </a:p>
+          <a:p>
+            <a:r>
+              <a:rPr lang="en-US" dirty="0">
+                <a:sym typeface="Wingdings" panose="05000000000000000000" pitchFamily="2" charset="2"/>
+              </a:rPr>
+              <a:t>SMD components where used everywhere I could. The relay, </a:t>
+            </a:r>
+            <a:r>
+              <a:rPr lang="en-US" dirty="0" err="1">
+                <a:sym typeface="Wingdings" panose="05000000000000000000" pitchFamily="2" charset="2"/>
+              </a:rPr>
+              <a:t>oki</a:t>
+            </a:r>
+            <a:r>
+              <a:rPr lang="en-US" dirty="0">
+                <a:sym typeface="Wingdings" panose="05000000000000000000" pitchFamily="2" charset="2"/>
+              </a:rPr>
+              <a:t> , biggest capacitor.</a:t>
+            </a:r>
+          </a:p>
+          <a:p>
+            <a:r>
+              <a:rPr lang="en-US" dirty="0">
+                <a:sym typeface="Wingdings" panose="05000000000000000000" pitchFamily="2" charset="2"/>
+              </a:rPr>
+              <a:t>Everything was routed into compact rooms and than the rooms where interconnected. This is how I achieved the smallest </a:t>
+            </a:r>
+            <a:r>
+              <a:rPr lang="en-US" dirty="0" err="1">
+                <a:sym typeface="Wingdings" panose="05000000000000000000" pitchFamily="2" charset="2"/>
+              </a:rPr>
+              <a:t>pcb</a:t>
+            </a:r>
+            <a:r>
+              <a:rPr lang="en-US" dirty="0">
+                <a:sym typeface="Wingdings" panose="05000000000000000000" pitchFamily="2" charset="2"/>
+              </a:rPr>
+              <a:t> footprint form the whole class</a:t>
+            </a:r>
+            <a:endParaRPr lang="en-US" dirty="0"/>
+          </a:p>
+        </p:txBody>
+      </p:sp>
+      <p:sp>
+        <p:nvSpPr>
+          <p:cNvPr id="4" name="Tijdelijke aanduiding voor dianummer 3"/>
+          <p:cNvSpPr>
+            <a:spLocks noGrp="1"/>
+          </p:cNvSpPr>
+          <p:nvPr>
+            <p:ph type="sldNum" sz="quarter" idx="5"/>
+          </p:nvPr>
+        </p:nvSpPr>
+        <p:spPr/>
+        <p:txBody>
+          <a:bodyPr/>
+          <a:lstStyle/>
+          <a:p>
+            <a:fld id="{7C2EAF97-11E6-4B1F-9E82-B86AD4ED4081}" type="slidenum">
+              <a:rPr lang="en-US" smtClean="0"/>
+              <a:t>4</a:t>
+            </a:fld>
+            <a:endParaRPr lang="en-US"/>
+          </a:p>
+        </p:txBody>
+      </p:sp>
+    </p:spTree>
+    <p:extLst>
+      <p:ext uri="{BB962C8B-B14F-4D97-AF65-F5344CB8AC3E}">
+        <p14:creationId xmlns:p14="http://schemas.microsoft.com/office/powerpoint/2010/main" val="1227236801"/>
+      </p:ext>
+    </p:extLst>
+  </p:cSld>
+  <p:clrMapOvr>
+    <a:masterClrMapping/>
+  </p:clrMapOvr>
+</p:notes>
+</file>
+
+<file path=ppt/notesSlides/notesSlide4.xml><?xml version="1.0" encoding="utf-8"?>
+<p:notes xmlns:a="http://schemas.openxmlformats.org/drawingml/2006/main" xmlns:r="http://schemas.openxmlformats.org/officeDocument/2006/relationships" xmlns:p="http://schemas.openxmlformats.org/presentationml/2006/main">
+  <p:cSld>
+    <p:spTree>
+      <p:nvGrpSpPr>
+        <p:cNvPr id="1" name=""/>
+        <p:cNvGrpSpPr/>
+        <p:nvPr/>
+      </p:nvGrpSpPr>
+      <p:grpSpPr>
+        <a:xfrm>
+          <a:off x="0" y="0"/>
+          <a:ext cx="0" cy="0"/>
+          <a:chOff x="0" y="0"/>
+          <a:chExt cx="0" cy="0"/>
+        </a:xfrm>
+      </p:grpSpPr>
+      <p:sp>
+        <p:nvSpPr>
+          <p:cNvPr id="2" name="Tijdelijke aanduiding voor dia-afbeelding 1"/>
+          <p:cNvSpPr>
+            <a:spLocks noGrp="1" noRot="1" noChangeAspect="1"/>
+          </p:cNvSpPr>
+          <p:nvPr>
+            <p:ph type="sldImg"/>
+          </p:nvPr>
+        </p:nvSpPr>
+        <p:spPr/>
+      </p:sp>
+      <p:sp>
+        <p:nvSpPr>
+          <p:cNvPr id="3" name="Tijdelijke aanduiding voor notities 2"/>
+          <p:cNvSpPr>
+            <a:spLocks noGrp="1"/>
+          </p:cNvSpPr>
+          <p:nvPr>
+            <p:ph type="body" idx="1"/>
+          </p:nvPr>
+        </p:nvSpPr>
+        <p:spPr/>
+        <p:txBody>
+          <a:bodyPr/>
+          <a:lstStyle/>
+          <a:p>
+            <a:r>
+              <a:rPr lang="en-US" dirty="0"/>
+              <a:t>Designed my own seven segment's displays and took the nixie tubes as inspiration</a:t>
+            </a:r>
+          </a:p>
+          <a:p>
+            <a:endParaRPr lang="en-US" dirty="0"/>
+          </a:p>
+          <a:p>
+            <a:r>
+              <a:rPr lang="en-US" dirty="0"/>
+              <a:t>Everything is parametrically designed. This means that I can change every dimension of my case by editing my values in software</a:t>
+            </a:r>
+          </a:p>
+        </p:txBody>
+      </p:sp>
+      <p:sp>
+        <p:nvSpPr>
+          <p:cNvPr id="4" name="Tijdelijke aanduiding voor dianummer 3"/>
+          <p:cNvSpPr>
+            <a:spLocks noGrp="1"/>
+          </p:cNvSpPr>
+          <p:nvPr>
+            <p:ph type="sldNum" sz="quarter" idx="5"/>
+          </p:nvPr>
+        </p:nvSpPr>
+        <p:spPr/>
+        <p:txBody>
+          <a:bodyPr/>
+          <a:lstStyle/>
+          <a:p>
+            <a:fld id="{7C2EAF97-11E6-4B1F-9E82-B86AD4ED4081}" type="slidenum">
+              <a:rPr lang="en-US" smtClean="0"/>
+              <a:t>5</a:t>
+            </a:fld>
+            <a:endParaRPr lang="en-US"/>
+          </a:p>
+        </p:txBody>
+      </p:sp>
+    </p:spTree>
+    <p:extLst>
+      <p:ext uri="{BB962C8B-B14F-4D97-AF65-F5344CB8AC3E}">
+        <p14:creationId xmlns:p14="http://schemas.microsoft.com/office/powerpoint/2010/main" val="2127728877"/>
+      </p:ext>
+    </p:extLst>
+  </p:cSld>
+  <p:clrMapOvr>
+    <a:masterClrMapping/>
+  </p:clrMapOvr>
+</p:notes>
+</file>
+
+<file path=ppt/notesSlides/notesSlide5.xml><?xml version="1.0" encoding="utf-8"?>
+<p:notes xmlns:a="http://schemas.openxmlformats.org/drawingml/2006/main" xmlns:r="http://schemas.openxmlformats.org/officeDocument/2006/relationships" xmlns:p="http://schemas.openxmlformats.org/presentationml/2006/main">
+  <p:cSld>
+    <p:spTree>
+      <p:nvGrpSpPr>
+        <p:cNvPr id="1" name=""/>
+        <p:cNvGrpSpPr/>
+        <p:nvPr/>
+      </p:nvGrpSpPr>
+      <p:grpSpPr>
+        <a:xfrm>
+          <a:off x="0" y="0"/>
+          <a:ext cx="0" cy="0"/>
+          <a:chOff x="0" y="0"/>
+          <a:chExt cx="0" cy="0"/>
+        </a:xfrm>
+      </p:grpSpPr>
+      <p:sp>
+        <p:nvSpPr>
+          <p:cNvPr id="2" name="Tijdelijke aanduiding voor dia-afbeelding 1"/>
+          <p:cNvSpPr>
+            <a:spLocks noGrp="1" noRot="1" noChangeAspect="1"/>
+          </p:cNvSpPr>
+          <p:nvPr>
+            <p:ph type="sldImg"/>
+          </p:nvPr>
+        </p:nvSpPr>
+        <p:spPr/>
+      </p:sp>
+      <p:sp>
+        <p:nvSpPr>
+          <p:cNvPr id="3" name="Tijdelijke aanduiding voor notities 2"/>
+          <p:cNvSpPr>
+            <a:spLocks noGrp="1"/>
+          </p:cNvSpPr>
+          <p:nvPr>
+            <p:ph type="body" idx="1"/>
+          </p:nvPr>
+        </p:nvSpPr>
+        <p:spPr/>
+        <p:txBody>
+          <a:bodyPr/>
+          <a:lstStyle/>
+          <a:p>
+            <a:r>
+              <a:rPr lang="en-US" dirty="0"/>
+              <a:t>Continuity test :</a:t>
+            </a:r>
+            <a:br>
+              <a:rPr lang="en-US" dirty="0"/>
+            </a:br>
+            <a:r>
+              <a:rPr lang="en-US" dirty="0"/>
+              <a:t>Done to find out if your PCB has unwanted connections</a:t>
+            </a:r>
+          </a:p>
+          <a:p>
+            <a:r>
+              <a:rPr lang="en-US" dirty="0"/>
+              <a:t>DC power : </a:t>
+            </a:r>
+            <a:br>
+              <a:rPr lang="en-US" dirty="0"/>
+            </a:br>
+            <a:r>
+              <a:rPr lang="en-US" dirty="0"/>
+              <a:t>To find out if components work as expected </a:t>
+            </a:r>
+            <a:br>
+              <a:rPr lang="en-US" dirty="0"/>
+            </a:br>
+            <a:r>
+              <a:rPr lang="en-US" dirty="0"/>
+              <a:t>Realtor: </a:t>
+            </a:r>
+            <a:br>
+              <a:rPr lang="en-US" dirty="0"/>
+            </a:br>
+            <a:r>
+              <a:rPr lang="en-US" dirty="0"/>
+              <a:t>to find out of the </a:t>
+            </a:r>
+            <a:r>
+              <a:rPr lang="en-US" dirty="0" err="1"/>
+              <a:t>powersupply</a:t>
+            </a:r>
+            <a:r>
+              <a:rPr lang="en-US" dirty="0"/>
+              <a:t> can create 5V and VCC</a:t>
+            </a:r>
+          </a:p>
+        </p:txBody>
+      </p:sp>
+      <p:sp>
+        <p:nvSpPr>
+          <p:cNvPr id="4" name="Tijdelijke aanduiding voor dianummer 3"/>
+          <p:cNvSpPr>
+            <a:spLocks noGrp="1"/>
+          </p:cNvSpPr>
+          <p:nvPr>
+            <p:ph type="sldNum" sz="quarter" idx="5"/>
+          </p:nvPr>
+        </p:nvSpPr>
+        <p:spPr/>
+        <p:txBody>
+          <a:bodyPr/>
+          <a:lstStyle/>
+          <a:p>
+            <a:fld id="{7C2EAF97-11E6-4B1F-9E82-B86AD4ED4081}" type="slidenum">
+              <a:rPr lang="en-US" smtClean="0"/>
+              <a:t>6</a:t>
+            </a:fld>
+            <a:endParaRPr lang="en-US"/>
+          </a:p>
+        </p:txBody>
+      </p:sp>
+    </p:spTree>
+    <p:extLst>
+      <p:ext uri="{BB962C8B-B14F-4D97-AF65-F5344CB8AC3E}">
+        <p14:creationId xmlns:p14="http://schemas.microsoft.com/office/powerpoint/2010/main" val="1800864445"/>
+      </p:ext>
+    </p:extLst>
+  </p:cSld>
+  <p:clrMapOvr>
+    <a:masterClrMapping/>
+  </p:clrMapOvr>
+</p:notes>
+</file>
+
+<file path=ppt/notesSlides/notesSlide6.xml><?xml version="1.0" encoding="utf-8"?>
+<p:notes xmlns:a="http://schemas.openxmlformats.org/drawingml/2006/main" xmlns:r="http://schemas.openxmlformats.org/officeDocument/2006/relationships" xmlns:p="http://schemas.openxmlformats.org/presentationml/2006/main">
+  <p:cSld>
+    <p:spTree>
+      <p:nvGrpSpPr>
+        <p:cNvPr id="1" name=""/>
+        <p:cNvGrpSpPr/>
+        <p:nvPr/>
+      </p:nvGrpSpPr>
+      <p:grpSpPr>
+        <a:xfrm>
+          <a:off x="0" y="0"/>
+          <a:ext cx="0" cy="0"/>
+          <a:chOff x="0" y="0"/>
+          <a:chExt cx="0" cy="0"/>
+        </a:xfrm>
+      </p:grpSpPr>
+      <p:sp>
+        <p:nvSpPr>
+          <p:cNvPr id="2" name="Tijdelijke aanduiding voor dia-afbeelding 1"/>
+          <p:cNvSpPr>
+            <a:spLocks noGrp="1" noRot="1" noChangeAspect="1"/>
+          </p:cNvSpPr>
+          <p:nvPr>
+            <p:ph type="sldImg"/>
+          </p:nvPr>
+        </p:nvSpPr>
+        <p:spPr/>
+      </p:sp>
+      <p:sp>
+        <p:nvSpPr>
+          <p:cNvPr id="3" name="Tijdelijke aanduiding voor notities 2"/>
+          <p:cNvSpPr>
+            <a:spLocks noGrp="1"/>
+          </p:cNvSpPr>
+          <p:nvPr>
+            <p:ph type="body" idx="1"/>
+          </p:nvPr>
+        </p:nvSpPr>
+        <p:spPr/>
+        <p:txBody>
+          <a:bodyPr/>
+          <a:lstStyle/>
+          <a:p>
+            <a:r>
+              <a:rPr lang="en-US" dirty="0"/>
+              <a:t>Mains voltage </a:t>
+            </a:r>
+            <a:br>
+              <a:rPr lang="en-US" dirty="0"/>
+            </a:br>
+            <a:r>
+              <a:rPr lang="en-US" dirty="0"/>
+              <a:t>Test the whole circuit together</a:t>
+            </a:r>
+            <a:br>
+              <a:rPr lang="en-US" dirty="0"/>
+            </a:br>
+            <a:r>
+              <a:rPr lang="en-US" dirty="0"/>
+              <a:t>Solution : </a:t>
+            </a:r>
+            <a:br>
+              <a:rPr lang="en-US" dirty="0"/>
+            </a:br>
+            <a:r>
+              <a:rPr lang="en-US" dirty="0"/>
+              <a:t>rotating 120  anti clockwise </a:t>
+            </a:r>
+          </a:p>
+        </p:txBody>
+      </p:sp>
+      <p:sp>
+        <p:nvSpPr>
+          <p:cNvPr id="4" name="Tijdelijke aanduiding voor dianummer 3"/>
+          <p:cNvSpPr>
+            <a:spLocks noGrp="1"/>
+          </p:cNvSpPr>
+          <p:nvPr>
+            <p:ph type="sldNum" sz="quarter" idx="5"/>
+          </p:nvPr>
+        </p:nvSpPr>
+        <p:spPr/>
+        <p:txBody>
+          <a:bodyPr/>
+          <a:lstStyle/>
+          <a:p>
+            <a:fld id="{7C2EAF97-11E6-4B1F-9E82-B86AD4ED4081}" type="slidenum">
+              <a:rPr lang="en-US" smtClean="0"/>
+              <a:t>7</a:t>
+            </a:fld>
+            <a:endParaRPr lang="en-US"/>
+          </a:p>
+        </p:txBody>
+      </p:sp>
+    </p:spTree>
+    <p:extLst>
+      <p:ext uri="{BB962C8B-B14F-4D97-AF65-F5344CB8AC3E}">
+        <p14:creationId xmlns:p14="http://schemas.microsoft.com/office/powerpoint/2010/main" val="2194121728"/>
+      </p:ext>
+    </p:extLst>
+  </p:cSld>
+  <p:clrMapOvr>
+    <a:masterClrMapping/>
+  </p:clrMapOvr>
+</p:notes>
+</file>
+
+<file path=ppt/notesSlides/notesSlide7.xml><?xml version="1.0" encoding="utf-8"?>
+<p:notes xmlns:a="http://schemas.openxmlformats.org/drawingml/2006/main" xmlns:r="http://schemas.openxmlformats.org/officeDocument/2006/relationships" xmlns:p="http://schemas.openxmlformats.org/presentationml/2006/main">
+  <p:cSld>
+    <p:spTree>
+      <p:nvGrpSpPr>
+        <p:cNvPr id="1" name=""/>
+        <p:cNvGrpSpPr/>
+        <p:nvPr/>
+      </p:nvGrpSpPr>
+      <p:grpSpPr>
+        <a:xfrm>
+          <a:off x="0" y="0"/>
+          <a:ext cx="0" cy="0"/>
+          <a:chOff x="0" y="0"/>
+          <a:chExt cx="0" cy="0"/>
+        </a:xfrm>
+      </p:grpSpPr>
+      <p:sp>
+        <p:nvSpPr>
+          <p:cNvPr id="2" name="Tijdelijke aanduiding voor dia-afbeelding 1"/>
+          <p:cNvSpPr>
+            <a:spLocks noGrp="1" noRot="1" noChangeAspect="1"/>
+          </p:cNvSpPr>
+          <p:nvPr>
+            <p:ph type="sldImg"/>
+          </p:nvPr>
+        </p:nvSpPr>
+        <p:spPr/>
+      </p:sp>
+      <p:sp>
+        <p:nvSpPr>
+          <p:cNvPr id="3" name="Tijdelijke aanduiding voor notities 2"/>
+          <p:cNvSpPr>
+            <a:spLocks noGrp="1"/>
+          </p:cNvSpPr>
+          <p:nvPr>
+            <p:ph type="body" idx="1"/>
+          </p:nvPr>
+        </p:nvSpPr>
+        <p:spPr/>
+        <p:txBody>
+          <a:bodyPr/>
+          <a:lstStyle/>
+          <a:p>
+            <a:r>
+              <a:rPr lang="en-US" dirty="0"/>
+              <a:t>Total cost of the project was 160 euro’s</a:t>
+            </a:r>
+          </a:p>
+          <a:p>
+            <a:endParaRPr lang="en-US" b="1" dirty="0"/>
+          </a:p>
+        </p:txBody>
+      </p:sp>
+      <p:sp>
+        <p:nvSpPr>
+          <p:cNvPr id="4" name="Tijdelijke aanduiding voor dianummer 3"/>
+          <p:cNvSpPr>
+            <a:spLocks noGrp="1"/>
+          </p:cNvSpPr>
+          <p:nvPr>
+            <p:ph type="sldNum" sz="quarter" idx="5"/>
+          </p:nvPr>
+        </p:nvSpPr>
+        <p:spPr/>
+        <p:txBody>
+          <a:bodyPr/>
+          <a:lstStyle/>
+          <a:p>
+            <a:fld id="{7C2EAF97-11E6-4B1F-9E82-B86AD4ED4081}" type="slidenum">
+              <a:rPr lang="en-US" smtClean="0"/>
+              <a:t>8</a:t>
+            </a:fld>
+            <a:endParaRPr lang="en-US"/>
+          </a:p>
+        </p:txBody>
+      </p:sp>
+    </p:spTree>
+    <p:extLst>
+      <p:ext uri="{BB962C8B-B14F-4D97-AF65-F5344CB8AC3E}">
+        <p14:creationId xmlns:p14="http://schemas.microsoft.com/office/powerpoint/2010/main" val="2529195902"/>
+      </p:ext>
+    </p:extLst>
+  </p:cSld>
+  <p:clrMapOvr>
+    <a:masterClrMapping/>
+  </p:clrMapOvr>
+</p:notes>
+</file>
+
 <file path=ppt/slideLayouts/slideLayout1.xml><?xml version="1.0" encoding="utf-8"?>
 <p:sldLayout xmlns:a="http://schemas.openxmlformats.org/drawingml/2006/main" xmlns:r="http://schemas.openxmlformats.org/officeDocument/2006/relationships" xmlns:p="http://schemas.openxmlformats.org/presentationml/2006/main" type="title" preserve="1">
   <p:cSld name="Titeldia">
@@ -3541,7 +4281,7 @@
           <a:p>
             <a:fld id="{3872AB8F-59F1-49E5-852D-7EBB4C109CF4}" type="datetime1">
               <a:rPr lang="nl-NL" smtClean="0"/>
-              <a:t>6-6-2023</a:t>
+              <a:t>7-6-2023</a:t>
             </a:fld>
             <a:endParaRPr lang="nl-NL"/>
           </a:p>
@@ -3739,7 +4479,7 @@
           <a:p>
             <a:fld id="{8345B476-F740-4EEB-90A6-D839DD374D83}" type="datetime1">
               <a:rPr lang="nl-NL" smtClean="0"/>
-              <a:t>6-6-2023</a:t>
+              <a:t>7-6-2023</a:t>
             </a:fld>
             <a:endParaRPr lang="nl-NL"/>
           </a:p>
@@ -3947,7 +4687,7 @@
           <a:p>
             <a:fld id="{83D0CDBA-CF1E-44F5-920B-2023815094C6}" type="datetime1">
               <a:rPr lang="nl-NL" smtClean="0"/>
-              <a:t>6-6-2023</a:t>
+              <a:t>7-6-2023</a:t>
             </a:fld>
             <a:endParaRPr lang="nl-NL"/>
           </a:p>
@@ -4145,7 +4885,7 @@
           <a:p>
             <a:fld id="{A4B231F4-2825-4BA3-81AC-5898CD184A1D}" type="datetime1">
               <a:rPr lang="nl-NL" smtClean="0"/>
-              <a:t>6-6-2023</a:t>
+              <a:t>7-6-2023</a:t>
             </a:fld>
             <a:endParaRPr lang="nl-NL"/>
           </a:p>
@@ -4420,7 +5160,7 @@
           <a:p>
             <a:fld id="{FBD20C7D-9E97-4AA1-961F-433A28514C6E}" type="datetime1">
               <a:rPr lang="nl-NL" smtClean="0"/>
-              <a:t>6-6-2023</a:t>
+              <a:t>7-6-2023</a:t>
             </a:fld>
             <a:endParaRPr lang="nl-NL"/>
           </a:p>
@@ -4685,7 +5425,7 @@
           <a:p>
             <a:fld id="{C7D89B12-5A5D-4C1F-BFD7-E7E5B52C0BF2}" type="datetime1">
               <a:rPr lang="nl-NL" smtClean="0"/>
-              <a:t>6-6-2023</a:t>
+              <a:t>7-6-2023</a:t>
             </a:fld>
             <a:endParaRPr lang="nl-NL"/>
           </a:p>
@@ -5097,7 +5837,7 @@
           <a:p>
             <a:fld id="{339C6F98-E46A-49C0-990C-F567DDCC9E9C}" type="datetime1">
               <a:rPr lang="nl-NL" smtClean="0"/>
-              <a:t>6-6-2023</a:t>
+              <a:t>7-6-2023</a:t>
             </a:fld>
             <a:endParaRPr lang="nl-NL"/>
           </a:p>
@@ -5238,7 +5978,7 @@
           <a:p>
             <a:fld id="{F40BF5E8-1E4F-4283-8FA7-40598542E6CE}" type="datetime1">
               <a:rPr lang="nl-NL" smtClean="0"/>
-              <a:t>6-6-2023</a:t>
+              <a:t>7-6-2023</a:t>
             </a:fld>
             <a:endParaRPr lang="nl-NL"/>
           </a:p>
@@ -5351,7 +6091,7 @@
           <a:p>
             <a:fld id="{80D11780-2EF0-464A-B462-8D2FDA69DE9F}" type="datetime1">
               <a:rPr lang="nl-NL" smtClean="0"/>
-              <a:t>6-6-2023</a:t>
+              <a:t>7-6-2023</a:t>
             </a:fld>
             <a:endParaRPr lang="nl-NL"/>
           </a:p>
@@ -5662,7 +6402,7 @@
           <a:p>
             <a:fld id="{23B6B3D3-39D7-4188-AADB-9D00FAD8371E}" type="datetime1">
               <a:rPr lang="nl-NL" smtClean="0"/>
-              <a:t>6-6-2023</a:t>
+              <a:t>7-6-2023</a:t>
             </a:fld>
             <a:endParaRPr lang="nl-NL"/>
           </a:p>
@@ -5950,7 +6690,7 @@
           <a:p>
             <a:fld id="{0561CC81-8768-46EC-9745-C34847B88C23}" type="datetime1">
               <a:rPr lang="nl-NL" smtClean="0"/>
-              <a:t>6-6-2023</a:t>
+              <a:t>7-6-2023</a:t>
             </a:fld>
             <a:endParaRPr lang="nl-NL"/>
           </a:p>
@@ -6191,7 +6931,7 @@
           <a:p>
             <a:fld id="{BE53BCD4-D828-4437-8EFB-11D065012B4D}" type="datetime1">
               <a:rPr lang="nl-NL" smtClean="0"/>
-              <a:t>6-6-2023</a:t>
+              <a:t>7-6-2023</a:t>
             </a:fld>
             <a:endParaRPr lang="nl-NL"/>
           </a:p>
@@ -6595,6 +7335,14 @@
 <file path=ppt/slides/slide1.xml><?xml version="1.0" encoding="utf-8"?>
 <p:sld xmlns:a="http://schemas.openxmlformats.org/drawingml/2006/main" xmlns:r="http://schemas.openxmlformats.org/officeDocument/2006/relationships" xmlns:p="http://schemas.openxmlformats.org/presentationml/2006/main">
   <p:cSld>
+    <p:bg>
+      <p:bgPr>
+        <a:solidFill>
+          <a:schemeClr val="bg1"/>
+        </a:solidFill>
+        <a:effectLst/>
+      </p:bgPr>
+    </p:bg>
     <p:spTree>
       <p:nvGrpSpPr>
         <p:cNvPr id="1" name=""/>
@@ -6609,6 +7357,457 @@
           <a:chExt cx="0" cy="0"/>
         </a:xfrm>
       </p:grpSpPr>
+      <p:sp useBgFill="1">
+        <p:nvSpPr>
+          <p:cNvPr id="13" name="Rectangle 7">
+            <a:extLst>
+              <a:ext uri="{FF2B5EF4-FFF2-40B4-BE49-F238E27FC236}">
+                <a16:creationId xmlns:a16="http://schemas.microsoft.com/office/drawing/2014/main" id="{FFD48BC7-DC40-47DE-87EE-9F4B6ECB9ABB}"/>
+              </a:ext>
+              <a:ext uri="{C183D7F6-B498-43B3-948B-1728B52AA6E4}">
+                <adec:decorative xmlns:adec="http://schemas.microsoft.com/office/drawing/2017/decorative" val="1"/>
+              </a:ext>
+            </a:extLst>
+          </p:cNvPr>
+          <p:cNvSpPr>
+            <a:spLocks noGrp="1" noRot="1" noChangeAspect="1" noMove="1" noResize="1" noEditPoints="1" noAdjustHandles="1" noChangeArrowheads="1" noChangeShapeType="1" noTextEdit="1"/>
+          </p:cNvSpPr>
+          <p:nvPr>
+            <p:extLst>
+              <p:ext uri="{386F3935-93C4-4BCD-93E2-E3B085C9AB24}">
+                <p16:designElem xmlns:p16="http://schemas.microsoft.com/office/powerpoint/2015/main" val="1"/>
+              </p:ext>
+            </p:extLst>
+          </p:nvPr>
+        </p:nvSpPr>
+        <p:spPr>
+          <a:xfrm>
+            <a:off x="0" y="0"/>
+            <a:ext cx="12192000" cy="6858000"/>
+          </a:xfrm>
+          <a:prstGeom prst="rect">
+            <a:avLst/>
+          </a:prstGeom>
+          <a:ln>
+            <a:noFill/>
+          </a:ln>
+        </p:spPr>
+        <p:style>
+          <a:lnRef idx="2">
+            <a:schemeClr val="accent1">
+              <a:shade val="50000"/>
+            </a:schemeClr>
+          </a:lnRef>
+          <a:fillRef idx="1">
+            <a:schemeClr val="accent1"/>
+          </a:fillRef>
+          <a:effectRef idx="0">
+            <a:schemeClr val="accent1"/>
+          </a:effectRef>
+          <a:fontRef idx="minor">
+            <a:schemeClr val="lt1"/>
+          </a:fontRef>
+        </p:style>
+        <p:txBody>
+          <a:bodyPr rtlCol="0" anchor="ctr"/>
+          <a:lstStyle/>
+          <a:p>
+            <a:pPr algn="ctr"/>
+            <a:endParaRPr lang="en-US"/>
+          </a:p>
+        </p:txBody>
+      </p:sp>
+      <p:sp useBgFill="1">
+        <p:nvSpPr>
+          <p:cNvPr id="15" name="Freeform: Shape 9">
+            <a:extLst>
+              <a:ext uri="{FF2B5EF4-FFF2-40B4-BE49-F238E27FC236}">
+                <a16:creationId xmlns:a16="http://schemas.microsoft.com/office/drawing/2014/main" id="{E502BBC7-2C76-46F3-BC24-5985BC13DB88}"/>
+              </a:ext>
+              <a:ext uri="{C183D7F6-B498-43B3-948B-1728B52AA6E4}">
+                <adec:decorative xmlns:adec="http://schemas.microsoft.com/office/drawing/2017/decorative" val="1"/>
+              </a:ext>
+            </a:extLst>
+          </p:cNvPr>
+          <p:cNvSpPr>
+            <a:spLocks noGrp="1" noRot="1" noChangeAspect="1" noMove="1" noResize="1" noEditPoints="1" noAdjustHandles="1" noChangeArrowheads="1" noChangeShapeType="1" noTextEdit="1"/>
+          </p:cNvSpPr>
+          <p:nvPr>
+            <p:extLst>
+              <p:ext uri="{386F3935-93C4-4BCD-93E2-E3B085C9AB24}">
+                <p16:designElem xmlns:p16="http://schemas.microsoft.com/office/powerpoint/2015/main" val="1"/>
+              </p:ext>
+            </p:extLst>
+          </p:nvPr>
+        </p:nvSpPr>
+        <p:spPr>
+          <a:xfrm>
+            <a:off x="1114425" y="0"/>
+            <a:ext cx="9963150" cy="6858000"/>
+          </a:xfrm>
+          <a:custGeom>
+            <a:avLst/>
+            <a:gdLst>
+              <a:gd name="connsiteX0" fmla="*/ 1595771 w 9963150"/>
+              <a:gd name="connsiteY0" fmla="*/ 0 h 6858000"/>
+              <a:gd name="connsiteX1" fmla="*/ 8367379 w 9963150"/>
+              <a:gd name="connsiteY1" fmla="*/ 0 h 6858000"/>
+              <a:gd name="connsiteX2" fmla="*/ 8504080 w 9963150"/>
+              <a:gd name="connsiteY2" fmla="*/ 130333 h 6858000"/>
+              <a:gd name="connsiteX3" fmla="*/ 9963150 w 9963150"/>
+              <a:gd name="connsiteY3" fmla="*/ 3652838 h 6858000"/>
+              <a:gd name="connsiteX4" fmla="*/ 8825600 w 9963150"/>
+              <a:gd name="connsiteY4" fmla="*/ 6821583 h 6858000"/>
+              <a:gd name="connsiteX5" fmla="*/ 8794055 w 9963150"/>
+              <a:gd name="connsiteY5" fmla="*/ 6858000 h 6858000"/>
+              <a:gd name="connsiteX6" fmla="*/ 1169096 w 9963150"/>
+              <a:gd name="connsiteY6" fmla="*/ 6858000 h 6858000"/>
+              <a:gd name="connsiteX7" fmla="*/ 1137550 w 9963150"/>
+              <a:gd name="connsiteY7" fmla="*/ 6821583 h 6858000"/>
+              <a:gd name="connsiteX8" fmla="*/ 0 w 9963150"/>
+              <a:gd name="connsiteY8" fmla="*/ 3652838 h 6858000"/>
+              <a:gd name="connsiteX9" fmla="*/ 1459070 w 9963150"/>
+              <a:gd name="connsiteY9" fmla="*/ 130333 h 6858000"/>
+            </a:gdLst>
+            <a:ahLst/>
+            <a:cxnLst>
+              <a:cxn ang="0">
+                <a:pos x="connsiteX0" y="connsiteY0"/>
+              </a:cxn>
+              <a:cxn ang="0">
+                <a:pos x="connsiteX1" y="connsiteY1"/>
+              </a:cxn>
+              <a:cxn ang="0">
+                <a:pos x="connsiteX2" y="connsiteY2"/>
+              </a:cxn>
+              <a:cxn ang="0">
+                <a:pos x="connsiteX3" y="connsiteY3"/>
+              </a:cxn>
+              <a:cxn ang="0">
+                <a:pos x="connsiteX4" y="connsiteY4"/>
+              </a:cxn>
+              <a:cxn ang="0">
+                <a:pos x="connsiteX5" y="connsiteY5"/>
+              </a:cxn>
+              <a:cxn ang="0">
+                <a:pos x="connsiteX6" y="connsiteY6"/>
+              </a:cxn>
+              <a:cxn ang="0">
+                <a:pos x="connsiteX7" y="connsiteY7"/>
+              </a:cxn>
+              <a:cxn ang="0">
+                <a:pos x="connsiteX8" y="connsiteY8"/>
+              </a:cxn>
+              <a:cxn ang="0">
+                <a:pos x="connsiteX9" y="connsiteY9"/>
+              </a:cxn>
+            </a:cxnLst>
+            <a:rect l="l" t="t" r="r" b="b"/>
+            <a:pathLst>
+              <a:path w="9963150" h="6858000">
+                <a:moveTo>
+                  <a:pt x="1595771" y="0"/>
+                </a:moveTo>
+                <a:lnTo>
+                  <a:pt x="8367379" y="0"/>
+                </a:lnTo>
+                <a:lnTo>
+                  <a:pt x="8504080" y="130333"/>
+                </a:lnTo>
+                <a:cubicBezTo>
+                  <a:pt x="9405568" y="1031820"/>
+                  <a:pt x="9963150" y="2277214"/>
+                  <a:pt x="9963150" y="3652838"/>
+                </a:cubicBezTo>
+                <a:cubicBezTo>
+                  <a:pt x="9963150" y="4856509"/>
+                  <a:pt x="9536251" y="5960473"/>
+                  <a:pt x="8825600" y="6821583"/>
+                </a:cubicBezTo>
+                <a:lnTo>
+                  <a:pt x="8794055" y="6858000"/>
+                </a:lnTo>
+                <a:lnTo>
+                  <a:pt x="1169096" y="6858000"/>
+                </a:lnTo>
+                <a:lnTo>
+                  <a:pt x="1137550" y="6821583"/>
+                </a:lnTo>
+                <a:cubicBezTo>
+                  <a:pt x="426899" y="5960473"/>
+                  <a:pt x="0" y="4856509"/>
+                  <a:pt x="0" y="3652838"/>
+                </a:cubicBezTo>
+                <a:cubicBezTo>
+                  <a:pt x="0" y="2277214"/>
+                  <a:pt x="557582" y="1031820"/>
+                  <a:pt x="1459070" y="130333"/>
+                </a:cubicBezTo>
+                <a:close/>
+              </a:path>
+            </a:pathLst>
+          </a:custGeom>
+          <a:ln w="9525">
+            <a:solidFill>
+              <a:srgbClr val="EFEFEF"/>
+            </a:solidFill>
+          </a:ln>
+          <a:effectLst>
+            <a:outerShdw blurRad="139700" sx="102000" sy="102000" algn="ctr" rotWithShape="0">
+              <a:schemeClr val="bg1">
+                <a:lumMod val="85000"/>
+                <a:alpha val="38000"/>
+              </a:schemeClr>
+            </a:outerShdw>
+          </a:effectLst>
+        </p:spPr>
+        <p:style>
+          <a:lnRef idx="2">
+            <a:schemeClr val="accent1">
+              <a:shade val="50000"/>
+            </a:schemeClr>
+          </a:lnRef>
+          <a:fillRef idx="1">
+            <a:schemeClr val="accent1"/>
+          </a:fillRef>
+          <a:effectRef idx="0">
+            <a:schemeClr val="accent1"/>
+          </a:effectRef>
+          <a:fontRef idx="minor">
+            <a:schemeClr val="lt1"/>
+          </a:fontRef>
+        </p:style>
+        <p:txBody>
+          <a:bodyPr wrap="square" rtlCol="0" anchor="ctr">
+            <a:noAutofit/>
+          </a:bodyPr>
+          <a:lstStyle/>
+          <a:p>
+            <a:pPr marL="0" marR="0" lvl="0" indent="0" algn="ctr" defTabSz="914400" rtl="0" eaLnBrk="1" fontAlgn="auto" latinLnBrk="0" hangingPunct="1">
+              <a:lnSpc>
+                <a:spcPct val="100000"/>
+              </a:lnSpc>
+              <a:spcBef>
+                <a:spcPts val="0"/>
+              </a:spcBef>
+              <a:spcAft>
+                <a:spcPts val="0"/>
+              </a:spcAft>
+              <a:buClrTx/>
+              <a:buSzTx/>
+              <a:buFontTx/>
+              <a:buNone/>
+              <a:tabLst/>
+              <a:defRPr/>
+            </a:pPr>
+            <a:endParaRPr kumimoji="0" lang="en-US" sz="1800" b="0" i="0" u="none" strike="noStrike" kern="1200" cap="none" spc="0" normalizeH="0" baseline="0" noProof="0">
+              <a:ln>
+                <a:noFill/>
+              </a:ln>
+              <a:solidFill>
+                <a:prstClr val="white"/>
+              </a:solidFill>
+              <a:effectLst/>
+              <a:uLnTx/>
+              <a:uFillTx/>
+              <a:latin typeface="Calibri" panose="020F0502020204030204"/>
+              <a:ea typeface="+mn-ea"/>
+              <a:cs typeface="+mn-cs"/>
+            </a:endParaRPr>
+          </a:p>
+        </p:txBody>
+      </p:sp>
+      <p:sp useBgFill="1">
+        <p:nvSpPr>
+          <p:cNvPr id="12" name="Freeform: Shape 11">
+            <a:extLst>
+              <a:ext uri="{FF2B5EF4-FFF2-40B4-BE49-F238E27FC236}">
+                <a16:creationId xmlns:a16="http://schemas.microsoft.com/office/drawing/2014/main" id="{C7F28D52-2A5F-4D23-81AE-7CB8B591C7AF}"/>
+              </a:ext>
+              <a:ext uri="{C183D7F6-B498-43B3-948B-1728B52AA6E4}">
+                <adec:decorative xmlns:adec="http://schemas.microsoft.com/office/drawing/2017/decorative" val="1"/>
+              </a:ext>
+            </a:extLst>
+          </p:cNvPr>
+          <p:cNvSpPr>
+            <a:spLocks noGrp="1" noRot="1" noChangeAspect="1" noMove="1" noResize="1" noEditPoints="1" noAdjustHandles="1" noChangeArrowheads="1" noChangeShapeType="1" noTextEdit="1"/>
+          </p:cNvSpPr>
+          <p:nvPr>
+            <p:extLst>
+              <p:ext uri="{386F3935-93C4-4BCD-93E2-E3B085C9AB24}">
+                <p16:designElem xmlns:p16="http://schemas.microsoft.com/office/powerpoint/2015/main" val="1"/>
+              </p:ext>
+            </p:extLst>
+          </p:nvPr>
+        </p:nvSpPr>
+        <p:spPr>
+          <a:xfrm>
+            <a:off x="1121664" y="0"/>
+            <a:ext cx="9948672" cy="6858000"/>
+          </a:xfrm>
+          <a:custGeom>
+            <a:avLst/>
+            <a:gdLst>
+              <a:gd name="connsiteX0" fmla="*/ 1595771 w 9963150"/>
+              <a:gd name="connsiteY0" fmla="*/ 0 h 6858000"/>
+              <a:gd name="connsiteX1" fmla="*/ 8367379 w 9963150"/>
+              <a:gd name="connsiteY1" fmla="*/ 0 h 6858000"/>
+              <a:gd name="connsiteX2" fmla="*/ 8504080 w 9963150"/>
+              <a:gd name="connsiteY2" fmla="*/ 130333 h 6858000"/>
+              <a:gd name="connsiteX3" fmla="*/ 9963150 w 9963150"/>
+              <a:gd name="connsiteY3" fmla="*/ 3652838 h 6858000"/>
+              <a:gd name="connsiteX4" fmla="*/ 8825600 w 9963150"/>
+              <a:gd name="connsiteY4" fmla="*/ 6821583 h 6858000"/>
+              <a:gd name="connsiteX5" fmla="*/ 8794055 w 9963150"/>
+              <a:gd name="connsiteY5" fmla="*/ 6858000 h 6858000"/>
+              <a:gd name="connsiteX6" fmla="*/ 1169096 w 9963150"/>
+              <a:gd name="connsiteY6" fmla="*/ 6858000 h 6858000"/>
+              <a:gd name="connsiteX7" fmla="*/ 1137550 w 9963150"/>
+              <a:gd name="connsiteY7" fmla="*/ 6821583 h 6858000"/>
+              <a:gd name="connsiteX8" fmla="*/ 0 w 9963150"/>
+              <a:gd name="connsiteY8" fmla="*/ 3652838 h 6858000"/>
+              <a:gd name="connsiteX9" fmla="*/ 1459070 w 9963150"/>
+              <a:gd name="connsiteY9" fmla="*/ 130333 h 6858000"/>
+            </a:gdLst>
+            <a:ahLst/>
+            <a:cxnLst>
+              <a:cxn ang="0">
+                <a:pos x="connsiteX0" y="connsiteY0"/>
+              </a:cxn>
+              <a:cxn ang="0">
+                <a:pos x="connsiteX1" y="connsiteY1"/>
+              </a:cxn>
+              <a:cxn ang="0">
+                <a:pos x="connsiteX2" y="connsiteY2"/>
+              </a:cxn>
+              <a:cxn ang="0">
+                <a:pos x="connsiteX3" y="connsiteY3"/>
+              </a:cxn>
+              <a:cxn ang="0">
+                <a:pos x="connsiteX4" y="connsiteY4"/>
+              </a:cxn>
+              <a:cxn ang="0">
+                <a:pos x="connsiteX5" y="connsiteY5"/>
+              </a:cxn>
+              <a:cxn ang="0">
+                <a:pos x="connsiteX6" y="connsiteY6"/>
+              </a:cxn>
+              <a:cxn ang="0">
+                <a:pos x="connsiteX7" y="connsiteY7"/>
+              </a:cxn>
+              <a:cxn ang="0">
+                <a:pos x="connsiteX8" y="connsiteY8"/>
+              </a:cxn>
+              <a:cxn ang="0">
+                <a:pos x="connsiteX9" y="connsiteY9"/>
+              </a:cxn>
+            </a:cxnLst>
+            <a:rect l="l" t="t" r="r" b="b"/>
+            <a:pathLst>
+              <a:path w="9963150" h="6858000">
+                <a:moveTo>
+                  <a:pt x="1595771" y="0"/>
+                </a:moveTo>
+                <a:lnTo>
+                  <a:pt x="8367379" y="0"/>
+                </a:lnTo>
+                <a:lnTo>
+                  <a:pt x="8504080" y="130333"/>
+                </a:lnTo>
+                <a:cubicBezTo>
+                  <a:pt x="9405568" y="1031820"/>
+                  <a:pt x="9963150" y="2277214"/>
+                  <a:pt x="9963150" y="3652838"/>
+                </a:cubicBezTo>
+                <a:cubicBezTo>
+                  <a:pt x="9963150" y="4856509"/>
+                  <a:pt x="9536251" y="5960473"/>
+                  <a:pt x="8825600" y="6821583"/>
+                </a:cubicBezTo>
+                <a:lnTo>
+                  <a:pt x="8794055" y="6858000"/>
+                </a:lnTo>
+                <a:lnTo>
+                  <a:pt x="1169096" y="6858000"/>
+                </a:lnTo>
+                <a:lnTo>
+                  <a:pt x="1137550" y="6821583"/>
+                </a:lnTo>
+                <a:cubicBezTo>
+                  <a:pt x="426899" y="5960473"/>
+                  <a:pt x="0" y="4856509"/>
+                  <a:pt x="0" y="3652838"/>
+                </a:cubicBezTo>
+                <a:cubicBezTo>
+                  <a:pt x="0" y="2277214"/>
+                  <a:pt x="557582" y="1031820"/>
+                  <a:pt x="1459070" y="130333"/>
+                </a:cubicBezTo>
+                <a:close/>
+              </a:path>
+            </a:pathLst>
+          </a:custGeom>
+          <a:ln w="9525">
+            <a:noFill/>
+          </a:ln>
+          <a:effectLst/>
+        </p:spPr>
+        <p:style>
+          <a:lnRef idx="2">
+            <a:schemeClr val="accent1">
+              <a:shade val="50000"/>
+            </a:schemeClr>
+          </a:lnRef>
+          <a:fillRef idx="1">
+            <a:schemeClr val="accent1"/>
+          </a:fillRef>
+          <a:effectRef idx="0">
+            <a:schemeClr val="accent1"/>
+          </a:effectRef>
+          <a:fontRef idx="minor">
+            <a:schemeClr val="lt1"/>
+          </a:fontRef>
+        </p:style>
+        <p:txBody>
+          <a:bodyPr wrap="square" rtlCol="0" anchor="ctr">
+            <a:noAutofit/>
+          </a:bodyPr>
+          <a:lstStyle/>
+          <a:p>
+            <a:pPr marL="0" marR="0" lvl="0" indent="0" algn="ctr" defTabSz="914400" rtl="0" eaLnBrk="1" fontAlgn="auto" latinLnBrk="0" hangingPunct="1">
+              <a:lnSpc>
+                <a:spcPct val="100000"/>
+              </a:lnSpc>
+              <a:spcBef>
+                <a:spcPts val="0"/>
+              </a:spcBef>
+              <a:spcAft>
+                <a:spcPts val="0"/>
+              </a:spcAft>
+              <a:buClrTx/>
+              <a:buSzTx/>
+              <a:buFontTx/>
+              <a:buNone/>
+              <a:tabLst/>
+              <a:defRPr/>
+            </a:pPr>
+            <a:endParaRPr kumimoji="0" lang="en-US" sz="1800" b="0" i="0" u="none" strike="noStrike" kern="1200" cap="none" spc="0" normalizeH="0" baseline="0" noProof="0">
+              <a:ln>
+                <a:noFill/>
+              </a:ln>
+              <a:solidFill>
+                <a:prstClr val="white"/>
+              </a:solidFill>
+              <a:effectLst/>
+              <a:uLnTx/>
+              <a:uFillTx/>
+              <a:latin typeface="Calibri" panose="020F0502020204030204"/>
+              <a:ea typeface="+mn-ea"/>
+              <a:cs typeface="+mn-cs"/>
+            </a:endParaRPr>
+          </a:p>
+        </p:txBody>
+      </p:sp>
       <p:sp>
         <p:nvSpPr>
           <p:cNvPr id="2" name="Titel 1">
@@ -6625,12 +7824,22 @@
             <p:ph type="ctrTitle"/>
           </p:nvPr>
         </p:nvSpPr>
-        <p:spPr/>
-        <p:txBody>
-          <a:bodyPr/>
+        <p:spPr>
+          <a:xfrm>
+            <a:off x="1524003" y="1999615"/>
+            <a:ext cx="9144000" cy="2764028"/>
+          </a:xfrm>
+        </p:spPr>
+        <p:txBody>
+          <a:bodyPr anchor="ctr">
+            <a:normAutofit/>
+          </a:bodyPr>
           <a:lstStyle/>
           <a:p>
-            <a:endParaRPr lang="nl-NL" dirty="0"/>
+            <a:r>
+              <a:rPr lang="nl-NL" sz="7200" dirty="0"/>
+              <a:t>Soldering Station</a:t>
+            </a:r>
           </a:p>
         </p:txBody>
       </p:sp>
@@ -6650,12 +7859,114 @@
             <p:ph type="subTitle" idx="1"/>
           </p:nvPr>
         </p:nvSpPr>
-        <p:spPr/>
-        <p:txBody>
-          <a:bodyPr/>
+        <p:spPr>
+          <a:xfrm>
+            <a:off x="1966912" y="5645150"/>
+            <a:ext cx="8258176" cy="631825"/>
+          </a:xfrm>
+        </p:spPr>
+        <p:txBody>
+          <a:bodyPr anchor="ctr">
+            <a:normAutofit/>
+          </a:bodyPr>
           <a:lstStyle/>
           <a:p>
-            <a:endParaRPr lang="nl-NL" dirty="0"/>
+            <a:r>
+              <a:rPr lang="nl-NL" sz="2800" dirty="0"/>
+              <a:t>Seppe Budenaers</a:t>
+            </a:r>
+          </a:p>
+        </p:txBody>
+      </p:sp>
+      <p:sp>
+        <p:nvSpPr>
+          <p:cNvPr id="14" name="Rectangle 13">
+            <a:extLst>
+              <a:ext uri="{FF2B5EF4-FFF2-40B4-BE49-F238E27FC236}">
+                <a16:creationId xmlns:a16="http://schemas.microsoft.com/office/drawing/2014/main" id="{3629484E-3792-4B3D-89AD-7C8A1ED0E0D4}"/>
+              </a:ext>
+              <a:ext uri="{C183D7F6-B498-43B3-948B-1728B52AA6E4}">
+                <adec:decorative xmlns:adec="http://schemas.microsoft.com/office/drawing/2017/decorative" val="1"/>
+              </a:ext>
+            </a:extLst>
+          </p:cNvPr>
+          <p:cNvSpPr>
+            <a:spLocks noGrp="1" noRot="1" noChangeAspect="1" noMove="1" noResize="1" noEditPoints="1" noAdjustHandles="1" noChangeArrowheads="1" noChangeShapeType="1" noTextEdit="1"/>
+          </p:cNvSpPr>
+          <p:nvPr>
+            <p:extLst>
+              <p:ext uri="{386F3935-93C4-4BCD-93E2-E3B085C9AB24}">
+                <p16:designElem xmlns:p16="http://schemas.microsoft.com/office/powerpoint/2015/main" val="1"/>
+              </p:ext>
+            </p:extLst>
+          </p:nvPr>
+        </p:nvSpPr>
+        <p:spPr>
+          <a:xfrm>
+            <a:off x="3718560" y="5524786"/>
+            <a:ext cx="4754880" cy="27432"/>
+          </a:xfrm>
+          <a:prstGeom prst="rect">
+            <a:avLst/>
+          </a:prstGeom>
+          <a:solidFill>
+            <a:schemeClr val="accent2"/>
+          </a:solidFill>
+          <a:ln>
+            <a:noFill/>
+          </a:ln>
+        </p:spPr>
+        <p:style>
+          <a:lnRef idx="2">
+            <a:schemeClr val="accent1">
+              <a:shade val="50000"/>
+            </a:schemeClr>
+          </a:lnRef>
+          <a:fillRef idx="1">
+            <a:schemeClr val="accent1"/>
+          </a:fillRef>
+          <a:effectRef idx="0">
+            <a:schemeClr val="accent1"/>
+          </a:effectRef>
+          <a:fontRef idx="minor">
+            <a:schemeClr val="lt1"/>
+          </a:fontRef>
+        </p:style>
+        <p:txBody>
+          <a:bodyPr rtlCol="0" anchor="ctr"/>
+          <a:lstStyle/>
+          <a:p>
+            <a:pPr marL="0" marR="0" lvl="0" indent="0" algn="ctr" defTabSz="914400" rtl="0" eaLnBrk="1" fontAlgn="auto" latinLnBrk="0" hangingPunct="1">
+              <a:lnSpc>
+                <a:spcPct val="100000"/>
+              </a:lnSpc>
+              <a:spcBef>
+                <a:spcPts val="0"/>
+              </a:spcBef>
+              <a:spcAft>
+                <a:spcPts val="0"/>
+              </a:spcAft>
+              <a:buClrTx/>
+              <a:buSzTx/>
+              <a:buFontTx/>
+              <a:buNone/>
+              <a:tabLst/>
+              <a:defRPr/>
+            </a:pPr>
+            <a:endParaRPr kumimoji="0" lang="en-US" sz="1800" b="0" i="0" u="none" strike="noStrike" kern="1200" cap="none" spc="0" normalizeH="0" baseline="0" noProof="0">
+              <a:ln>
+                <a:noFill/>
+              </a:ln>
+              <a:solidFill>
+                <a:prstClr val="white"/>
+              </a:solidFill>
+              <a:effectLst/>
+              <a:uLnTx/>
+              <a:uFillTx/>
+              <a:latin typeface="Calibri" panose="020F0502020204030204"/>
+              <a:ea typeface="+mn-ea"/>
+              <a:cs typeface="+mn-cs"/>
+            </a:endParaRPr>
           </a:p>
         </p:txBody>
       </p:sp>
@@ -7130,57 +8441,37 @@
           </a:p>
           <a:p>
             <a:r>
-              <a:rPr lang="en-US" sz="2200" dirty="0"/>
-              <a:t>Uses</a:t>
+              <a:rPr lang="nl-NL" sz="2200" dirty="0"/>
+              <a:t>JCB C245</a:t>
+            </a:r>
+            <a:endParaRPr lang="en-GB" sz="2200" dirty="0"/>
+          </a:p>
+          <a:p>
+            <a:r>
+              <a:rPr lang="en-GB" sz="2200" i="1" dirty="0" err="1"/>
+              <a:t>Elektor</a:t>
             </a:r>
             <a:r>
-              <a:rPr lang="nl-NL" sz="2200" dirty="0"/>
+              <a:rPr lang="en-GB" sz="2200" dirty="0" err="1"/>
+              <a:t>’s</a:t>
+            </a:r>
+            <a:r>
+              <a:rPr lang="en-GB" sz="2200" i="1" dirty="0"/>
               <a:t> </a:t>
             </a:r>
             <a:r>
-              <a:rPr lang="nl-NL" sz="2200" dirty="0" err="1"/>
-              <a:t>the</a:t>
+              <a:rPr lang="en-GB" sz="2200" dirty="0"/>
+              <a:t>schematic</a:t>
             </a:r>
+          </a:p>
+          <a:p>
             <a:r>
-              <a:rPr lang="nl-NL" sz="2200" dirty="0"/>
-              <a:t> JCB C245 </a:t>
+              <a:rPr lang="en-GB" sz="2200" dirty="0" err="1"/>
+              <a:t>Nixie</a:t>
             </a:r>
             <a:r>
               <a:rPr lang="en-GB" sz="2200" dirty="0"/>
-              <a:t>soldering iron </a:t>
-            </a:r>
-            <a:r>
-              <a:rPr lang="en-GB" sz="2200" dirty="0" err="1"/>
-              <a:t>serie</a:t>
-            </a:r>
-            <a:endParaRPr lang="en-GB" sz="2200" dirty="0"/>
-          </a:p>
-          <a:p>
-            <a:r>
-              <a:rPr lang="en-GB" sz="2200" dirty="0"/>
-              <a:t>Based on </a:t>
-            </a:r>
-            <a:r>
-              <a:rPr lang="en-GB" sz="2200" i="1" dirty="0"/>
-              <a:t>Elektors </a:t>
-            </a:r>
-            <a:r>
-              <a:rPr lang="en-GB" sz="2200" dirty="0"/>
-              <a:t>soldering station schematic</a:t>
-            </a:r>
-          </a:p>
-          <a:p>
-            <a:r>
-              <a:rPr lang="en-GB" sz="2200" dirty="0"/>
-              <a:t>Design based of a </a:t>
-            </a:r>
-            <a:r>
-              <a:rPr lang="en-GB" sz="2200" dirty="0" err="1"/>
-              <a:t>nixie</a:t>
-            </a:r>
-            <a:r>
-              <a:rPr lang="en-GB" sz="2200" dirty="0"/>
-              <a:t> tube clock </a:t>
+              <a:t> tube clock design</a:t>
             </a:r>
             <a:endParaRPr lang="nl-NL" sz="2200" dirty="0"/>
           </a:p>
@@ -8101,7 +9392,7 @@
           <p:nvPr/>
         </p:nvPicPr>
         <p:blipFill rotWithShape="1">
-          <a:blip r:embed="rId2">
+          <a:blip r:embed="rId3">
             <a:extLst>
               <a:ext uri="{28A0092B-C50C-407E-A947-70E740481C1C}">
                 <a14:useLocalDpi xmlns:a14="http://schemas.microsoft.com/office/drawing/2010/main" val="0"/>
@@ -8434,24 +9725,24 @@
           <a:lstStyle/>
           <a:p>
             <a:r>
-              <a:rPr lang="en-US" sz="1700"/>
+              <a:rPr lang="en-US" sz="1700" dirty="0"/>
+              <a:t>5 schematics</a:t>
+            </a:r>
+          </a:p>
+          <a:p>
+            <a:r>
+              <a:rPr lang="en-US" sz="1700" dirty="0"/>
               <a:t>SMD components </a:t>
             </a:r>
           </a:p>
           <a:p>
             <a:r>
-              <a:rPr lang="en-US" sz="1700"/>
-              <a:t>5 schematics</a:t>
-            </a:r>
-          </a:p>
-          <a:p>
-            <a:r>
-              <a:rPr lang="en-US" sz="1700"/>
+              <a:rPr lang="en-US" sz="1700" dirty="0"/>
               <a:t>Routed in rooms</a:t>
             </a:r>
           </a:p>
           <a:p>
-            <a:endParaRPr lang="en-US" sz="1700"/>
+            <a:endParaRPr lang="en-US" sz="1700" dirty="0"/>
           </a:p>
         </p:txBody>
       </p:sp>
@@ -8733,7 +10024,7 @@
           </p:nvPr>
         </p:nvPicPr>
         <p:blipFill rotWithShape="1">
-          <a:blip r:embed="rId2">
+          <a:blip r:embed="rId3">
             <a:extLst>
               <a:ext uri="{28A0092B-C50C-407E-A947-70E740481C1C}">
                 <a14:useLocalDpi xmlns:a14="http://schemas.microsoft.com/office/drawing/2010/main" val="0"/>
@@ -8745,8 +10036,8 @@
         </p:blipFill>
         <p:spPr>
           <a:xfrm>
-            <a:off x="710060" y="365760"/>
-            <a:ext cx="3273157" cy="3639935"/>
+            <a:off x="554416" y="365760"/>
+            <a:ext cx="3428801" cy="3639935"/>
           </a:xfrm>
           <a:prstGeom prst="rect">
             <a:avLst/>
@@ -8768,7 +10059,7 @@
           <p:nvPr/>
         </p:nvPicPr>
         <p:blipFill rotWithShape="1">
-          <a:blip r:embed="rId3">
+          <a:blip r:embed="rId4">
             <a:extLst>
               <a:ext uri="{28A0092B-C50C-407E-A947-70E740481C1C}">
                 <a14:useLocalDpi xmlns:a14="http://schemas.microsoft.com/office/drawing/2010/main" val="0"/>
@@ -8803,7 +10094,7 @@
           <p:nvPr/>
         </p:nvPicPr>
         <p:blipFill rotWithShape="1">
-          <a:blip r:embed="rId4">
+          <a:blip r:embed="rId5">
             <a:extLst>
               <a:ext uri="{28A0092B-C50C-407E-A947-70E740481C1C}">
                 <a14:useLocalDpi xmlns:a14="http://schemas.microsoft.com/office/drawing/2010/main" val="0"/>
@@ -9206,7 +10497,7 @@
         </p:xfrm>
         <a:graphic>
           <a:graphicData uri="http://schemas.openxmlformats.org/drawingml/2006/diagram">
-            <dgm:relIds xmlns:dgm="http://schemas.openxmlformats.org/drawingml/2006/diagram" xmlns:r="http://schemas.openxmlformats.org/officeDocument/2006/relationships" r:dm="rId2" r:lo="rId3" r:qs="rId4" r:cs="rId5"/>
+            <dgm:relIds xmlns:dgm="http://schemas.openxmlformats.org/drawingml/2006/diagram" xmlns:r="http://schemas.openxmlformats.org/officeDocument/2006/relationships" r:dm="rId3" r:lo="rId4" r:qs="rId5" r:cs="rId6"/>
           </a:graphicData>
         </a:graphic>
       </p:graphicFrame>
@@ -9253,7 +10544,7 @@
           <p:nvPr/>
         </p:nvPicPr>
         <p:blipFill>
-          <a:blip r:embed="rId7">
+          <a:blip r:embed="rId8">
             <a:extLst>
               <a:ext uri="{28A0092B-C50C-407E-A947-70E740481C1C}">
                 <a14:useLocalDpi xmlns:a14="http://schemas.microsoft.com/office/drawing/2010/main" val="0"/>
@@ -9745,7 +11036,7 @@
           </p:nvPr>
         </p:nvPicPr>
         <p:blipFill rotWithShape="1">
-          <a:blip r:embed="rId2"/>
+          <a:blip r:embed="rId3"/>
           <a:srcRect r="1" b="1717"/>
           <a:stretch/>
         </p:blipFill>
